--- a/day 8/SAC_Training Day 8.pptx
+++ b/day 8/SAC_Training Day 8.pptx
@@ -6,7 +6,7 @@
     <p:sldMasterId id="2147483660" r:id="rId2"/>
   </p:sldMasterIdLst>
   <p:notesMasterIdLst>
-    <p:notesMasterId r:id="rId20"/>
+    <p:notesMasterId r:id="rId18"/>
   </p:notesMasterIdLst>
   <p:sldIdLst>
     <p:sldId id="256" r:id="rId3"/>
@@ -20,12 +20,10 @@
     <p:sldId id="484" r:id="rId11"/>
     <p:sldId id="390" r:id="rId12"/>
     <p:sldId id="498" r:id="rId13"/>
-    <p:sldId id="391" r:id="rId14"/>
-    <p:sldId id="392" r:id="rId15"/>
-    <p:sldId id="462" r:id="rId16"/>
-    <p:sldId id="475" r:id="rId17"/>
-    <p:sldId id="399" r:id="rId18"/>
-    <p:sldId id="409" r:id="rId19"/>
+    <p:sldId id="462" r:id="rId14"/>
+    <p:sldId id="475" r:id="rId15"/>
+    <p:sldId id="399" r:id="rId16"/>
+    <p:sldId id="409" r:id="rId17"/>
   </p:sldIdLst>
   <p:sldSz cx="12192000" cy="6858000"/>
   <p:notesSz cx="6858000" cy="9144000"/>
@@ -161,34 +159,6 @@
 </inkml:ink>
 </file>
 
-<file path=ppt/ink/ink2.xml><?xml version="1.0" encoding="utf-8"?>
-<inkml:ink xmlns:inkml="http://www.w3.org/2003/InkML">
-  <inkml:definitions>
-    <inkml:context xml:id="ctx0">
-      <inkml:inkSource xml:id="inkSrc0">
-        <inkml:traceFormat>
-          <inkml:channel name="X" type="integer" max="1920" units="cm"/>
-          <inkml:channel name="Y" type="integer" max="1080" units="cm"/>
-          <inkml:channel name="T" type="integer" max="2.14748E9" units="dev"/>
-        </inkml:traceFormat>
-        <inkml:channelProperties>
-          <inkml:channelProperty channel="X" name="resolution" value="55.81395" units="1/cm"/>
-          <inkml:channelProperty channel="Y" name="resolution" value="55.6701" units="1/cm"/>
-          <inkml:channelProperty channel="T" name="resolution" value="1" units="1/dev"/>
-        </inkml:channelProperties>
-      </inkml:inkSource>
-      <inkml:timestamp xml:id="ts0" timeString="2020-12-18T05:52:22.792"/>
-    </inkml:context>
-    <inkml:brush xml:id="br0">
-      <inkml:brushProperty name="width" value="0.05" units="cm"/>
-      <inkml:brushProperty name="height" value="0.05" units="cm"/>
-      <inkml:brushProperty name="fitToCurve" value="1"/>
-    </inkml:brush>
-  </inkml:definitions>
-  <inkml:trace contextRef="#ctx0" brushRef="#br0">26 52 0,'26'0'15,"-26"-26"17,-26 26-1,26-26-15,-26 26 30,26 26 79,26-26-93,0 0 46,-26 26 16</inkml:trace>
-</inkml:ink>
-</file>
-
 <file path=ppt/notesMasters/notesMaster1.xml><?xml version="1.0" encoding="utf-8"?>
 <p:notesMaster xmlns:a="http://schemas.openxmlformats.org/drawingml/2006/main" xmlns:r="http://schemas.openxmlformats.org/officeDocument/2006/relationships" xmlns:p="http://schemas.openxmlformats.org/presentationml/2006/main">
   <p:cSld>
@@ -818,7 +788,7 @@
                 <a:tabLst/>
                 <a:defRPr/>
               </a:pPr>
-              <a:t>17</a:t>
+              <a:t>15</a:t>
             </a:fld>
             <a:endParaRPr kumimoji="0" lang="en-US" sz="1200" b="0" i="0" u="none" strike="noStrike" kern="1200" cap="none" spc="0" normalizeH="0" baseline="0" noProof="0">
               <a:ln>
@@ -2480,7 +2450,7 @@
 
 <file path=ppt/slideLayouts/slideLayout18.xml><?xml version="1.0" encoding="utf-8"?>
 <p:sldLayout xmlns:a="http://schemas.openxmlformats.org/drawingml/2006/main" xmlns:r="http://schemas.openxmlformats.org/officeDocument/2006/relationships" xmlns:p="http://schemas.openxmlformats.org/presentationml/2006/main" userDrawn="1">
-  <p:cSld name="19_Title Only">
+  <p:cSld name="5_Title Only">
     <p:spTree>
       <p:nvGrpSpPr>
         <p:cNvPr id="1" name=""/>
@@ -2650,7 +2620,7 @@
     </p:spTree>
     <p:extLst>
       <p:ext uri="{BB962C8B-B14F-4D97-AF65-F5344CB8AC3E}">
-        <p14:creationId xmlns:p14="http://schemas.microsoft.com/office/powerpoint/2010/main" val="2549721615"/>
+        <p14:creationId xmlns:p14="http://schemas.microsoft.com/office/powerpoint/2010/main" val="2058982384"/>
       </p:ext>
     </p:extLst>
   </p:cSld>
@@ -2662,7 +2632,7 @@
 
 <file path=ppt/slideLayouts/slideLayout19.xml><?xml version="1.0" encoding="utf-8"?>
 <p:sldLayout xmlns:a="http://schemas.openxmlformats.org/drawingml/2006/main" xmlns:r="http://schemas.openxmlformats.org/officeDocument/2006/relationships" xmlns:p="http://schemas.openxmlformats.org/presentationml/2006/main" userDrawn="1">
-  <p:cSld name="20_Title Only">
+  <p:cSld name="6_Title Only">
     <p:spTree>
       <p:nvGrpSpPr>
         <p:cNvPr id="1" name=""/>
@@ -2832,7 +2802,7 @@
     </p:spTree>
     <p:extLst>
       <p:ext uri="{BB962C8B-B14F-4D97-AF65-F5344CB8AC3E}">
-        <p14:creationId xmlns:p14="http://schemas.microsoft.com/office/powerpoint/2010/main" val="4002971214"/>
+        <p14:creationId xmlns:p14="http://schemas.microsoft.com/office/powerpoint/2010/main" val="3187167800"/>
       </p:ext>
     </p:extLst>
   </p:cSld>
@@ -3012,370 +2982,6 @@
 
 <file path=ppt/slideLayouts/slideLayout20.xml><?xml version="1.0" encoding="utf-8"?>
 <p:sldLayout xmlns:a="http://schemas.openxmlformats.org/drawingml/2006/main" xmlns:r="http://schemas.openxmlformats.org/officeDocument/2006/relationships" xmlns:p="http://schemas.openxmlformats.org/presentationml/2006/main" userDrawn="1">
-  <p:cSld name="5_Title Only">
-    <p:spTree>
-      <p:nvGrpSpPr>
-        <p:cNvPr id="1" name=""/>
-        <p:cNvGrpSpPr/>
-        <p:nvPr/>
-      </p:nvGrpSpPr>
-      <p:grpSpPr>
-        <a:xfrm>
-          <a:off x="0" y="0"/>
-          <a:ext cx="0" cy="0"/>
-          <a:chOff x="0" y="0"/>
-          <a:chExt cx="0" cy="0"/>
-        </a:xfrm>
-      </p:grpSpPr>
-      <p:sp>
-        <p:nvSpPr>
-          <p:cNvPr id="2" name="Title 1"/>
-          <p:cNvSpPr>
-            <a:spLocks noGrp="1"/>
-          </p:cNvSpPr>
-          <p:nvPr>
-            <p:ph type="title"/>
-          </p:nvPr>
-        </p:nvSpPr>
-        <p:spPr/>
-        <p:txBody>
-          <a:bodyPr>
-            <a:noAutofit/>
-          </a:bodyPr>
-          <a:lstStyle>
-            <a:lvl1pPr>
-              <a:defRPr sz="3600"/>
-            </a:lvl1pPr>
-          </a:lstStyle>
-          <a:p>
-            <a:r>
-              <a:rPr lang="en-US"/>
-              <a:t>Click to edit Master title style</a:t>
-            </a:r>
-          </a:p>
-        </p:txBody>
-      </p:sp>
-      <p:sp>
-        <p:nvSpPr>
-          <p:cNvPr id="3" name="Date Placeholder 2"/>
-          <p:cNvSpPr>
-            <a:spLocks noGrp="1"/>
-          </p:cNvSpPr>
-          <p:nvPr>
-            <p:ph type="dt" sz="half" idx="10"/>
-          </p:nvPr>
-        </p:nvSpPr>
-        <p:spPr/>
-        <p:txBody>
-          <a:bodyPr/>
-          <a:lstStyle/>
-          <a:p>
-            <a:fld id="{425404F2-BE9A-4460-8815-8F645183555F}" type="datetimeFigureOut">
-              <a:rPr lang="en-US" smtClean="0"/>
-              <a:pPr/>
-              <a:t>11/22/2021</a:t>
-            </a:fld>
-            <a:endParaRPr lang="en-US"/>
-          </a:p>
-        </p:txBody>
-      </p:sp>
-      <p:sp>
-        <p:nvSpPr>
-          <p:cNvPr id="4" name="Footer Placeholder 3"/>
-          <p:cNvSpPr>
-            <a:spLocks noGrp="1"/>
-          </p:cNvSpPr>
-          <p:nvPr>
-            <p:ph type="ftr" sz="quarter" idx="11"/>
-          </p:nvPr>
-        </p:nvSpPr>
-        <p:spPr/>
-        <p:txBody>
-          <a:bodyPr/>
-          <a:lstStyle/>
-          <a:p>
-            <a:endParaRPr lang="en-US"/>
-          </a:p>
-        </p:txBody>
-      </p:sp>
-      <p:sp>
-        <p:nvSpPr>
-          <p:cNvPr id="5" name="Slide Number Placeholder 4"/>
-          <p:cNvSpPr>
-            <a:spLocks noGrp="1"/>
-          </p:cNvSpPr>
-          <p:nvPr>
-            <p:ph type="sldNum" sz="quarter" idx="12"/>
-          </p:nvPr>
-        </p:nvSpPr>
-        <p:spPr/>
-        <p:txBody>
-          <a:bodyPr/>
-          <a:lstStyle/>
-          <a:p>
-            <a:fld id="{96E69268-9C8B-4EBF-A9EE-DC5DC2D48DC3}" type="slidenum">
-              <a:rPr lang="en-US" smtClean="0"/>
-              <a:pPr/>
-              <a:t>‹#›</a:t>
-            </a:fld>
-            <a:endParaRPr lang="en-US"/>
-          </a:p>
-        </p:txBody>
-      </p:sp>
-      <p:sp>
-        <p:nvSpPr>
-          <p:cNvPr id="9" name="Content Placeholder 6"/>
-          <p:cNvSpPr>
-            <a:spLocks noGrp="1"/>
-          </p:cNvSpPr>
-          <p:nvPr>
-            <p:ph sz="quarter" idx="13"/>
-          </p:nvPr>
-        </p:nvSpPr>
-        <p:spPr>
-          <a:xfrm>
-            <a:off x="608170" y="932702"/>
-            <a:ext cx="10975658" cy="484187"/>
-          </a:xfrm>
-        </p:spPr>
-        <p:txBody>
-          <a:bodyPr>
-            <a:noAutofit/>
-          </a:bodyPr>
-          <a:lstStyle>
-            <a:lvl1pPr marL="0" indent="0">
-              <a:buFontTx/>
-              <a:buNone/>
-              <a:defRPr sz="2200"/>
-            </a:lvl1pPr>
-            <a:lvl2pPr marL="609494" indent="0">
-              <a:buFontTx/>
-              <a:buNone/>
-              <a:defRPr sz="2000"/>
-            </a:lvl2pPr>
-            <a:lvl3pPr marL="1218986" indent="0">
-              <a:buFontTx/>
-              <a:buNone/>
-              <a:defRPr sz="1600"/>
-            </a:lvl3pPr>
-            <a:lvl4pPr marL="1828480" indent="0">
-              <a:buFontTx/>
-              <a:buNone/>
-              <a:defRPr sz="1400"/>
-            </a:lvl4pPr>
-            <a:lvl5pPr marL="2437973" indent="0">
-              <a:buFontTx/>
-              <a:buNone/>
-              <a:defRPr sz="1400"/>
-            </a:lvl5pPr>
-          </a:lstStyle>
-          <a:p>
-            <a:pPr lvl="0"/>
-            <a:r>
-              <a:rPr lang="en-US" dirty="0"/>
-              <a:t>Click to edit Master text styles</a:t>
-            </a:r>
-            <a:endParaRPr lang="en-IN" dirty="0"/>
-          </a:p>
-        </p:txBody>
-      </p:sp>
-    </p:spTree>
-    <p:extLst>
-      <p:ext uri="{BB962C8B-B14F-4D97-AF65-F5344CB8AC3E}">
-        <p14:creationId xmlns:p14="http://schemas.microsoft.com/office/powerpoint/2010/main" val="2058982384"/>
-      </p:ext>
-    </p:extLst>
-  </p:cSld>
-  <p:clrMapOvr>
-    <a:masterClrMapping/>
-  </p:clrMapOvr>
-</p:sldLayout>
-</file>
-
-<file path=ppt/slideLayouts/slideLayout21.xml><?xml version="1.0" encoding="utf-8"?>
-<p:sldLayout xmlns:a="http://schemas.openxmlformats.org/drawingml/2006/main" xmlns:r="http://schemas.openxmlformats.org/officeDocument/2006/relationships" xmlns:p="http://schemas.openxmlformats.org/presentationml/2006/main" userDrawn="1">
-  <p:cSld name="6_Title Only">
-    <p:spTree>
-      <p:nvGrpSpPr>
-        <p:cNvPr id="1" name=""/>
-        <p:cNvGrpSpPr/>
-        <p:nvPr/>
-      </p:nvGrpSpPr>
-      <p:grpSpPr>
-        <a:xfrm>
-          <a:off x="0" y="0"/>
-          <a:ext cx="0" cy="0"/>
-          <a:chOff x="0" y="0"/>
-          <a:chExt cx="0" cy="0"/>
-        </a:xfrm>
-      </p:grpSpPr>
-      <p:sp>
-        <p:nvSpPr>
-          <p:cNvPr id="2" name="Title 1"/>
-          <p:cNvSpPr>
-            <a:spLocks noGrp="1"/>
-          </p:cNvSpPr>
-          <p:nvPr>
-            <p:ph type="title"/>
-          </p:nvPr>
-        </p:nvSpPr>
-        <p:spPr/>
-        <p:txBody>
-          <a:bodyPr>
-            <a:noAutofit/>
-          </a:bodyPr>
-          <a:lstStyle>
-            <a:lvl1pPr>
-              <a:defRPr sz="3600"/>
-            </a:lvl1pPr>
-          </a:lstStyle>
-          <a:p>
-            <a:r>
-              <a:rPr lang="en-US"/>
-              <a:t>Click to edit Master title style</a:t>
-            </a:r>
-          </a:p>
-        </p:txBody>
-      </p:sp>
-      <p:sp>
-        <p:nvSpPr>
-          <p:cNvPr id="3" name="Date Placeholder 2"/>
-          <p:cNvSpPr>
-            <a:spLocks noGrp="1"/>
-          </p:cNvSpPr>
-          <p:nvPr>
-            <p:ph type="dt" sz="half" idx="10"/>
-          </p:nvPr>
-        </p:nvSpPr>
-        <p:spPr/>
-        <p:txBody>
-          <a:bodyPr/>
-          <a:lstStyle/>
-          <a:p>
-            <a:fld id="{425404F2-BE9A-4460-8815-8F645183555F}" type="datetimeFigureOut">
-              <a:rPr lang="en-US" smtClean="0"/>
-              <a:pPr/>
-              <a:t>11/22/2021</a:t>
-            </a:fld>
-            <a:endParaRPr lang="en-US"/>
-          </a:p>
-        </p:txBody>
-      </p:sp>
-      <p:sp>
-        <p:nvSpPr>
-          <p:cNvPr id="4" name="Footer Placeholder 3"/>
-          <p:cNvSpPr>
-            <a:spLocks noGrp="1"/>
-          </p:cNvSpPr>
-          <p:nvPr>
-            <p:ph type="ftr" sz="quarter" idx="11"/>
-          </p:nvPr>
-        </p:nvSpPr>
-        <p:spPr/>
-        <p:txBody>
-          <a:bodyPr/>
-          <a:lstStyle/>
-          <a:p>
-            <a:endParaRPr lang="en-US"/>
-          </a:p>
-        </p:txBody>
-      </p:sp>
-      <p:sp>
-        <p:nvSpPr>
-          <p:cNvPr id="5" name="Slide Number Placeholder 4"/>
-          <p:cNvSpPr>
-            <a:spLocks noGrp="1"/>
-          </p:cNvSpPr>
-          <p:nvPr>
-            <p:ph type="sldNum" sz="quarter" idx="12"/>
-          </p:nvPr>
-        </p:nvSpPr>
-        <p:spPr/>
-        <p:txBody>
-          <a:bodyPr/>
-          <a:lstStyle/>
-          <a:p>
-            <a:fld id="{96E69268-9C8B-4EBF-A9EE-DC5DC2D48DC3}" type="slidenum">
-              <a:rPr lang="en-US" smtClean="0"/>
-              <a:pPr/>
-              <a:t>‹#›</a:t>
-            </a:fld>
-            <a:endParaRPr lang="en-US"/>
-          </a:p>
-        </p:txBody>
-      </p:sp>
-      <p:sp>
-        <p:nvSpPr>
-          <p:cNvPr id="9" name="Content Placeholder 6"/>
-          <p:cNvSpPr>
-            <a:spLocks noGrp="1"/>
-          </p:cNvSpPr>
-          <p:nvPr>
-            <p:ph sz="quarter" idx="13"/>
-          </p:nvPr>
-        </p:nvSpPr>
-        <p:spPr>
-          <a:xfrm>
-            <a:off x="608170" y="932702"/>
-            <a:ext cx="10975658" cy="484187"/>
-          </a:xfrm>
-        </p:spPr>
-        <p:txBody>
-          <a:bodyPr>
-            <a:noAutofit/>
-          </a:bodyPr>
-          <a:lstStyle>
-            <a:lvl1pPr marL="0" indent="0">
-              <a:buFontTx/>
-              <a:buNone/>
-              <a:defRPr sz="2200"/>
-            </a:lvl1pPr>
-            <a:lvl2pPr marL="609494" indent="0">
-              <a:buFontTx/>
-              <a:buNone/>
-              <a:defRPr sz="2000"/>
-            </a:lvl2pPr>
-            <a:lvl3pPr marL="1218986" indent="0">
-              <a:buFontTx/>
-              <a:buNone/>
-              <a:defRPr sz="1600"/>
-            </a:lvl3pPr>
-            <a:lvl4pPr marL="1828480" indent="0">
-              <a:buFontTx/>
-              <a:buNone/>
-              <a:defRPr sz="1400"/>
-            </a:lvl4pPr>
-            <a:lvl5pPr marL="2437973" indent="0">
-              <a:buFontTx/>
-              <a:buNone/>
-              <a:defRPr sz="1400"/>
-            </a:lvl5pPr>
-          </a:lstStyle>
-          <a:p>
-            <a:pPr lvl="0"/>
-            <a:r>
-              <a:rPr lang="en-US" dirty="0"/>
-              <a:t>Click to edit Master text styles</a:t>
-            </a:r>
-            <a:endParaRPr lang="en-IN" dirty="0"/>
-          </a:p>
-        </p:txBody>
-      </p:sp>
-    </p:spTree>
-    <p:extLst>
-      <p:ext uri="{BB962C8B-B14F-4D97-AF65-F5344CB8AC3E}">
-        <p14:creationId xmlns:p14="http://schemas.microsoft.com/office/powerpoint/2010/main" val="3187167800"/>
-      </p:ext>
-    </p:extLst>
-  </p:cSld>
-  <p:clrMapOvr>
-    <a:masterClrMapping/>
-  </p:clrMapOvr>
-</p:sldLayout>
-</file>
-
-<file path=ppt/slideLayouts/slideLayout22.xml><?xml version="1.0" encoding="utf-8"?>
-<p:sldLayout xmlns:a="http://schemas.openxmlformats.org/drawingml/2006/main" xmlns:r="http://schemas.openxmlformats.org/officeDocument/2006/relationships" xmlns:p="http://schemas.openxmlformats.org/presentationml/2006/main" userDrawn="1">
   <p:cSld name="7_Title Only">
     <p:spTree>
       <p:nvGrpSpPr>
@@ -3556,7 +3162,7 @@
 </p:sldLayout>
 </file>
 
-<file path=ppt/slideLayouts/slideLayout23.xml><?xml version="1.0" encoding="utf-8"?>
+<file path=ppt/slideLayouts/slideLayout21.xml><?xml version="1.0" encoding="utf-8"?>
 <p:sldLayout xmlns:a="http://schemas.openxmlformats.org/drawingml/2006/main" xmlns:r="http://schemas.openxmlformats.org/officeDocument/2006/relationships" xmlns:p="http://schemas.openxmlformats.org/presentationml/2006/main" type="title" preserve="1">
   <p:cSld name="1_Title Slide">
     <p:spTree>
@@ -3884,7 +3490,7 @@
 </p:sldLayout>
 </file>
 
-<file path=ppt/slideLayouts/slideLayout24.xml><?xml version="1.0" encoding="utf-8"?>
+<file path=ppt/slideLayouts/slideLayout22.xml><?xml version="1.0" encoding="utf-8"?>
 <p:sldLayout xmlns:a="http://schemas.openxmlformats.org/drawingml/2006/main" xmlns:r="http://schemas.openxmlformats.org/officeDocument/2006/relationships" xmlns:p="http://schemas.openxmlformats.org/presentationml/2006/main" type="title" preserve="1">
   <p:cSld name="Title Slide">
     <p:spTree>
@@ -4126,7 +3732,7 @@
 </p:sldLayout>
 </file>
 
-<file path=ppt/slideLayouts/slideLayout25.xml><?xml version="1.0" encoding="utf-8"?>
+<file path=ppt/slideLayouts/slideLayout23.xml><?xml version="1.0" encoding="utf-8"?>
 <p:sldLayout xmlns:a="http://schemas.openxmlformats.org/drawingml/2006/main" xmlns:r="http://schemas.openxmlformats.org/officeDocument/2006/relationships" xmlns:p="http://schemas.openxmlformats.org/presentationml/2006/main" preserve="1" userDrawn="1">
   <p:cSld name="Section Header">
     <p:spTree>
@@ -4254,7 +3860,7 @@
 </p:sldLayout>
 </file>
 
-<file path=ppt/slideLayouts/slideLayout26.xml><?xml version="1.0" encoding="utf-8"?>
+<file path=ppt/slideLayouts/slideLayout24.xml><?xml version="1.0" encoding="utf-8"?>
 <p:sldLayout xmlns:a="http://schemas.openxmlformats.org/drawingml/2006/main" xmlns:r="http://schemas.openxmlformats.org/officeDocument/2006/relationships" xmlns:p="http://schemas.openxmlformats.org/presentationml/2006/main" type="title" preserve="1">
   <p:cSld name="2_Title Slide">
     <p:spTree>
@@ -4504,7 +4110,7 @@
 </p:sldLayout>
 </file>
 
-<file path=ppt/slideLayouts/slideLayout27.xml><?xml version="1.0" encoding="utf-8"?>
+<file path=ppt/slideLayouts/slideLayout25.xml><?xml version="1.0" encoding="utf-8"?>
 <p:sldLayout xmlns:a="http://schemas.openxmlformats.org/drawingml/2006/main" xmlns:r="http://schemas.openxmlformats.org/officeDocument/2006/relationships" xmlns:p="http://schemas.openxmlformats.org/presentationml/2006/main" type="obj" preserve="1">
   <p:cSld name="Title and Content">
     <p:spTree>
@@ -4674,7 +4280,7 @@
 </p:sldLayout>
 </file>
 
-<file path=ppt/slideLayouts/slideLayout28.xml><?xml version="1.0" encoding="utf-8"?>
+<file path=ppt/slideLayouts/slideLayout26.xml><?xml version="1.0" encoding="utf-8"?>
 <p:sldLayout xmlns:a="http://schemas.openxmlformats.org/drawingml/2006/main" xmlns:r="http://schemas.openxmlformats.org/officeDocument/2006/relationships" xmlns:p="http://schemas.openxmlformats.org/presentationml/2006/main" type="twoObj" preserve="1">
   <p:cSld name="Two Content">
     <p:spTree>
@@ -4961,7 +4567,7 @@
 </p:sldLayout>
 </file>
 
-<file path=ppt/slideLayouts/slideLayout29.xml><?xml version="1.0" encoding="utf-8"?>
+<file path=ppt/slideLayouts/slideLayout27.xml><?xml version="1.0" encoding="utf-8"?>
 <p:sldLayout xmlns:a="http://schemas.openxmlformats.org/drawingml/2006/main" xmlns:r="http://schemas.openxmlformats.org/officeDocument/2006/relationships" xmlns:p="http://schemas.openxmlformats.org/presentationml/2006/main" type="twoTxTwoObj" preserve="1">
   <p:cSld name="Comparison">
     <p:spTree>
@@ -5382,6 +4988,712 @@
 </p:sldLayout>
 </file>
 
+<file path=ppt/slideLayouts/slideLayout28.xml><?xml version="1.0" encoding="utf-8"?>
+<p:sldLayout xmlns:a="http://schemas.openxmlformats.org/drawingml/2006/main" xmlns:r="http://schemas.openxmlformats.org/officeDocument/2006/relationships" xmlns:p="http://schemas.openxmlformats.org/presentationml/2006/main" preserve="1" userDrawn="1">
+  <p:cSld name="Title Only">
+    <p:spTree>
+      <p:nvGrpSpPr>
+        <p:cNvPr id="1" name=""/>
+        <p:cNvGrpSpPr/>
+        <p:nvPr/>
+      </p:nvGrpSpPr>
+      <p:grpSpPr>
+        <a:xfrm>
+          <a:off x="0" y="0"/>
+          <a:ext cx="0" cy="0"/>
+          <a:chOff x="0" y="0"/>
+          <a:chExt cx="0" cy="0"/>
+        </a:xfrm>
+      </p:grpSpPr>
+      <p:sp>
+        <p:nvSpPr>
+          <p:cNvPr id="2" name="Title 1"/>
+          <p:cNvSpPr>
+            <a:spLocks noGrp="1"/>
+          </p:cNvSpPr>
+          <p:nvPr>
+            <p:ph type="title"/>
+          </p:nvPr>
+        </p:nvSpPr>
+        <p:spPr/>
+        <p:txBody>
+          <a:bodyPr>
+            <a:noAutofit/>
+          </a:bodyPr>
+          <a:lstStyle>
+            <a:lvl1pPr>
+              <a:defRPr sz="3600"/>
+            </a:lvl1pPr>
+          </a:lstStyle>
+          <a:p>
+            <a:r>
+              <a:rPr lang="en-US"/>
+              <a:t>Click to edit Master title style</a:t>
+            </a:r>
+          </a:p>
+        </p:txBody>
+      </p:sp>
+      <p:sp>
+        <p:nvSpPr>
+          <p:cNvPr id="3" name="Date Placeholder 2"/>
+          <p:cNvSpPr>
+            <a:spLocks noGrp="1"/>
+          </p:cNvSpPr>
+          <p:nvPr>
+            <p:ph type="dt" sz="half" idx="10"/>
+          </p:nvPr>
+        </p:nvSpPr>
+        <p:spPr/>
+        <p:txBody>
+          <a:bodyPr/>
+          <a:lstStyle/>
+          <a:p>
+            <a:fld id="{425404F2-BE9A-4460-8815-8F645183555F}" type="datetimeFigureOut">
+              <a:rPr lang="en-US" smtClean="0"/>
+              <a:pPr/>
+              <a:t>11/22/2021</a:t>
+            </a:fld>
+            <a:endParaRPr lang="en-US"/>
+          </a:p>
+        </p:txBody>
+      </p:sp>
+      <p:sp>
+        <p:nvSpPr>
+          <p:cNvPr id="4" name="Footer Placeholder 3"/>
+          <p:cNvSpPr>
+            <a:spLocks noGrp="1"/>
+          </p:cNvSpPr>
+          <p:nvPr>
+            <p:ph type="ftr" sz="quarter" idx="11"/>
+          </p:nvPr>
+        </p:nvSpPr>
+        <p:spPr/>
+        <p:txBody>
+          <a:bodyPr/>
+          <a:lstStyle/>
+          <a:p>
+            <a:endParaRPr lang="en-US"/>
+          </a:p>
+        </p:txBody>
+      </p:sp>
+      <p:sp>
+        <p:nvSpPr>
+          <p:cNvPr id="5" name="Slide Number Placeholder 4"/>
+          <p:cNvSpPr>
+            <a:spLocks noGrp="1"/>
+          </p:cNvSpPr>
+          <p:nvPr>
+            <p:ph type="sldNum" sz="quarter" idx="12"/>
+          </p:nvPr>
+        </p:nvSpPr>
+        <p:spPr/>
+        <p:txBody>
+          <a:bodyPr/>
+          <a:lstStyle/>
+          <a:p>
+            <a:fld id="{96E69268-9C8B-4EBF-A9EE-DC5DC2D48DC3}" type="slidenum">
+              <a:rPr lang="en-US" smtClean="0"/>
+              <a:pPr/>
+              <a:t>‹#›</a:t>
+            </a:fld>
+            <a:endParaRPr lang="en-US"/>
+          </a:p>
+        </p:txBody>
+      </p:sp>
+      <p:sp>
+        <p:nvSpPr>
+          <p:cNvPr id="9" name="Content Placeholder 6"/>
+          <p:cNvSpPr>
+            <a:spLocks noGrp="1"/>
+          </p:cNvSpPr>
+          <p:nvPr>
+            <p:ph sz="quarter" idx="13"/>
+          </p:nvPr>
+        </p:nvSpPr>
+        <p:spPr>
+          <a:xfrm>
+            <a:off x="608170" y="932702"/>
+            <a:ext cx="10975658" cy="484187"/>
+          </a:xfrm>
+        </p:spPr>
+        <p:txBody>
+          <a:bodyPr>
+            <a:noAutofit/>
+          </a:bodyPr>
+          <a:lstStyle>
+            <a:lvl1pPr marL="0" indent="0">
+              <a:buFontTx/>
+              <a:buNone/>
+              <a:defRPr sz="2200"/>
+            </a:lvl1pPr>
+            <a:lvl2pPr marL="609494" indent="0">
+              <a:buFontTx/>
+              <a:buNone/>
+              <a:defRPr sz="2000"/>
+            </a:lvl2pPr>
+            <a:lvl3pPr marL="1218986" indent="0">
+              <a:buFontTx/>
+              <a:buNone/>
+              <a:defRPr sz="1600"/>
+            </a:lvl3pPr>
+            <a:lvl4pPr marL="1828480" indent="0">
+              <a:buFontTx/>
+              <a:buNone/>
+              <a:defRPr sz="1400"/>
+            </a:lvl4pPr>
+            <a:lvl5pPr marL="2437973" indent="0">
+              <a:buFontTx/>
+              <a:buNone/>
+              <a:defRPr sz="1400"/>
+            </a:lvl5pPr>
+          </a:lstStyle>
+          <a:p>
+            <a:pPr lvl="0"/>
+            <a:r>
+              <a:rPr lang="en-US" dirty="0"/>
+              <a:t>Click to edit Master text styles</a:t>
+            </a:r>
+            <a:endParaRPr lang="en-IN" dirty="0"/>
+          </a:p>
+        </p:txBody>
+      </p:sp>
+    </p:spTree>
+    <p:extLst>
+      <p:ext uri="{BB962C8B-B14F-4D97-AF65-F5344CB8AC3E}">
+        <p14:creationId xmlns:p14="http://schemas.microsoft.com/office/powerpoint/2010/main" val="83855216"/>
+      </p:ext>
+    </p:extLst>
+  </p:cSld>
+  <p:clrMapOvr>
+    <a:masterClrMapping/>
+  </p:clrMapOvr>
+</p:sldLayout>
+</file>
+
+<file path=ppt/slideLayouts/slideLayout29.xml><?xml version="1.0" encoding="utf-8"?>
+<p:sldLayout xmlns:a="http://schemas.openxmlformats.org/drawingml/2006/main" xmlns:r="http://schemas.openxmlformats.org/officeDocument/2006/relationships" xmlns:p="http://schemas.openxmlformats.org/presentationml/2006/main" preserve="1" userDrawn="1">
+  <p:cSld name="2_Title Only">
+    <p:spTree>
+      <p:nvGrpSpPr>
+        <p:cNvPr id="1" name=""/>
+        <p:cNvGrpSpPr/>
+        <p:nvPr/>
+      </p:nvGrpSpPr>
+      <p:grpSpPr>
+        <a:xfrm>
+          <a:off x="0" y="0"/>
+          <a:ext cx="0" cy="0"/>
+          <a:chOff x="0" y="0"/>
+          <a:chExt cx="0" cy="0"/>
+        </a:xfrm>
+      </p:grpSpPr>
+      <p:sp>
+        <p:nvSpPr>
+          <p:cNvPr id="2" name="Title 1"/>
+          <p:cNvSpPr>
+            <a:spLocks noGrp="1"/>
+          </p:cNvSpPr>
+          <p:nvPr>
+            <p:ph type="title"/>
+          </p:nvPr>
+        </p:nvSpPr>
+        <p:spPr/>
+        <p:txBody>
+          <a:bodyPr>
+            <a:noAutofit/>
+          </a:bodyPr>
+          <a:lstStyle>
+            <a:lvl1pPr>
+              <a:defRPr sz="3600"/>
+            </a:lvl1pPr>
+          </a:lstStyle>
+          <a:p>
+            <a:r>
+              <a:rPr lang="en-US"/>
+              <a:t>Click to edit Master title style</a:t>
+            </a:r>
+          </a:p>
+        </p:txBody>
+      </p:sp>
+      <p:sp>
+        <p:nvSpPr>
+          <p:cNvPr id="3" name="Date Placeholder 2"/>
+          <p:cNvSpPr>
+            <a:spLocks noGrp="1"/>
+          </p:cNvSpPr>
+          <p:nvPr>
+            <p:ph type="dt" sz="half" idx="10"/>
+          </p:nvPr>
+        </p:nvSpPr>
+        <p:spPr/>
+        <p:txBody>
+          <a:bodyPr/>
+          <a:lstStyle/>
+          <a:p>
+            <a:fld id="{425404F2-BE9A-4460-8815-8F645183555F}" type="datetimeFigureOut">
+              <a:rPr lang="en-US" smtClean="0"/>
+              <a:pPr/>
+              <a:t>11/22/2021</a:t>
+            </a:fld>
+            <a:endParaRPr lang="en-US"/>
+          </a:p>
+        </p:txBody>
+      </p:sp>
+      <p:sp>
+        <p:nvSpPr>
+          <p:cNvPr id="4" name="Footer Placeholder 3"/>
+          <p:cNvSpPr>
+            <a:spLocks noGrp="1"/>
+          </p:cNvSpPr>
+          <p:nvPr>
+            <p:ph type="ftr" sz="quarter" idx="11"/>
+          </p:nvPr>
+        </p:nvSpPr>
+        <p:spPr/>
+        <p:txBody>
+          <a:bodyPr/>
+          <a:lstStyle/>
+          <a:p>
+            <a:endParaRPr lang="en-US"/>
+          </a:p>
+        </p:txBody>
+      </p:sp>
+      <p:sp>
+        <p:nvSpPr>
+          <p:cNvPr id="5" name="Slide Number Placeholder 4"/>
+          <p:cNvSpPr>
+            <a:spLocks noGrp="1"/>
+          </p:cNvSpPr>
+          <p:nvPr>
+            <p:ph type="sldNum" sz="quarter" idx="12"/>
+          </p:nvPr>
+        </p:nvSpPr>
+        <p:spPr/>
+        <p:txBody>
+          <a:bodyPr/>
+          <a:lstStyle/>
+          <a:p>
+            <a:fld id="{96E69268-9C8B-4EBF-A9EE-DC5DC2D48DC3}" type="slidenum">
+              <a:rPr lang="en-US" smtClean="0"/>
+              <a:pPr/>
+              <a:t>‹#›</a:t>
+            </a:fld>
+            <a:endParaRPr lang="en-US"/>
+          </a:p>
+        </p:txBody>
+      </p:sp>
+      <p:sp>
+        <p:nvSpPr>
+          <p:cNvPr id="12" name="Content Placeholder 6"/>
+          <p:cNvSpPr>
+            <a:spLocks noGrp="1"/>
+          </p:cNvSpPr>
+          <p:nvPr>
+            <p:ph sz="quarter" idx="15"/>
+          </p:nvPr>
+        </p:nvSpPr>
+        <p:spPr>
+          <a:xfrm>
+            <a:off x="608171" y="4794325"/>
+            <a:ext cx="3336374" cy="1152128"/>
+          </a:xfrm>
+        </p:spPr>
+        <p:txBody>
+          <a:bodyPr>
+            <a:noAutofit/>
+          </a:bodyPr>
+          <a:lstStyle>
+            <a:lvl1pPr marL="0" indent="0">
+              <a:buFontTx/>
+              <a:buNone/>
+              <a:defRPr sz="1800"/>
+            </a:lvl1pPr>
+            <a:lvl2pPr marL="609494" indent="0">
+              <a:buFontTx/>
+              <a:buNone/>
+              <a:defRPr sz="2000"/>
+            </a:lvl2pPr>
+            <a:lvl3pPr marL="1218986" indent="0">
+              <a:buFontTx/>
+              <a:buNone/>
+              <a:defRPr sz="1600"/>
+            </a:lvl3pPr>
+            <a:lvl4pPr marL="1828480" indent="0">
+              <a:buFontTx/>
+              <a:buNone/>
+              <a:defRPr sz="1400"/>
+            </a:lvl4pPr>
+            <a:lvl5pPr marL="2437973" indent="0">
+              <a:buFontTx/>
+              <a:buNone/>
+              <a:defRPr sz="1400"/>
+            </a:lvl5pPr>
+          </a:lstStyle>
+          <a:p>
+            <a:pPr lvl="0"/>
+            <a:r>
+              <a:rPr lang="en-US" dirty="0"/>
+              <a:t>Click to edit Master text styles</a:t>
+            </a:r>
+            <a:endParaRPr lang="en-IN" dirty="0"/>
+          </a:p>
+        </p:txBody>
+      </p:sp>
+      <p:sp>
+        <p:nvSpPr>
+          <p:cNvPr id="13" name="Content Placeholder 6"/>
+          <p:cNvSpPr>
+            <a:spLocks noGrp="1"/>
+          </p:cNvSpPr>
+          <p:nvPr>
+            <p:ph sz="quarter" idx="16"/>
+          </p:nvPr>
+        </p:nvSpPr>
+        <p:spPr>
+          <a:xfrm>
+            <a:off x="4126987" y="4794325"/>
+            <a:ext cx="3941284" cy="1152128"/>
+          </a:xfrm>
+        </p:spPr>
+        <p:txBody>
+          <a:bodyPr>
+            <a:noAutofit/>
+          </a:bodyPr>
+          <a:lstStyle>
+            <a:lvl1pPr marL="0" indent="0">
+              <a:buFontTx/>
+              <a:buNone/>
+              <a:defRPr sz="1800"/>
+            </a:lvl1pPr>
+            <a:lvl2pPr marL="609494" indent="0">
+              <a:buFontTx/>
+              <a:buNone/>
+              <a:defRPr sz="2000"/>
+            </a:lvl2pPr>
+            <a:lvl3pPr marL="1218986" indent="0">
+              <a:buFontTx/>
+              <a:buNone/>
+              <a:defRPr sz="1600"/>
+            </a:lvl3pPr>
+            <a:lvl4pPr marL="1828480" indent="0">
+              <a:buFontTx/>
+              <a:buNone/>
+              <a:defRPr sz="1400"/>
+            </a:lvl4pPr>
+            <a:lvl5pPr marL="2437973" indent="0">
+              <a:buFontTx/>
+              <a:buNone/>
+              <a:defRPr sz="1400"/>
+            </a:lvl5pPr>
+          </a:lstStyle>
+          <a:p>
+            <a:pPr lvl="0"/>
+            <a:r>
+              <a:rPr lang="en-US" dirty="0"/>
+              <a:t>Click to edit Master text styles</a:t>
+            </a:r>
+            <a:endParaRPr lang="en-IN" dirty="0"/>
+          </a:p>
+        </p:txBody>
+      </p:sp>
+      <p:sp>
+        <p:nvSpPr>
+          <p:cNvPr id="14" name="Content Placeholder 6"/>
+          <p:cNvSpPr>
+            <a:spLocks noGrp="1"/>
+          </p:cNvSpPr>
+          <p:nvPr>
+            <p:ph sz="quarter" idx="17"/>
+          </p:nvPr>
+        </p:nvSpPr>
+        <p:spPr>
+          <a:xfrm>
+            <a:off x="8242859" y="4788396"/>
+            <a:ext cx="3336374" cy="1152128"/>
+          </a:xfrm>
+        </p:spPr>
+        <p:txBody>
+          <a:bodyPr>
+            <a:noAutofit/>
+          </a:bodyPr>
+          <a:lstStyle>
+            <a:lvl1pPr marL="0" indent="0">
+              <a:buFontTx/>
+              <a:buNone/>
+              <a:defRPr sz="1800"/>
+            </a:lvl1pPr>
+            <a:lvl2pPr marL="609494" indent="0">
+              <a:buFontTx/>
+              <a:buNone/>
+              <a:defRPr sz="2000"/>
+            </a:lvl2pPr>
+            <a:lvl3pPr marL="1218986" indent="0">
+              <a:buFontTx/>
+              <a:buNone/>
+              <a:defRPr sz="1600"/>
+            </a:lvl3pPr>
+            <a:lvl4pPr marL="1828480" indent="0">
+              <a:buFontTx/>
+              <a:buNone/>
+              <a:defRPr sz="1400"/>
+            </a:lvl4pPr>
+            <a:lvl5pPr marL="2437973" indent="0">
+              <a:buFontTx/>
+              <a:buNone/>
+              <a:defRPr sz="1400"/>
+            </a:lvl5pPr>
+          </a:lstStyle>
+          <a:p>
+            <a:pPr lvl="0"/>
+            <a:r>
+              <a:rPr lang="en-US" dirty="0"/>
+              <a:t>Click to edit Master text styles</a:t>
+            </a:r>
+            <a:endParaRPr lang="en-IN" dirty="0"/>
+          </a:p>
+        </p:txBody>
+      </p:sp>
+      <p:sp>
+        <p:nvSpPr>
+          <p:cNvPr id="15" name="Content Placeholder 6"/>
+          <p:cNvSpPr>
+            <a:spLocks noGrp="1"/>
+          </p:cNvSpPr>
+          <p:nvPr>
+            <p:ph sz="quarter" idx="18"/>
+          </p:nvPr>
+        </p:nvSpPr>
+        <p:spPr>
+          <a:xfrm>
+            <a:off x="608171" y="4277817"/>
+            <a:ext cx="3336374" cy="495300"/>
+          </a:xfrm>
+        </p:spPr>
+        <p:txBody>
+          <a:bodyPr>
+            <a:noAutofit/>
+          </a:bodyPr>
+          <a:lstStyle>
+            <a:lvl1pPr marL="0" indent="0">
+              <a:buFontTx/>
+              <a:buNone/>
+              <a:defRPr sz="2000"/>
+            </a:lvl1pPr>
+            <a:lvl2pPr marL="609494" indent="0">
+              <a:buFontTx/>
+              <a:buNone/>
+              <a:defRPr sz="2000"/>
+            </a:lvl2pPr>
+            <a:lvl3pPr marL="1218986" indent="0">
+              <a:buFontTx/>
+              <a:buNone/>
+              <a:defRPr sz="1600"/>
+            </a:lvl3pPr>
+            <a:lvl4pPr marL="1828480" indent="0">
+              <a:buFontTx/>
+              <a:buNone/>
+              <a:defRPr sz="1400"/>
+            </a:lvl4pPr>
+            <a:lvl5pPr marL="2437973" indent="0">
+              <a:buFontTx/>
+              <a:buNone/>
+              <a:defRPr sz="1400"/>
+            </a:lvl5pPr>
+          </a:lstStyle>
+          <a:p>
+            <a:pPr lvl="0"/>
+            <a:r>
+              <a:rPr lang="en-US" dirty="0"/>
+              <a:t>Click to edit Master text styles</a:t>
+            </a:r>
+            <a:endParaRPr lang="en-IN" dirty="0"/>
+          </a:p>
+        </p:txBody>
+      </p:sp>
+      <p:sp>
+        <p:nvSpPr>
+          <p:cNvPr id="16" name="Content Placeholder 6"/>
+          <p:cNvSpPr>
+            <a:spLocks noGrp="1"/>
+          </p:cNvSpPr>
+          <p:nvPr>
+            <p:ph sz="quarter" idx="19"/>
+          </p:nvPr>
+        </p:nvSpPr>
+        <p:spPr>
+          <a:xfrm>
+            <a:off x="4126987" y="4277817"/>
+            <a:ext cx="3941284" cy="495300"/>
+          </a:xfrm>
+        </p:spPr>
+        <p:txBody>
+          <a:bodyPr>
+            <a:noAutofit/>
+          </a:bodyPr>
+          <a:lstStyle>
+            <a:lvl1pPr marL="0" indent="0">
+              <a:buFontTx/>
+              <a:buNone/>
+              <a:defRPr sz="2000"/>
+            </a:lvl1pPr>
+            <a:lvl2pPr marL="609494" indent="0">
+              <a:buFontTx/>
+              <a:buNone/>
+              <a:defRPr sz="2000"/>
+            </a:lvl2pPr>
+            <a:lvl3pPr marL="1218986" indent="0">
+              <a:buFontTx/>
+              <a:buNone/>
+              <a:defRPr sz="1600"/>
+            </a:lvl3pPr>
+            <a:lvl4pPr marL="1828480" indent="0">
+              <a:buFontTx/>
+              <a:buNone/>
+              <a:defRPr sz="1400"/>
+            </a:lvl4pPr>
+            <a:lvl5pPr marL="2437973" indent="0">
+              <a:buFontTx/>
+              <a:buNone/>
+              <a:defRPr sz="1400"/>
+            </a:lvl5pPr>
+          </a:lstStyle>
+          <a:p>
+            <a:pPr lvl="0"/>
+            <a:r>
+              <a:rPr lang="en-US" dirty="0"/>
+              <a:t>Click to edit Master text styles</a:t>
+            </a:r>
+            <a:endParaRPr lang="en-IN" dirty="0"/>
+          </a:p>
+        </p:txBody>
+      </p:sp>
+      <p:sp>
+        <p:nvSpPr>
+          <p:cNvPr id="17" name="Content Placeholder 6"/>
+          <p:cNvSpPr>
+            <a:spLocks noGrp="1"/>
+          </p:cNvSpPr>
+          <p:nvPr>
+            <p:ph sz="quarter" idx="20"/>
+          </p:nvPr>
+        </p:nvSpPr>
+        <p:spPr>
+          <a:xfrm>
+            <a:off x="8242859" y="4271888"/>
+            <a:ext cx="3336374" cy="495300"/>
+          </a:xfrm>
+        </p:spPr>
+        <p:txBody>
+          <a:bodyPr>
+            <a:noAutofit/>
+          </a:bodyPr>
+          <a:lstStyle>
+            <a:lvl1pPr marL="0" indent="0">
+              <a:buFontTx/>
+              <a:buNone/>
+              <a:defRPr sz="2000"/>
+            </a:lvl1pPr>
+            <a:lvl2pPr marL="609494" indent="0">
+              <a:buFontTx/>
+              <a:buNone/>
+              <a:defRPr sz="2000"/>
+            </a:lvl2pPr>
+            <a:lvl3pPr marL="1218986" indent="0">
+              <a:buFontTx/>
+              <a:buNone/>
+              <a:defRPr sz="1600"/>
+            </a:lvl3pPr>
+            <a:lvl4pPr marL="1828480" indent="0">
+              <a:buFontTx/>
+              <a:buNone/>
+              <a:defRPr sz="1400"/>
+            </a:lvl4pPr>
+            <a:lvl5pPr marL="2437973" indent="0">
+              <a:buFontTx/>
+              <a:buNone/>
+              <a:defRPr sz="1400"/>
+            </a:lvl5pPr>
+          </a:lstStyle>
+          <a:p>
+            <a:pPr lvl="0"/>
+            <a:r>
+              <a:rPr lang="en-US" dirty="0"/>
+              <a:t>Click to edit Master text styles</a:t>
+            </a:r>
+            <a:endParaRPr lang="en-IN" dirty="0"/>
+          </a:p>
+        </p:txBody>
+      </p:sp>
+      <p:sp>
+        <p:nvSpPr>
+          <p:cNvPr id="19" name="Content Placeholder 6"/>
+          <p:cNvSpPr>
+            <a:spLocks noGrp="1"/>
+          </p:cNvSpPr>
+          <p:nvPr>
+            <p:ph sz="quarter" idx="13"/>
+          </p:nvPr>
+        </p:nvSpPr>
+        <p:spPr>
+          <a:xfrm>
+            <a:off x="608170" y="932702"/>
+            <a:ext cx="10975658" cy="484187"/>
+          </a:xfrm>
+        </p:spPr>
+        <p:txBody>
+          <a:bodyPr>
+            <a:noAutofit/>
+          </a:bodyPr>
+          <a:lstStyle>
+            <a:lvl1pPr marL="0" indent="0">
+              <a:buFontTx/>
+              <a:buNone/>
+              <a:defRPr sz="2200"/>
+            </a:lvl1pPr>
+            <a:lvl2pPr marL="609494" indent="0">
+              <a:buFontTx/>
+              <a:buNone/>
+              <a:defRPr sz="2000"/>
+            </a:lvl2pPr>
+            <a:lvl3pPr marL="1218986" indent="0">
+              <a:buFontTx/>
+              <a:buNone/>
+              <a:defRPr sz="1600"/>
+            </a:lvl3pPr>
+            <a:lvl4pPr marL="1828480" indent="0">
+              <a:buFontTx/>
+              <a:buNone/>
+              <a:defRPr sz="1400"/>
+            </a:lvl4pPr>
+            <a:lvl5pPr marL="2437973" indent="0">
+              <a:buFontTx/>
+              <a:buNone/>
+              <a:defRPr sz="1400"/>
+            </a:lvl5pPr>
+          </a:lstStyle>
+          <a:p>
+            <a:pPr lvl="0"/>
+            <a:r>
+              <a:rPr lang="en-US" dirty="0"/>
+              <a:t>Click to edit Master text styles</a:t>
+            </a:r>
+            <a:endParaRPr lang="en-IN" dirty="0"/>
+          </a:p>
+        </p:txBody>
+      </p:sp>
+    </p:spTree>
+    <p:extLst>
+      <p:ext uri="{BB962C8B-B14F-4D97-AF65-F5344CB8AC3E}">
+        <p14:creationId xmlns:p14="http://schemas.microsoft.com/office/powerpoint/2010/main" val="1512087918"/>
+      </p:ext>
+    </p:extLst>
+  </p:cSld>
+  <p:clrMapOvr>
+    <a:masterClrMapping/>
+  </p:clrMapOvr>
+</p:sldLayout>
+</file>
+
 <file path=ppt/slideLayouts/slideLayout3.xml><?xml version="1.0" encoding="utf-8"?>
 <p:sldLayout xmlns:a="http://schemas.openxmlformats.org/drawingml/2006/main" xmlns:r="http://schemas.openxmlformats.org/officeDocument/2006/relationships" xmlns:p="http://schemas.openxmlformats.org/presentationml/2006/main" type="secHead" preserve="1">
   <p:cSld name="Section Header">
@@ -5628,712 +5940,6 @@
 </file>
 
 <file path=ppt/slideLayouts/slideLayout30.xml><?xml version="1.0" encoding="utf-8"?>
-<p:sldLayout xmlns:a="http://schemas.openxmlformats.org/drawingml/2006/main" xmlns:r="http://schemas.openxmlformats.org/officeDocument/2006/relationships" xmlns:p="http://schemas.openxmlformats.org/presentationml/2006/main" preserve="1" userDrawn="1">
-  <p:cSld name="Title Only">
-    <p:spTree>
-      <p:nvGrpSpPr>
-        <p:cNvPr id="1" name=""/>
-        <p:cNvGrpSpPr/>
-        <p:nvPr/>
-      </p:nvGrpSpPr>
-      <p:grpSpPr>
-        <a:xfrm>
-          <a:off x="0" y="0"/>
-          <a:ext cx="0" cy="0"/>
-          <a:chOff x="0" y="0"/>
-          <a:chExt cx="0" cy="0"/>
-        </a:xfrm>
-      </p:grpSpPr>
-      <p:sp>
-        <p:nvSpPr>
-          <p:cNvPr id="2" name="Title 1"/>
-          <p:cNvSpPr>
-            <a:spLocks noGrp="1"/>
-          </p:cNvSpPr>
-          <p:nvPr>
-            <p:ph type="title"/>
-          </p:nvPr>
-        </p:nvSpPr>
-        <p:spPr/>
-        <p:txBody>
-          <a:bodyPr>
-            <a:noAutofit/>
-          </a:bodyPr>
-          <a:lstStyle>
-            <a:lvl1pPr>
-              <a:defRPr sz="3600"/>
-            </a:lvl1pPr>
-          </a:lstStyle>
-          <a:p>
-            <a:r>
-              <a:rPr lang="en-US"/>
-              <a:t>Click to edit Master title style</a:t>
-            </a:r>
-          </a:p>
-        </p:txBody>
-      </p:sp>
-      <p:sp>
-        <p:nvSpPr>
-          <p:cNvPr id="3" name="Date Placeholder 2"/>
-          <p:cNvSpPr>
-            <a:spLocks noGrp="1"/>
-          </p:cNvSpPr>
-          <p:nvPr>
-            <p:ph type="dt" sz="half" idx="10"/>
-          </p:nvPr>
-        </p:nvSpPr>
-        <p:spPr/>
-        <p:txBody>
-          <a:bodyPr/>
-          <a:lstStyle/>
-          <a:p>
-            <a:fld id="{425404F2-BE9A-4460-8815-8F645183555F}" type="datetimeFigureOut">
-              <a:rPr lang="en-US" smtClean="0"/>
-              <a:pPr/>
-              <a:t>11/22/2021</a:t>
-            </a:fld>
-            <a:endParaRPr lang="en-US"/>
-          </a:p>
-        </p:txBody>
-      </p:sp>
-      <p:sp>
-        <p:nvSpPr>
-          <p:cNvPr id="4" name="Footer Placeholder 3"/>
-          <p:cNvSpPr>
-            <a:spLocks noGrp="1"/>
-          </p:cNvSpPr>
-          <p:nvPr>
-            <p:ph type="ftr" sz="quarter" idx="11"/>
-          </p:nvPr>
-        </p:nvSpPr>
-        <p:spPr/>
-        <p:txBody>
-          <a:bodyPr/>
-          <a:lstStyle/>
-          <a:p>
-            <a:endParaRPr lang="en-US"/>
-          </a:p>
-        </p:txBody>
-      </p:sp>
-      <p:sp>
-        <p:nvSpPr>
-          <p:cNvPr id="5" name="Slide Number Placeholder 4"/>
-          <p:cNvSpPr>
-            <a:spLocks noGrp="1"/>
-          </p:cNvSpPr>
-          <p:nvPr>
-            <p:ph type="sldNum" sz="quarter" idx="12"/>
-          </p:nvPr>
-        </p:nvSpPr>
-        <p:spPr/>
-        <p:txBody>
-          <a:bodyPr/>
-          <a:lstStyle/>
-          <a:p>
-            <a:fld id="{96E69268-9C8B-4EBF-A9EE-DC5DC2D48DC3}" type="slidenum">
-              <a:rPr lang="en-US" smtClean="0"/>
-              <a:pPr/>
-              <a:t>‹#›</a:t>
-            </a:fld>
-            <a:endParaRPr lang="en-US"/>
-          </a:p>
-        </p:txBody>
-      </p:sp>
-      <p:sp>
-        <p:nvSpPr>
-          <p:cNvPr id="9" name="Content Placeholder 6"/>
-          <p:cNvSpPr>
-            <a:spLocks noGrp="1"/>
-          </p:cNvSpPr>
-          <p:nvPr>
-            <p:ph sz="quarter" idx="13"/>
-          </p:nvPr>
-        </p:nvSpPr>
-        <p:spPr>
-          <a:xfrm>
-            <a:off x="608170" y="932702"/>
-            <a:ext cx="10975658" cy="484187"/>
-          </a:xfrm>
-        </p:spPr>
-        <p:txBody>
-          <a:bodyPr>
-            <a:noAutofit/>
-          </a:bodyPr>
-          <a:lstStyle>
-            <a:lvl1pPr marL="0" indent="0">
-              <a:buFontTx/>
-              <a:buNone/>
-              <a:defRPr sz="2200"/>
-            </a:lvl1pPr>
-            <a:lvl2pPr marL="609494" indent="0">
-              <a:buFontTx/>
-              <a:buNone/>
-              <a:defRPr sz="2000"/>
-            </a:lvl2pPr>
-            <a:lvl3pPr marL="1218986" indent="0">
-              <a:buFontTx/>
-              <a:buNone/>
-              <a:defRPr sz="1600"/>
-            </a:lvl3pPr>
-            <a:lvl4pPr marL="1828480" indent="0">
-              <a:buFontTx/>
-              <a:buNone/>
-              <a:defRPr sz="1400"/>
-            </a:lvl4pPr>
-            <a:lvl5pPr marL="2437973" indent="0">
-              <a:buFontTx/>
-              <a:buNone/>
-              <a:defRPr sz="1400"/>
-            </a:lvl5pPr>
-          </a:lstStyle>
-          <a:p>
-            <a:pPr lvl="0"/>
-            <a:r>
-              <a:rPr lang="en-US" dirty="0"/>
-              <a:t>Click to edit Master text styles</a:t>
-            </a:r>
-            <a:endParaRPr lang="en-IN" dirty="0"/>
-          </a:p>
-        </p:txBody>
-      </p:sp>
-    </p:spTree>
-    <p:extLst>
-      <p:ext uri="{BB962C8B-B14F-4D97-AF65-F5344CB8AC3E}">
-        <p14:creationId xmlns:p14="http://schemas.microsoft.com/office/powerpoint/2010/main" val="83855216"/>
-      </p:ext>
-    </p:extLst>
-  </p:cSld>
-  <p:clrMapOvr>
-    <a:masterClrMapping/>
-  </p:clrMapOvr>
-</p:sldLayout>
-</file>
-
-<file path=ppt/slideLayouts/slideLayout31.xml><?xml version="1.0" encoding="utf-8"?>
-<p:sldLayout xmlns:a="http://schemas.openxmlformats.org/drawingml/2006/main" xmlns:r="http://schemas.openxmlformats.org/officeDocument/2006/relationships" xmlns:p="http://schemas.openxmlformats.org/presentationml/2006/main" preserve="1" userDrawn="1">
-  <p:cSld name="2_Title Only">
-    <p:spTree>
-      <p:nvGrpSpPr>
-        <p:cNvPr id="1" name=""/>
-        <p:cNvGrpSpPr/>
-        <p:nvPr/>
-      </p:nvGrpSpPr>
-      <p:grpSpPr>
-        <a:xfrm>
-          <a:off x="0" y="0"/>
-          <a:ext cx="0" cy="0"/>
-          <a:chOff x="0" y="0"/>
-          <a:chExt cx="0" cy="0"/>
-        </a:xfrm>
-      </p:grpSpPr>
-      <p:sp>
-        <p:nvSpPr>
-          <p:cNvPr id="2" name="Title 1"/>
-          <p:cNvSpPr>
-            <a:spLocks noGrp="1"/>
-          </p:cNvSpPr>
-          <p:nvPr>
-            <p:ph type="title"/>
-          </p:nvPr>
-        </p:nvSpPr>
-        <p:spPr/>
-        <p:txBody>
-          <a:bodyPr>
-            <a:noAutofit/>
-          </a:bodyPr>
-          <a:lstStyle>
-            <a:lvl1pPr>
-              <a:defRPr sz="3600"/>
-            </a:lvl1pPr>
-          </a:lstStyle>
-          <a:p>
-            <a:r>
-              <a:rPr lang="en-US"/>
-              <a:t>Click to edit Master title style</a:t>
-            </a:r>
-          </a:p>
-        </p:txBody>
-      </p:sp>
-      <p:sp>
-        <p:nvSpPr>
-          <p:cNvPr id="3" name="Date Placeholder 2"/>
-          <p:cNvSpPr>
-            <a:spLocks noGrp="1"/>
-          </p:cNvSpPr>
-          <p:nvPr>
-            <p:ph type="dt" sz="half" idx="10"/>
-          </p:nvPr>
-        </p:nvSpPr>
-        <p:spPr/>
-        <p:txBody>
-          <a:bodyPr/>
-          <a:lstStyle/>
-          <a:p>
-            <a:fld id="{425404F2-BE9A-4460-8815-8F645183555F}" type="datetimeFigureOut">
-              <a:rPr lang="en-US" smtClean="0"/>
-              <a:pPr/>
-              <a:t>11/22/2021</a:t>
-            </a:fld>
-            <a:endParaRPr lang="en-US"/>
-          </a:p>
-        </p:txBody>
-      </p:sp>
-      <p:sp>
-        <p:nvSpPr>
-          <p:cNvPr id="4" name="Footer Placeholder 3"/>
-          <p:cNvSpPr>
-            <a:spLocks noGrp="1"/>
-          </p:cNvSpPr>
-          <p:nvPr>
-            <p:ph type="ftr" sz="quarter" idx="11"/>
-          </p:nvPr>
-        </p:nvSpPr>
-        <p:spPr/>
-        <p:txBody>
-          <a:bodyPr/>
-          <a:lstStyle/>
-          <a:p>
-            <a:endParaRPr lang="en-US"/>
-          </a:p>
-        </p:txBody>
-      </p:sp>
-      <p:sp>
-        <p:nvSpPr>
-          <p:cNvPr id="5" name="Slide Number Placeholder 4"/>
-          <p:cNvSpPr>
-            <a:spLocks noGrp="1"/>
-          </p:cNvSpPr>
-          <p:nvPr>
-            <p:ph type="sldNum" sz="quarter" idx="12"/>
-          </p:nvPr>
-        </p:nvSpPr>
-        <p:spPr/>
-        <p:txBody>
-          <a:bodyPr/>
-          <a:lstStyle/>
-          <a:p>
-            <a:fld id="{96E69268-9C8B-4EBF-A9EE-DC5DC2D48DC3}" type="slidenum">
-              <a:rPr lang="en-US" smtClean="0"/>
-              <a:pPr/>
-              <a:t>‹#›</a:t>
-            </a:fld>
-            <a:endParaRPr lang="en-US"/>
-          </a:p>
-        </p:txBody>
-      </p:sp>
-      <p:sp>
-        <p:nvSpPr>
-          <p:cNvPr id="12" name="Content Placeholder 6"/>
-          <p:cNvSpPr>
-            <a:spLocks noGrp="1"/>
-          </p:cNvSpPr>
-          <p:nvPr>
-            <p:ph sz="quarter" idx="15"/>
-          </p:nvPr>
-        </p:nvSpPr>
-        <p:spPr>
-          <a:xfrm>
-            <a:off x="608171" y="4794325"/>
-            <a:ext cx="3336374" cy="1152128"/>
-          </a:xfrm>
-        </p:spPr>
-        <p:txBody>
-          <a:bodyPr>
-            <a:noAutofit/>
-          </a:bodyPr>
-          <a:lstStyle>
-            <a:lvl1pPr marL="0" indent="0">
-              <a:buFontTx/>
-              <a:buNone/>
-              <a:defRPr sz="1800"/>
-            </a:lvl1pPr>
-            <a:lvl2pPr marL="609494" indent="0">
-              <a:buFontTx/>
-              <a:buNone/>
-              <a:defRPr sz="2000"/>
-            </a:lvl2pPr>
-            <a:lvl3pPr marL="1218986" indent="0">
-              <a:buFontTx/>
-              <a:buNone/>
-              <a:defRPr sz="1600"/>
-            </a:lvl3pPr>
-            <a:lvl4pPr marL="1828480" indent="0">
-              <a:buFontTx/>
-              <a:buNone/>
-              <a:defRPr sz="1400"/>
-            </a:lvl4pPr>
-            <a:lvl5pPr marL="2437973" indent="0">
-              <a:buFontTx/>
-              <a:buNone/>
-              <a:defRPr sz="1400"/>
-            </a:lvl5pPr>
-          </a:lstStyle>
-          <a:p>
-            <a:pPr lvl="0"/>
-            <a:r>
-              <a:rPr lang="en-US" dirty="0"/>
-              <a:t>Click to edit Master text styles</a:t>
-            </a:r>
-            <a:endParaRPr lang="en-IN" dirty="0"/>
-          </a:p>
-        </p:txBody>
-      </p:sp>
-      <p:sp>
-        <p:nvSpPr>
-          <p:cNvPr id="13" name="Content Placeholder 6"/>
-          <p:cNvSpPr>
-            <a:spLocks noGrp="1"/>
-          </p:cNvSpPr>
-          <p:nvPr>
-            <p:ph sz="quarter" idx="16"/>
-          </p:nvPr>
-        </p:nvSpPr>
-        <p:spPr>
-          <a:xfrm>
-            <a:off x="4126987" y="4794325"/>
-            <a:ext cx="3941284" cy="1152128"/>
-          </a:xfrm>
-        </p:spPr>
-        <p:txBody>
-          <a:bodyPr>
-            <a:noAutofit/>
-          </a:bodyPr>
-          <a:lstStyle>
-            <a:lvl1pPr marL="0" indent="0">
-              <a:buFontTx/>
-              <a:buNone/>
-              <a:defRPr sz="1800"/>
-            </a:lvl1pPr>
-            <a:lvl2pPr marL="609494" indent="0">
-              <a:buFontTx/>
-              <a:buNone/>
-              <a:defRPr sz="2000"/>
-            </a:lvl2pPr>
-            <a:lvl3pPr marL="1218986" indent="0">
-              <a:buFontTx/>
-              <a:buNone/>
-              <a:defRPr sz="1600"/>
-            </a:lvl3pPr>
-            <a:lvl4pPr marL="1828480" indent="0">
-              <a:buFontTx/>
-              <a:buNone/>
-              <a:defRPr sz="1400"/>
-            </a:lvl4pPr>
-            <a:lvl5pPr marL="2437973" indent="0">
-              <a:buFontTx/>
-              <a:buNone/>
-              <a:defRPr sz="1400"/>
-            </a:lvl5pPr>
-          </a:lstStyle>
-          <a:p>
-            <a:pPr lvl="0"/>
-            <a:r>
-              <a:rPr lang="en-US" dirty="0"/>
-              <a:t>Click to edit Master text styles</a:t>
-            </a:r>
-            <a:endParaRPr lang="en-IN" dirty="0"/>
-          </a:p>
-        </p:txBody>
-      </p:sp>
-      <p:sp>
-        <p:nvSpPr>
-          <p:cNvPr id="14" name="Content Placeholder 6"/>
-          <p:cNvSpPr>
-            <a:spLocks noGrp="1"/>
-          </p:cNvSpPr>
-          <p:nvPr>
-            <p:ph sz="quarter" idx="17"/>
-          </p:nvPr>
-        </p:nvSpPr>
-        <p:spPr>
-          <a:xfrm>
-            <a:off x="8242859" y="4788396"/>
-            <a:ext cx="3336374" cy="1152128"/>
-          </a:xfrm>
-        </p:spPr>
-        <p:txBody>
-          <a:bodyPr>
-            <a:noAutofit/>
-          </a:bodyPr>
-          <a:lstStyle>
-            <a:lvl1pPr marL="0" indent="0">
-              <a:buFontTx/>
-              <a:buNone/>
-              <a:defRPr sz="1800"/>
-            </a:lvl1pPr>
-            <a:lvl2pPr marL="609494" indent="0">
-              <a:buFontTx/>
-              <a:buNone/>
-              <a:defRPr sz="2000"/>
-            </a:lvl2pPr>
-            <a:lvl3pPr marL="1218986" indent="0">
-              <a:buFontTx/>
-              <a:buNone/>
-              <a:defRPr sz="1600"/>
-            </a:lvl3pPr>
-            <a:lvl4pPr marL="1828480" indent="0">
-              <a:buFontTx/>
-              <a:buNone/>
-              <a:defRPr sz="1400"/>
-            </a:lvl4pPr>
-            <a:lvl5pPr marL="2437973" indent="0">
-              <a:buFontTx/>
-              <a:buNone/>
-              <a:defRPr sz="1400"/>
-            </a:lvl5pPr>
-          </a:lstStyle>
-          <a:p>
-            <a:pPr lvl="0"/>
-            <a:r>
-              <a:rPr lang="en-US" dirty="0"/>
-              <a:t>Click to edit Master text styles</a:t>
-            </a:r>
-            <a:endParaRPr lang="en-IN" dirty="0"/>
-          </a:p>
-        </p:txBody>
-      </p:sp>
-      <p:sp>
-        <p:nvSpPr>
-          <p:cNvPr id="15" name="Content Placeholder 6"/>
-          <p:cNvSpPr>
-            <a:spLocks noGrp="1"/>
-          </p:cNvSpPr>
-          <p:nvPr>
-            <p:ph sz="quarter" idx="18"/>
-          </p:nvPr>
-        </p:nvSpPr>
-        <p:spPr>
-          <a:xfrm>
-            <a:off x="608171" y="4277817"/>
-            <a:ext cx="3336374" cy="495300"/>
-          </a:xfrm>
-        </p:spPr>
-        <p:txBody>
-          <a:bodyPr>
-            <a:noAutofit/>
-          </a:bodyPr>
-          <a:lstStyle>
-            <a:lvl1pPr marL="0" indent="0">
-              <a:buFontTx/>
-              <a:buNone/>
-              <a:defRPr sz="2000"/>
-            </a:lvl1pPr>
-            <a:lvl2pPr marL="609494" indent="0">
-              <a:buFontTx/>
-              <a:buNone/>
-              <a:defRPr sz="2000"/>
-            </a:lvl2pPr>
-            <a:lvl3pPr marL="1218986" indent="0">
-              <a:buFontTx/>
-              <a:buNone/>
-              <a:defRPr sz="1600"/>
-            </a:lvl3pPr>
-            <a:lvl4pPr marL="1828480" indent="0">
-              <a:buFontTx/>
-              <a:buNone/>
-              <a:defRPr sz="1400"/>
-            </a:lvl4pPr>
-            <a:lvl5pPr marL="2437973" indent="0">
-              <a:buFontTx/>
-              <a:buNone/>
-              <a:defRPr sz="1400"/>
-            </a:lvl5pPr>
-          </a:lstStyle>
-          <a:p>
-            <a:pPr lvl="0"/>
-            <a:r>
-              <a:rPr lang="en-US" dirty="0"/>
-              <a:t>Click to edit Master text styles</a:t>
-            </a:r>
-            <a:endParaRPr lang="en-IN" dirty="0"/>
-          </a:p>
-        </p:txBody>
-      </p:sp>
-      <p:sp>
-        <p:nvSpPr>
-          <p:cNvPr id="16" name="Content Placeholder 6"/>
-          <p:cNvSpPr>
-            <a:spLocks noGrp="1"/>
-          </p:cNvSpPr>
-          <p:nvPr>
-            <p:ph sz="quarter" idx="19"/>
-          </p:nvPr>
-        </p:nvSpPr>
-        <p:spPr>
-          <a:xfrm>
-            <a:off x="4126987" y="4277817"/>
-            <a:ext cx="3941284" cy="495300"/>
-          </a:xfrm>
-        </p:spPr>
-        <p:txBody>
-          <a:bodyPr>
-            <a:noAutofit/>
-          </a:bodyPr>
-          <a:lstStyle>
-            <a:lvl1pPr marL="0" indent="0">
-              <a:buFontTx/>
-              <a:buNone/>
-              <a:defRPr sz="2000"/>
-            </a:lvl1pPr>
-            <a:lvl2pPr marL="609494" indent="0">
-              <a:buFontTx/>
-              <a:buNone/>
-              <a:defRPr sz="2000"/>
-            </a:lvl2pPr>
-            <a:lvl3pPr marL="1218986" indent="0">
-              <a:buFontTx/>
-              <a:buNone/>
-              <a:defRPr sz="1600"/>
-            </a:lvl3pPr>
-            <a:lvl4pPr marL="1828480" indent="0">
-              <a:buFontTx/>
-              <a:buNone/>
-              <a:defRPr sz="1400"/>
-            </a:lvl4pPr>
-            <a:lvl5pPr marL="2437973" indent="0">
-              <a:buFontTx/>
-              <a:buNone/>
-              <a:defRPr sz="1400"/>
-            </a:lvl5pPr>
-          </a:lstStyle>
-          <a:p>
-            <a:pPr lvl="0"/>
-            <a:r>
-              <a:rPr lang="en-US" dirty="0"/>
-              <a:t>Click to edit Master text styles</a:t>
-            </a:r>
-            <a:endParaRPr lang="en-IN" dirty="0"/>
-          </a:p>
-        </p:txBody>
-      </p:sp>
-      <p:sp>
-        <p:nvSpPr>
-          <p:cNvPr id="17" name="Content Placeholder 6"/>
-          <p:cNvSpPr>
-            <a:spLocks noGrp="1"/>
-          </p:cNvSpPr>
-          <p:nvPr>
-            <p:ph sz="quarter" idx="20"/>
-          </p:nvPr>
-        </p:nvSpPr>
-        <p:spPr>
-          <a:xfrm>
-            <a:off x="8242859" y="4271888"/>
-            <a:ext cx="3336374" cy="495300"/>
-          </a:xfrm>
-        </p:spPr>
-        <p:txBody>
-          <a:bodyPr>
-            <a:noAutofit/>
-          </a:bodyPr>
-          <a:lstStyle>
-            <a:lvl1pPr marL="0" indent="0">
-              <a:buFontTx/>
-              <a:buNone/>
-              <a:defRPr sz="2000"/>
-            </a:lvl1pPr>
-            <a:lvl2pPr marL="609494" indent="0">
-              <a:buFontTx/>
-              <a:buNone/>
-              <a:defRPr sz="2000"/>
-            </a:lvl2pPr>
-            <a:lvl3pPr marL="1218986" indent="0">
-              <a:buFontTx/>
-              <a:buNone/>
-              <a:defRPr sz="1600"/>
-            </a:lvl3pPr>
-            <a:lvl4pPr marL="1828480" indent="0">
-              <a:buFontTx/>
-              <a:buNone/>
-              <a:defRPr sz="1400"/>
-            </a:lvl4pPr>
-            <a:lvl5pPr marL="2437973" indent="0">
-              <a:buFontTx/>
-              <a:buNone/>
-              <a:defRPr sz="1400"/>
-            </a:lvl5pPr>
-          </a:lstStyle>
-          <a:p>
-            <a:pPr lvl="0"/>
-            <a:r>
-              <a:rPr lang="en-US" dirty="0"/>
-              <a:t>Click to edit Master text styles</a:t>
-            </a:r>
-            <a:endParaRPr lang="en-IN" dirty="0"/>
-          </a:p>
-        </p:txBody>
-      </p:sp>
-      <p:sp>
-        <p:nvSpPr>
-          <p:cNvPr id="19" name="Content Placeholder 6"/>
-          <p:cNvSpPr>
-            <a:spLocks noGrp="1"/>
-          </p:cNvSpPr>
-          <p:nvPr>
-            <p:ph sz="quarter" idx="13"/>
-          </p:nvPr>
-        </p:nvSpPr>
-        <p:spPr>
-          <a:xfrm>
-            <a:off x="608170" y="932702"/>
-            <a:ext cx="10975658" cy="484187"/>
-          </a:xfrm>
-        </p:spPr>
-        <p:txBody>
-          <a:bodyPr>
-            <a:noAutofit/>
-          </a:bodyPr>
-          <a:lstStyle>
-            <a:lvl1pPr marL="0" indent="0">
-              <a:buFontTx/>
-              <a:buNone/>
-              <a:defRPr sz="2200"/>
-            </a:lvl1pPr>
-            <a:lvl2pPr marL="609494" indent="0">
-              <a:buFontTx/>
-              <a:buNone/>
-              <a:defRPr sz="2000"/>
-            </a:lvl2pPr>
-            <a:lvl3pPr marL="1218986" indent="0">
-              <a:buFontTx/>
-              <a:buNone/>
-              <a:defRPr sz="1600"/>
-            </a:lvl3pPr>
-            <a:lvl4pPr marL="1828480" indent="0">
-              <a:buFontTx/>
-              <a:buNone/>
-              <a:defRPr sz="1400"/>
-            </a:lvl4pPr>
-            <a:lvl5pPr marL="2437973" indent="0">
-              <a:buFontTx/>
-              <a:buNone/>
-              <a:defRPr sz="1400"/>
-            </a:lvl5pPr>
-          </a:lstStyle>
-          <a:p>
-            <a:pPr lvl="0"/>
-            <a:r>
-              <a:rPr lang="en-US" dirty="0"/>
-              <a:t>Click to edit Master text styles</a:t>
-            </a:r>
-            <a:endParaRPr lang="en-IN" dirty="0"/>
-          </a:p>
-        </p:txBody>
-      </p:sp>
-    </p:spTree>
-    <p:extLst>
-      <p:ext uri="{BB962C8B-B14F-4D97-AF65-F5344CB8AC3E}">
-        <p14:creationId xmlns:p14="http://schemas.microsoft.com/office/powerpoint/2010/main" val="1512087918"/>
-      </p:ext>
-    </p:extLst>
-  </p:cSld>
-  <p:clrMapOvr>
-    <a:masterClrMapping/>
-  </p:clrMapOvr>
-</p:sldLayout>
-</file>
-
-<file path=ppt/slideLayouts/slideLayout32.xml><?xml version="1.0" encoding="utf-8"?>
 <p:sldLayout xmlns:a="http://schemas.openxmlformats.org/drawingml/2006/main" xmlns:r="http://schemas.openxmlformats.org/officeDocument/2006/relationships" xmlns:p="http://schemas.openxmlformats.org/presentationml/2006/main" type="titleOnly" preserve="1">
   <p:cSld name="1_Title Only">
     <p:bg>
@@ -6481,7 +6087,7 @@
 </p:sldLayout>
 </file>
 
-<file path=ppt/slideLayouts/slideLayout33.xml><?xml version="1.0" encoding="utf-8"?>
+<file path=ppt/slideLayouts/slideLayout31.xml><?xml version="1.0" encoding="utf-8"?>
 <p:sldLayout xmlns:a="http://schemas.openxmlformats.org/drawingml/2006/main" xmlns:r="http://schemas.openxmlformats.org/officeDocument/2006/relationships" xmlns:p="http://schemas.openxmlformats.org/presentationml/2006/main" preserve="1" userDrawn="1">
   <p:cSld name="3_Title Only">
     <p:bg>
@@ -6714,7 +6320,7 @@
 </p:sldLayout>
 </file>
 
-<file path=ppt/slideLayouts/slideLayout34.xml><?xml version="1.0" encoding="utf-8"?>
+<file path=ppt/slideLayouts/slideLayout32.xml><?xml version="1.0" encoding="utf-8"?>
 <p:sldLayout xmlns:a="http://schemas.openxmlformats.org/drawingml/2006/main" xmlns:r="http://schemas.openxmlformats.org/officeDocument/2006/relationships" xmlns:p="http://schemas.openxmlformats.org/presentationml/2006/main" preserve="1" userDrawn="1">
   <p:cSld name="4_Title Only">
     <p:bg>
@@ -6947,7 +6553,7 @@
 </p:sldLayout>
 </file>
 
-<file path=ppt/slideLayouts/slideLayout35.xml><?xml version="1.0" encoding="utf-8"?>
+<file path=ppt/slideLayouts/slideLayout33.xml><?xml version="1.0" encoding="utf-8"?>
 <p:sldLayout xmlns:a="http://schemas.openxmlformats.org/drawingml/2006/main" xmlns:r="http://schemas.openxmlformats.org/officeDocument/2006/relationships" xmlns:p="http://schemas.openxmlformats.org/presentationml/2006/main" preserve="1" userDrawn="1">
   <p:cSld name="5_Title Only">
     <p:bg>
@@ -7185,7 +6791,7 @@
 </p:sldLayout>
 </file>
 
-<file path=ppt/slideLayouts/slideLayout36.xml><?xml version="1.0" encoding="utf-8"?>
+<file path=ppt/slideLayouts/slideLayout34.xml><?xml version="1.0" encoding="utf-8"?>
 <p:sldLayout xmlns:a="http://schemas.openxmlformats.org/drawingml/2006/main" xmlns:r="http://schemas.openxmlformats.org/officeDocument/2006/relationships" xmlns:p="http://schemas.openxmlformats.org/presentationml/2006/main" type="blank" preserve="1">
   <p:cSld name="Blank">
     <p:spTree>
@@ -7282,7 +6888,7 @@
 </p:sldLayout>
 </file>
 
-<file path=ppt/slideLayouts/slideLayout37.xml><?xml version="1.0" encoding="utf-8"?>
+<file path=ppt/slideLayouts/slideLayout35.xml><?xml version="1.0" encoding="utf-8"?>
 <p:sldLayout xmlns:a="http://schemas.openxmlformats.org/drawingml/2006/main" xmlns:r="http://schemas.openxmlformats.org/officeDocument/2006/relationships" xmlns:p="http://schemas.openxmlformats.org/presentationml/2006/main" type="objTx" preserve="1">
   <p:cSld name="Content with Caption">
     <p:spTree>
@@ -7559,7 +7165,7 @@
 </p:sldLayout>
 </file>
 
-<file path=ppt/slideLayouts/slideLayout38.xml><?xml version="1.0" encoding="utf-8"?>
+<file path=ppt/slideLayouts/slideLayout36.xml><?xml version="1.0" encoding="utf-8"?>
 <p:sldLayout xmlns:a="http://schemas.openxmlformats.org/drawingml/2006/main" xmlns:r="http://schemas.openxmlformats.org/officeDocument/2006/relationships" xmlns:p="http://schemas.openxmlformats.org/presentationml/2006/main" type="picTx" preserve="1">
   <p:cSld name="Picture with Caption">
     <p:spTree>
@@ -7813,7 +7419,7 @@
 </p:sldLayout>
 </file>
 
-<file path=ppt/slideLayouts/slideLayout39.xml><?xml version="1.0" encoding="utf-8"?>
+<file path=ppt/slideLayouts/slideLayout37.xml><?xml version="1.0" encoding="utf-8"?>
 <p:sldLayout xmlns:a="http://schemas.openxmlformats.org/drawingml/2006/main" xmlns:r="http://schemas.openxmlformats.org/officeDocument/2006/relationships" xmlns:p="http://schemas.openxmlformats.org/presentationml/2006/main" type="vertTx" preserve="1">
   <p:cSld name="Title and Vertical Text">
     <p:spTree>
@@ -7974,6 +7580,186 @@
     <p:extLst>
       <p:ext uri="{BB962C8B-B14F-4D97-AF65-F5344CB8AC3E}">
         <p14:creationId xmlns:p14="http://schemas.microsoft.com/office/powerpoint/2010/main" val="3688185401"/>
+      </p:ext>
+    </p:extLst>
+  </p:cSld>
+  <p:clrMapOvr>
+    <a:masterClrMapping/>
+  </p:clrMapOvr>
+</p:sldLayout>
+</file>
+
+<file path=ppt/slideLayouts/slideLayout38.xml><?xml version="1.0" encoding="utf-8"?>
+<p:sldLayout xmlns:a="http://schemas.openxmlformats.org/drawingml/2006/main" xmlns:r="http://schemas.openxmlformats.org/officeDocument/2006/relationships" xmlns:p="http://schemas.openxmlformats.org/presentationml/2006/main" type="vertTitleAndTx" preserve="1">
+  <p:cSld name="Vertical Title and Text">
+    <p:spTree>
+      <p:nvGrpSpPr>
+        <p:cNvPr id="1" name=""/>
+        <p:cNvGrpSpPr/>
+        <p:nvPr/>
+      </p:nvGrpSpPr>
+      <p:grpSpPr>
+        <a:xfrm>
+          <a:off x="0" y="0"/>
+          <a:ext cx="0" cy="0"/>
+          <a:chOff x="0" y="0"/>
+          <a:chExt cx="0" cy="0"/>
+        </a:xfrm>
+      </p:grpSpPr>
+      <p:sp>
+        <p:nvSpPr>
+          <p:cNvPr id="2" name="Vertical Title 1"/>
+          <p:cNvSpPr>
+            <a:spLocks noGrp="1"/>
+          </p:cNvSpPr>
+          <p:nvPr>
+            <p:ph type="title" orient="vert"/>
+          </p:nvPr>
+        </p:nvSpPr>
+        <p:spPr>
+          <a:xfrm>
+            <a:off x="8839200" y="274640"/>
+            <a:ext cx="2743200" cy="5851525"/>
+          </a:xfrm>
+        </p:spPr>
+        <p:txBody>
+          <a:bodyPr vert="eaVert"/>
+          <a:lstStyle/>
+          <a:p>
+            <a:r>
+              <a:rPr lang="en-US"/>
+              <a:t>Click to edit Master title style</a:t>
+            </a:r>
+          </a:p>
+        </p:txBody>
+      </p:sp>
+      <p:sp>
+        <p:nvSpPr>
+          <p:cNvPr id="3" name="Vertical Text Placeholder 2"/>
+          <p:cNvSpPr>
+            <a:spLocks noGrp="1"/>
+          </p:cNvSpPr>
+          <p:nvPr>
+            <p:ph type="body" orient="vert" idx="1"/>
+          </p:nvPr>
+        </p:nvSpPr>
+        <p:spPr>
+          <a:xfrm>
+            <a:off x="609600" y="274640"/>
+            <a:ext cx="8026400" cy="5851525"/>
+          </a:xfrm>
+        </p:spPr>
+        <p:txBody>
+          <a:bodyPr vert="eaVert"/>
+          <a:lstStyle/>
+          <a:p>
+            <a:pPr lvl="0"/>
+            <a:r>
+              <a:rPr lang="en-US"/>
+              <a:t>Click to edit Master text styles</a:t>
+            </a:r>
+          </a:p>
+          <a:p>
+            <a:pPr lvl="1"/>
+            <a:r>
+              <a:rPr lang="en-US"/>
+              <a:t>Second level</a:t>
+            </a:r>
+          </a:p>
+          <a:p>
+            <a:pPr lvl="2"/>
+            <a:r>
+              <a:rPr lang="en-US"/>
+              <a:t>Third level</a:t>
+            </a:r>
+          </a:p>
+          <a:p>
+            <a:pPr lvl="3"/>
+            <a:r>
+              <a:rPr lang="en-US"/>
+              <a:t>Fourth level</a:t>
+            </a:r>
+          </a:p>
+          <a:p>
+            <a:pPr lvl="4"/>
+            <a:r>
+              <a:rPr lang="en-US"/>
+              <a:t>Fifth level</a:t>
+            </a:r>
+          </a:p>
+        </p:txBody>
+      </p:sp>
+      <p:sp>
+        <p:nvSpPr>
+          <p:cNvPr id="4" name="Date Placeholder 3"/>
+          <p:cNvSpPr>
+            <a:spLocks noGrp="1"/>
+          </p:cNvSpPr>
+          <p:nvPr>
+            <p:ph type="dt" sz="half" idx="10"/>
+          </p:nvPr>
+        </p:nvSpPr>
+        <p:spPr/>
+        <p:txBody>
+          <a:bodyPr/>
+          <a:lstStyle/>
+          <a:p>
+            <a:fld id="{425404F2-BE9A-4460-8815-8F645183555F}" type="datetimeFigureOut">
+              <a:rPr lang="en-US" smtClean="0"/>
+              <a:pPr/>
+              <a:t>11/22/2021</a:t>
+            </a:fld>
+            <a:endParaRPr lang="en-US"/>
+          </a:p>
+        </p:txBody>
+      </p:sp>
+      <p:sp>
+        <p:nvSpPr>
+          <p:cNvPr id="5" name="Footer Placeholder 4"/>
+          <p:cNvSpPr>
+            <a:spLocks noGrp="1"/>
+          </p:cNvSpPr>
+          <p:nvPr>
+            <p:ph type="ftr" sz="quarter" idx="11"/>
+          </p:nvPr>
+        </p:nvSpPr>
+        <p:spPr/>
+        <p:txBody>
+          <a:bodyPr/>
+          <a:lstStyle/>
+          <a:p>
+            <a:endParaRPr lang="en-US"/>
+          </a:p>
+        </p:txBody>
+      </p:sp>
+      <p:sp>
+        <p:nvSpPr>
+          <p:cNvPr id="6" name="Slide Number Placeholder 5"/>
+          <p:cNvSpPr>
+            <a:spLocks noGrp="1"/>
+          </p:cNvSpPr>
+          <p:nvPr>
+            <p:ph type="sldNum" sz="quarter" idx="12"/>
+          </p:nvPr>
+        </p:nvSpPr>
+        <p:spPr/>
+        <p:txBody>
+          <a:bodyPr/>
+          <a:lstStyle/>
+          <a:p>
+            <a:fld id="{96E69268-9C8B-4EBF-A9EE-DC5DC2D48DC3}" type="slidenum">
+              <a:rPr lang="en-US" smtClean="0"/>
+              <a:pPr/>
+              <a:t>‹#›</a:t>
+            </a:fld>
+            <a:endParaRPr lang="en-US"/>
+          </a:p>
+        </p:txBody>
+      </p:sp>
+    </p:spTree>
+    <p:extLst>
+      <p:ext uri="{BB962C8B-B14F-4D97-AF65-F5344CB8AC3E}">
+        <p14:creationId xmlns:p14="http://schemas.microsoft.com/office/powerpoint/2010/main" val="3217696323"/>
       </p:ext>
     </p:extLst>
   </p:cSld>
@@ -8203,186 +7989,6 @@
     <p:extLst>
       <p:ext uri="{BB962C8B-B14F-4D97-AF65-F5344CB8AC3E}">
         <p14:creationId xmlns:p14="http://schemas.microsoft.com/office/powerpoint/2010/main" val="1233466970"/>
-      </p:ext>
-    </p:extLst>
-  </p:cSld>
-  <p:clrMapOvr>
-    <a:masterClrMapping/>
-  </p:clrMapOvr>
-</p:sldLayout>
-</file>
-
-<file path=ppt/slideLayouts/slideLayout40.xml><?xml version="1.0" encoding="utf-8"?>
-<p:sldLayout xmlns:a="http://schemas.openxmlformats.org/drawingml/2006/main" xmlns:r="http://schemas.openxmlformats.org/officeDocument/2006/relationships" xmlns:p="http://schemas.openxmlformats.org/presentationml/2006/main" type="vertTitleAndTx" preserve="1">
-  <p:cSld name="Vertical Title and Text">
-    <p:spTree>
-      <p:nvGrpSpPr>
-        <p:cNvPr id="1" name=""/>
-        <p:cNvGrpSpPr/>
-        <p:nvPr/>
-      </p:nvGrpSpPr>
-      <p:grpSpPr>
-        <a:xfrm>
-          <a:off x="0" y="0"/>
-          <a:ext cx="0" cy="0"/>
-          <a:chOff x="0" y="0"/>
-          <a:chExt cx="0" cy="0"/>
-        </a:xfrm>
-      </p:grpSpPr>
-      <p:sp>
-        <p:nvSpPr>
-          <p:cNvPr id="2" name="Vertical Title 1"/>
-          <p:cNvSpPr>
-            <a:spLocks noGrp="1"/>
-          </p:cNvSpPr>
-          <p:nvPr>
-            <p:ph type="title" orient="vert"/>
-          </p:nvPr>
-        </p:nvSpPr>
-        <p:spPr>
-          <a:xfrm>
-            <a:off x="8839200" y="274640"/>
-            <a:ext cx="2743200" cy="5851525"/>
-          </a:xfrm>
-        </p:spPr>
-        <p:txBody>
-          <a:bodyPr vert="eaVert"/>
-          <a:lstStyle/>
-          <a:p>
-            <a:r>
-              <a:rPr lang="en-US"/>
-              <a:t>Click to edit Master title style</a:t>
-            </a:r>
-          </a:p>
-        </p:txBody>
-      </p:sp>
-      <p:sp>
-        <p:nvSpPr>
-          <p:cNvPr id="3" name="Vertical Text Placeholder 2"/>
-          <p:cNvSpPr>
-            <a:spLocks noGrp="1"/>
-          </p:cNvSpPr>
-          <p:nvPr>
-            <p:ph type="body" orient="vert" idx="1"/>
-          </p:nvPr>
-        </p:nvSpPr>
-        <p:spPr>
-          <a:xfrm>
-            <a:off x="609600" y="274640"/>
-            <a:ext cx="8026400" cy="5851525"/>
-          </a:xfrm>
-        </p:spPr>
-        <p:txBody>
-          <a:bodyPr vert="eaVert"/>
-          <a:lstStyle/>
-          <a:p>
-            <a:pPr lvl="0"/>
-            <a:r>
-              <a:rPr lang="en-US"/>
-              <a:t>Click to edit Master text styles</a:t>
-            </a:r>
-          </a:p>
-          <a:p>
-            <a:pPr lvl="1"/>
-            <a:r>
-              <a:rPr lang="en-US"/>
-              <a:t>Second level</a:t>
-            </a:r>
-          </a:p>
-          <a:p>
-            <a:pPr lvl="2"/>
-            <a:r>
-              <a:rPr lang="en-US"/>
-              <a:t>Third level</a:t>
-            </a:r>
-          </a:p>
-          <a:p>
-            <a:pPr lvl="3"/>
-            <a:r>
-              <a:rPr lang="en-US"/>
-              <a:t>Fourth level</a:t>
-            </a:r>
-          </a:p>
-          <a:p>
-            <a:pPr lvl="4"/>
-            <a:r>
-              <a:rPr lang="en-US"/>
-              <a:t>Fifth level</a:t>
-            </a:r>
-          </a:p>
-        </p:txBody>
-      </p:sp>
-      <p:sp>
-        <p:nvSpPr>
-          <p:cNvPr id="4" name="Date Placeholder 3"/>
-          <p:cNvSpPr>
-            <a:spLocks noGrp="1"/>
-          </p:cNvSpPr>
-          <p:nvPr>
-            <p:ph type="dt" sz="half" idx="10"/>
-          </p:nvPr>
-        </p:nvSpPr>
-        <p:spPr/>
-        <p:txBody>
-          <a:bodyPr/>
-          <a:lstStyle/>
-          <a:p>
-            <a:fld id="{425404F2-BE9A-4460-8815-8F645183555F}" type="datetimeFigureOut">
-              <a:rPr lang="en-US" smtClean="0"/>
-              <a:pPr/>
-              <a:t>11/22/2021</a:t>
-            </a:fld>
-            <a:endParaRPr lang="en-US"/>
-          </a:p>
-        </p:txBody>
-      </p:sp>
-      <p:sp>
-        <p:nvSpPr>
-          <p:cNvPr id="5" name="Footer Placeholder 4"/>
-          <p:cNvSpPr>
-            <a:spLocks noGrp="1"/>
-          </p:cNvSpPr>
-          <p:nvPr>
-            <p:ph type="ftr" sz="quarter" idx="11"/>
-          </p:nvPr>
-        </p:nvSpPr>
-        <p:spPr/>
-        <p:txBody>
-          <a:bodyPr/>
-          <a:lstStyle/>
-          <a:p>
-            <a:endParaRPr lang="en-US"/>
-          </a:p>
-        </p:txBody>
-      </p:sp>
-      <p:sp>
-        <p:nvSpPr>
-          <p:cNvPr id="6" name="Slide Number Placeholder 5"/>
-          <p:cNvSpPr>
-            <a:spLocks noGrp="1"/>
-          </p:cNvSpPr>
-          <p:nvPr>
-            <p:ph type="sldNum" sz="quarter" idx="12"/>
-          </p:nvPr>
-        </p:nvSpPr>
-        <p:spPr/>
-        <p:txBody>
-          <a:bodyPr/>
-          <a:lstStyle/>
-          <a:p>
-            <a:fld id="{96E69268-9C8B-4EBF-A9EE-DC5DC2D48DC3}" type="slidenum">
-              <a:rPr lang="en-US" smtClean="0"/>
-              <a:pPr/>
-              <a:t>‹#›</a:t>
-            </a:fld>
-            <a:endParaRPr lang="en-US"/>
-          </a:p>
-        </p:txBody>
-      </p:sp>
-    </p:spTree>
-    <p:extLst>
-      <p:ext uri="{BB962C8B-B14F-4D97-AF65-F5344CB8AC3E}">
-        <p14:creationId xmlns:p14="http://schemas.microsoft.com/office/powerpoint/2010/main" val="3217696323"/>
       </p:ext>
     </p:extLst>
   </p:cSld>
@@ -9755,11 +9361,9 @@
     <p:sldLayoutId id="2147483682" r:id="rId15"/>
     <p:sldLayoutId id="2147483693" r:id="rId16"/>
     <p:sldLayoutId id="2147483694" r:id="rId17"/>
-    <p:sldLayoutId id="2147483697" r:id="rId18"/>
-    <p:sldLayoutId id="2147483698" r:id="rId19"/>
-    <p:sldLayoutId id="2147483699" r:id="rId20"/>
-    <p:sldLayoutId id="2147483700" r:id="rId21"/>
-    <p:sldLayoutId id="2147483701" r:id="rId22"/>
+    <p:sldLayoutId id="2147483699" r:id="rId18"/>
+    <p:sldLayoutId id="2147483700" r:id="rId19"/>
+    <p:sldLayoutId id="2147483701" r:id="rId20"/>
   </p:sldLayoutIdLst>
   <p:txStyles>
     <p:titleStyle>
@@ -10774,7 +10378,7 @@
         <p:spPr>
           <a:xfrm>
             <a:off x="187367" y="2062424"/>
-            <a:ext cx="6629399" cy="1200329"/>
+            <a:ext cx="6629399" cy="1754326"/>
           </a:xfrm>
           <a:prstGeom prst="rect">
             <a:avLst/>
@@ -10793,8 +10397,31 @@
                   <a:schemeClr val="bg1"/>
                 </a:solidFill>
               </a:rPr>
-              <a:t>Anurag Bajaj</a:t>
-            </a:r>
+              <a:t>Anurag </a:t>
+            </a:r>
+            <a:r>
+              <a:rPr lang="en-US" sz="3600" spc="-150" dirty="0" smtClean="0">
+                <a:solidFill>
+                  <a:schemeClr val="bg1"/>
+                </a:solidFill>
+              </a:rPr>
+              <a:t>Bajaj</a:t>
+            </a:r>
+          </a:p>
+          <a:p>
+            <a:r>
+              <a:rPr lang="en-US" sz="3600" spc="-150" dirty="0" smtClean="0">
+                <a:solidFill>
+                  <a:schemeClr val="bg1"/>
+                </a:solidFill>
+              </a:rPr>
+              <a:t>Shubham Singh</a:t>
+            </a:r>
+            <a:endParaRPr lang="en-US" sz="3600" spc="-150" dirty="0">
+              <a:solidFill>
+                <a:schemeClr val="bg1"/>
+              </a:solidFill>
+            </a:endParaRPr>
           </a:p>
           <a:p>
             <a:r>
@@ -10892,7 +10519,7 @@
           <p:cNvPr id="37" name="TextBox 36">
             <a:extLst>
               <a:ext uri="{FF2B5EF4-FFF2-40B4-BE49-F238E27FC236}">
-                <a16:creationId xmlns:a16="http://schemas.microsoft.com/office/drawing/2014/main" id="{E8CAC22F-1542-4031-BC6C-A16989886504}"/>
+                <a16:creationId xmlns:a16="http://schemas.microsoft.com/office/drawing/2014/main" xmlns="" id="{E8CAC22F-1542-4031-BC6C-A16989886504}"/>
               </a:ext>
             </a:extLst>
           </p:cNvPr>
@@ -10945,7 +10572,7 @@
           <p:cNvPr id="40" name="Picture 39">
             <a:extLst>
               <a:ext uri="{FF2B5EF4-FFF2-40B4-BE49-F238E27FC236}">
-                <a16:creationId xmlns:a16="http://schemas.microsoft.com/office/drawing/2014/main" id="{DA60E6FB-8C44-4FEB-B6E9-83DA908565CD}"/>
+                <a16:creationId xmlns:a16="http://schemas.microsoft.com/office/drawing/2014/main" xmlns="" id="{DA60E6FB-8C44-4FEB-B6E9-83DA908565CD}"/>
               </a:ext>
             </a:extLst>
           </p:cNvPr>
@@ -10981,7 +10608,7 @@
           <p:cNvPr id="41" name="Straight Connector 40">
             <a:extLst>
               <a:ext uri="{FF2B5EF4-FFF2-40B4-BE49-F238E27FC236}">
-                <a16:creationId xmlns:a16="http://schemas.microsoft.com/office/drawing/2014/main" id="{3B3B7D73-CAE9-45AC-ACCE-FAEF4E505C7A}"/>
+                <a16:creationId xmlns:a16="http://schemas.microsoft.com/office/drawing/2014/main" xmlns="" id="{3B3B7D73-CAE9-45AC-ACCE-FAEF4E505C7A}"/>
               </a:ext>
             </a:extLst>
           </p:cNvPr>
@@ -11017,7 +10644,7 @@
           <p:cNvPr id="4" name="Content Placeholder 3">
             <a:extLst>
               <a:ext uri="{FF2B5EF4-FFF2-40B4-BE49-F238E27FC236}">
-                <a16:creationId xmlns:a16="http://schemas.microsoft.com/office/drawing/2014/main" id="{502FC43D-EFB6-4F3B-B176-68397577827F}"/>
+                <a16:creationId xmlns:a16="http://schemas.microsoft.com/office/drawing/2014/main" xmlns="" id="{502FC43D-EFB6-4F3B-B176-68397577827F}"/>
               </a:ext>
             </a:extLst>
           </p:cNvPr>
@@ -11192,7 +10819,7 @@
           <p:cNvPr id="37" name="TextBox 36">
             <a:extLst>
               <a:ext uri="{FF2B5EF4-FFF2-40B4-BE49-F238E27FC236}">
-                <a16:creationId xmlns:a16="http://schemas.microsoft.com/office/drawing/2014/main" id="{E8CAC22F-1542-4031-BC6C-A16989886504}"/>
+                <a16:creationId xmlns:a16="http://schemas.microsoft.com/office/drawing/2014/main" xmlns="" id="{E8CAC22F-1542-4031-BC6C-A16989886504}"/>
               </a:ext>
             </a:extLst>
           </p:cNvPr>
@@ -11245,7 +10872,7 @@
           <p:cNvPr id="40" name="Picture 39">
             <a:extLst>
               <a:ext uri="{FF2B5EF4-FFF2-40B4-BE49-F238E27FC236}">
-                <a16:creationId xmlns:a16="http://schemas.microsoft.com/office/drawing/2014/main" id="{DA60E6FB-8C44-4FEB-B6E9-83DA908565CD}"/>
+                <a16:creationId xmlns:a16="http://schemas.microsoft.com/office/drawing/2014/main" xmlns="" id="{DA60E6FB-8C44-4FEB-B6E9-83DA908565CD}"/>
               </a:ext>
             </a:extLst>
           </p:cNvPr>
@@ -11281,7 +10908,7 @@
           <p:cNvPr id="41" name="Straight Connector 40">
             <a:extLst>
               <a:ext uri="{FF2B5EF4-FFF2-40B4-BE49-F238E27FC236}">
-                <a16:creationId xmlns:a16="http://schemas.microsoft.com/office/drawing/2014/main" id="{3B3B7D73-CAE9-45AC-ACCE-FAEF4E505C7A}"/>
+                <a16:creationId xmlns:a16="http://schemas.microsoft.com/office/drawing/2014/main" xmlns="" id="{3B3B7D73-CAE9-45AC-ACCE-FAEF4E505C7A}"/>
               </a:ext>
             </a:extLst>
           </p:cNvPr>
@@ -11317,7 +10944,7 @@
           <p:cNvPr id="6" name="Straight Arrow Connector 5">
             <a:extLst>
               <a:ext uri="{FF2B5EF4-FFF2-40B4-BE49-F238E27FC236}">
-                <a16:creationId xmlns:a16="http://schemas.microsoft.com/office/drawing/2014/main" id="{CF01A2FF-B0DF-4AEB-AF33-302BC4F25C73}"/>
+                <a16:creationId xmlns:a16="http://schemas.microsoft.com/office/drawing/2014/main" xmlns="" id="{CF01A2FF-B0DF-4AEB-AF33-302BC4F25C73}"/>
               </a:ext>
             </a:extLst>
           </p:cNvPr>
@@ -11356,7 +10983,7 @@
           <p:cNvPr id="8" name="Straight Arrow Connector 7">
             <a:extLst>
               <a:ext uri="{FF2B5EF4-FFF2-40B4-BE49-F238E27FC236}">
-                <a16:creationId xmlns:a16="http://schemas.microsoft.com/office/drawing/2014/main" id="{9B61A3DE-C4F1-48C9-9300-94CB16470B9B}"/>
+                <a16:creationId xmlns:a16="http://schemas.microsoft.com/office/drawing/2014/main" xmlns="" id="{9B61A3DE-C4F1-48C9-9300-94CB16470B9B}"/>
               </a:ext>
             </a:extLst>
           </p:cNvPr>
@@ -11395,7 +11022,7 @@
           <p:cNvPr id="9" name="TextBox 8">
             <a:extLst>
               <a:ext uri="{FF2B5EF4-FFF2-40B4-BE49-F238E27FC236}">
-                <a16:creationId xmlns:a16="http://schemas.microsoft.com/office/drawing/2014/main" id="{BDA64FD3-E2EC-45B3-AFB7-FEC2F3CA548F}"/>
+                <a16:creationId xmlns:a16="http://schemas.microsoft.com/office/drawing/2014/main" xmlns="" id="{BDA64FD3-E2EC-45B3-AFB7-FEC2F3CA548F}"/>
               </a:ext>
             </a:extLst>
           </p:cNvPr>
@@ -11430,7 +11057,7 @@
           <p:cNvPr id="10" name="TextBox 9">
             <a:extLst>
               <a:ext uri="{FF2B5EF4-FFF2-40B4-BE49-F238E27FC236}">
-                <a16:creationId xmlns:a16="http://schemas.microsoft.com/office/drawing/2014/main" id="{E43BB223-CAC2-478D-87E4-3A391CA5E821}"/>
+                <a16:creationId xmlns:a16="http://schemas.microsoft.com/office/drawing/2014/main" xmlns="" id="{E43BB223-CAC2-478D-87E4-3A391CA5E821}"/>
               </a:ext>
             </a:extLst>
           </p:cNvPr>
@@ -11471,7 +11098,7 @@
           <p:cNvPr id="239" name="Straight Arrow Connector 238">
             <a:extLst>
               <a:ext uri="{FF2B5EF4-FFF2-40B4-BE49-F238E27FC236}">
-                <a16:creationId xmlns:a16="http://schemas.microsoft.com/office/drawing/2014/main" id="{F0720F38-2977-4285-A495-BAF53BD6DF8B}"/>
+                <a16:creationId xmlns:a16="http://schemas.microsoft.com/office/drawing/2014/main" xmlns="" id="{F0720F38-2977-4285-A495-BAF53BD6DF8B}"/>
               </a:ext>
             </a:extLst>
           </p:cNvPr>
@@ -11512,7 +11139,7 @@
           <p:cNvPr id="242" name="Straight Arrow Connector 241">
             <a:extLst>
               <a:ext uri="{FF2B5EF4-FFF2-40B4-BE49-F238E27FC236}">
-                <a16:creationId xmlns:a16="http://schemas.microsoft.com/office/drawing/2014/main" id="{CBC71256-C65E-4B3B-AAB9-C71CED6D1A2F}"/>
+                <a16:creationId xmlns:a16="http://schemas.microsoft.com/office/drawing/2014/main" xmlns="" id="{CBC71256-C65E-4B3B-AAB9-C71CED6D1A2F}"/>
               </a:ext>
             </a:extLst>
           </p:cNvPr>
@@ -11551,7 +11178,7 @@
           <p:cNvPr id="243" name="Straight Arrow Connector 242">
             <a:extLst>
               <a:ext uri="{FF2B5EF4-FFF2-40B4-BE49-F238E27FC236}">
-                <a16:creationId xmlns:a16="http://schemas.microsoft.com/office/drawing/2014/main" id="{880B6985-11BC-4A52-A744-32E56D7444C8}"/>
+                <a16:creationId xmlns:a16="http://schemas.microsoft.com/office/drawing/2014/main" xmlns="" id="{880B6985-11BC-4A52-A744-32E56D7444C8}"/>
               </a:ext>
             </a:extLst>
           </p:cNvPr>
@@ -11592,7 +11219,7 @@
           <p:cNvPr id="244" name="Straight Arrow Connector 243">
             <a:extLst>
               <a:ext uri="{FF2B5EF4-FFF2-40B4-BE49-F238E27FC236}">
-                <a16:creationId xmlns:a16="http://schemas.microsoft.com/office/drawing/2014/main" id="{F7F097CF-B133-4469-B391-64956F09DE06}"/>
+                <a16:creationId xmlns:a16="http://schemas.microsoft.com/office/drawing/2014/main" xmlns="" id="{F7F097CF-B133-4469-B391-64956F09DE06}"/>
               </a:ext>
             </a:extLst>
           </p:cNvPr>
@@ -11631,7 +11258,7 @@
           <p:cNvPr id="248" name="TextBox 247">
             <a:extLst>
               <a:ext uri="{FF2B5EF4-FFF2-40B4-BE49-F238E27FC236}">
-                <a16:creationId xmlns:a16="http://schemas.microsoft.com/office/drawing/2014/main" id="{4805E5CC-D6EE-4F14-BB14-E8A278269E58}"/>
+                <a16:creationId xmlns:a16="http://schemas.microsoft.com/office/drawing/2014/main" xmlns="" id="{4805E5CC-D6EE-4F14-BB14-E8A278269E58}"/>
               </a:ext>
             </a:extLst>
           </p:cNvPr>
@@ -11666,7 +11293,7 @@
           <p:cNvPr id="357" name="TextBox 356">
             <a:extLst>
               <a:ext uri="{FF2B5EF4-FFF2-40B4-BE49-F238E27FC236}">
-                <a16:creationId xmlns:a16="http://schemas.microsoft.com/office/drawing/2014/main" id="{979641FD-FE59-486D-B556-67A15492CBF8}"/>
+                <a16:creationId xmlns:a16="http://schemas.microsoft.com/office/drawing/2014/main" xmlns="" id="{979641FD-FE59-486D-B556-67A15492CBF8}"/>
               </a:ext>
             </a:extLst>
           </p:cNvPr>
@@ -11707,7 +11334,7 @@
           <p:cNvPr id="359" name="TextBox 358">
             <a:extLst>
               <a:ext uri="{FF2B5EF4-FFF2-40B4-BE49-F238E27FC236}">
-                <a16:creationId xmlns:a16="http://schemas.microsoft.com/office/drawing/2014/main" id="{FD3DC332-35B3-4A6C-98A9-45182103DAA8}"/>
+                <a16:creationId xmlns:a16="http://schemas.microsoft.com/office/drawing/2014/main" xmlns="" id="{FD3DC332-35B3-4A6C-98A9-45182103DAA8}"/>
               </a:ext>
             </a:extLst>
           </p:cNvPr>
@@ -11778,47 +11405,59 @@
       </p:grpSpPr>
       <p:sp>
         <p:nvSpPr>
-          <p:cNvPr id="11" name="Title 10"/>
-          <p:cNvSpPr>
-            <a:spLocks noGrp="1"/>
-          </p:cNvSpPr>
-          <p:nvPr>
-            <p:ph type="title"/>
-          </p:nvPr>
+          <p:cNvPr id="2" name="Title 3">
+            <a:extLst>
+              <a:ext uri="{FF2B5EF4-FFF2-40B4-BE49-F238E27FC236}">
+                <a16:creationId xmlns:a16="http://schemas.microsoft.com/office/drawing/2014/main" xmlns="" id="{F07FC580-E2AB-4C55-8C95-D5E077A1D127}"/>
+              </a:ext>
+            </a:extLst>
+          </p:cNvPr>
+          <p:cNvSpPr txBox="1">
+            <a:spLocks/>
+          </p:cNvSpPr>
+          <p:nvPr/>
         </p:nvSpPr>
         <p:spPr>
           <a:xfrm>
-            <a:off x="-20279" y="41354"/>
-            <a:ext cx="10969943" cy="711081"/>
+            <a:off x="261764" y="188640"/>
+            <a:ext cx="11292008" cy="711081"/>
           </a:xfrm>
+          <a:prstGeom prst="rect">
+            <a:avLst/>
+          </a:prstGeom>
         </p:spPr>
         <p:txBody>
-          <a:bodyPr>
-            <a:noAutofit/>
-          </a:bodyPr>
-          <a:lstStyle/>
-          <a:p>
-            <a:r>
-              <a:rPr lang="en-IN" dirty="0">
+          <a:bodyPr/>
+          <a:lstStyle>
+            <a:lvl1pPr algn="l" defTabSz="914400" rtl="0" eaLnBrk="1" latinLnBrk="0" hangingPunct="1">
+              <a:lnSpc>
+                <a:spcPct val="90000"/>
+              </a:lnSpc>
+              <a:spcBef>
+                <a:spcPct val="0"/>
+              </a:spcBef>
+              <a:buNone/>
+              <a:defRPr sz="4400" kern="1200">
                 <a:solidFill>
-                  <a:schemeClr val="tx2">
-                    <a:lumMod val="60000"/>
-                    <a:lumOff val="40000"/>
-                  </a:schemeClr>
+                  <a:schemeClr val="tx1"/>
                 </a:solidFill>
-                <a:latin typeface="Patua One" pitchFamily="2" charset="0"/>
-              </a:rPr>
-              <a:t>Matrices to check regression quality</a:t>
-            </a:r>
-          </a:p>
-        </p:txBody>
-      </p:sp>
-      <p:sp>
-        <p:nvSpPr>
-          <p:cNvPr id="37" name="TextBox 36">
+                <a:latin typeface="+mj-lt"/>
+                <a:ea typeface="+mj-ea"/>
+                <a:cs typeface="+mj-cs"/>
+              </a:defRPr>
+            </a:lvl1pPr>
+          </a:lstStyle>
+          <a:p>
+            <a:endParaRPr lang="en-US" b="1" dirty="0"/>
+          </a:p>
+        </p:txBody>
+      </p:sp>
+      <p:sp>
+        <p:nvSpPr>
+          <p:cNvPr id="7" name="TextBox 6">
             <a:extLst>
               <a:ext uri="{FF2B5EF4-FFF2-40B4-BE49-F238E27FC236}">
-                <a16:creationId xmlns:a16="http://schemas.microsoft.com/office/drawing/2014/main" id="{E8CAC22F-1542-4031-BC6C-A16989886504}"/>
+                <a16:creationId xmlns:a16="http://schemas.microsoft.com/office/drawing/2014/main" xmlns="" id="{17EB74BE-8011-4153-8F37-3BEF9C1F4CC0}"/>
               </a:ext>
             </a:extLst>
           </p:cNvPr>
@@ -11827,8 +11466,8 @@
         </p:nvSpPr>
         <p:spPr>
           <a:xfrm>
-            <a:off x="4943872" y="6550224"/>
-            <a:ext cx="3456384" cy="307777"/>
+            <a:off x="3512128" y="2507734"/>
+            <a:ext cx="6174508" cy="1323439"/>
           </a:xfrm>
           <a:prstGeom prst="rect">
             <a:avLst/>
@@ -11836,237 +11475,28 @@
           <a:noFill/>
         </p:spPr>
         <p:txBody>
-          <a:bodyPr wrap="square" rtlCol="0">
+          <a:bodyPr wrap="square">
             <a:spAutoFit/>
           </a:bodyPr>
           <a:lstStyle/>
           <a:p>
-            <a:pPr defTabSz="1218987">
-              <a:defRPr/>
-            </a:pPr>
-            <a:r>
-              <a:rPr lang="en-US" sz="1400" b="1" dirty="0">
-                <a:solidFill>
-                  <a:prstClr val="black"/>
-                </a:solidFill>
-                <a:latin typeface="Arial Rounded MT Bold" panose="020F0704030504030204" pitchFamily="34" charset="0"/>
-                <a:ea typeface="Arial Unicode MS" panose="020B0604020202020204" pitchFamily="34" charset="-128"/>
-                <a:cs typeface="Arial Unicode MS" panose="020B0604020202020204" pitchFamily="34" charset="-128"/>
-              </a:rPr>
-              <a:t>www.anubhavtrainings.com</a:t>
-            </a:r>
-            <a:endParaRPr lang="en-IN" sz="1400" b="1" dirty="0">
-              <a:solidFill>
-                <a:prstClr val="black"/>
-              </a:solidFill>
-              <a:latin typeface="Arial Rounded MT Bold" panose="020F0704030504030204" pitchFamily="34" charset="0"/>
-              <a:ea typeface="Arial Unicode MS" panose="020B0604020202020204" pitchFamily="34" charset="-128"/>
-              <a:cs typeface="Arial Unicode MS" panose="020B0604020202020204" pitchFamily="34" charset="-128"/>
-            </a:endParaRPr>
-          </a:p>
-        </p:txBody>
-      </p:sp>
-      <p:pic>
-        <p:nvPicPr>
-          <p:cNvPr id="40" name="Picture 39">
-            <a:extLst>
-              <a:ext uri="{FF2B5EF4-FFF2-40B4-BE49-F238E27FC236}">
-                <a16:creationId xmlns:a16="http://schemas.microsoft.com/office/drawing/2014/main" id="{DA60E6FB-8C44-4FEB-B6E9-83DA908565CD}"/>
-              </a:ext>
-            </a:extLst>
-          </p:cNvPr>
-          <p:cNvPicPr>
-            <a:picLocks noChangeAspect="1"/>
-          </p:cNvPicPr>
-          <p:nvPr/>
-        </p:nvPicPr>
-        <p:blipFill>
-          <a:blip r:embed="rId2">
-            <a:extLst>
-              <a:ext uri="{28A0092B-C50C-407E-A947-70E740481C1C}">
-                <a14:useLocalDpi xmlns:a14="http://schemas.microsoft.com/office/drawing/2010/main" val="0"/>
-              </a:ext>
-            </a:extLst>
-          </a:blip>
-          <a:stretch>
-            <a:fillRect/>
-          </a:stretch>
-        </p:blipFill>
-        <p:spPr>
-          <a:xfrm>
-            <a:off x="9624393" y="106009"/>
-            <a:ext cx="2335203" cy="762895"/>
-          </a:xfrm>
-          <a:prstGeom prst="rect">
-            <a:avLst/>
-          </a:prstGeom>
-        </p:spPr>
-      </p:pic>
-      <p:cxnSp>
-        <p:nvCxnSpPr>
-          <p:cNvPr id="41" name="Straight Connector 40">
-            <a:extLst>
-              <a:ext uri="{FF2B5EF4-FFF2-40B4-BE49-F238E27FC236}">
-                <a16:creationId xmlns:a16="http://schemas.microsoft.com/office/drawing/2014/main" id="{3B3B7D73-CAE9-45AC-ACCE-FAEF4E505C7A}"/>
-              </a:ext>
-            </a:extLst>
-          </p:cNvPr>
-          <p:cNvCxnSpPr/>
-          <p:nvPr/>
-        </p:nvCxnSpPr>
-        <p:spPr>
-          <a:xfrm>
-            <a:off x="1588" y="764704"/>
-            <a:ext cx="6479584" cy="0"/>
-          </a:xfrm>
-          <a:prstGeom prst="line">
-            <a:avLst/>
-          </a:prstGeom>
-        </p:spPr>
-        <p:style>
-          <a:lnRef idx="2">
-            <a:schemeClr val="accent6"/>
-          </a:lnRef>
-          <a:fillRef idx="0">
-            <a:schemeClr val="accent6"/>
-          </a:fillRef>
-          <a:effectRef idx="1">
-            <a:schemeClr val="accent6"/>
-          </a:effectRef>
-          <a:fontRef idx="minor">
-            <a:schemeClr val="tx1"/>
-          </a:fontRef>
-        </p:style>
-      </p:cxnSp>
-      <p:pic>
-        <p:nvPicPr>
-          <p:cNvPr id="2" name="Picture 1">
-            <a:extLst>
-              <a:ext uri="{FF2B5EF4-FFF2-40B4-BE49-F238E27FC236}">
-                <a16:creationId xmlns:a16="http://schemas.microsoft.com/office/drawing/2014/main" id="{BE3A0870-F741-4A04-933F-6678A44A8D7A}"/>
-              </a:ext>
-            </a:extLst>
-          </p:cNvPr>
-          <p:cNvPicPr>
-            <a:picLocks noChangeAspect="1"/>
-          </p:cNvPicPr>
-          <p:nvPr/>
-        </p:nvPicPr>
-        <p:blipFill>
-          <a:blip r:embed="rId3"/>
-          <a:stretch>
-            <a:fillRect/>
-          </a:stretch>
-        </p:blipFill>
-        <p:spPr>
-          <a:xfrm>
-            <a:off x="263352" y="1102433"/>
-            <a:ext cx="4824536" cy="5318679"/>
-          </a:xfrm>
-          <a:prstGeom prst="rect">
-            <a:avLst/>
-          </a:prstGeom>
-        </p:spPr>
-      </p:pic>
-      <p:sp>
-        <p:nvSpPr>
-          <p:cNvPr id="3" name="TextBox 2">
-            <a:extLst>
-              <a:ext uri="{FF2B5EF4-FFF2-40B4-BE49-F238E27FC236}">
-                <a16:creationId xmlns:a16="http://schemas.microsoft.com/office/drawing/2014/main" id="{2FDE069B-C593-4FF4-8BE8-B8FBBD17AB9F}"/>
-              </a:ext>
-            </a:extLst>
-          </p:cNvPr>
-          <p:cNvSpPr txBox="1"/>
-          <p:nvPr/>
-        </p:nvSpPr>
-        <p:spPr>
-          <a:xfrm>
-            <a:off x="5113145" y="938408"/>
-            <a:ext cx="6670849" cy="646331"/>
-          </a:xfrm>
-          <a:prstGeom prst="rect">
-            <a:avLst/>
-          </a:prstGeom>
-          <a:noFill/>
-        </p:spPr>
-        <p:txBody>
-          <a:bodyPr wrap="square" rtlCol="0">
-            <a:spAutoFit/>
-          </a:bodyPr>
-          <a:lstStyle/>
-          <a:p>
-            <a:r>
-              <a:rPr lang="en-US" b="1" dirty="0"/>
-              <a:t>How far our actual values are from predicted values. – Residual / deviation</a:t>
-            </a:r>
-          </a:p>
-        </p:txBody>
-      </p:sp>
-      <mc:AlternateContent xmlns:mc="http://schemas.openxmlformats.org/markup-compatibility/2006" xmlns:p14="http://schemas.microsoft.com/office/powerpoint/2010/main">
-        <mc:Choice Requires="p14">
-          <p:contentPart p14:bwMode="auto" r:id="rId4">
-            <p14:nvContentPartPr>
-              <p14:cNvPr id="78" name="Ink 77">
-                <a:extLst>
-                  <a:ext uri="{FF2B5EF4-FFF2-40B4-BE49-F238E27FC236}">
-                    <a16:creationId xmlns:a16="http://schemas.microsoft.com/office/drawing/2014/main" id="{B6EC5873-6703-42A4-A4BB-982F601401A6}"/>
-                  </a:ext>
-                </a:extLst>
-              </p14:cNvPr>
-              <p14:cNvContentPartPr/>
-              <p14:nvPr/>
-            </p14:nvContentPartPr>
-            <p14:xfrm>
-              <a:off x="1278331" y="6326001"/>
-              <a:ext cx="19080" cy="19080"/>
-            </p14:xfrm>
-          </p:contentPart>
-        </mc:Choice>
-        <mc:Fallback xmlns="">
-          <p:pic>
-            <p:nvPicPr>
-              <p:cNvPr id="78" name="Ink 77">
-                <a:extLst>
-                  <a:ext uri="{FF2B5EF4-FFF2-40B4-BE49-F238E27FC236}">
-                    <a16:creationId xmlns:a16="http://schemas.microsoft.com/office/drawing/2014/main" id="{B6EC5873-6703-42A4-A4BB-982F601401A6}"/>
-                  </a:ext>
-                </a:extLst>
-              </p:cNvPr>
-              <p:cNvPicPr/>
-              <p:nvPr/>
-            </p:nvPicPr>
-            <p:blipFill>
-              <a:blip r:embed="rId11"/>
-              <a:stretch>
-                <a:fillRect/>
-              </a:stretch>
-            </p:blipFill>
-            <p:spPr>
-              <a:xfrm>
-                <a:off x="1269331" y="6317001"/>
-                <a:ext cx="36720" cy="36720"/>
-              </a:xfrm>
-              <a:prstGeom prst="rect">
-                <a:avLst/>
-              </a:prstGeom>
-            </p:spPr>
-          </p:pic>
-        </mc:Fallback>
-      </mc:AlternateContent>
+            <a:r>
+              <a:rPr lang="en-US" sz="8000" b="1" dirty="0"/>
+              <a:t>End of Day 8</a:t>
+            </a:r>
+          </a:p>
+        </p:txBody>
+      </p:sp>
     </p:spTree>
     <p:extLst>
       <p:ext uri="{BB962C8B-B14F-4D97-AF65-F5344CB8AC3E}">
-        <p14:creationId xmlns:p14="http://schemas.microsoft.com/office/powerpoint/2010/main" val="3942472168"/>
+        <p14:creationId xmlns:p14="http://schemas.microsoft.com/office/powerpoint/2010/main" val="3867772902"/>
       </p:ext>
     </p:extLst>
   </p:cSld>
   <p:clrMapOvr>
     <a:masterClrMapping/>
   </p:clrMapOvr>
-  <p:transition spd="slow">
-    <p:push dir="u"/>
-  </p:transition>
 </p:sld>
 </file>
 
@@ -12089,390 +11519,13 @@
       </p:grpSpPr>
       <p:sp>
         <p:nvSpPr>
-          <p:cNvPr id="11" name="Title 10"/>
-          <p:cNvSpPr>
-            <a:spLocks noGrp="1"/>
-          </p:cNvSpPr>
-          <p:nvPr>
-            <p:ph type="title"/>
-          </p:nvPr>
-        </p:nvSpPr>
-        <p:spPr>
-          <a:xfrm>
-            <a:off x="-20279" y="41354"/>
-            <a:ext cx="10969943" cy="711081"/>
-          </a:xfrm>
-        </p:spPr>
-        <p:txBody>
-          <a:bodyPr>
-            <a:noAutofit/>
-          </a:bodyPr>
-          <a:lstStyle/>
-          <a:p>
-            <a:r>
-              <a:rPr lang="en-IN" dirty="0">
-                <a:solidFill>
-                  <a:schemeClr val="tx2">
-                    <a:lumMod val="60000"/>
-                    <a:lumOff val="40000"/>
-                  </a:schemeClr>
-                </a:solidFill>
-                <a:latin typeface="Patua One" pitchFamily="2" charset="0"/>
-              </a:rPr>
-              <a:t>RMSE &amp; MAPE</a:t>
-            </a:r>
-          </a:p>
-        </p:txBody>
-      </p:sp>
-      <p:sp>
-        <p:nvSpPr>
-          <p:cNvPr id="37" name="TextBox 36">
+          <p:cNvPr id="2" name="Title 1">
             <a:extLst>
               <a:ext uri="{FF2B5EF4-FFF2-40B4-BE49-F238E27FC236}">
-                <a16:creationId xmlns:a16="http://schemas.microsoft.com/office/drawing/2014/main" id="{E8CAC22F-1542-4031-BC6C-A16989886504}"/>
+                <a16:creationId xmlns:a16="http://schemas.microsoft.com/office/drawing/2014/main" xmlns="" id="{29CB9E00-0397-4178-9E57-32DC82D3A8F7}"/>
               </a:ext>
             </a:extLst>
           </p:cNvPr>
-          <p:cNvSpPr txBox="1"/>
-          <p:nvPr/>
-        </p:nvSpPr>
-        <p:spPr>
-          <a:xfrm>
-            <a:off x="4943872" y="6550224"/>
-            <a:ext cx="3456384" cy="307777"/>
-          </a:xfrm>
-          <a:prstGeom prst="rect">
-            <a:avLst/>
-          </a:prstGeom>
-          <a:noFill/>
-        </p:spPr>
-        <p:txBody>
-          <a:bodyPr wrap="square" rtlCol="0">
-            <a:spAutoFit/>
-          </a:bodyPr>
-          <a:lstStyle/>
-          <a:p>
-            <a:pPr defTabSz="1218987">
-              <a:defRPr/>
-            </a:pPr>
-            <a:r>
-              <a:rPr lang="en-US" sz="1400" b="1" dirty="0">
-                <a:solidFill>
-                  <a:prstClr val="black"/>
-                </a:solidFill>
-                <a:latin typeface="Arial Rounded MT Bold" panose="020F0704030504030204" pitchFamily="34" charset="0"/>
-                <a:ea typeface="Arial Unicode MS" panose="020B0604020202020204" pitchFamily="34" charset="-128"/>
-                <a:cs typeface="Arial Unicode MS" panose="020B0604020202020204" pitchFamily="34" charset="-128"/>
-              </a:rPr>
-              <a:t>www.anubhavtrainings.com</a:t>
-            </a:r>
-            <a:endParaRPr lang="en-IN" sz="1400" b="1" dirty="0">
-              <a:solidFill>
-                <a:prstClr val="black"/>
-              </a:solidFill>
-              <a:latin typeface="Arial Rounded MT Bold" panose="020F0704030504030204" pitchFamily="34" charset="0"/>
-              <a:ea typeface="Arial Unicode MS" panose="020B0604020202020204" pitchFamily="34" charset="-128"/>
-              <a:cs typeface="Arial Unicode MS" panose="020B0604020202020204" pitchFamily="34" charset="-128"/>
-            </a:endParaRPr>
-          </a:p>
-        </p:txBody>
-      </p:sp>
-      <p:pic>
-        <p:nvPicPr>
-          <p:cNvPr id="40" name="Picture 39">
-            <a:extLst>
-              <a:ext uri="{FF2B5EF4-FFF2-40B4-BE49-F238E27FC236}">
-                <a16:creationId xmlns:a16="http://schemas.microsoft.com/office/drawing/2014/main" id="{DA60E6FB-8C44-4FEB-B6E9-83DA908565CD}"/>
-              </a:ext>
-            </a:extLst>
-          </p:cNvPr>
-          <p:cNvPicPr>
-            <a:picLocks noChangeAspect="1"/>
-          </p:cNvPicPr>
-          <p:nvPr/>
-        </p:nvPicPr>
-        <p:blipFill>
-          <a:blip r:embed="rId2">
-            <a:extLst>
-              <a:ext uri="{28A0092B-C50C-407E-A947-70E740481C1C}">
-                <a14:useLocalDpi xmlns:a14="http://schemas.microsoft.com/office/drawing/2010/main" val="0"/>
-              </a:ext>
-            </a:extLst>
-          </a:blip>
-          <a:stretch>
-            <a:fillRect/>
-          </a:stretch>
-        </p:blipFill>
-        <p:spPr>
-          <a:xfrm>
-            <a:off x="9624393" y="106009"/>
-            <a:ext cx="2335203" cy="762895"/>
-          </a:xfrm>
-          <a:prstGeom prst="rect">
-            <a:avLst/>
-          </a:prstGeom>
-        </p:spPr>
-      </p:pic>
-      <p:cxnSp>
-        <p:nvCxnSpPr>
-          <p:cNvPr id="41" name="Straight Connector 40">
-            <a:extLst>
-              <a:ext uri="{FF2B5EF4-FFF2-40B4-BE49-F238E27FC236}">
-                <a16:creationId xmlns:a16="http://schemas.microsoft.com/office/drawing/2014/main" id="{3B3B7D73-CAE9-45AC-ACCE-FAEF4E505C7A}"/>
-              </a:ext>
-            </a:extLst>
-          </p:cNvPr>
-          <p:cNvCxnSpPr/>
-          <p:nvPr/>
-        </p:nvCxnSpPr>
-        <p:spPr>
-          <a:xfrm>
-            <a:off x="1588" y="764704"/>
-            <a:ext cx="6479584" cy="0"/>
-          </a:xfrm>
-          <a:prstGeom prst="line">
-            <a:avLst/>
-          </a:prstGeom>
-        </p:spPr>
-        <p:style>
-          <a:lnRef idx="2">
-            <a:schemeClr val="accent6"/>
-          </a:lnRef>
-          <a:fillRef idx="0">
-            <a:schemeClr val="accent6"/>
-          </a:fillRef>
-          <a:effectRef idx="1">
-            <a:schemeClr val="accent6"/>
-          </a:effectRef>
-          <a:fontRef idx="minor">
-            <a:schemeClr val="tx1"/>
-          </a:fontRef>
-        </p:style>
-      </p:cxnSp>
-      <p:sp>
-        <p:nvSpPr>
-          <p:cNvPr id="4" name="Content Placeholder 3">
-            <a:extLst>
-              <a:ext uri="{FF2B5EF4-FFF2-40B4-BE49-F238E27FC236}">
-                <a16:creationId xmlns:a16="http://schemas.microsoft.com/office/drawing/2014/main" id="{9596F4A2-567E-4A2C-A543-E303D822C70E}"/>
-              </a:ext>
-            </a:extLst>
-          </p:cNvPr>
-          <p:cNvSpPr>
-            <a:spLocks noGrp="1"/>
-          </p:cNvSpPr>
-          <p:nvPr>
-            <p:ph sz="quarter" idx="13"/>
-          </p:nvPr>
-        </p:nvSpPr>
-        <p:spPr>
-          <a:xfrm>
-            <a:off x="152400" y="881174"/>
-            <a:ext cx="10972800" cy="484187"/>
-          </a:xfrm>
-        </p:spPr>
-        <p:txBody>
-          <a:bodyPr/>
-          <a:lstStyle/>
-          <a:p>
-            <a:r>
-              <a:rPr lang="en-US" dirty="0"/>
-              <a:t>RMSD/RMSE – Root mean Square Residual (Error)</a:t>
-            </a:r>
-          </a:p>
-        </p:txBody>
-      </p:sp>
-      <p:sp>
-        <p:nvSpPr>
-          <p:cNvPr id="217" name="TextBox 216">
-            <a:extLst>
-              <a:ext uri="{FF2B5EF4-FFF2-40B4-BE49-F238E27FC236}">
-                <a16:creationId xmlns:a16="http://schemas.microsoft.com/office/drawing/2014/main" id="{3A92E90A-4DAB-43CA-8E8D-3BFE0C237B20}"/>
-              </a:ext>
-            </a:extLst>
-          </p:cNvPr>
-          <p:cNvSpPr txBox="1"/>
-          <p:nvPr/>
-        </p:nvSpPr>
-        <p:spPr>
-          <a:xfrm>
-            <a:off x="192402" y="3470841"/>
-            <a:ext cx="11807195" cy="923330"/>
-          </a:xfrm>
-          <a:prstGeom prst="rect">
-            <a:avLst/>
-          </a:prstGeom>
-          <a:noFill/>
-        </p:spPr>
-        <p:txBody>
-          <a:bodyPr wrap="square" rtlCol="0">
-            <a:spAutoFit/>
-          </a:bodyPr>
-          <a:lstStyle/>
-          <a:p>
-            <a:r>
-              <a:rPr lang="en-US" dirty="0"/>
-              <a:t>The value of RMSE can range between 0 to infinite which is difficult to be interpreted by the business, in order to make our business user understand the power of our model, we relies on a % based measure. This is called MAPE (Meal Absolute Percentage Error)</a:t>
-            </a:r>
-          </a:p>
-        </p:txBody>
-      </p:sp>
-    </p:spTree>
-    <p:extLst>
-      <p:ext uri="{BB962C8B-B14F-4D97-AF65-F5344CB8AC3E}">
-        <p14:creationId xmlns:p14="http://schemas.microsoft.com/office/powerpoint/2010/main" val="2919730680"/>
-      </p:ext>
-    </p:extLst>
-  </p:cSld>
-  <p:clrMapOvr>
-    <a:masterClrMapping/>
-  </p:clrMapOvr>
-  <p:transition spd="slow">
-    <p:push dir="u"/>
-  </p:transition>
-</p:sld>
-</file>
-
-<file path=ppt/slides/slide14.xml><?xml version="1.0" encoding="utf-8"?>
-<p:sld xmlns:a="http://schemas.openxmlformats.org/drawingml/2006/main" xmlns:r="http://schemas.openxmlformats.org/officeDocument/2006/relationships" xmlns:p="http://schemas.openxmlformats.org/presentationml/2006/main">
-  <p:cSld>
-    <p:spTree>
-      <p:nvGrpSpPr>
-        <p:cNvPr id="1" name=""/>
-        <p:cNvGrpSpPr/>
-        <p:nvPr/>
-      </p:nvGrpSpPr>
-      <p:grpSpPr>
-        <a:xfrm>
-          <a:off x="0" y="0"/>
-          <a:ext cx="0" cy="0"/>
-          <a:chOff x="0" y="0"/>
-          <a:chExt cx="0" cy="0"/>
-        </a:xfrm>
-      </p:grpSpPr>
-      <p:sp>
-        <p:nvSpPr>
-          <p:cNvPr id="2" name="Title 3">
-            <a:extLst>
-              <a:ext uri="{FF2B5EF4-FFF2-40B4-BE49-F238E27FC236}">
-                <a16:creationId xmlns:a16="http://schemas.microsoft.com/office/drawing/2014/main" id="{F07FC580-E2AB-4C55-8C95-D5E077A1D127}"/>
-              </a:ext>
-            </a:extLst>
-          </p:cNvPr>
-          <p:cNvSpPr txBox="1">
-            <a:spLocks/>
-          </p:cNvSpPr>
-          <p:nvPr/>
-        </p:nvSpPr>
-        <p:spPr>
-          <a:xfrm>
-            <a:off x="261764" y="188640"/>
-            <a:ext cx="11292008" cy="711081"/>
-          </a:xfrm>
-          <a:prstGeom prst="rect">
-            <a:avLst/>
-          </a:prstGeom>
-        </p:spPr>
-        <p:txBody>
-          <a:bodyPr/>
-          <a:lstStyle>
-            <a:lvl1pPr algn="l" defTabSz="914400" rtl="0" eaLnBrk="1" latinLnBrk="0" hangingPunct="1">
-              <a:lnSpc>
-                <a:spcPct val="90000"/>
-              </a:lnSpc>
-              <a:spcBef>
-                <a:spcPct val="0"/>
-              </a:spcBef>
-              <a:buNone/>
-              <a:defRPr sz="4400" kern="1200">
-                <a:solidFill>
-                  <a:schemeClr val="tx1"/>
-                </a:solidFill>
-                <a:latin typeface="+mj-lt"/>
-                <a:ea typeface="+mj-ea"/>
-                <a:cs typeface="+mj-cs"/>
-              </a:defRPr>
-            </a:lvl1pPr>
-          </a:lstStyle>
-          <a:p>
-            <a:endParaRPr lang="en-US" b="1" dirty="0"/>
-          </a:p>
-        </p:txBody>
-      </p:sp>
-      <p:sp>
-        <p:nvSpPr>
-          <p:cNvPr id="7" name="TextBox 6">
-            <a:extLst>
-              <a:ext uri="{FF2B5EF4-FFF2-40B4-BE49-F238E27FC236}">
-                <a16:creationId xmlns:a16="http://schemas.microsoft.com/office/drawing/2014/main" id="{17EB74BE-8011-4153-8F37-3BEF9C1F4CC0}"/>
-              </a:ext>
-            </a:extLst>
-          </p:cNvPr>
-          <p:cNvSpPr txBox="1"/>
-          <p:nvPr/>
-        </p:nvSpPr>
-        <p:spPr>
-          <a:xfrm>
-            <a:off x="3512128" y="2507734"/>
-            <a:ext cx="6174508" cy="1323439"/>
-          </a:xfrm>
-          <a:prstGeom prst="rect">
-            <a:avLst/>
-          </a:prstGeom>
-          <a:noFill/>
-        </p:spPr>
-        <p:txBody>
-          <a:bodyPr wrap="square">
-            <a:spAutoFit/>
-          </a:bodyPr>
-          <a:lstStyle/>
-          <a:p>
-            <a:r>
-              <a:rPr lang="en-US" sz="8000" b="1" dirty="0"/>
-              <a:t>End of Day 8</a:t>
-            </a:r>
-          </a:p>
-        </p:txBody>
-      </p:sp>
-    </p:spTree>
-    <p:extLst>
-      <p:ext uri="{BB962C8B-B14F-4D97-AF65-F5344CB8AC3E}">
-        <p14:creationId xmlns:p14="http://schemas.microsoft.com/office/powerpoint/2010/main" val="3867772902"/>
-      </p:ext>
-    </p:extLst>
-  </p:cSld>
-  <p:clrMapOvr>
-    <a:masterClrMapping/>
-  </p:clrMapOvr>
-</p:sld>
-</file>
-
-<file path=ppt/slides/slide15.xml><?xml version="1.0" encoding="utf-8"?>
-<p:sld xmlns:a="http://schemas.openxmlformats.org/drawingml/2006/main" xmlns:r="http://schemas.openxmlformats.org/officeDocument/2006/relationships" xmlns:p="http://schemas.openxmlformats.org/presentationml/2006/main">
-  <p:cSld>
-    <p:spTree>
-      <p:nvGrpSpPr>
-        <p:cNvPr id="1" name=""/>
-        <p:cNvGrpSpPr/>
-        <p:nvPr/>
-      </p:nvGrpSpPr>
-      <p:grpSpPr>
-        <a:xfrm>
-          <a:off x="0" y="0"/>
-          <a:ext cx="0" cy="0"/>
-          <a:chOff x="0" y="0"/>
-          <a:chExt cx="0" cy="0"/>
-        </a:xfrm>
-      </p:grpSpPr>
-      <p:sp>
-        <p:nvSpPr>
-          <p:cNvPr id="2" name="Title 1">
-            <a:extLst>
-              <a:ext uri="{FF2B5EF4-FFF2-40B4-BE49-F238E27FC236}">
-                <a16:creationId xmlns:a16="http://schemas.microsoft.com/office/drawing/2014/main" id="{29CB9E00-0397-4178-9E57-32DC82D3A8F7}"/>
-              </a:ext>
-            </a:extLst>
-          </p:cNvPr>
           <p:cNvSpPr>
             <a:spLocks noGrp="1"/>
           </p:cNvSpPr>
@@ -12494,7 +11547,7 @@
           <p:cNvPr id="3" name="Content Placeholder 2">
             <a:extLst>
               <a:ext uri="{FF2B5EF4-FFF2-40B4-BE49-F238E27FC236}">
-                <a16:creationId xmlns:a16="http://schemas.microsoft.com/office/drawing/2014/main" id="{73A078A5-4F35-4958-8384-CBBBD3DED2C3}"/>
+                <a16:creationId xmlns:a16="http://schemas.microsoft.com/office/drawing/2014/main" xmlns="" id="{73A078A5-4F35-4958-8384-CBBBD3DED2C3}"/>
               </a:ext>
             </a:extLst>
           </p:cNvPr>
@@ -12527,7 +11580,7 @@
 </p:sld>
 </file>
 
-<file path=ppt/slides/slide16.xml><?xml version="1.0" encoding="utf-8"?>
+<file path=ppt/slides/slide14.xml><?xml version="1.0" encoding="utf-8"?>
 <p:sld xmlns:a="http://schemas.openxmlformats.org/drawingml/2006/main" xmlns:r="http://schemas.openxmlformats.org/officeDocument/2006/relationships" xmlns:p="http://schemas.openxmlformats.org/presentationml/2006/main">
   <p:cSld>
     <p:spTree>
@@ -12549,7 +11602,7 @@
           <p:cNvPr id="1028" name="Picture 4" descr="Free Vector | Flat people with question marks background">
             <a:extLst>
               <a:ext uri="{FF2B5EF4-FFF2-40B4-BE49-F238E27FC236}">
-                <a16:creationId xmlns:a16="http://schemas.microsoft.com/office/drawing/2014/main" id="{E158EC70-4769-4E41-A278-C90EC4E480C7}"/>
+                <a16:creationId xmlns:a16="http://schemas.microsoft.com/office/drawing/2014/main" xmlns="" id="{E158EC70-4769-4E41-A278-C90EC4E480C7}"/>
               </a:ext>
             </a:extLst>
           </p:cNvPr>
@@ -12594,7 +11647,7 @@
           <p:cNvPr id="2" name="TextBox 1">
             <a:extLst>
               <a:ext uri="{FF2B5EF4-FFF2-40B4-BE49-F238E27FC236}">
-                <a16:creationId xmlns:a16="http://schemas.microsoft.com/office/drawing/2014/main" id="{994C3DB2-D47E-4B94-804B-87AF1FDEF86E}"/>
+                <a16:creationId xmlns:a16="http://schemas.microsoft.com/office/drawing/2014/main" xmlns="" id="{994C3DB2-D47E-4B94-804B-87AF1FDEF86E}"/>
               </a:ext>
             </a:extLst>
           </p:cNvPr>
@@ -12637,7 +11690,7 @@
 </p:sld>
 </file>
 
-<file path=ppt/slides/slide17.xml><?xml version="1.0" encoding="utf-8"?>
+<file path=ppt/slides/slide15.xml><?xml version="1.0" encoding="utf-8"?>
 <p:sld xmlns:a="http://schemas.openxmlformats.org/drawingml/2006/main" xmlns:r="http://schemas.openxmlformats.org/officeDocument/2006/relationships" xmlns:p="http://schemas.openxmlformats.org/presentationml/2006/main">
   <p:cSld>
     <p:bg>
@@ -12669,7 +11722,7 @@
           <p:cNvPr id="2052" name="Picture 4" descr="Ski Jumping Arena - Free Presentation Templates">
             <a:extLst>
               <a:ext uri="{FF2B5EF4-FFF2-40B4-BE49-F238E27FC236}">
-                <a16:creationId xmlns:a16="http://schemas.microsoft.com/office/drawing/2014/main" id="{B0D7E6A1-F72A-4F69-B4FB-A4ED7A0C6CED}"/>
+                <a16:creationId xmlns:a16="http://schemas.microsoft.com/office/drawing/2014/main" xmlns="" id="{B0D7E6A1-F72A-4F69-B4FB-A4ED7A0C6CED}"/>
               </a:ext>
             </a:extLst>
           </p:cNvPr>
@@ -12857,7 +11910,7 @@
           <p:cNvPr id="2" name="Title 3">
             <a:extLst>
               <a:ext uri="{FF2B5EF4-FFF2-40B4-BE49-F238E27FC236}">
-                <a16:creationId xmlns:a16="http://schemas.microsoft.com/office/drawing/2014/main" id="{F07FC580-E2AB-4C55-8C95-D5E077A1D127}"/>
+                <a16:creationId xmlns:a16="http://schemas.microsoft.com/office/drawing/2014/main" xmlns="" id="{F07FC580-E2AB-4C55-8C95-D5E077A1D127}"/>
               </a:ext>
             </a:extLst>
           </p:cNvPr>
@@ -12936,73 +11989,10 @@
       </p:sp>
       <p:sp>
         <p:nvSpPr>
-          <p:cNvPr id="4" name="Footer Placeholder 45">
-            <a:extLst>
-              <a:ext uri="{FF2B5EF4-FFF2-40B4-BE49-F238E27FC236}">
-                <a16:creationId xmlns:a16="http://schemas.microsoft.com/office/drawing/2014/main" id="{90E33047-DFF5-4690-8905-31E4C115EFDC}"/>
-              </a:ext>
-            </a:extLst>
-          </p:cNvPr>
-          <p:cNvSpPr>
-            <a:spLocks noGrp="1"/>
-          </p:cNvSpPr>
-          <p:nvPr>
-            <p:ph type="ftr" sz="quarter" idx="11"/>
-          </p:nvPr>
-        </p:nvSpPr>
-        <p:spPr>
-          <a:xfrm>
-            <a:off x="10123055" y="6548582"/>
-            <a:ext cx="2225295" cy="203620"/>
-          </a:xfrm>
-        </p:spPr>
-        <p:txBody>
-          <a:bodyPr/>
-          <a:lstStyle/>
-          <a:p>
-            <a:pPr marL="0" marR="0" lvl="0" indent="0" algn="ctr" defTabSz="914400" rtl="0" eaLnBrk="1" fontAlgn="auto" latinLnBrk="0" hangingPunct="1">
-              <a:lnSpc>
-                <a:spcPct val="100000"/>
-              </a:lnSpc>
-              <a:spcBef>
-                <a:spcPts val="0"/>
-              </a:spcBef>
-              <a:spcAft>
-                <a:spcPts val="0"/>
-              </a:spcAft>
-              <a:buClrTx/>
-              <a:buSzTx/>
-              <a:buFontTx/>
-              <a:buNone/>
-              <a:tabLst/>
-              <a:defRPr/>
-            </a:pPr>
-            <a:r>
-              <a:rPr kumimoji="0" lang="en-US" sz="1200" b="1" i="0" u="none" strike="noStrike" kern="1200" cap="none" spc="0" normalizeH="0" baseline="0" noProof="0" dirty="0">
-                <a:ln>
-                  <a:noFill/>
-                </a:ln>
-                <a:solidFill>
-                  <a:prstClr val="black"/>
-                </a:solidFill>
-                <a:effectLst/>
-                <a:uLnTx/>
-                <a:uFillTx/>
-                <a:latin typeface="Calibri" panose="020F0502020204030204"/>
-                <a:ea typeface="+mn-ea"/>
-                <a:cs typeface="+mn-cs"/>
-              </a:rPr>
-              <a:t>Anubhav trainings</a:t>
-            </a:r>
-          </a:p>
-        </p:txBody>
-      </p:sp>
-      <p:sp>
-        <p:nvSpPr>
           <p:cNvPr id="5" name="TextBox 4">
             <a:extLst>
               <a:ext uri="{FF2B5EF4-FFF2-40B4-BE49-F238E27FC236}">
-                <a16:creationId xmlns:a16="http://schemas.microsoft.com/office/drawing/2014/main" id="{27E5B41D-1DDF-48C9-A5AF-075F84492B68}"/>
+                <a16:creationId xmlns:a16="http://schemas.microsoft.com/office/drawing/2014/main" xmlns="" id="{27E5B41D-1DDF-48C9-A5AF-075F84492B68}"/>
               </a:ext>
             </a:extLst>
           </p:cNvPr>
@@ -13012,7 +12002,7 @@
         <p:spPr>
           <a:xfrm>
             <a:off x="247878" y="982353"/>
-            <a:ext cx="11696243" cy="3539430"/>
+            <a:ext cx="11696243" cy="3046988"/>
           </a:xfrm>
           <a:prstGeom prst="rect">
             <a:avLst/>
@@ -13339,17 +12329,10 @@
                 <a:ea typeface="+mn-ea"/>
                 <a:cs typeface="+mn-cs"/>
               </a:rPr>
-              <a:t>	Determination of MAPE</a:t>
-            </a:r>
-          </a:p>
-          <a:p>
-            <a:pPr marL="742950" lvl="1" indent="-285750">
-              <a:buFont typeface="Arial" panose="020B0604020202020204" pitchFamily="34" charset="0"/>
-              <a:buChar char="•"/>
-              <a:defRPr/>
-            </a:pPr>
-            <a:r>
-              <a:rPr kumimoji="0" lang="en-US" sz="1600" b="0" i="0" u="none" strike="noStrike" kern="1200" cap="none" spc="0" normalizeH="0" baseline="0" noProof="0" dirty="0">
+              <a:t>	Determination of </a:t>
+            </a:r>
+            <a:r>
+              <a:rPr kumimoji="0" lang="en-US" sz="1600" b="0" i="0" u="none" strike="noStrike" kern="1200" cap="none" spc="0" normalizeH="0" baseline="0" noProof="0" dirty="0" smtClean="0">
                 <a:ln>
                   <a:noFill/>
                 </a:ln>
@@ -13363,31 +12346,7 @@
                 <a:ea typeface="+mn-ea"/>
                 <a:cs typeface="+mn-cs"/>
               </a:rPr>
-              <a:t>	Concept of Residuals</a:t>
-            </a:r>
-          </a:p>
-          <a:p>
-            <a:pPr marL="742950" lvl="1" indent="-285750">
-              <a:buFont typeface="Arial" panose="020B0604020202020204" pitchFamily="34" charset="0"/>
-              <a:buChar char="•"/>
-              <a:defRPr/>
-            </a:pPr>
-            <a:r>
-              <a:rPr kumimoji="0" lang="en-US" sz="1600" b="0" i="0" u="none" strike="noStrike" kern="1200" cap="none" spc="0" normalizeH="0" baseline="0" noProof="0" dirty="0">
-                <a:ln>
-                  <a:noFill/>
-                </a:ln>
-                <a:solidFill>
-                  <a:prstClr val="black"/>
-                </a:solidFill>
-                <a:effectLst/>
-                <a:uLnTx/>
-                <a:uFillTx/>
-                <a:latin typeface="Calibri" panose="020F0502020204030204"/>
-                <a:ea typeface="+mn-ea"/>
-                <a:cs typeface="+mn-cs"/>
-              </a:rPr>
-              <a:t>	Our HR Scenario &lt;next day&gt;</a:t>
+              <a:t>MAPE</a:t>
             </a:r>
             <a:r>
               <a:rPr lang="en-US" sz="1600" dirty="0">
@@ -13453,6 +12412,59 @@
               <a:latin typeface="Calibri" panose="020F0502020204030204"/>
               <a:ea typeface="+mn-ea"/>
               <a:cs typeface="+mn-cs"/>
+            </a:endParaRPr>
+          </a:p>
+        </p:txBody>
+      </p:sp>
+      <p:sp>
+        <p:nvSpPr>
+          <p:cNvPr id="6" name="TextBox 5">
+            <a:extLst>
+              <a:ext uri="{FF2B5EF4-FFF2-40B4-BE49-F238E27FC236}">
+                <a16:creationId xmlns:a16="http://schemas.microsoft.com/office/drawing/2014/main" xmlns="" id="{E8CAC22F-1542-4031-BC6C-A16989886504}"/>
+              </a:ext>
+            </a:extLst>
+          </p:cNvPr>
+          <p:cNvSpPr txBox="1"/>
+          <p:nvPr/>
+        </p:nvSpPr>
+        <p:spPr>
+          <a:xfrm>
+            <a:off x="4943872" y="6536777"/>
+            <a:ext cx="3456384" cy="307777"/>
+          </a:xfrm>
+          <a:prstGeom prst="rect">
+            <a:avLst/>
+          </a:prstGeom>
+          <a:noFill/>
+        </p:spPr>
+        <p:txBody>
+          <a:bodyPr wrap="square" rtlCol="0">
+            <a:spAutoFit/>
+          </a:bodyPr>
+          <a:lstStyle/>
+          <a:p>
+            <a:pPr defTabSz="1218987">
+              <a:defRPr/>
+            </a:pPr>
+            <a:r>
+              <a:rPr lang="en-US" sz="1400" b="1" dirty="0">
+                <a:solidFill>
+                  <a:prstClr val="black"/>
+                </a:solidFill>
+                <a:latin typeface="Arial Rounded MT Bold" panose="020F0704030504030204" pitchFamily="34" charset="0"/>
+                <a:ea typeface="Arial Unicode MS" panose="020B0604020202020204" pitchFamily="34" charset="-128"/>
+                <a:cs typeface="Arial Unicode MS" panose="020B0604020202020204" pitchFamily="34" charset="-128"/>
+              </a:rPr>
+              <a:t>www.anubhavtrainings.com</a:t>
+            </a:r>
+            <a:endParaRPr lang="en-IN" sz="1400" b="1" dirty="0">
+              <a:solidFill>
+                <a:prstClr val="black"/>
+              </a:solidFill>
+              <a:latin typeface="Arial Rounded MT Bold" panose="020F0704030504030204" pitchFamily="34" charset="0"/>
+              <a:ea typeface="Arial Unicode MS" panose="020B0604020202020204" pitchFamily="34" charset="-128"/>
+              <a:cs typeface="Arial Unicode MS" panose="020B0604020202020204" pitchFamily="34" charset="-128"/>
             </a:endParaRPr>
           </a:p>
         </p:txBody>
@@ -13529,7 +12541,7 @@
           <p:cNvPr id="37" name="TextBox 36">
             <a:extLst>
               <a:ext uri="{FF2B5EF4-FFF2-40B4-BE49-F238E27FC236}">
-                <a16:creationId xmlns:a16="http://schemas.microsoft.com/office/drawing/2014/main" id="{E8CAC22F-1542-4031-BC6C-A16989886504}"/>
+                <a16:creationId xmlns:a16="http://schemas.microsoft.com/office/drawing/2014/main" xmlns="" id="{E8CAC22F-1542-4031-BC6C-A16989886504}"/>
               </a:ext>
             </a:extLst>
           </p:cNvPr>
@@ -13582,7 +12594,7 @@
           <p:cNvPr id="40" name="Picture 39">
             <a:extLst>
               <a:ext uri="{FF2B5EF4-FFF2-40B4-BE49-F238E27FC236}">
-                <a16:creationId xmlns:a16="http://schemas.microsoft.com/office/drawing/2014/main" id="{DA60E6FB-8C44-4FEB-B6E9-83DA908565CD}"/>
+                <a16:creationId xmlns:a16="http://schemas.microsoft.com/office/drawing/2014/main" xmlns="" id="{DA60E6FB-8C44-4FEB-B6E9-83DA908565CD}"/>
               </a:ext>
             </a:extLst>
           </p:cNvPr>
@@ -13618,7 +12630,7 @@
           <p:cNvPr id="41" name="Straight Connector 40">
             <a:extLst>
               <a:ext uri="{FF2B5EF4-FFF2-40B4-BE49-F238E27FC236}">
-                <a16:creationId xmlns:a16="http://schemas.microsoft.com/office/drawing/2014/main" id="{3B3B7D73-CAE9-45AC-ACCE-FAEF4E505C7A}"/>
+                <a16:creationId xmlns:a16="http://schemas.microsoft.com/office/drawing/2014/main" xmlns="" id="{3B3B7D73-CAE9-45AC-ACCE-FAEF4E505C7A}"/>
               </a:ext>
             </a:extLst>
           </p:cNvPr>
@@ -13654,7 +12666,7 @@
           <p:cNvPr id="2" name="TextBox 1">
             <a:extLst>
               <a:ext uri="{FF2B5EF4-FFF2-40B4-BE49-F238E27FC236}">
-                <a16:creationId xmlns:a16="http://schemas.microsoft.com/office/drawing/2014/main" id="{9B978D32-CF33-42B7-8285-1EAB0B6E3232}"/>
+                <a16:creationId xmlns:a16="http://schemas.microsoft.com/office/drawing/2014/main" xmlns="" id="{9B978D32-CF33-42B7-8285-1EAB0B6E3232}"/>
               </a:ext>
             </a:extLst>
           </p:cNvPr>
@@ -13808,7 +12820,7 @@
               <p14:cNvPr id="54" name="Ink 53">
                 <a:extLst>
                   <a:ext uri="{FF2B5EF4-FFF2-40B4-BE49-F238E27FC236}">
-                    <a16:creationId xmlns:a16="http://schemas.microsoft.com/office/drawing/2014/main" id="{2C7C6B09-6BED-4681-BF1C-5D24E7FFAF67}"/>
+                    <a16:creationId xmlns:a16="http://schemas.microsoft.com/office/drawing/2014/main" xmlns="" id="{2C7C6B09-6BED-4681-BF1C-5D24E7FFAF67}"/>
                   </a:ext>
                 </a:extLst>
               </p14:cNvPr>
@@ -13927,7 +12939,7 @@
           <p:cNvPr id="40" name="Picture 39">
             <a:extLst>
               <a:ext uri="{FF2B5EF4-FFF2-40B4-BE49-F238E27FC236}">
-                <a16:creationId xmlns:a16="http://schemas.microsoft.com/office/drawing/2014/main" id="{DA60E6FB-8C44-4FEB-B6E9-83DA908565CD}"/>
+                <a16:creationId xmlns:a16="http://schemas.microsoft.com/office/drawing/2014/main" xmlns="" id="{DA60E6FB-8C44-4FEB-B6E9-83DA908565CD}"/>
               </a:ext>
             </a:extLst>
           </p:cNvPr>
@@ -13963,7 +12975,7 @@
           <p:cNvPr id="41" name="Straight Connector 40">
             <a:extLst>
               <a:ext uri="{FF2B5EF4-FFF2-40B4-BE49-F238E27FC236}">
-                <a16:creationId xmlns:a16="http://schemas.microsoft.com/office/drawing/2014/main" id="{3B3B7D73-CAE9-45AC-ACCE-FAEF4E505C7A}"/>
+                <a16:creationId xmlns:a16="http://schemas.microsoft.com/office/drawing/2014/main" xmlns="" id="{3B3B7D73-CAE9-45AC-ACCE-FAEF4E505C7A}"/>
               </a:ext>
             </a:extLst>
           </p:cNvPr>
@@ -13999,7 +13011,7 @@
           <p:cNvPr id="2" name="TextBox 1">
             <a:extLst>
               <a:ext uri="{FF2B5EF4-FFF2-40B4-BE49-F238E27FC236}">
-                <a16:creationId xmlns:a16="http://schemas.microsoft.com/office/drawing/2014/main" id="{EC968F40-7EE9-42C8-874D-81E721A66CCF}"/>
+                <a16:creationId xmlns:a16="http://schemas.microsoft.com/office/drawing/2014/main" xmlns="" id="{EC968F40-7EE9-42C8-874D-81E721A66CCF}"/>
               </a:ext>
             </a:extLst>
           </p:cNvPr>
@@ -14034,7 +13046,7 @@
           <p:cNvPr id="3" name="Table 3">
             <a:extLst>
               <a:ext uri="{FF2B5EF4-FFF2-40B4-BE49-F238E27FC236}">
-                <a16:creationId xmlns:a16="http://schemas.microsoft.com/office/drawing/2014/main" id="{56DD4A1A-3625-4650-B37C-219E0CC11710}"/>
+                <a16:creationId xmlns:a16="http://schemas.microsoft.com/office/drawing/2014/main" xmlns="" id="{56DD4A1A-3625-4650-B37C-219E0CC11710}"/>
               </a:ext>
             </a:extLst>
           </p:cNvPr>
@@ -14063,35 +13075,35 @@
                 <a:gridCol w="1174022">
                   <a:extLst>
                     <a:ext uri="{9D8B030D-6E8A-4147-A177-3AD203B41FA5}">
-                      <a16:colId xmlns:a16="http://schemas.microsoft.com/office/drawing/2014/main" val="892093589"/>
+                      <a16:colId xmlns:a16="http://schemas.microsoft.com/office/drawing/2014/main" xmlns="" val="892093589"/>
                     </a:ext>
                   </a:extLst>
                 </a:gridCol>
                 <a:gridCol w="1174022">
                   <a:extLst>
                     <a:ext uri="{9D8B030D-6E8A-4147-A177-3AD203B41FA5}">
-                      <a16:colId xmlns:a16="http://schemas.microsoft.com/office/drawing/2014/main" val="137202944"/>
+                      <a16:colId xmlns:a16="http://schemas.microsoft.com/office/drawing/2014/main" xmlns="" val="137202944"/>
                     </a:ext>
                   </a:extLst>
                 </a:gridCol>
                 <a:gridCol w="1174022">
                   <a:extLst>
                     <a:ext uri="{9D8B030D-6E8A-4147-A177-3AD203B41FA5}">
-                      <a16:colId xmlns:a16="http://schemas.microsoft.com/office/drawing/2014/main" val="2445746599"/>
+                      <a16:colId xmlns:a16="http://schemas.microsoft.com/office/drawing/2014/main" xmlns="" val="2445746599"/>
                     </a:ext>
                   </a:extLst>
                 </a:gridCol>
                 <a:gridCol w="1174022">
                   <a:extLst>
                     <a:ext uri="{9D8B030D-6E8A-4147-A177-3AD203B41FA5}">
-                      <a16:colId xmlns:a16="http://schemas.microsoft.com/office/drawing/2014/main" val="879690143"/>
+                      <a16:colId xmlns:a16="http://schemas.microsoft.com/office/drawing/2014/main" xmlns="" val="879690143"/>
                     </a:ext>
                   </a:extLst>
                 </a:gridCol>
                 <a:gridCol w="1174022">
                   <a:extLst>
                     <a:ext uri="{9D8B030D-6E8A-4147-A177-3AD203B41FA5}">
-                      <a16:colId xmlns:a16="http://schemas.microsoft.com/office/drawing/2014/main" val="1844231954"/>
+                      <a16:colId xmlns:a16="http://schemas.microsoft.com/office/drawing/2014/main" xmlns="" val="1844231954"/>
                     </a:ext>
                   </a:extLst>
                 </a:gridCol>
@@ -14167,7 +13179,7 @@
                 </a:tc>
                 <a:extLst>
                   <a:ext uri="{0D108BD9-81ED-4DB2-BD59-A6C34878D82A}">
-                    <a16:rowId xmlns:a16="http://schemas.microsoft.com/office/drawing/2014/main" val="2558424712"/>
+                    <a16:rowId xmlns:a16="http://schemas.microsoft.com/office/drawing/2014/main" xmlns="" val="2558424712"/>
                   </a:ext>
                 </a:extLst>
               </a:tr>
@@ -14271,7 +13283,7 @@
                 </a:tc>
                 <a:extLst>
                   <a:ext uri="{0D108BD9-81ED-4DB2-BD59-A6C34878D82A}">
-                    <a16:rowId xmlns:a16="http://schemas.microsoft.com/office/drawing/2014/main" val="2457705393"/>
+                    <a16:rowId xmlns:a16="http://schemas.microsoft.com/office/drawing/2014/main" xmlns="" val="2457705393"/>
                   </a:ext>
                 </a:extLst>
               </a:tr>
@@ -14375,7 +13387,7 @@
                 </a:tc>
                 <a:extLst>
                   <a:ext uri="{0D108BD9-81ED-4DB2-BD59-A6C34878D82A}">
-                    <a16:rowId xmlns:a16="http://schemas.microsoft.com/office/drawing/2014/main" val="3220717825"/>
+                    <a16:rowId xmlns:a16="http://schemas.microsoft.com/office/drawing/2014/main" xmlns="" val="3220717825"/>
                   </a:ext>
                 </a:extLst>
               </a:tr>
@@ -14479,7 +13491,7 @@
                 </a:tc>
                 <a:extLst>
                   <a:ext uri="{0D108BD9-81ED-4DB2-BD59-A6C34878D82A}">
-                    <a16:rowId xmlns:a16="http://schemas.microsoft.com/office/drawing/2014/main" val="820929383"/>
+                    <a16:rowId xmlns:a16="http://schemas.microsoft.com/office/drawing/2014/main" xmlns="" val="820929383"/>
                   </a:ext>
                 </a:extLst>
               </a:tr>
@@ -14583,7 +13595,7 @@
                 </a:tc>
                 <a:extLst>
                   <a:ext uri="{0D108BD9-81ED-4DB2-BD59-A6C34878D82A}">
-                    <a16:rowId xmlns:a16="http://schemas.microsoft.com/office/drawing/2014/main" val="817467228"/>
+                    <a16:rowId xmlns:a16="http://schemas.microsoft.com/office/drawing/2014/main" xmlns="" val="817467228"/>
                   </a:ext>
                 </a:extLst>
               </a:tr>
@@ -14687,7 +13699,7 @@
                 </a:tc>
                 <a:extLst>
                   <a:ext uri="{0D108BD9-81ED-4DB2-BD59-A6C34878D82A}">
-                    <a16:rowId xmlns:a16="http://schemas.microsoft.com/office/drawing/2014/main" val="3698354961"/>
+                    <a16:rowId xmlns:a16="http://schemas.microsoft.com/office/drawing/2014/main" xmlns="" val="3698354961"/>
                   </a:ext>
                 </a:extLst>
               </a:tr>
@@ -14791,7 +13803,7 @@
                 </a:tc>
                 <a:extLst>
                   <a:ext uri="{0D108BD9-81ED-4DB2-BD59-A6C34878D82A}">
-                    <a16:rowId xmlns:a16="http://schemas.microsoft.com/office/drawing/2014/main" val="164357890"/>
+                    <a16:rowId xmlns:a16="http://schemas.microsoft.com/office/drawing/2014/main" xmlns="" val="164357890"/>
                   </a:ext>
                 </a:extLst>
               </a:tr>
@@ -14895,7 +13907,7 @@
                 </a:tc>
                 <a:extLst>
                   <a:ext uri="{0D108BD9-81ED-4DB2-BD59-A6C34878D82A}">
-                    <a16:rowId xmlns:a16="http://schemas.microsoft.com/office/drawing/2014/main" val="3159685966"/>
+                    <a16:rowId xmlns:a16="http://schemas.microsoft.com/office/drawing/2014/main" xmlns="" val="3159685966"/>
                   </a:ext>
                 </a:extLst>
               </a:tr>
@@ -14999,7 +14011,7 @@
                 </a:tc>
                 <a:extLst>
                   <a:ext uri="{0D108BD9-81ED-4DB2-BD59-A6C34878D82A}">
-                    <a16:rowId xmlns:a16="http://schemas.microsoft.com/office/drawing/2014/main" val="4078334338"/>
+                    <a16:rowId xmlns:a16="http://schemas.microsoft.com/office/drawing/2014/main" xmlns="" val="4078334338"/>
                   </a:ext>
                 </a:extLst>
               </a:tr>
@@ -15103,7 +14115,7 @@
                 </a:tc>
                 <a:extLst>
                   <a:ext uri="{0D108BD9-81ED-4DB2-BD59-A6C34878D82A}">
-                    <a16:rowId xmlns:a16="http://schemas.microsoft.com/office/drawing/2014/main" val="2072690065"/>
+                    <a16:rowId xmlns:a16="http://schemas.microsoft.com/office/drawing/2014/main" xmlns="" val="2072690065"/>
                   </a:ext>
                 </a:extLst>
               </a:tr>
@@ -15116,7 +14128,7 @@
           <p:cNvPr id="4" name="Right Brace 3">
             <a:extLst>
               <a:ext uri="{FF2B5EF4-FFF2-40B4-BE49-F238E27FC236}">
-                <a16:creationId xmlns:a16="http://schemas.microsoft.com/office/drawing/2014/main" id="{A5F1A74C-3AF2-4B40-9A6E-1870844244AB}"/>
+                <a16:creationId xmlns:a16="http://schemas.microsoft.com/office/drawing/2014/main" xmlns="" id="{A5F1A74C-3AF2-4B40-9A6E-1870844244AB}"/>
               </a:ext>
             </a:extLst>
           </p:cNvPr>
@@ -15160,7 +14172,7 @@
           <p:cNvPr id="5" name="TextBox 4">
             <a:extLst>
               <a:ext uri="{FF2B5EF4-FFF2-40B4-BE49-F238E27FC236}">
-                <a16:creationId xmlns:a16="http://schemas.microsoft.com/office/drawing/2014/main" id="{12EEC191-928F-446C-8886-D3B2EB936263}"/>
+                <a16:creationId xmlns:a16="http://schemas.microsoft.com/office/drawing/2014/main" xmlns="" id="{12EEC191-928F-446C-8886-D3B2EB936263}"/>
               </a:ext>
             </a:extLst>
           </p:cNvPr>
@@ -15211,7 +14223,7 @@
           <p:cNvPr id="6" name="TextBox 5">
             <a:extLst>
               <a:ext uri="{FF2B5EF4-FFF2-40B4-BE49-F238E27FC236}">
-                <a16:creationId xmlns:a16="http://schemas.microsoft.com/office/drawing/2014/main" id="{83446943-F832-45CB-A63F-9C01A4E70334}"/>
+                <a16:creationId xmlns:a16="http://schemas.microsoft.com/office/drawing/2014/main" xmlns="" id="{83446943-F832-45CB-A63F-9C01A4E70334}"/>
               </a:ext>
             </a:extLst>
           </p:cNvPr>
@@ -15259,7 +14271,7 @@
           <p:cNvPr id="13" name="Rectangle 12">
             <a:extLst>
               <a:ext uri="{FF2B5EF4-FFF2-40B4-BE49-F238E27FC236}">
-                <a16:creationId xmlns:a16="http://schemas.microsoft.com/office/drawing/2014/main" id="{94589532-D5E7-472C-9AC9-E54C6EF2AB50}"/>
+                <a16:creationId xmlns:a16="http://schemas.microsoft.com/office/drawing/2014/main" xmlns="" id="{94589532-D5E7-472C-9AC9-E54C6EF2AB50}"/>
               </a:ext>
             </a:extLst>
           </p:cNvPr>
@@ -15308,7 +14320,7 @@
           <p:cNvPr id="14" name="Rectangle 13">
             <a:extLst>
               <a:ext uri="{FF2B5EF4-FFF2-40B4-BE49-F238E27FC236}">
-                <a16:creationId xmlns:a16="http://schemas.microsoft.com/office/drawing/2014/main" id="{9DCC947C-2F15-4FC3-AE35-EBD4EF04AF62}"/>
+                <a16:creationId xmlns:a16="http://schemas.microsoft.com/office/drawing/2014/main" xmlns="" id="{9DCC947C-2F15-4FC3-AE35-EBD4EF04AF62}"/>
               </a:ext>
             </a:extLst>
           </p:cNvPr>
@@ -15358,7 +14370,7 @@
           <p:cNvPr id="16" name="Straight Arrow Connector 15">
             <a:extLst>
               <a:ext uri="{FF2B5EF4-FFF2-40B4-BE49-F238E27FC236}">
-                <a16:creationId xmlns:a16="http://schemas.microsoft.com/office/drawing/2014/main" id="{6B081D50-641E-4811-847F-03DC5FE8E3C0}"/>
+                <a16:creationId xmlns:a16="http://schemas.microsoft.com/office/drawing/2014/main" xmlns="" id="{6B081D50-641E-4811-847F-03DC5FE8E3C0}"/>
               </a:ext>
             </a:extLst>
           </p:cNvPr>
@@ -15399,7 +14411,7 @@
           <p:cNvPr id="18" name="TextBox 17">
             <a:extLst>
               <a:ext uri="{FF2B5EF4-FFF2-40B4-BE49-F238E27FC236}">
-                <a16:creationId xmlns:a16="http://schemas.microsoft.com/office/drawing/2014/main" id="{7983528E-9670-4AB5-A16F-3B2D4BAE43A4}"/>
+                <a16:creationId xmlns:a16="http://schemas.microsoft.com/office/drawing/2014/main" xmlns="" id="{7983528E-9670-4AB5-A16F-3B2D4BAE43A4}"/>
               </a:ext>
             </a:extLst>
           </p:cNvPr>
@@ -15434,7 +14446,7 @@
           <p:cNvPr id="19" name="Rectangle 18">
             <a:extLst>
               <a:ext uri="{FF2B5EF4-FFF2-40B4-BE49-F238E27FC236}">
-                <a16:creationId xmlns:a16="http://schemas.microsoft.com/office/drawing/2014/main" id="{E81CDDD4-9A69-4DE3-BB4F-ACB47CEF78E2}"/>
+                <a16:creationId xmlns:a16="http://schemas.microsoft.com/office/drawing/2014/main" xmlns="" id="{E81CDDD4-9A69-4DE3-BB4F-ACB47CEF78E2}"/>
               </a:ext>
             </a:extLst>
           </p:cNvPr>
@@ -15483,7 +14495,7 @@
           <p:cNvPr id="21" name="Straight Arrow Connector 20">
             <a:extLst>
               <a:ext uri="{FF2B5EF4-FFF2-40B4-BE49-F238E27FC236}">
-                <a16:creationId xmlns:a16="http://schemas.microsoft.com/office/drawing/2014/main" id="{89D2D609-C9DD-4EBA-BA13-53DC669DB1AC}"/>
+                <a16:creationId xmlns:a16="http://schemas.microsoft.com/office/drawing/2014/main" xmlns="" id="{89D2D609-C9DD-4EBA-BA13-53DC669DB1AC}"/>
               </a:ext>
             </a:extLst>
           </p:cNvPr>
@@ -15526,7 +14538,7 @@
           <p:cNvPr id="24" name="Arrow: Down 23">
             <a:extLst>
               <a:ext uri="{FF2B5EF4-FFF2-40B4-BE49-F238E27FC236}">
-                <a16:creationId xmlns:a16="http://schemas.microsoft.com/office/drawing/2014/main" id="{5F02A880-D100-484F-9ED5-FD686BC6BAC4}"/>
+                <a16:creationId xmlns:a16="http://schemas.microsoft.com/office/drawing/2014/main" xmlns="" id="{5F02A880-D100-484F-9ED5-FD686BC6BAC4}"/>
               </a:ext>
             </a:extLst>
           </p:cNvPr>
@@ -15572,7 +14584,7 @@
           <p:cNvPr id="25" name="Cube 24">
             <a:extLst>
               <a:ext uri="{FF2B5EF4-FFF2-40B4-BE49-F238E27FC236}">
-                <a16:creationId xmlns:a16="http://schemas.microsoft.com/office/drawing/2014/main" id="{068C4950-C86A-409F-8D20-723BC70D9071}"/>
+                <a16:creationId xmlns:a16="http://schemas.microsoft.com/office/drawing/2014/main" xmlns="" id="{068C4950-C86A-409F-8D20-723BC70D9071}"/>
               </a:ext>
             </a:extLst>
           </p:cNvPr>
@@ -15621,7 +14633,7 @@
           <p:cNvPr id="26" name="Rectangle 25">
             <a:extLst>
               <a:ext uri="{FF2B5EF4-FFF2-40B4-BE49-F238E27FC236}">
-                <a16:creationId xmlns:a16="http://schemas.microsoft.com/office/drawing/2014/main" id="{DA5F2D75-F8DD-46C1-B4C2-1474EFB31BD8}"/>
+                <a16:creationId xmlns:a16="http://schemas.microsoft.com/office/drawing/2014/main" xmlns="" id="{DA5F2D75-F8DD-46C1-B4C2-1474EFB31BD8}"/>
               </a:ext>
             </a:extLst>
           </p:cNvPr>
@@ -15670,7 +14682,7 @@
           <p:cNvPr id="27" name="Rectangle 26">
             <a:extLst>
               <a:ext uri="{FF2B5EF4-FFF2-40B4-BE49-F238E27FC236}">
-                <a16:creationId xmlns:a16="http://schemas.microsoft.com/office/drawing/2014/main" id="{D7F0B10E-A8D5-4DCF-A30C-844987DA5598}"/>
+                <a16:creationId xmlns:a16="http://schemas.microsoft.com/office/drawing/2014/main" xmlns="" id="{D7F0B10E-A8D5-4DCF-A30C-844987DA5598}"/>
               </a:ext>
             </a:extLst>
           </p:cNvPr>
@@ -15719,7 +14731,7 @@
           <p:cNvPr id="28" name="Rectangle 27">
             <a:extLst>
               <a:ext uri="{FF2B5EF4-FFF2-40B4-BE49-F238E27FC236}">
-                <a16:creationId xmlns:a16="http://schemas.microsoft.com/office/drawing/2014/main" id="{12F6A2D4-90F8-4E09-BF38-CF5B6FFC3C42}"/>
+                <a16:creationId xmlns:a16="http://schemas.microsoft.com/office/drawing/2014/main" xmlns="" id="{12F6A2D4-90F8-4E09-BF38-CF5B6FFC3C42}"/>
               </a:ext>
             </a:extLst>
           </p:cNvPr>
@@ -15768,7 +14780,7 @@
           <p:cNvPr id="30" name="Cube 29">
             <a:extLst>
               <a:ext uri="{FF2B5EF4-FFF2-40B4-BE49-F238E27FC236}">
-                <a16:creationId xmlns:a16="http://schemas.microsoft.com/office/drawing/2014/main" id="{00B6168E-13BB-43A0-8C51-BFBBC95B2E27}"/>
+                <a16:creationId xmlns:a16="http://schemas.microsoft.com/office/drawing/2014/main" xmlns="" id="{00B6168E-13BB-43A0-8C51-BFBBC95B2E27}"/>
               </a:ext>
             </a:extLst>
           </p:cNvPr>
@@ -15817,7 +14829,7 @@
           <p:cNvPr id="32" name="Cube 31">
             <a:extLst>
               <a:ext uri="{FF2B5EF4-FFF2-40B4-BE49-F238E27FC236}">
-                <a16:creationId xmlns:a16="http://schemas.microsoft.com/office/drawing/2014/main" id="{DCBFC977-B9DC-4A17-8C69-DF779FFA81FF}"/>
+                <a16:creationId xmlns:a16="http://schemas.microsoft.com/office/drawing/2014/main" xmlns="" id="{DCBFC977-B9DC-4A17-8C69-DF779FFA81FF}"/>
               </a:ext>
             </a:extLst>
           </p:cNvPr>
@@ -15866,7 +14878,7 @@
           <p:cNvPr id="34" name="Cube 33">
             <a:extLst>
               <a:ext uri="{FF2B5EF4-FFF2-40B4-BE49-F238E27FC236}">
-                <a16:creationId xmlns:a16="http://schemas.microsoft.com/office/drawing/2014/main" id="{520138C6-51E7-4786-B865-D9757385BE0E}"/>
+                <a16:creationId xmlns:a16="http://schemas.microsoft.com/office/drawing/2014/main" xmlns="" id="{520138C6-51E7-4786-B865-D9757385BE0E}"/>
               </a:ext>
             </a:extLst>
           </p:cNvPr>
@@ -15915,7 +14927,7 @@
           <p:cNvPr id="36" name="Cube 35">
             <a:extLst>
               <a:ext uri="{FF2B5EF4-FFF2-40B4-BE49-F238E27FC236}">
-                <a16:creationId xmlns:a16="http://schemas.microsoft.com/office/drawing/2014/main" id="{946E82FC-65BF-4EE7-9838-D6E44042869F}"/>
+                <a16:creationId xmlns:a16="http://schemas.microsoft.com/office/drawing/2014/main" xmlns="" id="{946E82FC-65BF-4EE7-9838-D6E44042869F}"/>
               </a:ext>
             </a:extLst>
           </p:cNvPr>
@@ -15964,7 +14976,7 @@
           <p:cNvPr id="43" name="Arrow: Right 42">
             <a:extLst>
               <a:ext uri="{FF2B5EF4-FFF2-40B4-BE49-F238E27FC236}">
-                <a16:creationId xmlns:a16="http://schemas.microsoft.com/office/drawing/2014/main" id="{99A04B0C-C453-4324-853A-4BB3914D2283}"/>
+                <a16:creationId xmlns:a16="http://schemas.microsoft.com/office/drawing/2014/main" xmlns="" id="{99A04B0C-C453-4324-853A-4BB3914D2283}"/>
               </a:ext>
             </a:extLst>
           </p:cNvPr>
@@ -16013,7 +15025,7 @@
           <p:cNvPr id="45" name="Connector: Elbow 44">
             <a:extLst>
               <a:ext uri="{FF2B5EF4-FFF2-40B4-BE49-F238E27FC236}">
-                <a16:creationId xmlns:a16="http://schemas.microsoft.com/office/drawing/2014/main" id="{CE00A6A3-3BCF-46B6-B8F5-852A89847205}"/>
+                <a16:creationId xmlns:a16="http://schemas.microsoft.com/office/drawing/2014/main" xmlns="" id="{CE00A6A3-3BCF-46B6-B8F5-852A89847205}"/>
               </a:ext>
             </a:extLst>
           </p:cNvPr>
@@ -16058,7 +15070,7 @@
           <p:cNvPr id="47" name="TextBox 46">
             <a:extLst>
               <a:ext uri="{FF2B5EF4-FFF2-40B4-BE49-F238E27FC236}">
-                <a16:creationId xmlns:a16="http://schemas.microsoft.com/office/drawing/2014/main" id="{6B0663B8-F1AA-4D7A-9D4A-7F4B98969207}"/>
+                <a16:creationId xmlns:a16="http://schemas.microsoft.com/office/drawing/2014/main" xmlns="" id="{6B0663B8-F1AA-4D7A-9D4A-7F4B98969207}"/>
               </a:ext>
             </a:extLst>
           </p:cNvPr>
@@ -16093,7 +15105,7 @@
           <p:cNvPr id="48" name="Arrow: Right 47">
             <a:extLst>
               <a:ext uri="{FF2B5EF4-FFF2-40B4-BE49-F238E27FC236}">
-                <a16:creationId xmlns:a16="http://schemas.microsoft.com/office/drawing/2014/main" id="{91F1C164-CE2D-4135-B2A9-7B4D21E9BD19}"/>
+                <a16:creationId xmlns:a16="http://schemas.microsoft.com/office/drawing/2014/main" xmlns="" id="{91F1C164-CE2D-4135-B2A9-7B4D21E9BD19}"/>
               </a:ext>
             </a:extLst>
           </p:cNvPr>
@@ -16142,7 +15154,7 @@
           <p:cNvPr id="49" name="Table 48">
             <a:extLst>
               <a:ext uri="{FF2B5EF4-FFF2-40B4-BE49-F238E27FC236}">
-                <a16:creationId xmlns:a16="http://schemas.microsoft.com/office/drawing/2014/main" id="{0CDF3FA9-FE81-46B9-A8CE-AF20C87C4D43}"/>
+                <a16:creationId xmlns:a16="http://schemas.microsoft.com/office/drawing/2014/main" xmlns="" id="{0CDF3FA9-FE81-46B9-A8CE-AF20C87C4D43}"/>
               </a:ext>
             </a:extLst>
           </p:cNvPr>
@@ -16171,7 +15183,7 @@
                 <a:gridCol w="1174022">
                   <a:extLst>
                     <a:ext uri="{9D8B030D-6E8A-4147-A177-3AD203B41FA5}">
-                      <a16:colId xmlns:a16="http://schemas.microsoft.com/office/drawing/2014/main" val="2424843954"/>
+                      <a16:colId xmlns:a16="http://schemas.microsoft.com/office/drawing/2014/main" xmlns="" val="2424843954"/>
                     </a:ext>
                   </a:extLst>
                 </a:gridCol>
@@ -16196,7 +15208,7 @@
                 </a:tc>
                 <a:extLst>
                   <a:ext uri="{0D108BD9-81ED-4DB2-BD59-A6C34878D82A}">
-                    <a16:rowId xmlns:a16="http://schemas.microsoft.com/office/drawing/2014/main" val="356860239"/>
+                    <a16:rowId xmlns:a16="http://schemas.microsoft.com/office/drawing/2014/main" xmlns="" val="356860239"/>
                   </a:ext>
                 </a:extLst>
               </a:tr>
@@ -16220,7 +15232,7 @@
                 </a:tc>
                 <a:extLst>
                   <a:ext uri="{0D108BD9-81ED-4DB2-BD59-A6C34878D82A}">
-                    <a16:rowId xmlns:a16="http://schemas.microsoft.com/office/drawing/2014/main" val="860207576"/>
+                    <a16:rowId xmlns:a16="http://schemas.microsoft.com/office/drawing/2014/main" xmlns="" val="860207576"/>
                   </a:ext>
                 </a:extLst>
               </a:tr>
@@ -16244,7 +15256,7 @@
                 </a:tc>
                 <a:extLst>
                   <a:ext uri="{0D108BD9-81ED-4DB2-BD59-A6C34878D82A}">
-                    <a16:rowId xmlns:a16="http://schemas.microsoft.com/office/drawing/2014/main" val="674698534"/>
+                    <a16:rowId xmlns:a16="http://schemas.microsoft.com/office/drawing/2014/main" xmlns="" val="674698534"/>
                   </a:ext>
                 </a:extLst>
               </a:tr>
@@ -16268,7 +15280,7 @@
                 </a:tc>
                 <a:extLst>
                   <a:ext uri="{0D108BD9-81ED-4DB2-BD59-A6C34878D82A}">
-                    <a16:rowId xmlns:a16="http://schemas.microsoft.com/office/drawing/2014/main" val="2848344519"/>
+                    <a16:rowId xmlns:a16="http://schemas.microsoft.com/office/drawing/2014/main" xmlns="" val="2848344519"/>
                   </a:ext>
                 </a:extLst>
               </a:tr>
@@ -16281,7 +15293,7 @@
           <p:cNvPr id="50" name="TextBox 49">
             <a:extLst>
               <a:ext uri="{FF2B5EF4-FFF2-40B4-BE49-F238E27FC236}">
-                <a16:creationId xmlns:a16="http://schemas.microsoft.com/office/drawing/2014/main" id="{06355B9E-9046-47E2-811D-2EA0C402CF91}"/>
+                <a16:creationId xmlns:a16="http://schemas.microsoft.com/office/drawing/2014/main" xmlns="" id="{06355B9E-9046-47E2-811D-2EA0C402CF91}"/>
               </a:ext>
             </a:extLst>
           </p:cNvPr>
@@ -16316,7 +15328,7 @@
           <p:cNvPr id="52" name="Arrow: Right 51">
             <a:extLst>
               <a:ext uri="{FF2B5EF4-FFF2-40B4-BE49-F238E27FC236}">
-                <a16:creationId xmlns:a16="http://schemas.microsoft.com/office/drawing/2014/main" id="{6C62F43F-2531-44A7-BAA1-3D27B8C2151E}"/>
+                <a16:creationId xmlns:a16="http://schemas.microsoft.com/office/drawing/2014/main" xmlns="" id="{6C62F43F-2531-44A7-BAA1-3D27B8C2151E}"/>
               </a:ext>
             </a:extLst>
           </p:cNvPr>
@@ -16365,7 +15377,7 @@
           <p:cNvPr id="56" name="Arrow: Right 55">
             <a:extLst>
               <a:ext uri="{FF2B5EF4-FFF2-40B4-BE49-F238E27FC236}">
-                <a16:creationId xmlns:a16="http://schemas.microsoft.com/office/drawing/2014/main" id="{6495F56C-63CF-423F-AF28-A1E9D7E42C33}"/>
+                <a16:creationId xmlns:a16="http://schemas.microsoft.com/office/drawing/2014/main" xmlns="" id="{6495F56C-63CF-423F-AF28-A1E9D7E42C33}"/>
               </a:ext>
             </a:extLst>
           </p:cNvPr>
@@ -16414,7 +15426,7 @@
           <p:cNvPr id="57" name="TextBox 56">
             <a:extLst>
               <a:ext uri="{FF2B5EF4-FFF2-40B4-BE49-F238E27FC236}">
-                <a16:creationId xmlns:a16="http://schemas.microsoft.com/office/drawing/2014/main" id="{CA89F0D0-AE57-48F9-BA99-638EA4B90341}"/>
+                <a16:creationId xmlns:a16="http://schemas.microsoft.com/office/drawing/2014/main" xmlns="" id="{CA89F0D0-AE57-48F9-BA99-638EA4B90341}"/>
               </a:ext>
             </a:extLst>
           </p:cNvPr>
@@ -16482,7 +15494,7 @@
           <p:cNvPr id="3" name="Content Placeholder 2">
             <a:extLst>
               <a:ext uri="{FF2B5EF4-FFF2-40B4-BE49-F238E27FC236}">
-                <a16:creationId xmlns:a16="http://schemas.microsoft.com/office/drawing/2014/main" id="{A9BF8C30-5AFE-41A6-9AB8-4BCE766E5207}"/>
+                <a16:creationId xmlns:a16="http://schemas.microsoft.com/office/drawing/2014/main" xmlns="" id="{A9BF8C30-5AFE-41A6-9AB8-4BCE766E5207}"/>
               </a:ext>
             </a:extLst>
           </p:cNvPr>
@@ -16548,7 +15560,7 @@
           <p:cNvPr id="8" name="Title 10">
             <a:extLst>
               <a:ext uri="{FF2B5EF4-FFF2-40B4-BE49-F238E27FC236}">
-                <a16:creationId xmlns:a16="http://schemas.microsoft.com/office/drawing/2014/main" id="{337F03BE-E45B-4A2F-A0A9-67725B2A5768}"/>
+                <a16:creationId xmlns:a16="http://schemas.microsoft.com/office/drawing/2014/main" xmlns="" id="{337F03BE-E45B-4A2F-A0A9-67725B2A5768}"/>
               </a:ext>
             </a:extLst>
           </p:cNvPr>
@@ -16591,7 +15603,7 @@
           <p:cNvPr id="9" name="Picture 8">
             <a:extLst>
               <a:ext uri="{FF2B5EF4-FFF2-40B4-BE49-F238E27FC236}">
-                <a16:creationId xmlns:a16="http://schemas.microsoft.com/office/drawing/2014/main" id="{2B591B81-F402-4D8B-8B10-D7CC48F1071B}"/>
+                <a16:creationId xmlns:a16="http://schemas.microsoft.com/office/drawing/2014/main" xmlns="" id="{2B591B81-F402-4D8B-8B10-D7CC48F1071B}"/>
               </a:ext>
             </a:extLst>
           </p:cNvPr>
@@ -16627,7 +15639,7 @@
           <p:cNvPr id="10" name="Straight Connector 9">
             <a:extLst>
               <a:ext uri="{FF2B5EF4-FFF2-40B4-BE49-F238E27FC236}">
-                <a16:creationId xmlns:a16="http://schemas.microsoft.com/office/drawing/2014/main" id="{79F89C4E-74B6-48D7-868D-786EC5E6368B}"/>
+                <a16:creationId xmlns:a16="http://schemas.microsoft.com/office/drawing/2014/main" xmlns="" id="{79F89C4E-74B6-48D7-868D-786EC5E6368B}"/>
               </a:ext>
             </a:extLst>
           </p:cNvPr>
@@ -16658,6 +15670,59 @@
           </a:fontRef>
         </p:style>
       </p:cxnSp>
+      <p:sp>
+        <p:nvSpPr>
+          <p:cNvPr id="6" name="TextBox 5">
+            <a:extLst>
+              <a:ext uri="{FF2B5EF4-FFF2-40B4-BE49-F238E27FC236}">
+                <a16:creationId xmlns:a16="http://schemas.microsoft.com/office/drawing/2014/main" xmlns="" id="{E8CAC22F-1542-4031-BC6C-A16989886504}"/>
+              </a:ext>
+            </a:extLst>
+          </p:cNvPr>
+          <p:cNvSpPr txBox="1"/>
+          <p:nvPr/>
+        </p:nvSpPr>
+        <p:spPr>
+          <a:xfrm>
+            <a:off x="4943872" y="6536777"/>
+            <a:ext cx="3456384" cy="307777"/>
+          </a:xfrm>
+          <a:prstGeom prst="rect">
+            <a:avLst/>
+          </a:prstGeom>
+          <a:noFill/>
+        </p:spPr>
+        <p:txBody>
+          <a:bodyPr wrap="square" rtlCol="0">
+            <a:spAutoFit/>
+          </a:bodyPr>
+          <a:lstStyle/>
+          <a:p>
+            <a:pPr defTabSz="1218987">
+              <a:defRPr/>
+            </a:pPr>
+            <a:r>
+              <a:rPr lang="en-US" sz="1400" b="1" dirty="0">
+                <a:solidFill>
+                  <a:prstClr val="black"/>
+                </a:solidFill>
+                <a:latin typeface="Arial Rounded MT Bold" panose="020F0704030504030204" pitchFamily="34" charset="0"/>
+                <a:ea typeface="Arial Unicode MS" panose="020B0604020202020204" pitchFamily="34" charset="-128"/>
+                <a:cs typeface="Arial Unicode MS" panose="020B0604020202020204" pitchFamily="34" charset="-128"/>
+              </a:rPr>
+              <a:t>www.anubhavtrainings.com</a:t>
+            </a:r>
+            <a:endParaRPr lang="en-IN" sz="1400" b="1" dirty="0">
+              <a:solidFill>
+                <a:prstClr val="black"/>
+              </a:solidFill>
+              <a:latin typeface="Arial Rounded MT Bold" panose="020F0704030504030204" pitchFamily="34" charset="0"/>
+              <a:ea typeface="Arial Unicode MS" panose="020B0604020202020204" pitchFamily="34" charset="-128"/>
+              <a:cs typeface="Arial Unicode MS" panose="020B0604020202020204" pitchFamily="34" charset="-128"/>
+            </a:endParaRPr>
+          </a:p>
+        </p:txBody>
+      </p:sp>
     </p:spTree>
     <p:extLst>
       <p:ext uri="{BB962C8B-B14F-4D97-AF65-F5344CB8AC3E}">
@@ -16725,65 +15790,12 @@
           </a:p>
         </p:txBody>
       </p:sp>
-      <p:sp>
-        <p:nvSpPr>
-          <p:cNvPr id="37" name="TextBox 36">
-            <a:extLst>
-              <a:ext uri="{FF2B5EF4-FFF2-40B4-BE49-F238E27FC236}">
-                <a16:creationId xmlns:a16="http://schemas.microsoft.com/office/drawing/2014/main" id="{E8CAC22F-1542-4031-BC6C-A16989886504}"/>
-              </a:ext>
-            </a:extLst>
-          </p:cNvPr>
-          <p:cNvSpPr txBox="1"/>
-          <p:nvPr/>
-        </p:nvSpPr>
-        <p:spPr>
-          <a:xfrm>
-            <a:off x="9624392" y="6598104"/>
-            <a:ext cx="3456384" cy="307777"/>
-          </a:xfrm>
-          <a:prstGeom prst="rect">
-            <a:avLst/>
-          </a:prstGeom>
-          <a:noFill/>
-        </p:spPr>
-        <p:txBody>
-          <a:bodyPr wrap="square" rtlCol="0">
-            <a:spAutoFit/>
-          </a:bodyPr>
-          <a:lstStyle/>
-          <a:p>
-            <a:pPr defTabSz="1218987">
-              <a:defRPr/>
-            </a:pPr>
-            <a:r>
-              <a:rPr lang="en-US" sz="1400" b="1" dirty="0">
-                <a:solidFill>
-                  <a:prstClr val="black"/>
-                </a:solidFill>
-                <a:latin typeface="Arial Rounded MT Bold" panose="020F0704030504030204" pitchFamily="34" charset="0"/>
-                <a:ea typeface="Arial Unicode MS" panose="020B0604020202020204" pitchFamily="34" charset="-128"/>
-                <a:cs typeface="Arial Unicode MS" panose="020B0604020202020204" pitchFamily="34" charset="-128"/>
-              </a:rPr>
-              <a:t>www.anubhavtrainings.com</a:t>
-            </a:r>
-            <a:endParaRPr lang="en-IN" sz="1400" b="1" dirty="0">
-              <a:solidFill>
-                <a:prstClr val="black"/>
-              </a:solidFill>
-              <a:latin typeface="Arial Rounded MT Bold" panose="020F0704030504030204" pitchFamily="34" charset="0"/>
-              <a:ea typeface="Arial Unicode MS" panose="020B0604020202020204" pitchFamily="34" charset="-128"/>
-              <a:cs typeface="Arial Unicode MS" panose="020B0604020202020204" pitchFamily="34" charset="-128"/>
-            </a:endParaRPr>
-          </a:p>
-        </p:txBody>
-      </p:sp>
       <p:pic>
         <p:nvPicPr>
           <p:cNvPr id="40" name="Picture 39">
             <a:extLst>
               <a:ext uri="{FF2B5EF4-FFF2-40B4-BE49-F238E27FC236}">
-                <a16:creationId xmlns:a16="http://schemas.microsoft.com/office/drawing/2014/main" id="{DA60E6FB-8C44-4FEB-B6E9-83DA908565CD}"/>
+                <a16:creationId xmlns:a16="http://schemas.microsoft.com/office/drawing/2014/main" xmlns="" id="{DA60E6FB-8C44-4FEB-B6E9-83DA908565CD}"/>
               </a:ext>
             </a:extLst>
           </p:cNvPr>
@@ -16819,7 +15831,7 @@
           <p:cNvPr id="41" name="Straight Connector 40">
             <a:extLst>
               <a:ext uri="{FF2B5EF4-FFF2-40B4-BE49-F238E27FC236}">
-                <a16:creationId xmlns:a16="http://schemas.microsoft.com/office/drawing/2014/main" id="{3B3B7D73-CAE9-45AC-ACCE-FAEF4E505C7A}"/>
+                <a16:creationId xmlns:a16="http://schemas.microsoft.com/office/drawing/2014/main" xmlns="" id="{3B3B7D73-CAE9-45AC-ACCE-FAEF4E505C7A}"/>
               </a:ext>
             </a:extLst>
           </p:cNvPr>
@@ -16855,7 +15867,7 @@
           <p:cNvPr id="2" name="TextBox 1">
             <a:extLst>
               <a:ext uri="{FF2B5EF4-FFF2-40B4-BE49-F238E27FC236}">
-                <a16:creationId xmlns:a16="http://schemas.microsoft.com/office/drawing/2014/main" id="{9EE80763-F0BD-40F1-95D8-3176FF2901EB}"/>
+                <a16:creationId xmlns:a16="http://schemas.microsoft.com/office/drawing/2014/main" xmlns="" id="{9EE80763-F0BD-40F1-95D8-3176FF2901EB}"/>
               </a:ext>
             </a:extLst>
           </p:cNvPr>
@@ -16890,7 +15902,7 @@
           <p:cNvPr id="3" name="Table 3">
             <a:extLst>
               <a:ext uri="{FF2B5EF4-FFF2-40B4-BE49-F238E27FC236}">
-                <a16:creationId xmlns:a16="http://schemas.microsoft.com/office/drawing/2014/main" id="{8BEE9C5A-30C3-4FC8-AC21-80DC4C913ABD}"/>
+                <a16:creationId xmlns:a16="http://schemas.microsoft.com/office/drawing/2014/main" xmlns="" id="{8BEE9C5A-30C3-4FC8-AC21-80DC4C913ABD}"/>
               </a:ext>
             </a:extLst>
           </p:cNvPr>
@@ -16919,21 +15931,21 @@
                 <a:gridCol w="2032000">
                   <a:extLst>
                     <a:ext uri="{9D8B030D-6E8A-4147-A177-3AD203B41FA5}">
-                      <a16:colId xmlns:a16="http://schemas.microsoft.com/office/drawing/2014/main" val="4266700039"/>
+                      <a16:colId xmlns:a16="http://schemas.microsoft.com/office/drawing/2014/main" xmlns="" val="4266700039"/>
                     </a:ext>
                   </a:extLst>
                 </a:gridCol>
                 <a:gridCol w="2032000">
                   <a:extLst>
                     <a:ext uri="{9D8B030D-6E8A-4147-A177-3AD203B41FA5}">
-                      <a16:colId xmlns:a16="http://schemas.microsoft.com/office/drawing/2014/main" val="1503462646"/>
+                      <a16:colId xmlns:a16="http://schemas.microsoft.com/office/drawing/2014/main" xmlns="" val="1503462646"/>
                     </a:ext>
                   </a:extLst>
                 </a:gridCol>
                 <a:gridCol w="2032000">
                   <a:extLst>
                     <a:ext uri="{9D8B030D-6E8A-4147-A177-3AD203B41FA5}">
-                      <a16:colId xmlns:a16="http://schemas.microsoft.com/office/drawing/2014/main" val="3200607155"/>
+                      <a16:colId xmlns:a16="http://schemas.microsoft.com/office/drawing/2014/main" xmlns="" val="3200607155"/>
                     </a:ext>
                   </a:extLst>
                 </a:gridCol>
@@ -16992,7 +16004,7 @@
                 </a:tc>
                 <a:extLst>
                   <a:ext uri="{0D108BD9-81ED-4DB2-BD59-A6C34878D82A}">
-                    <a16:rowId xmlns:a16="http://schemas.microsoft.com/office/drawing/2014/main" val="3669056907"/>
+                    <a16:rowId xmlns:a16="http://schemas.microsoft.com/office/drawing/2014/main" xmlns="" val="3669056907"/>
                   </a:ext>
                 </a:extLst>
               </a:tr>
@@ -17068,7 +16080,7 @@
                 </a:tc>
                 <a:extLst>
                   <a:ext uri="{0D108BD9-81ED-4DB2-BD59-A6C34878D82A}">
-                    <a16:rowId xmlns:a16="http://schemas.microsoft.com/office/drawing/2014/main" val="1802410979"/>
+                    <a16:rowId xmlns:a16="http://schemas.microsoft.com/office/drawing/2014/main" xmlns="" val="1802410979"/>
                   </a:ext>
                 </a:extLst>
               </a:tr>
@@ -17141,7 +16153,7 @@
                 </a:tc>
                 <a:extLst>
                   <a:ext uri="{0D108BD9-81ED-4DB2-BD59-A6C34878D82A}">
-                    <a16:rowId xmlns:a16="http://schemas.microsoft.com/office/drawing/2014/main" val="3960728975"/>
+                    <a16:rowId xmlns:a16="http://schemas.microsoft.com/office/drawing/2014/main" xmlns="" val="3960728975"/>
                   </a:ext>
                 </a:extLst>
               </a:tr>
@@ -17149,6 +16161,59 @@
           </a:graphicData>
         </a:graphic>
       </p:graphicFrame>
+      <p:sp>
+        <p:nvSpPr>
+          <p:cNvPr id="8" name="TextBox 7">
+            <a:extLst>
+              <a:ext uri="{FF2B5EF4-FFF2-40B4-BE49-F238E27FC236}">
+                <a16:creationId xmlns:a16="http://schemas.microsoft.com/office/drawing/2014/main" xmlns="" id="{E8CAC22F-1542-4031-BC6C-A16989886504}"/>
+              </a:ext>
+            </a:extLst>
+          </p:cNvPr>
+          <p:cNvSpPr txBox="1"/>
+          <p:nvPr/>
+        </p:nvSpPr>
+        <p:spPr>
+          <a:xfrm>
+            <a:off x="4943872" y="6536777"/>
+            <a:ext cx="3456384" cy="307777"/>
+          </a:xfrm>
+          <a:prstGeom prst="rect">
+            <a:avLst/>
+          </a:prstGeom>
+          <a:noFill/>
+        </p:spPr>
+        <p:txBody>
+          <a:bodyPr wrap="square" rtlCol="0">
+            <a:spAutoFit/>
+          </a:bodyPr>
+          <a:lstStyle/>
+          <a:p>
+            <a:pPr defTabSz="1218987">
+              <a:defRPr/>
+            </a:pPr>
+            <a:r>
+              <a:rPr lang="en-US" sz="1400" b="1" dirty="0">
+                <a:solidFill>
+                  <a:prstClr val="black"/>
+                </a:solidFill>
+                <a:latin typeface="Arial Rounded MT Bold" panose="020F0704030504030204" pitchFamily="34" charset="0"/>
+                <a:ea typeface="Arial Unicode MS" panose="020B0604020202020204" pitchFamily="34" charset="-128"/>
+                <a:cs typeface="Arial Unicode MS" panose="020B0604020202020204" pitchFamily="34" charset="-128"/>
+              </a:rPr>
+              <a:t>www.anubhavtrainings.com</a:t>
+            </a:r>
+            <a:endParaRPr lang="en-IN" sz="1400" b="1" dirty="0">
+              <a:solidFill>
+                <a:prstClr val="black"/>
+              </a:solidFill>
+              <a:latin typeface="Arial Rounded MT Bold" panose="020F0704030504030204" pitchFamily="34" charset="0"/>
+              <a:ea typeface="Arial Unicode MS" panose="020B0604020202020204" pitchFamily="34" charset="-128"/>
+              <a:cs typeface="Arial Unicode MS" panose="020B0604020202020204" pitchFamily="34" charset="-128"/>
+            </a:endParaRPr>
+          </a:p>
+        </p:txBody>
+      </p:sp>
     </p:spTree>
     <p:extLst>
       <p:ext uri="{BB962C8B-B14F-4D97-AF65-F5344CB8AC3E}">
@@ -17224,7 +16289,7 @@
           <p:cNvPr id="37" name="TextBox 36">
             <a:extLst>
               <a:ext uri="{FF2B5EF4-FFF2-40B4-BE49-F238E27FC236}">
-                <a16:creationId xmlns:a16="http://schemas.microsoft.com/office/drawing/2014/main" id="{E8CAC22F-1542-4031-BC6C-A16989886504}"/>
+                <a16:creationId xmlns:a16="http://schemas.microsoft.com/office/drawing/2014/main" xmlns="" id="{E8CAC22F-1542-4031-BC6C-A16989886504}"/>
               </a:ext>
             </a:extLst>
           </p:cNvPr>
@@ -17277,7 +16342,7 @@
           <p:cNvPr id="40" name="Picture 39">
             <a:extLst>
               <a:ext uri="{FF2B5EF4-FFF2-40B4-BE49-F238E27FC236}">
-                <a16:creationId xmlns:a16="http://schemas.microsoft.com/office/drawing/2014/main" id="{DA60E6FB-8C44-4FEB-B6E9-83DA908565CD}"/>
+                <a16:creationId xmlns:a16="http://schemas.microsoft.com/office/drawing/2014/main" xmlns="" id="{DA60E6FB-8C44-4FEB-B6E9-83DA908565CD}"/>
               </a:ext>
             </a:extLst>
           </p:cNvPr>
@@ -17313,7 +16378,7 @@
           <p:cNvPr id="41" name="Straight Connector 40">
             <a:extLst>
               <a:ext uri="{FF2B5EF4-FFF2-40B4-BE49-F238E27FC236}">
-                <a16:creationId xmlns:a16="http://schemas.microsoft.com/office/drawing/2014/main" id="{3B3B7D73-CAE9-45AC-ACCE-FAEF4E505C7A}"/>
+                <a16:creationId xmlns:a16="http://schemas.microsoft.com/office/drawing/2014/main" xmlns="" id="{3B3B7D73-CAE9-45AC-ACCE-FAEF4E505C7A}"/>
               </a:ext>
             </a:extLst>
           </p:cNvPr>
@@ -17349,7 +16414,7 @@
           <p:cNvPr id="2" name="TextBox 1">
             <a:extLst>
               <a:ext uri="{FF2B5EF4-FFF2-40B4-BE49-F238E27FC236}">
-                <a16:creationId xmlns:a16="http://schemas.microsoft.com/office/drawing/2014/main" id="{EA5A1026-75BF-44A7-A9CD-CF55A7B680D3}"/>
+                <a16:creationId xmlns:a16="http://schemas.microsoft.com/office/drawing/2014/main" xmlns="" id="{EA5A1026-75BF-44A7-A9CD-CF55A7B680D3}"/>
               </a:ext>
             </a:extLst>
           </p:cNvPr>
@@ -17461,7 +16526,7 @@
           <p:cNvPr id="37" name="TextBox 36">
             <a:extLst>
               <a:ext uri="{FF2B5EF4-FFF2-40B4-BE49-F238E27FC236}">
-                <a16:creationId xmlns:a16="http://schemas.microsoft.com/office/drawing/2014/main" id="{E8CAC22F-1542-4031-BC6C-A16989886504}"/>
+                <a16:creationId xmlns:a16="http://schemas.microsoft.com/office/drawing/2014/main" xmlns="" id="{E8CAC22F-1542-4031-BC6C-A16989886504}"/>
               </a:ext>
             </a:extLst>
           </p:cNvPr>
@@ -17514,7 +16579,7 @@
           <p:cNvPr id="40" name="Picture 39">
             <a:extLst>
               <a:ext uri="{FF2B5EF4-FFF2-40B4-BE49-F238E27FC236}">
-                <a16:creationId xmlns:a16="http://schemas.microsoft.com/office/drawing/2014/main" id="{DA60E6FB-8C44-4FEB-B6E9-83DA908565CD}"/>
+                <a16:creationId xmlns:a16="http://schemas.microsoft.com/office/drawing/2014/main" xmlns="" id="{DA60E6FB-8C44-4FEB-B6E9-83DA908565CD}"/>
               </a:ext>
             </a:extLst>
           </p:cNvPr>
@@ -17550,7 +16615,7 @@
           <p:cNvPr id="41" name="Straight Connector 40">
             <a:extLst>
               <a:ext uri="{FF2B5EF4-FFF2-40B4-BE49-F238E27FC236}">
-                <a16:creationId xmlns:a16="http://schemas.microsoft.com/office/drawing/2014/main" id="{3B3B7D73-CAE9-45AC-ACCE-FAEF4E505C7A}"/>
+                <a16:creationId xmlns:a16="http://schemas.microsoft.com/office/drawing/2014/main" xmlns="" id="{3B3B7D73-CAE9-45AC-ACCE-FAEF4E505C7A}"/>
               </a:ext>
             </a:extLst>
           </p:cNvPr>
@@ -17586,7 +16651,7 @@
           <p:cNvPr id="7" name="TextBox 6">
             <a:extLst>
               <a:ext uri="{FF2B5EF4-FFF2-40B4-BE49-F238E27FC236}">
-                <a16:creationId xmlns:a16="http://schemas.microsoft.com/office/drawing/2014/main" id="{EBC9EAA6-7E53-459A-8E4A-B343091BB47D}"/>
+                <a16:creationId xmlns:a16="http://schemas.microsoft.com/office/drawing/2014/main" xmlns="" id="{EBC9EAA6-7E53-459A-8E4A-B343091BB47D}"/>
               </a:ext>
             </a:extLst>
           </p:cNvPr>
@@ -17817,7 +16882,7 @@
           <p:cNvPr id="3" name="Picture 2">
             <a:extLst>
               <a:ext uri="{FF2B5EF4-FFF2-40B4-BE49-F238E27FC236}">
-                <a16:creationId xmlns:a16="http://schemas.microsoft.com/office/drawing/2014/main" id="{8DA16462-4B75-4B35-B411-FBFFDFCF75F1}"/>
+                <a16:creationId xmlns:a16="http://schemas.microsoft.com/office/drawing/2014/main" xmlns="" id="{8DA16462-4B75-4B35-B411-FBFFDFCF75F1}"/>
               </a:ext>
             </a:extLst>
           </p:cNvPr>
@@ -17847,7 +16912,7 @@
           <p:cNvPr id="6" name="Table 5">
             <a:extLst>
               <a:ext uri="{FF2B5EF4-FFF2-40B4-BE49-F238E27FC236}">
-                <a16:creationId xmlns:a16="http://schemas.microsoft.com/office/drawing/2014/main" id="{9B5001E8-0500-49F3-81B8-85B9EF9129EF}"/>
+                <a16:creationId xmlns:a16="http://schemas.microsoft.com/office/drawing/2014/main" xmlns="" id="{9B5001E8-0500-49F3-81B8-85B9EF9129EF}"/>
               </a:ext>
             </a:extLst>
           </p:cNvPr>
@@ -17870,14 +16935,14 @@
                 <a:gridCol w="1406585">
                   <a:extLst>
                     <a:ext uri="{9D8B030D-6E8A-4147-A177-3AD203B41FA5}">
-                      <a16:colId xmlns:a16="http://schemas.microsoft.com/office/drawing/2014/main" val="638649834"/>
+                      <a16:colId xmlns:a16="http://schemas.microsoft.com/office/drawing/2014/main" xmlns="" val="638649834"/>
                     </a:ext>
                   </a:extLst>
                 </a:gridCol>
                 <a:gridCol w="5222815">
                   <a:extLst>
                     <a:ext uri="{9D8B030D-6E8A-4147-A177-3AD203B41FA5}">
-                      <a16:colId xmlns:a16="http://schemas.microsoft.com/office/drawing/2014/main" val="1673970776"/>
+                      <a16:colId xmlns:a16="http://schemas.microsoft.com/office/drawing/2014/main" xmlns="" val="1673970776"/>
                     </a:ext>
                   </a:extLst>
                 </a:gridCol>
@@ -17945,7 +17010,7 @@
                 </a:tc>
                 <a:extLst>
                   <a:ext uri="{0D108BD9-81ED-4DB2-BD59-A6C34878D82A}">
-                    <a16:rowId xmlns:a16="http://schemas.microsoft.com/office/drawing/2014/main" val="696909808"/>
+                    <a16:rowId xmlns:a16="http://schemas.microsoft.com/office/drawing/2014/main" xmlns="" val="696909808"/>
                   </a:ext>
                 </a:extLst>
               </a:tr>
@@ -17998,7 +17063,7 @@
                 </a:tc>
                 <a:extLst>
                   <a:ext uri="{0D108BD9-81ED-4DB2-BD59-A6C34878D82A}">
-                    <a16:rowId xmlns:a16="http://schemas.microsoft.com/office/drawing/2014/main" val="2507528534"/>
+                    <a16:rowId xmlns:a16="http://schemas.microsoft.com/office/drawing/2014/main" xmlns="" val="2507528534"/>
                   </a:ext>
                 </a:extLst>
               </a:tr>
@@ -18051,7 +17116,7 @@
                 </a:tc>
                 <a:extLst>
                   <a:ext uri="{0D108BD9-81ED-4DB2-BD59-A6C34878D82A}">
-                    <a16:rowId xmlns:a16="http://schemas.microsoft.com/office/drawing/2014/main" val="1827169515"/>
+                    <a16:rowId xmlns:a16="http://schemas.microsoft.com/office/drawing/2014/main" xmlns="" val="1827169515"/>
                   </a:ext>
                 </a:extLst>
               </a:tr>
@@ -18110,7 +17175,7 @@
                 </a:tc>
                 <a:extLst>
                   <a:ext uri="{0D108BD9-81ED-4DB2-BD59-A6C34878D82A}">
-                    <a16:rowId xmlns:a16="http://schemas.microsoft.com/office/drawing/2014/main" val="813864819"/>
+                    <a16:rowId xmlns:a16="http://schemas.microsoft.com/office/drawing/2014/main" xmlns="" val="813864819"/>
                   </a:ext>
                 </a:extLst>
               </a:tr>
@@ -18169,7 +17234,7 @@
                 </a:tc>
                 <a:extLst>
                   <a:ext uri="{0D108BD9-81ED-4DB2-BD59-A6C34878D82A}">
-                    <a16:rowId xmlns:a16="http://schemas.microsoft.com/office/drawing/2014/main" val="1135056758"/>
+                    <a16:rowId xmlns:a16="http://schemas.microsoft.com/office/drawing/2014/main" xmlns="" val="1135056758"/>
                   </a:ext>
                 </a:extLst>
               </a:tr>
@@ -18228,7 +17293,7 @@
                 </a:tc>
                 <a:extLst>
                   <a:ext uri="{0D108BD9-81ED-4DB2-BD59-A6C34878D82A}">
-                    <a16:rowId xmlns:a16="http://schemas.microsoft.com/office/drawing/2014/main" val="1536725876"/>
+                    <a16:rowId xmlns:a16="http://schemas.microsoft.com/office/drawing/2014/main" xmlns="" val="1536725876"/>
                   </a:ext>
                 </a:extLst>
               </a:tr>
@@ -18274,7 +17339,7 @@
           <p:cNvPr id="2" name="Title 1">
             <a:extLst>
               <a:ext uri="{FF2B5EF4-FFF2-40B4-BE49-F238E27FC236}">
-                <a16:creationId xmlns:a16="http://schemas.microsoft.com/office/drawing/2014/main" id="{008DCE6C-AEFB-4AD6-9DFC-94F53FFB493B}"/>
+                <a16:creationId xmlns:a16="http://schemas.microsoft.com/office/drawing/2014/main" xmlns="" id="{008DCE6C-AEFB-4AD6-9DFC-94F53FFB493B}"/>
               </a:ext>
             </a:extLst>
           </p:cNvPr>
@@ -18307,7 +17372,7 @@
           <p:cNvPr id="3" name="Content Placeholder 2">
             <a:extLst>
               <a:ext uri="{FF2B5EF4-FFF2-40B4-BE49-F238E27FC236}">
-                <a16:creationId xmlns:a16="http://schemas.microsoft.com/office/drawing/2014/main" id="{7C159253-4E6E-4795-BEAB-DE1DA868368F}"/>
+                <a16:creationId xmlns:a16="http://schemas.microsoft.com/office/drawing/2014/main" xmlns="" id="{7C159253-4E6E-4795-BEAB-DE1DA868368F}"/>
               </a:ext>
             </a:extLst>
           </p:cNvPr>
@@ -18338,6 +17403,59 @@
               <a:rPr lang="en-US" dirty="0"/>
               <a:t>Confidence &gt; 0.90</a:t>
             </a:r>
+          </a:p>
+        </p:txBody>
+      </p:sp>
+      <p:sp>
+        <p:nvSpPr>
+          <p:cNvPr id="4" name="TextBox 3">
+            <a:extLst>
+              <a:ext uri="{FF2B5EF4-FFF2-40B4-BE49-F238E27FC236}">
+                <a16:creationId xmlns:a16="http://schemas.microsoft.com/office/drawing/2014/main" xmlns="" id="{E8CAC22F-1542-4031-BC6C-A16989886504}"/>
+              </a:ext>
+            </a:extLst>
+          </p:cNvPr>
+          <p:cNvSpPr txBox="1"/>
+          <p:nvPr/>
+        </p:nvSpPr>
+        <p:spPr>
+          <a:xfrm>
+            <a:off x="4943872" y="6550224"/>
+            <a:ext cx="3456384" cy="307777"/>
+          </a:xfrm>
+          <a:prstGeom prst="rect">
+            <a:avLst/>
+          </a:prstGeom>
+          <a:noFill/>
+        </p:spPr>
+        <p:txBody>
+          <a:bodyPr wrap="square" rtlCol="0">
+            <a:spAutoFit/>
+          </a:bodyPr>
+          <a:lstStyle/>
+          <a:p>
+            <a:pPr defTabSz="1218987">
+              <a:defRPr/>
+            </a:pPr>
+            <a:r>
+              <a:rPr lang="en-US" sz="1400" b="1" dirty="0">
+                <a:solidFill>
+                  <a:prstClr val="black"/>
+                </a:solidFill>
+                <a:latin typeface="Arial Rounded MT Bold" panose="020F0704030504030204" pitchFamily="34" charset="0"/>
+                <a:ea typeface="Arial Unicode MS" panose="020B0604020202020204" pitchFamily="34" charset="-128"/>
+                <a:cs typeface="Arial Unicode MS" panose="020B0604020202020204" pitchFamily="34" charset="-128"/>
+              </a:rPr>
+              <a:t>www.anubhavtrainings.com</a:t>
+            </a:r>
+            <a:endParaRPr lang="en-IN" sz="1400" b="1" dirty="0">
+              <a:solidFill>
+                <a:prstClr val="black"/>
+              </a:solidFill>
+              <a:latin typeface="Arial Rounded MT Bold" panose="020F0704030504030204" pitchFamily="34" charset="0"/>
+              <a:ea typeface="Arial Unicode MS" panose="020B0604020202020204" pitchFamily="34" charset="-128"/>
+              <a:cs typeface="Arial Unicode MS" panose="020B0604020202020204" pitchFamily="34" charset="-128"/>
+            </a:endParaRPr>
           </a:p>
         </p:txBody>
       </p:sp>

--- a/day 8/SAC_Training Day 8.pptx
+++ b/day 8/SAC_Training Day 8.pptx
@@ -6,7 +6,7 @@
     <p:sldMasterId id="2147483660" r:id="rId2"/>
   </p:sldMasterIdLst>
   <p:notesMasterIdLst>
-    <p:notesMasterId r:id="rId18"/>
+    <p:notesMasterId r:id="rId20"/>
   </p:notesMasterIdLst>
   <p:sldIdLst>
     <p:sldId id="256" r:id="rId3"/>
@@ -20,10 +20,12 @@
     <p:sldId id="484" r:id="rId11"/>
     <p:sldId id="390" r:id="rId12"/>
     <p:sldId id="498" r:id="rId13"/>
-    <p:sldId id="462" r:id="rId14"/>
-    <p:sldId id="475" r:id="rId15"/>
-    <p:sldId id="399" r:id="rId16"/>
-    <p:sldId id="409" r:id="rId17"/>
+    <p:sldId id="391" r:id="rId14"/>
+    <p:sldId id="392" r:id="rId15"/>
+    <p:sldId id="462" r:id="rId16"/>
+    <p:sldId id="475" r:id="rId17"/>
+    <p:sldId id="399" r:id="rId18"/>
+    <p:sldId id="409" r:id="rId19"/>
   </p:sldIdLst>
   <p:sldSz cx="12192000" cy="6858000"/>
   <p:notesSz cx="6858000" cy="9144000"/>
@@ -159,6 +161,1362 @@
 </inkml:ink>
 </file>
 
+<file path=ppt/ink/ink10.xml><?xml version="1.0" encoding="utf-8"?>
+<inkml:ink xmlns:inkml="http://www.w3.org/2003/InkML">
+  <inkml:definitions>
+    <inkml:context xml:id="ctx0">
+      <inkml:inkSource xml:id="inkSrc0">
+        <inkml:traceFormat>
+          <inkml:channel name="X" type="integer" max="1920" units="cm"/>
+          <inkml:channel name="Y" type="integer" max="1080" units="cm"/>
+          <inkml:channel name="T" type="integer" max="2.14748E9" units="dev"/>
+        </inkml:traceFormat>
+        <inkml:channelProperties>
+          <inkml:channelProperty channel="X" name="resolution" value="55.81395" units="1/cm"/>
+          <inkml:channelProperty channel="Y" name="resolution" value="55.6701" units="1/cm"/>
+          <inkml:channelProperty channel="T" name="resolution" value="1" units="1/dev"/>
+        </inkml:channelProperties>
+      </inkml:inkSource>
+      <inkml:timestamp xml:id="ts0" timeString="2021-11-22T05:02:24.187"/>
+    </inkml:context>
+    <inkml:brush xml:id="br0">
+      <inkml:brushProperty name="width" value="0.05292" units="cm"/>
+      <inkml:brushProperty name="height" value="0.05292" units="cm"/>
+      <inkml:brushProperty name="color" value="#FF0000"/>
+    </inkml:brush>
+    <inkml:brush xml:id="br1">
+      <inkml:brushProperty name="width" value="0.05292" units="cm"/>
+      <inkml:brushProperty name="height" value="0.05292" units="cm"/>
+      <inkml:brushProperty name="color" value="#FFC000"/>
+    </inkml:brush>
+    <inkml:brush xml:id="br2">
+      <inkml:brushProperty name="width" value="0.05292" units="cm"/>
+      <inkml:brushProperty name="height" value="0.05292" units="cm"/>
+      <inkml:brushProperty name="color" value="#00B050"/>
+    </inkml:brush>
+    <inkml:brush xml:id="br3">
+      <inkml:brushProperty name="width" value="0.05292" units="cm"/>
+      <inkml:brushProperty name="height" value="0.05292" units="cm"/>
+      <inkml:brushProperty name="color" value="#00B0F0"/>
+    </inkml:brush>
+  </inkml:definitions>
+  <inkml:trace contextRef="#ctx0" brushRef="#br0">2205 6385 0,'0'18'94,"-18"-18"-79,1 18 1,-1-1-16,0 1 0,1 17 15,-54 36 17,53-54-17,1 1 1,17 0 0,-18-18-1,18-36 1,35 1-1,1-18 1,-1-17 0,18 17-1,17 35 1,-17 36 0,-17 17-1,17 18 1,-18 0-1,-35 0 17,18-18-17</inkml:trace>
+  <inkml:trace contextRef="#ctx0" brushRef="#br0" timeOffset="1917.009">2240 6421 0,'0'-18'15,"-18"36"17,18-1-17,0 1-15,-17-1 16,17 1-16,0 0 0,0-1 15,-18 107 1,18 52 31,0-35-16,0-35-15,0-35-1,-17-36-15,-1 71 16,-17-18 0,-1 53-1,1 0 1,17-35 0,18 18 15,0-19-16,0-34 1,-17 35 0,17 0-1,-18-36 1,18 36 0,-17 0-1,-1 0 1,18-53-1,-18 35 1,1 0 0,17-17-1,0-1 1,0-17 0,0-18-1,0 1-15,0 34 16,0 18 15,0-17-15,17-18-1,-17 35 1,0 0 0,-17-35-1,17 35 1,0-17-1,17-1 1,-17 1 0,0 0-1,-17-36 1,17 35 0,-18 19-1,18-19 1,0 1 15,-18-18-15,18 52-1,-17-52 1,17 18 0,-18 17-1,18 18 1,-18-18-1,1 0 1,17-17 0,-18 17-1,18 0 1,0 0 0,0-35-1,0 36 1,0-1-1,0 0 17,0 0-17,0-35 1,0 18 0,0 17-1,0-35 1,0 35-1,0 18 1,0 17 0,0-17-1,18-18 17,-18 0-17,0-35-15,0 53 31,0-71-31,-18 54 32,18-54-17,-17 35 1,17 1 0,-18 17-1,18-35 1,0 18-1,0 17 1,0-18 0,0 36-1,0-35 1,-18-36 0</inkml:trace>
+  <inkml:trace contextRef="#ctx0" brushRef="#br0" timeOffset="4105.926">1323 13370 0,'0'0'0,"-35"18"15,17-18 1,18 18 15,18-18-15,-1 0-1,-17 17-15,36 1 32,140-1-1,124 1 0,-53 0 16,-194-18-47,70 17 0,18-17 16,177 18 15,-160 0-31,89-1 31,0 19-15,-70-36-1,70 0 1,-18 17 0,0-17-1,-88 18 1,71-1-1,17-17 1,54 36 15,-142-36-31,53 17 16,-71-17 0,89 0-1,17 18 1,18-18 15,18 18-15,-107-18-1,72 17 1,17-17 0,-71 0-1,106 0 1,1 0-1,69 0 17,-281 0-32,246 0 15,-158 0 1,70 18 0,-17-18-1,0 18 16,-89-18-31,54 0 32,34 0-17,-52 0 1,88 17 0,0-17-1,-35 18 1,-18-18-1,0 0 1,-53 18 0,53-18-1,17 17 1,-87-17 0,35 0-1,-1 0 1,1-17 15,-35 17-15,-54 0-1,-34-18 1,16 18 0,-16 0-1,-1 0 1,-17 0-1,-18-18 1,-18 1 0</inkml:trace>
+  <inkml:trace contextRef="#ctx0" brushRef="#br0" timeOffset="4436.049">12312 13441 0,'18'35'31,"-1"-35"-31,18 18 16,54 17-1,69 71 17,-122-89-32,-1 19 0,18 34 15,-35 19 1,-89-19 0,-88 1 15,106-54-31</inkml:trace>
+  <inkml:trace contextRef="#ctx0" brushRef="#br0" timeOffset="4934.771">11007 14376 0,'0'-18'31,"0"36"-31,0-1 16,0 1-16,0 0 16,17 87-1,-17-69-15,18 17 16,-18 88 0,0-71 15</inkml:trace>
+  <inkml:trace contextRef="#ctx0" brushRef="#br0" timeOffset="5152.9979">11024 14676 0,'0'0'16,"0"-18"-16,-35 0 16,17 18-1,1 0 1,17 18-1,17-18 1,-17 18 15,18-1-15</inkml:trace>
+  <inkml:trace contextRef="#ctx0" brushRef="#br0" timeOffset="5818.098">10989 14411 0,'0'-35'16,"18"-1"-1,-18 19-15,0-1 16,17 18 0,54-18-1,-36 18-15,53 0 16,124 36 15,-106-36-15,-53 17-1</inkml:trace>
+  <inkml:trace contextRef="#ctx0" brushRef="#br0" timeOffset="6018.096">11042 14517 0,'0'0'0,"-35"35"16,35-17-1,17-18 1,71 35 0,-52-35-16,52 0 15,53 0 1,-106 0-16</inkml:trace>
+  <inkml:trace contextRef="#ctx0" brushRef="#br0" timeOffset="6268.45">11659 14446 0,'0'0'0,"0"18"16,0 0-1,0-1-15,18 54 16,-18 17 15,0-53-31,0 36 16,0-1-1,0-34 1</inkml:trace>
+  <inkml:trace contextRef="#ctx0" brushRef="#br0" timeOffset="6587.861">11659 14499 0,'0'0'0,"-17"-106"16,17 71-16,17 0 16,19-1-1,52 19 1,18 52 15,-36 0-15,-35-17-16,1 35 15,-19 0 1,-87 0 0,-36-36-1,18 1 1,-18 0-1,71-18 1</inkml:trace>
+  <inkml:trace contextRef="#ctx0" brushRef="#br0" timeOffset="7237.752">12171 14393 0,'0'0'0,"0"-17"15,17 17 1,1 17 0,0 54-1,-1-1 1,-17-34-16,18 52 15,-18-18 1,0 1 0,-18-36-1,1-17 1,-1-71 15,18-35-15,0-18-1,18-70 1,52-18 0,1 123-1,35 53 1,-18 36 0,0 35-1,-53 35 1,-52-35-1,-54 18 1,-70-18 0,18-18-1,87-18 1,36 1 0,88 17-1,89 54 16,-1 16-15,-52 1 0,-89-35-16</inkml:trace>
+  <inkml:trace contextRef="#ctx0" brushRef="#br0" timeOffset="7703.086">9472 15205 0,'0'0'0,"-35"17"31,70-17-31,53 18 15,89-18 1,228 35 0,-246-35-16,176 18 15,124 0 17,-142-18-32,-211-18 15,-71-17 1,-70-1-1</inkml:trace>
+  <inkml:trace contextRef="#ctx0" brushRef="#br0" timeOffset="7935.612">11201 15099 0,'-18'0'0,"36"0"0,-54 0 0,19 0 15,34 0 1,1 0-16,17 0 16,54 53-1,-37 17 1,-69 1 0,-248-1-1,124-52 1</inkml:trace>
+  <inkml:trace contextRef="#ctx0" brushRef="#br0" timeOffset="9321.997">1323 7479 0,'0'35'0,"-18"36"16,36-177-16,-53 265 0,17-106 0,0-1 0,18 19 0,-17-18 16,17 17-16,-18 1 0,18 0 0,0-1 15,-18 1-15,18 17 0,0 0 0,-17 0 16,17 0-16,0 1 0,0-1 0,0 0 15,0 0-15,0 371 32,-53 194-1,0-424 0,18-264 0</inkml:trace>
+  <inkml:trace contextRef="#ctx0" brushRef="#br0" timeOffset="9804.339">1111 7902 0,'-35'0'16,"70"0"-16,-88 0 0,36-17 16,-19 17 15,54-18-15,-18 0-16,18 1 15,35-54 1,17 1-1,18-19 1,1 19 0,-72 70-1,18 35 1,1 71 0,34 35-1,-34-88-15</inkml:trace>
+  <inkml:trace contextRef="#ctx0" brushRef="#br0" timeOffset="10456.142">406 6138 0,'-53'0'15,"17"0"1,19 0-16,34 0 16,1 0-16,17 0 15,1-17-15,-1 17 0,18-18 0,17 18 16,1-18-16,-18 1 0,35-1 0,335-70 31,-387 70-15</inkml:trace>
+  <inkml:trace contextRef="#ctx0" brushRef="#br0" timeOffset="10671.3049">635 6121 0,'0'0'0,"18"17"0,17-17 16,35 141 15,-52-70-31,-18 88 16,0 35 15,18-124-31,17 19 31,-17-72-31</inkml:trace>
+  <inkml:trace contextRef="#ctx0" brushRef="#br0" timeOffset="11137.828">1164 6279 0,'0'0'0,"-35"0"31,17 18-31,18 0 0,18 88 32,0-54-32,-1 19 0,1 17 15,17 53 17,-35-123-17,18-71 16,-18-53-15,0 71-16,-18-141 16,0 17-1,36-53 1,53 142 0,-18 87-1,-18 36 1,-18 35-1,-17 53 1,-52-52 15,-19-36-15,53-53-16</inkml:trace>
+  <inkml:trace contextRef="#ctx0" brushRef="#br0" timeOffset="11740.34">1587 6103 0,'0'0'0,"0"-18"16,-17 18-1,17 18 1,0 0-16,0 35 15,17 52 1,1 37 0,-18-72-1,18 18 17,-18-52-17,0-54 1,0-35-1,0-88 1,0-71 0,0-52-1,35 70 1,53 88 0,-35 88-1,53 53 1,-18 71-1,-88-35 1,-88 70 0,-71-18-1,-17-34 1,88-54 15,211 0 0,1 18-15,70 106 0,-106-36-16</inkml:trace>
+  <inkml:trace contextRef="#ctx0" brushRef="#br0" timeOffset="16257.808">1764 13476 0,'18'0'78,"-18"-18"16,0 1-78,17 17-16,-17-18 15,35-17 1,-17 17 0,-18 1-1,18-1-15,-18-17 16,17 17 0,1-35-1,-18 18 1,35-36-1,1 18 1,16 0 0,-34 18-1,17-18 1,1 0 15,-1-17-15,0 17-1,0 0 1,18-35 0,0 17-1,-17-17 1,17 0 0,-18 0-1,18 17 1,0-17-1,17-18 1,-17 36 0,0-1-1,-18 0 17,18 1-17,-18 17 1,54-35-1,17 0 1,-1-1 0,36-34-1,-70 70 1,-18 0 0,35-53-1,0 18 1,36-35-1,-1 34 1,-52 36 0,35-35-1,-1 18 1,-52 34 15,36-52-15,34 0-1,1 0 1,17-18 0,-53 53-1,18-35 1,-18 0 0,18-1-1,-36 19 1,54-36-1,34 0 1,-34 18 15,-18 18-15,-36 34-16,54-34 31,17-1-15,71-35-1,-107 53 1,1 18 0,18-35-1,17 17 1,-53 0 0,71-18-1,17 1 1,1-19-1,-19 19 1,-17-1 15,-52 18-15,105-52 0,-106 69-1,53-34 1,-18 17-1,-34 18 1,34-1 0,1 1-1,17-18 1,-35 18 0,52-1-1,19-16 1,-36 16-1,-53 1 1,35 0 0,19-18-1,34 18 17,-53-1-17,89 1 1,-106 0-1,-36 17 1,36-17 0,-18 17-1,177-35 1,-141 36 0,17-19-1,-53 1 1,-53 35-1,36-18 1,17 1 15,71-1-15,-124 0 0,35 18-1,-34 0 1,-19 0-1,19 0 1,17 0 0,-36 0-1</inkml:trace>
+  <inkml:trace contextRef="#ctx0" brushRef="#br1" timeOffset="31331.907">1834 13317 0,'0'18'31,"-17"0"-31,17-1 31,-18-17-31,18 18 16,-17 0-1,-1-18 1,18 17 0,-18 1 15,1-1 0,34-17 110,1 0-79,-18-17-46,18 17-1,-18-18 1,17 1 0,1-1-16,-1 18 15,-17-18-15,36-17 16,-1-18 15,18-17-15,0-1-1,-18 36 1,18-18 0,0-18-1,17 1 1,-17 17 0,18 0-1,-18-18 1,17 18-1,-17 0 1,0 1 0,35-1-1,1-18 1,16 18 0,-52 0-1,53 0 16,35-35-15,-52 35 0,34-35-1,-17 17 1,-36 19 0,54-1-1,-1-18 1,-34 36-1,34-36 1,0 1 0,-17-1-1,18 18 1,-36 18 0,35-36 15,36-17-16,-71 35 1,54-17 0,-54 17-1,88-35 1,-88 35 0,53-18-1,-52 18 1,52-35-1,35 17 1,18 1 0,-70 17-1,70-18 1,-18 1 0,18-18 15,-18 17-16,1 1 1,-71 17 0,141-36-1,-71 1 1,-105 71 0,123-72-1,-18 19 1,71-36 15,-194 71-31,141-36 16,0-17-1,18 17 1,-18 19 15,-18-1-15,-70 35-1,53-35 1,17 18 0,18-1-1,0 1 1,18-18 0,-18 18 15,-18-18-16,-123 35-15,123-17 16,36-18 0,17 18-1,-35 0 17,-70 17-32,35-17 31,70-18-16,-70 35 1,88 1 0,-71 17-1,141-36 1,-122 19 0,-90 17-1,19-18 1,-18 0 15,-53 1-31,52 17 16,1 0-1,-18 0 17,-52 0-17,-1 0 1,-53 0-1,-35 0-15</inkml:trace>
+  <inkml:trace contextRef="#ctx0" brushRef="#br2" timeOffset="40498.7629">1817 13406 0,'17'0'16,"1"-18"77,-18 0-61,0 1-17,18-19 1,-1-52 15,1-18 16,-18 89-47,18-72 31,-18 37-15,0-1 0,17 0-1,-17 0 1,0 18-1,0-36 1,18 18 0,0-17-1,-1-36 17,1 88-32,-1-88 31,1 53-31,17-17 15,-17 17 1,17-35 15,-17 35-15,17-18 0,0-17-1,1 17 1,-19 54-1,19-71 1,-19 35 0,54-53-1,-36 35 1,36-35 0,-1 1-1,1-19 1,-36 54-1,36-72 1,-18 19 0,-1 52-1,19-17 17,17-18-17,18 18 1,-18 0-1,-35 35 1,0-17 0,18-1-1,34-35 1,-52 18 0,18 17-1,35-70 1,-36 18-1,1 35 1,-18 17 15,-18 18-15,36-35 0,17 17-1,-18-17 1,1 18-1,0-1 1,-19 18 0,54-17-1,-18-19 1,-17 54 0,17-53-1,18 0 1,0 0-1,-36 35 1,36-36 0,0 19 15,0-1-15,17 1-1,1-1 1,-36 18-1,71-17 1,-53 17 0,-18 18-1,18-36 1,17 18 0,-17-17-1,35-1 16,-35 18-31,53-35 16,-18 17 0,-35 18 15,-53 18-15,105-35-1,19-1 1,17 18-1,-53 0 1,-18 18 0,18 0-1,-35-18 1,18 0 0,-36 35-1,71-35 1,-1 0-1,-16 18 1,-54 17 0,53-17 15,18 0-15,-1 0-1,1-1 1,-18 1-1,-35 17 1,123-17 0,54-18-1,-72 18 1,124-18 0,-211 35-1,52-17 1,18 17-1,-17 1 1,122-18 0,-210 35-1</inkml:trace>
+  <inkml:trace contextRef="#ctx0" brushRef="#br2" timeOffset="44050.6239">11553 5821 0,'0'-18'16,"0"1"-1,0-1-15,0 0 16,0 36 31,0 0-47,0-1 0,-35 107 31,-18 34 0,18-105 16,141-123-31,-18 17 15,-53 35-31,71-17 16,-53 17-1,-18 18-15</inkml:trace>
+  <inkml:trace contextRef="#ctx0" brushRef="#br2" timeOffset="44251.259">11642 5962 0,'0'0'0,"-36"-35"15,36 17-15,18-17 16,35-1-1,53-16 1,17 16 15,-87 19-31,-1 17 0</inkml:trace>
+  <inkml:trace contextRef="#ctx0" brushRef="#br2" timeOffset="44951.838">12136 5556 0,'0'0'0,"-18"-17"16,18 34 15,18 1-15,-18 17-1,17-17-15,1 17 16,-1 18 0,-17 0-1,0-18 1,0-17 0,0-53 15,18-36-16,0-35 1,17 18 0,-17 35-1,-1 35-15,19 18 16,16 18 0,-16 35-1,-19 0 1,1 0-1,-18 0 17,-18-36-17,18-34 1,0-36 0,18 18-1,35-36 1,0 0-1,0 54 1,35 17 0,-35 53-1,-18 0 1,-35 0 0,0-18-1,-35 0 1,35-17-1</inkml:trace>
+  <inkml:trace contextRef="#ctx0" brushRef="#br2" timeOffset="45186.557">12947 5362 0,'0'0'0,"0"-35"0,18 17 16,-18 1-1,17 17 1,-17 53 0,18 35-1,-1 18 1,-17-53 0,18 35-1,-53 0 1</inkml:trace>
+  <inkml:trace contextRef="#ctx0" brushRef="#br0" timeOffset="53420.357">12188 6914 0,'0'-17'47,"0"-1"-32,0 1 1,0-1 0,18 18 30,-18 18-46,18 17 32,17 71-1,-17-53-15,-18-71 30,0 0-46,17-35 16,1 0 0,0-35 15,-1 71-31,1-1 0,17-17 16,0 52 15,18 19-16,-17 34 1,-36-17 0,17-35-1,-17-1 1,-17-52 15,34-18-15,36 0-1,-35 36 1,17 17-16,0 17 16,-17 36 15,0-18-31,-1 18 31,1-35-31</inkml:trace>
+  <inkml:trace contextRef="#ctx0" brushRef="#br0" timeOffset="53705.118">12912 6844 0,'0'0'0,"17"-71"16,-17 18 0,18 18-1,0 17 1,17 18-1,18 53 17,-53-35-32,-18 53 15,-35-1 1,18-52 0,70 17 15,106-53-16,106-17 1</inkml:trace>
+  <inkml:trace contextRef="#ctx0" brushRef="#br1" timeOffset="62615.707">15328 10231 0,'0'0'0,"-17"-18"31,-1 18-31,18 18 94,0-1-63,0 1 0,-18-18-31,1 35 31,34-35 63,-17-18-78</inkml:trace>
+  <inkml:trace contextRef="#ctx0" brushRef="#br1" timeOffset="63944.006">13811 8273 0,'0'0'0,"0"-18"16,0 0-16,18 1 16,-18-1-1,18-17 1,-1 17-1,1 18 1,17 18 0,53 105 15,-88-87-31,36 105 31,-36-106-15,-36-70 15,36-1-31,-35-52 31,35-35-15,-18 17 0,54 53-1,-1 35 1,35 36-1,-17 53 1,0-19 0,-35-16-1,-18-1 1,0-70 15,0-18-15,0 35-16,18-52 15,52-19 1,1 54 0,17 53 15,-35 35-15,17 70-1,-52-17 1,-18-71-1</inkml:trace>
+  <inkml:trace contextRef="#ctx0" brushRef="#br1" timeOffset="64426.457">14658 8008 0,'0'0'0,"0"-71"16,0 36-16,18-18 15,-18 36-15,70-36 16,-17 35 0,35 18 15,36 18-15,-107 35-1,-34-18 1,-72 18-1,19-18 1,-18 0 0,35-17-1,106-18 17,70 0-17,36 18 1,-53-1-1,-71 1-15,18 17 16,-53 36 0,-88-18 15,-89 0-15,19-18-1,105-35-15</inkml:trace>
+  <inkml:trace contextRef="#ctx0" brushRef="#br3" timeOffset="87882.563">5256 8149 0,'0'18'16,"18"-18"-1,0 0 1,-1 0 15,-34 0 0,-1 0-15,0 0 0,-105 17 15,-195 1 0,195 0-15,52-18-1,54 17-15,-19-17 16,19 18 0</inkml:trace>
+  <inkml:trace contextRef="#ctx0" brushRef="#br3" timeOffset="88266.139">4727 8008 0,'0'0'0,"0"-18"15,0 1 1,18-1 0,-36 36 15,-17-1-16,17 1-15,-35 17 16,-52 18 0,34-17-1,53-36 1,1 17 0,34-17-1,19 18 16,-1-1-31,35 36 32,1 18-17,-18-18 1,-18-18-16</inkml:trace>
+  <inkml:trace contextRef="#ctx0" brushRef="#br3" timeOffset="89050.9299">6050 9137 0,'0'-18'16,"-18"18"15,-17-17-15,0 17-1,17 0-15,-17 0 0,-106 17 31,35-17-31,53 18 16,-176 0 15,211-18-15,1 0 0,-1 0-1</inkml:trace>
+  <inkml:trace contextRef="#ctx0" brushRef="#br3" timeOffset="89417.371">5503 8978 0,'0'0'0,"18"-17"0,-18-1 15,0-17 16,-18 35-15,1 0-16,-1 35 31,0-17-31,-52 34 16,-1-16 0,1 17-1,34-36 1,54-17 15,0 0-15,35 18 15,-36-18-31,107 70 31,-89-52-31,-17 0 0</inkml:trace>
+  <inkml:trace contextRef="#ctx0" brushRef="#br3" timeOffset="90303.38">7108 10178 0,'0'0'16,"0"-18"-16,0 0 31,-17 18 1,-71 0-17,52 0-15,-246 0 31,18 0 16,122 18-15,178-18-1</inkml:trace>
+  <inkml:trace contextRef="#ctx0" brushRef="#br3" timeOffset="90652">6562 9913 0,'0'0'0,"0"-35"31,17 17-31,-34 18 32,-1 18-17,-35 35 1,-35 0 0,53-36-16,-18 19 15,17-19 1,1 1-1,35-1 1,18 19 0,52 34-1,19 18 1,-19-35 0</inkml:trace>
+  <inkml:trace contextRef="#ctx0" brushRef="#br3" timeOffset="92794.334">5380 7320 0,'0'-18'16,"0"36"-16,-18-36 0,1 1 15,-1 17-15,0 0 16,-35 0 0,36 17-16,-1-17 15,0 18-15,1 0 16,-1-1-16,-35 36 15,0 53 1,0 141 15,142-141 1,-54-106-32,106-18 31,-88-35 0,-18 0-15,-35 36-1,-53-18 1,18 35 0,-18 0-1,35 0 1,71-18 15,18 0-15,17 1-1,-17-1 1,-54 18 0,1 0-1,-18 18 16,-18-18-15,18 53 0,0-18-1,0 35 1,18-17 0,-18 0-1</inkml:trace>
+  <inkml:trace contextRef="#ctx0" brushRef="#br3" timeOffset="96834.13">6138 8696 0,'18'0'16,"0"0"-1,-18 18 16,0-1-15,0 1 0,17 0-16,-17 34 31,0-34-15,0 0 15,0-36-16,0 0 1,0 1 0,0-36-1,0-35 1,0-18 0,18-18-1,0 71 1,52 18-1,1 18 1,-18 34 0,-18 18-1,-35 1 1,-35 34 0,-18-17-1,0-18 16,17-17-15,19-18 0,34 0 15,19 0-15,-19-18-16,19 18 15,34 0 1,-17 18-1,-18 17 1,-35 1 0,-17-1-1,-36 18 1,0-18 15,-18-35-15,36 18-1,0-18 1,0-18 0,35 1 46</inkml:trace>
+  <inkml:trace contextRef="#ctx0" brushRef="#br3" timeOffset="98003.315">7144 9578 0,'0'-35'15,"0"17"1,17 18 15,1 18 0,-18-1-31,18 54 16,-18-36-16,17 159 31,1-53 16,0-141-31,-1-35-1,-17 0 1,35-54 0,-17 19-1,0 17 1,-1 71 0,19 17-1,-1 0 1,0 18-1,1 0 1,-1-35 0,0-36-1,0-70 17,-17 53-32,-18-89 31,0 36-16,-18 35 1,18 35 0,-17 36-1</inkml:trace>
+  <inkml:trace contextRef="#ctx0" brushRef="#br3" timeOffset="101806.92">12206 6015 0,'18'0'62,"-1"0"-30,36-18-17,124 1 16,-71-1-15,-36 18-16,71-35 16,-53 35-1,-35-18 1,-35 0 0,-36 18 15</inkml:trace>
+  <inkml:trace contextRef="#ctx0" brushRef="#br3" timeOffset="102173.281">12418 6209 0,'0'0'0,"-18"0"0,36 0 62,88-18-31,-71 18-31,18-17 0,53-1 16,-53 18-16,70-18 16,0 1-1,-70-1 17,-70 18-17,-1 0-15</inkml:trace>
+  <inkml:trace contextRef="#ctx0" brushRef="#br3" timeOffset="152892.671">13899 7020 0,'0'0'0,"0"-17"0,0-1 15,-35-17 1,35 17-16,-17 18 15,17-18-15,0 1 16,-18 17 47,0 0-48,-17 35 16,17-17-31,-52 17 16,17 36 0,18-36-1,17-18-15,0 1 16,36 0 0,17-1-1,106-34 16,-52-1-15,16 0 0,36 1-1,-52-1 1,-54 1-16</inkml:trace>
+  <inkml:trace contextRef="#ctx0" brushRef="#br3" timeOffset="153224.9239">13758 7091 0,'0'0'16,"0"-18"-1,18 18-15,17-17 16,71-19 15,-53 19-31,106-36 0,141-18 31,-53 1-15,194-36 0,-300 70-1,-18 19 1,-105-1-1,-36 18 1,-17 18 0</inkml:trace>
+  <inkml:trace contextRef="#ctx0" brushRef="#br3" timeOffset="154024.9259">15487 6227 0,'0'-18'0,"-18"18"16,1-35-1,17 17 1,0 0 15,17 36-31,1 0 16,0 70-1,17 18 1,-18 17 0,1-70-1,-18 18 1,18-54-1,-18-34 1,17-36 15,1-18-15,35-35 0,18 18-1,-1 88 1,1 53-1,-1 53 1,-52-36 0,-1 1-1,1-36 1</inkml:trace>
+  <inkml:trace contextRef="#ctx0" brushRef="#br3" timeOffset="154224.925">16051 6368 0,'0'0'0,"0"-18"0,0-17 31,36 35-15,-1 35 0,0 36-1,-17-19 1,-1 19-1,-17-18 1</inkml:trace>
+  <inkml:trace contextRef="#ctx0" brushRef="#br3" timeOffset="154376.9259">16228 6015 0,'0'0'0,"-18"0"16,18 17 0,-18 1-16,18 17 31</inkml:trace>
+  <inkml:trace contextRef="#ctx0" brushRef="#br3" timeOffset="154976.9359">16545 6297 0,'0'0'16,"53"-18"-1,-53 1-15,18-36 16,-36 18 0,-17 17-1,17 18-15,-35 18 16,-35 52-1,35 18 17,53 1-17,36-37 1,16-16 0,37-36-1,-36-36 1,-36-34-1,-17 17 1,0 0 0,0 53-1,35 88 1,-17 0 0,17 71-1,18-18 1,-53-35-1,-17-53 17,-36-53-17,-35-35 1,-1-53 0,72-1-1,34 36 1,54-17-1,35 35 1,-53 17 0</inkml:trace>
+  <inkml:trace contextRef="#ctx0" brushRef="#br3" timeOffset="155425.7539">16810 5997 0,'-18'-35'0,"36"70"0,-36-105 16,1 52-16,17-17 15,0 52 1,17 36 0,1 18-1,17 52 1,0 18-1,-17-35 1,0-53 0,-18-35-1,0-36 1,0-70 0,17-35-1,36 17 1,-17 70 15,34 72-15,1 34-1,-36 18 1,-17-35 0,-1 0-1,-17-35-15</inkml:trace>
+  <inkml:trace contextRef="#ctx0" brushRef="#br3" timeOffset="155809.448">17374 6121 0,'0'0'16,"0"-18"-16,18 18 16,0 0 30,-1 0-30,18 0 0,18 0-1,-17-18 1,-36 1-16,0-19 16,-36 1-1,-34-18 1,17 53-1,-18 18 1,36 52 0,35 54-1,18-53 1,52-1 0,36-52-1,-35-36 1</inkml:trace>
+  <inkml:trace contextRef="#ctx0" brushRef="#br3" timeOffset="156194.132">17692 5874 0,'-35'-53'16,"52"70"15,-17 1-31,35 17 15,36 18 1,0 35 0,-36-35-1,0 18 1,-35-36 0,-35-35-1,-18-17 1,18-72-1,17-16 17,71-1-17,35 35 1,-35 54 0,-35 17-1,-18 17 1,-18 1-1</inkml:trace>
+  <inkml:trace contextRef="#ctx0" brushRef="#br3" timeOffset="157860.0539">18627 5750 0,'0'0'0,"0"-17"0,17 17 0,-17-18 15,0 0 1,0 1-16,-17 17 15,-1 0-15,0 0 16,1 17 0,-1 1-16,-52 53 15,34 87 17,36-122-32,106 69 46,35-87-30,36-89 0,-142 54-16</inkml:trace>
+  <inkml:trace contextRef="#ctx0" brushRef="#br3" timeOffset="158211.728">19068 5750 0,'0'0'0,"-18"-35"15,-17 17 1,17 1-1,18 34 1,18 19 0,-1 17-1,1 35 17,17-35-17,1-36-15,16 1 31,1-36-15,0-35 0,-35-17-1,-53-36 1,-18 35 0,17 71-1,-34 18 1,52 17-1,36 1 1</inkml:trace>
+  <inkml:trace contextRef="#ctx0" brushRef="#br3" timeOffset="158585.8199">19332 5680 0,'0'0'0,"0"-18"15,-17-17 1,17 17 0,17 18-1,36 35 1,18 36 0,-18-36-1,17 36 1,-35-36-1,-17-70 32,-18 17-47,0 1 0,18-89 16,-18 53 0,0-35-1,17 70 16</inkml:trace>
+  <inkml:trace contextRef="#ctx0" brushRef="#br3" timeOffset="158977.197">19808 5627 0,'-17'17'15,"34"-17"48,1 0-47,0-17-1,-1-1-15,19-17 31,-36 17-15,0 1-16,-36-19 16,1 19-1,-18 17 1,18 53 0,35-18-1,0 35 1,53 1-1,70-18 17,-87-53-32</inkml:trace>
+  <inkml:trace contextRef="#ctx0" brushRef="#br3" timeOffset="159295.071">20091 5503 0,'0'0'0,"-36"-53"0,19 36 15,-1-19 1,36 36 0,17 36-1,53 52 1,-17-17 0,-36-36-1,-17 18 16,-36-53-31,0-18 16,1-52 15,17-1-31,53-17 16,0 35 0,-36 35-1</inkml:trace>
+  <inkml:trace contextRef="#ctx0" brushRef="#br3" timeOffset="160035.128">20743 5380 0,'0'0'0,"0"-18"16,-17 1-1,-19-19 1,1 36-1,35-17-15,-35 17 16,-36 53 0,1 17 15,52-17-31,0-18 16,36 1-1,35-19 16,18-17-15,-19-17 0,1-36-1,-35-18 1,-18 18 0,-18 36-1,1 17 1,17 35-1,35-18 1,0 1 15,36-18-31,17-18 32,-53-17-17,1 0 1,-36-18-1,-18 35 1,-17 18 0,-1 53-1,19 71 1,70 35 0,17-54-1,18 36 1,-35-52-1,-35-72 1,-53-17 0,-53-53-1,-1-35 1,54 18 0</inkml:trace>
+  <inkml:trace contextRef="#ctx0" brushRef="#br3" timeOffset="160480.8529">21184 5468 0,'0'-18'16,"0"1"15,18-1 0,17 18-15,0-18-1,18 18 1,-35-17-16,17-1 16,1-52 15,-54 34-16,-35-17 1,-18 18 0,-17 35-1,35 71 1,36 17 0,34 35-1,19-70 1,69 18-1,1-71 1,-17-53 0</inkml:trace>
+  <inkml:trace contextRef="#ctx0" brushRef="#br3" timeOffset="161795.5559">17127 6950 0,'0'0'0,"0"-18"0,-17 18 0,17-18 16,0 1-16,0-1 15,17 18 1,-17 18-1,0-1-15,18 1 16,0 0-16,17 105 16,-17-70-1,52 194 1,-52-176 0</inkml:trace>
+  <inkml:trace contextRef="#ctx0" brushRef="#br3" timeOffset="162712.3209">17092 7373 0,'-18'-35'15,"-17"-36"1,53 36 0,35 0-1,17-1 1,54-17-1,-18 18 1,-54-35 0,-52 17-1,-17 0 1,-18 0 0,-1 35 15,36 36-16,36 70 1,-1 18 0,18 0-1,-36-53 1,1-18 0,-18-17-1,18-54 1,17-17-1,18 0 1,-35 36 0,34-1-1,1 53 1,0 1 0,-35-1 15,35-17-16,0-18 1,17-36 0,1-34-1,-36 17 1,-17-35 0,-36 17-1,-17 54 1,-18 34-1,18 18 1,17 36 0,0 17-1,36-53 1,0 1 0,-1-36 15,19 0-16,-1 0 1,-18-18 0,1 18-1,17 0 32,-17 0-47,0 0 16,-1 0-16,1 0 15,0 0 1</inkml:trace>
+  <inkml:trace contextRef="#ctx0" brushRef="#br3" timeOffset="163145.9239">18309 6879 0,'-17'-35'16,"-1"35"0,36 0-1,-18 18 1,17 17 0,1 0-1,-18-17-15,0 17 16,17 18-1,-17-35 17,0-54-17,18-17 1,17-17 0,1 35 15,-19 17-31,1 0 15,35 36 1,0 35 0,0 0-1,-36 0 1,1-36-16</inkml:trace>
+  <inkml:trace contextRef="#ctx0" brushRef="#br3" timeOffset="164182.048">19138 6703 0,'0'0'0,"-17"0"0,17-36 16,0 19 0,0-1-1,17 18 16,-17 18-31,53 52 32,-53-52-17,53 106 1,-35-89 15,-36-35 0,0-35-15,1-54 0,17-34-1,0 52 1,17 36-16,19 0 16,34 52-1,-35 19 1,36 52-1,-53-35 1,17 0 0,-35-36-1,0-52 32,0-18-31,18-17-1,17-1 1,0 53 0,18 71-1,-35-35-15,-1 35 16,1 0 0,0 0-1,-18-36-15</inkml:trace>
+  <inkml:trace contextRef="#ctx0" brushRef="#br3" timeOffset="164530.43">19756 6509 0,'0'-18'15,"0"36"-15,0-54 0,0 1 16,0 0-1,35 17 1,35-17 0,19 35-1,-37 53 1,-52 35 0,-52 0-1,16-52 1,19-1-1,34-18 1,54-17 15,52-17-15,-17-1-16,-71 1 16</inkml:trace>
+  <inkml:trace contextRef="#ctx0" brushRef="#br3" timeOffset="165296.3519">20620 6297 0,'-18'0'16,"36"0"-16,-36-18 0,18 1 16,18 17 15,-18 17-15,17 1-16,1 17 15,17 18 1,1 35-1,-1 18 1,-35-88 0,0 0-1,0-36 1,-18-17 0,1-36-1,17-52 1,17 34-1,1-16 1,0 87 0,17 36-1,0 70 17,0-35-17,18 17 1,-35-34-1,0-36 1,-36-18 15,18-17-15,0-36 0,35-17-1,1 35 1,-19 35-16,18 18 15,18 18 1,-17 53 15,-1-1-15,18 1 0,-18-18-1,-17-36-15</inkml:trace>
+  <inkml:trace contextRef="#ctx0" brushRef="#br3" timeOffset="165832.962">21255 6085 0,'0'0'0,"-18"-17"0,18-1 0,18-52 31,17 52-15,53 0-1,18 18 1,-18 36 0,-17 16-1,-89 19 1,-17-36 0,-53 1-1,17-1 1,54-35-1,17 18 1,35-18 0,71 0-1,-18 0 1,0 35 15,-53 0-15,-88 18-1,-52-18-15</inkml:trace>
+  <inkml:trace contextRef="#ctx0" brushRef="#br3" timeOffset="166180.0829">20443 6667 0,'0'0'0,"18"-35"31,-18 53-15,0 17 0,0 0-16,-18 54 15,18-36-15</inkml:trace>
+  <inkml:trace contextRef="#ctx0" brushRef="#br3" timeOffset="168899.817">13070 10548 0,'-17'-18'0,"34"36"0,-34-53 0,-1 17 31,18-17-31,-18 35 0,18 17 32,18 1-32,-18 0 0,35 70 31,-35-53-31,36 177 31,-19-53 0,-17-195 1,-17-122-1,-1 105-31,-17-230 31,17 160-31,18-36 16,71 89 15,-1 70-15,54 70-1,17 54 1,0 52-1,-106-88 1,18 18 0,-35-53-1,-18 0 1</inkml:trace>
+  <inkml:trace contextRef="#ctx0" brushRef="#br3" timeOffset="169083.052">13247 10548 0,'0'0'0,"-35"0"16,52-18 15,54 1-15,70-54-1,-18 36 1</inkml:trace>
+  <inkml:trace contextRef="#ctx0" brushRef="#br3" timeOffset="169499.035">13811 10195 0,'0'0'0,"-17"-35"15,17 17 1,-18 18-16,36 36 31,17 34-15,53 54-1,-17-1 17,-18-35-17,-18-52 1,-18-19-16,1-17 15,35-53 1,0-53 0,-35 1-1,-18-89 1,-18 35 0,0 71-1,18 70 1,-17 18-1,17 35 1,0 18 0,0-35-1</inkml:trace>
+  <inkml:trace contextRef="#ctx0" brushRef="#br3" timeOffset="169931.288">15011 9860 0,'0'0'0,"17"-53"31,-34 36-31,-36-1 15,-53 53 1,18 18 0,52-18-1,-16 54-15,34 52 32,88 35-17,1-105 1,35-36-1,53-17 1,-1-36 0,-34-35-1,-71 18 1,-18 17 0,-35 0-1,-18 18-15</inkml:trace>
+</inkml:ink>
+</file>
+
+<file path=ppt/ink/ink11.xml><?xml version="1.0" encoding="utf-8"?>
+<inkml:ink xmlns:inkml="http://www.w3.org/2003/InkML">
+  <inkml:definitions>
+    <inkml:context xml:id="ctx0">
+      <inkml:inkSource xml:id="inkSrc0">
+        <inkml:traceFormat>
+          <inkml:channel name="X" type="integer" max="1920" units="cm"/>
+          <inkml:channel name="Y" type="integer" max="1080" units="cm"/>
+          <inkml:channel name="T" type="integer" max="2.14748E9" units="dev"/>
+        </inkml:traceFormat>
+        <inkml:channelProperties>
+          <inkml:channelProperty channel="X" name="resolution" value="55.81395" units="1/cm"/>
+          <inkml:channelProperty channel="Y" name="resolution" value="55.6701" units="1/cm"/>
+          <inkml:channelProperty channel="T" name="resolution" value="1" units="1/dev"/>
+        </inkml:channelProperties>
+      </inkml:inkSource>
+      <inkml:timestamp xml:id="ts0" timeString="2021-11-22T05:06:12.225"/>
+    </inkml:context>
+    <inkml:brush xml:id="br0">
+      <inkml:brushProperty name="width" value="0.05292" units="cm"/>
+      <inkml:brushProperty name="height" value="0.05292" units="cm"/>
+      <inkml:brushProperty name="color" value="#00B0F0"/>
+    </inkml:brush>
+  </inkml:definitions>
+  <inkml:trace contextRef="#ctx0" brushRef="#br0">22472 5380 0,'18'0'15,"-18"17"142,0 1-126,0 17 0,0 1 0,0 17 1,0-18-1,0 0-15</inkml:trace>
+  <inkml:trace contextRef="#ctx0" brushRef="#br0" timeOffset="282.8979">22525 5838 0,'0'18'31,"0"0"-31,0-1 16,0 1-1,17 0 1,-17 17 0,0-17-1,0-1 1,0 1-16</inkml:trace>
+  <inkml:trace contextRef="#ctx0" brushRef="#br0" timeOffset="666.9599">22525 6456 0,'0'0'16,"0"17"-16,0 1 16,0 17-1,0 1 1,0 17 0,0-36-1,-18 36 1,1 0-1,17 0 1,0-18 0,0 18-1,0-18 1,0 18 0,17-17 15,-17-19-16,0 19-15</inkml:trace>
+  <inkml:trace contextRef="#ctx0" brushRef="#br0" timeOffset="1517.6409">22560 7920 0,'18'35'0,"-36"-70"0,53 123 31,-35-70-31,36 52 31,-36-52-31,17 17 16,-17 53 31,0 1-16,36-1 0,-36-35-15,0-18 0,0-17-16,0-1 15,0 18 1,-18-17-1,18 17 1,-18 1 15,18-19-31,0 72 32,18-37-17,-18-34 1,0 35-1,18 0 1,-36 0 0,0 0-1,18 0 1,-17 52 0,17-52-1,-18 18 1</inkml:trace>
+  <inkml:trace contextRef="#ctx0" brushRef="#br0" timeOffset="1734.093">22613 9402 0,'0'-18'0,"0"36"0,0 17 16,0 18 0,0-18-1,0-17 1,-18 17 0,1 18-1,17-18 1,0 18-1,0 18 1,0-19 0,0 1-1,0 18 1,0-53-16</inkml:trace>
+  <inkml:trace contextRef="#ctx0" brushRef="#br0" timeOffset="2116.522">22542 10213 0,'0'0'16,"0"35"-16,-17 0 16,17 1-1,35 17 17,-35-36-17,0 36 1,18 0-1,-18 18 1,0-1 0,0-17-1,0-35 1,0 17 0,0 0-1,0-17 1,17 35-1,-17 0 1,0-18 0,-17 0-1,17-17 17</inkml:trace>
+  <inkml:trace contextRef="#ctx0" brushRef="#br0" timeOffset="3303.367">20779 5415 0,'0'-18'31</inkml:trace>
+  <inkml:trace contextRef="#ctx0" brushRef="#br0" timeOffset="3740.696">20779 5397 0,'-18'-17'32,"36"17"30,-1 0-62,19 0 31,175 0 1,-87 0-17,-19 0 1,-52 0-16,36 0 15,69 0 1,1 0 0,-18 0-1,0 0 17,-70 0-17,17 0 1,-17 0-1,-1 0 1,-35 0 0,1 17-1,-19-17 1</inkml:trace>
+  <inkml:trace contextRef="#ctx0" brushRef="#br0" timeOffset="5003.21">20391 5045 0,'0'0'0,"-106"-36"31,70 36-31,19 0 16,-160 36 0,124-19-16,18 1 15,-18 0-15,0 17 16,-70 88-1,52 54 17,195-36-1,193-123 16,-246-36-47,141-35 15,-107 0 1,1-70 0,-123-36-1,-89 18 1,-106 88 0,53 53-1</inkml:trace>
+  <inkml:trace contextRef="#ctx0" brushRef="#br0" timeOffset="15176.324">29863 8943 0,'35'0'31,"-17"0"1,-1 0-17,1 0-15,-1 0 16,72-18 0,-19 18-1,124-17 16,-176 17-15</inkml:trace>
+  <inkml:trace contextRef="#ctx0" brushRef="#br0" timeOffset="15598.904">30110 8961 0,'17'0'0,"-34"0"0,52 0 16,18 0-16,-18 0 16,0-18-16,1 18 15,-1 0-15,-17 0 0,17 0 16,-18 0-16</inkml:trace>
+  <inkml:trace contextRef="#ctx0" brushRef="#br0" timeOffset="18756.717">25964 8008 0,'0'0'0,"18"18"125,-18 17-109,18-35-1,-18 18-15,17 17 16,-17 0 0,0-17-1,0 17 1,18-17 15,-18-1-15,0 1-1,0 0 1,0-1 0,0 36-1,0-18 1,0-17-16,18 35 15,-1 35 1,-17 18 0,18 0-1,-18 35 17,0-106-32,0 53 15,18 1 16,-18-36-15,17 35 0,-17-18-1,18 1 1,-18-1 0,17 1-1,-17-36 1,18 53-1,-18-17 1,0-36 0,18 53-1,-18-52 1,0 34 0,17-17-1,-17-17 1,0 16 15,0 1-15,0 0-1,0-35 1,0 35 0,0-36-1,0 19 1,0-1-1,0-17 1,18 17 0,-18 0 15,0 0-15,-18 1-1,18-19-15,0 19 16,0 17 15,0-18-15,0 0-1,0 0 1,0 18 0,18 0-1,-18 0 1,0-35-1,0-1 17,0 19-17,0-19 1,-18 1 0,1-18-1</inkml:trace>
+  <inkml:trace contextRef="#ctx0" brushRef="#br0" timeOffset="21143.861">26000 7973 0,'-18'0'31,"18"-18"-16,-18 18-15,1 0 32,-1 0-17,1 0-15,-54-18 16,-17 1 0,-18 17-1,0-18 16,71 18-31,-89 0 16,1 0 0,-1 0-1,-17 0 1,35 0 0,-35 0 15,-17 0-16,16 18 1,54-18 0,-106 17-1,106-17 1,-35 18 0,34-18-1,-16 0 1,-19 0-1,18 18 1,0-18 0,-52 0 15,87 0-15,1 0-16,-72 0 31,72 0-16,-1 0 1,-52 17 0,17-17-1,0 18 1,53-18 0,-53 18-1,1-18 1,-1 0-1,35 17 1,-17-17 0,17 0-1,-17 0 1,18 0 0,34 0 15,-52 18-16,53-18 1,-18 0 0,-35 18-1,0-18 1,17 0 0,1 0-1,17 0 1,17 0-1,19 0 1,-1 0 0,0 0 15,-34 0-31,-1 17 31,0-17-31,-18 0 31,36 0-15,17 0 0,1 0-1,-1 0 17,0 0-17,1 0 16,-1 0-15,0 0 0,1 0-1,-1 0 1,0 0 78,1 0-79,-1 0 17,1 0-17,-1 0-15</inkml:trace>
+  <inkml:trace contextRef="#ctx0" brushRef="#br0" timeOffset="36287.2949">25435 5838 0,'0'-17'0,"0"-1"109,18 18-31,-18 18-46,18-18-17,-18 17-15,0 1 16,17-18 0,1 53-1,-1-18 1,1-17-1,-18 0-15,0-1 16,18 1 0,-1-18 31,-17-18-32,18 18-15,17-53 16,18 0 15,-18 18-15,1 0-1,-19 17-15,1 1 16,-18 34 15,-18-17-15,18 18-16</inkml:trace>
+  <inkml:trace contextRef="#ctx0" brushRef="#br0" timeOffset="36760.7599">25541 5927 0,'0'-18'32,"0"0"-32,18 1 15,-1-54 1,19 18 0,-36 18-16,17-53 15,-17-89 1,0-34-1,18-36 1,35 106 0,17-36-1,19 89 1,-1 35 0,-35 36-1,17 17 16,-17 17-15,0-17 0,-18 0-1,-17 18 1,-36-18 31</inkml:trace>
+  <inkml:trace contextRef="#ctx0" brushRef="#br0" timeOffset="37747.5009">26423 4233 0,'-53'-17'31,"35"-1"-31,1 18 0,-18-35 32,17 35-32,53-18 31,-17 18-31,211-35 31,-35 0 0,-229 35 1,-53 0-17,17 17 1,54-17 0,17 18-1,35-1 1,0 36 15,-17-17-15,-1 34-1,1 1 1,0 17 0,-18-70-16</inkml:trace>
+  <inkml:trace contextRef="#ctx0" brushRef="#br0" timeOffset="38164.7979">26776 4427 0,'0'0'0,"0"-17"0,0-1 15,0-35-15,0 36 16,17-19-1,1 36 1,35 0 0,0 36-1,0 16 1,-36 1 0,-34-17 15,-36-36-16,18-18 1,17-17 0,18-1-1,53-34 1,17 17 15,-52 35-31,17 1 16,18-1-1</inkml:trace>
+  <inkml:trace contextRef="#ctx0" brushRef="#br0" timeOffset="38682.651">27270 4233 0,'0'0'0,"0"-17"0,0-1 16,0 0-1,-18 18-15,0-17 16,1 17-16,-54 35 16,36 0-1,0 18 16,35 18-15,17-36 0,19 0-1,-1-35 1,35-17 0,-17-36-1,-17 18 1,-19-18-1,-17 0 1,0 35 0,0 36-1,0 35 1,18 0 0,35 17-1,-18-35 16,0-35-15,1 0-16</inkml:trace>
+  <inkml:trace contextRef="#ctx0" brushRef="#br0" timeOffset="38880.1309">27534 4269 0,'0'0'15,"-17"-18"-15,-19-53 16,36 54-1,0 52 17,0-17-32,18 17 15,17 36 1,1-36 0,-19-18-1</inkml:trace>
+  <inkml:trace contextRef="#ctx0" brushRef="#br0" timeOffset="39065.1089">27481 3916 0,'-35'0'15,"70"0"-15,-70 17 16,35 1-16,35 17 15,1 1 1,-19-19-16</inkml:trace>
+  <inkml:trace contextRef="#ctx0" brushRef="#br0" timeOffset="39497.7329">27622 4127 0,'-35'0'16,"53"18"15,-1-18-15,1 35 0,0 1-1,-1-19 1,1-17-1,-18 18 1,-18-18 0,18-35-1,0 17-15,18-17 16,17-1 0,1-16 15,17 52-16,-36 17 1,1 18 0,17 18-1,18-17 1,-18-19 0,-17-17-1</inkml:trace>
+  <inkml:trace contextRef="#ctx0" brushRef="#br0" timeOffset="40083.2979">28116 4057 0,'0'0'0,"0"-18"0,18-52 16,-36 52 0,-17 36-1,0 17 1,0 0 15,35 18-15,17-18-1,1-35 1,17 0 0,0 0-1,1-52 1,-19 34-1,1-35 1,0 88 15,-1 71 1,1-53-32,35 53 0,0 35 15,0 71 1,-18-71 15,-53-71-15,-105-70-1,70-35 1,-18-106 0,89-88-1,52 17 1,107-70-1,-1 123 1,-70 194 0,-88 1-16</inkml:trace>
+  <inkml:trace contextRef="#ctx0" brushRef="#br0" timeOffset="41048.371">26970 5838 0,'0'-17'15,"0"-1"1,17 1-1,1 17 1,-18-18 0,18 53 15,-1-17-15,1 17-1,0 0 16,17-17-15,-17-18 0,-1 0-16,19-18 15,16-17 1,-16-18 0,-19 36-1,-17-1 1,-17 53-1</inkml:trace>
+  <inkml:trace contextRef="#ctx0" brushRef="#br0" timeOffset="41565.6239">27287 5927 0,'-17'-18'16,"17"0"0,-18 18-16,18-17 15,-18-19 1,18 1 0,18-35-1,53-107 1,-1 71-1,89-105 1,-18 70 0,106-53-1,35 70 1,53 36 15,-246 70-31,122-35 31,-34 36-15,-36-1 0,-35 0-1,-18 18 1,-35 0 0,-36 0 15,-34 18-16,-1 0 1,0-18-16</inkml:trace>
+  <inkml:trace contextRef="#ctx0" brushRef="#br0" timeOffset="42082.04">29598 4322 0,'0'0'0,"-18"0"0,1-18 31,34 18 0,1 0-31,-18 35 16,18 0-1,17 54 1,0-1 0,1-18-1,-1-34 16,-18-36-15,1-18 0,0-35-1,17 0 1,-35 18-16,53-36 16,-18 1-1,-35 35 1,18 35-1,-1 17 1,-17 18 0,0 1-1</inkml:trace>
+  <inkml:trace contextRef="#ctx0" brushRef="#br0" timeOffset="42868.68">30162 4498 0,'0'0'0,"18"0"15,0-18 1,-1 18-16,1-35 16,-18 0-1,0 17 1,-18 0-16,-35-17 15,18 35 1,0 18 0,0 35-1,35-18 1,0 18 0,17 0-1,1-18 16,35-35-15,-36 0 0,19-35-1,-19 0 1,1-18 0,0 17-1,-18 19 1,-18 52-1,18 18 17,35 0-17,1-18 1,17-35 0,-18-35-1,0 0 16,-17 17-31,17-35 16,0-53 0,1-17-1,-36 52 1,0 53 0,-36 54-1,1 52 1,17 18-1,54 0 1,-1-53 0,18 17 15,-18-105-15</inkml:trace>
+  <inkml:trace contextRef="#ctx0" brushRef="#br0" timeOffset="43068.456">30674 4410 0,'0'-36'16,"0"72"-16,0-124 16,0 70-1,-18 18 1,18 35 0,0 18-1,0 0 1,18-18-1,-18 1 1,18-36 0</inkml:trace>
+  <inkml:trace contextRef="#ctx0" brushRef="#br0" timeOffset="43221.307">30762 4286 0,'0'0'0,"-17"-17"15,-1-36 1,18 35 0</inkml:trace>
+  <inkml:trace contextRef="#ctx0" brushRef="#br0" timeOffset="43816.378">30921 4410 0,'0'0'0,"35"17"16,-17-17 0,0 0-16,-1-17 15,-17-1 16,-17-17-15,17 17-16,-36 1 16,1 17-1,0 52 1,17-34 0,18 53-1,18-18 1,17-18-1,0-18 1,1-17 0,-19-17-1,1-36 1,-1-18 15,-17 1-15,36-54-1,-19 36 1,1 53 0,0 123 15,-18 18-15,0 17-1,17-34 1,-17-19-1,18-52 1,17-18 0</inkml:trace>
+  <inkml:trace contextRef="#ctx0" brushRef="#br0" timeOffset="44565.687">31380 4410 0,'0'0'0,"0"-36"16,0 19 0,0-1-1,-36 18 1,-17-17 0,36 17-16,-19 17 31,19 1-31,-1 17 15,18 18 1,18-18 0,35 1 15,-36-19-31,36-17 16,-17-17 15,-19-1-16,-17-17 1,18-1 0,-18 19-1,0 52 17,0 0-17,17 1 1,1-1-1,0 0 1,-1-35-16,1 0 16,17-18-1,-17-17 1,0-18 0,-36 0 15,0-52-16,1 34 1,17 18 0,17 71-1,1 52 1,0 18 0,-1 18-1,-17-53 1,18 18-1,0-36 1,-18-17-16</inkml:trace>
+  <inkml:trace contextRef="#ctx0" brushRef="#br0" timeOffset="44968.349">31574 4604 0,'0'0'0,"-36"-53"31,36 18-16,0 17 1,18 18 0,35 18-1,53-1 1,-53-17 0,0 0-1,-18-17 1,-18 17-1,-17-18 1,0 0 0,0 54 31,0-19-47,-17 18 31,17-17-16,0 0-15,0 17 16,17-17 0,1-1-1</inkml:trace>
+  <inkml:trace contextRef="#ctx0" brushRef="#br0" timeOffset="45150.678">31838 4269 0,'0'0'0,"-17"-18"0,17 0 15,-18 18 1,18 18 15,18 0-15,-1-1-16</inkml:trace>
+  <inkml:trace contextRef="#ctx0" brushRef="#br0" timeOffset="46016.884">32103 4480 0,'0'0'0,"-18"0"0,0 0 0,1 0 16,-1-17-1,18 34 32,18 1-47,-18 35 31,0 17-15,0-52-16,17 35 16,19-35-1,17 17 1,17-53 0,-17-35-1,-35 36 1,-18-72-1,0-16 1,-18 34 0,1 53-1,-19 36 17,36 17-17,-17 18 1,17 18-1,0-54 1,17 1 0,19-18-1,-19-18 1,18 1 0,1-1-1,-19-17 1,19 35-1,-19 18 1,1 34 0,-18-34 15,18 35-15,-18-35-1,17-1 1,1-34 15,17-19-15,18 19-1,-35 17-15,35-18 16,-18 18 0,-18 35-1,-17-17-15</inkml:trace>
+  <inkml:trace contextRef="#ctx0" brushRef="#br0" timeOffset="53321.6709">27076 14358 0,'0'-18'15,"-18"18"95,36 0-48,88 0-46,-71 0 0,18 0-16,70 0 15,-52 0 1,-54 0-1,-34 0 17,-19 18-32,-16-18 0</inkml:trace>
+  <inkml:trace contextRef="#ctx0" brushRef="#br0" timeOffset="53587.7009">27076 14429 0,'17'0'32,"1"0"-32,0 0 15,17 0 1,18 0 0,0 0-1,-18 0 1,-17 0-16,17 0 31,-17 0-31</inkml:trace>
+  <inkml:trace contextRef="#ctx0" brushRef="#br0" timeOffset="55854.281">27005 6473 0,'-18'0'0,"1"0"16,-71 18 15,-53 35 0,123-35-31,-35 17 16,0 35-1,0 54 1,18 17 0,35 0-1,18-53 1,70 36-1,35-18 1,18-53 0,-35-36-1,106-52 1,-18-53 0,-35-71-1,-107 36 1,-69-142 15,-54 159-15,-105-17-1,0 87 1,-1 54-16</inkml:trace>
+  <inkml:trace contextRef="#ctx0" brushRef="#br0" timeOffset="64326.981">18680 15152 0,'-18'-18'32,"36"18"61,-1 0-77,1 0-16,17 0 16,36-17-16,35-1 31,-71 0-31,35 18 15,-34-17 1,-19 17 0,-17 17-16</inkml:trace>
+  <inkml:trace contextRef="#ctx0" brushRef="#br0" timeOffset="65093.13">20884 14993 0,'18'0'63,"0"0"-63,52-18 16,142-35 30,-89 36-14,-140 17-1</inkml:trace>
+  <inkml:trace contextRef="#ctx0" brushRef="#br0" timeOffset="67476.731">23883 15028 0,'18'0'47,"-1"0"-32,124 18 16,-17 0-15,-36-18-16,300 17 16,71 1-1,-159 0 1,105 17 0,-175-18-1,17 1 1,-106-18-1,-71 0 1,-52 0 15,-36 0-31,1 0 16</inkml:trace>
+  <inkml:trace contextRef="#ctx0" brushRef="#br0" timeOffset="99340.683">25171 6227 0,'0'-18'47,"0"0"-16,-18 18-15,-88-17 31,53 34-16,-17 36 0,17 88 16,35-88-31,1-35-16,17 35 16,-18 0-1,18-18 1,-18 0-1,18 0 1,36 18 0,16-35-1,1 17 1,36-17 15,-72 0-31,36-18 16,0 0-1,-18-18 1,36-17 15,-1-1-15,-17-17 0,-17 1-1,-19-1 1,-17-18-1,0 18 1,-17-17 0,-1 34-1,-17-17 1,-18 18 0,-18 18-1,1-19 1,34 36-1,1 0 17,0 0-17,17 0 1,18 18 0,0 0-1,-17-18 1</inkml:trace>
+  <inkml:trace contextRef="#ctx0" brushRef="#br0" timeOffset="101974.2469">26088 5592 0,'0'17'16,"18"18"0,-18-17-1,0 0 1,0-1 0,0 1-1,0 17 16,0-17 1,17-18-17,1 0 1</inkml:trace>
+  <inkml:trace contextRef="#ctx0" brushRef="#br0" timeOffset="102497.4139">26017 5733 0,'18'0'47,"0"17"-15,-18 1-32,17-18 0,1 18 15,0-1 1,17 1 15,-18-18-15,1 0-1,0 0 1,-18-18 0,17 18-16,1-17 15,-18-1 1,35 0-1,-35 1 17,0 34 30</inkml:trace>
+  <inkml:trace contextRef="#ctx0" brushRef="#br0" timeOffset="103464.034">26035 6615 0,'0'-18'15,"-18"18"64,18 18-64,-17-18-15,17 17 16,-36 18-1,19 1 1,-1-36 0,18 17-16,0 1 31,0-36-15,18-17 15,-1 17-31,-17 1 15,36-54 1,-36 36 0,17 17-1,1 1 1,0 34 0,-1 1-1,1 17 1,0-17-1,-1 17 17,1-17-32,-1-18 31</inkml:trace>
+  <inkml:trace contextRef="#ctx0" brushRef="#br0" timeOffset="103859.328">26035 6509 0,'18'35'31,"-1"-17"-31,1-1 16,-18 1-16,53 52 16,-36-34-1,1-19-15,0 36 32,-1 0-17,1-17 1,-18-19-1,18 1 1,-1-1 0,1-17 15,0 0-31,17-17 16</inkml:trace>
+</inkml:ink>
+</file>
+
+<file path=ppt/ink/ink12.xml><?xml version="1.0" encoding="utf-8"?>
+<inkml:ink xmlns:inkml="http://www.w3.org/2003/InkML">
+  <inkml:definitions>
+    <inkml:context xml:id="ctx0">
+      <inkml:inkSource xml:id="inkSrc0">
+        <inkml:traceFormat>
+          <inkml:channel name="X" type="integer" max="1920" units="cm"/>
+          <inkml:channel name="Y" type="integer" max="1080" units="cm"/>
+          <inkml:channel name="T" type="integer" max="2.14748E9" units="dev"/>
+        </inkml:traceFormat>
+        <inkml:channelProperties>
+          <inkml:channelProperty channel="X" name="resolution" value="55.81395" units="1/cm"/>
+          <inkml:channelProperty channel="Y" name="resolution" value="55.6701" units="1/cm"/>
+          <inkml:channelProperty channel="T" name="resolution" value="1" units="1/dev"/>
+        </inkml:channelProperties>
+      </inkml:inkSource>
+      <inkml:timestamp xml:id="ts0" timeString="2021-11-22T06:18:23.281"/>
+    </inkml:context>
+    <inkml:brush xml:id="br0">
+      <inkml:brushProperty name="width" value="0.05292" units="cm"/>
+      <inkml:brushProperty name="height" value="0.05292" units="cm"/>
+      <inkml:brushProperty name="color" value="#FF0000"/>
+    </inkml:brush>
+  </inkml:definitions>
+  <inkml:trace contextRef="#ctx0" brushRef="#br0">2699 9525 0,'17'0'94,"1"0"-79,-18-18 1,35 1-1,-17-19 1,0 19 15,17-18-15,0 17 0,36-35-1,-36 35 1,-17 1-16,35-19 15,35-17 1,-18-17 0,1 17-1,-1 18 1,-34-18 0,17 0-1,17-18 1,1 1-1,-36 17 1,36-18 0,-1 1 15,1-1-15,-18 18-1,17-17 1,-17 17-1,18-18 1,-19 36 0,37-36-1,17 1 1,17-1 0,-17 1-1,-36 17 1,36-18-1,18-35 1,-1 1 15,36-1-15,-53 35 0,52-35-1,-16 1 1,16 16-1,-52 36 1,71-35 0,17-18-1,17 1 1,1-1 0,-71 18-1,88-54 1,18-34-1,0 17 1,-88 53 0,35-35 15,0 18-15,0-1-1,18 1 1,-54 35-1,89-53 1,-17 17 0,-36 1-1,-71 35 1,36-36 0,-18 18-1,0 36 1,18-19-1,-36 37 1,54-19 15,17-35-15,-18 18 0,-70 35-1,18-35 1,-19 0-1,19 17 1,-18-17 0,-18 35-1,0 0 1,-35 18 0,-18 17-1,-17 18 1,-36 0 15</inkml:trace>
+  <inkml:trace contextRef="#ctx0" brushRef="#br0" timeOffset="1081.3119">8184 6191 0,'-17'-17'15,"17"-1"1,-18 0-1,18 36 48,18 0-47,-1-1-16,1-17 15,17 18 1,1-18-16,17-18 31,-36 1-31,1-19 31,-18-17-15,-18 0 0,1 36-1,17 52 1,52 53-1,-16 18 1,52 35 0,0-35-1,-53-18 1,-52-35 0,-36-35-1,-35-18 1,-18-88 15,71 35-15,35 17-1,52-52 1,-16 53 0,17 0-1,-36 17-15</inkml:trace>
+  <inkml:trace contextRef="#ctx0" brushRef="#br0" timeOffset="1317.6799">8643 6050 0,'0'0'0,"-18"-18"16,18 1 0,18-1-1,0 1 1,17-1 0,18 18-1,-35-18-15</inkml:trace>
+  <inkml:trace contextRef="#ctx0" brushRef="#br0" timeOffset="1484.569">8678 6121 0,'-17'17'16,"34"-17"-1,-17-17-15,36-1 16,-19 18-16,54-53 31</inkml:trace>
+  <inkml:trace contextRef="#ctx0" brushRef="#br0" timeOffset="4102.191">9172 5680 0,'0'0'0,"-35"-18"16,17 18-16,1 18 16,-1-18-16,0 17 15,1-17-15,-1 18 0,0 0 16,1 70-1,70 18 32,53-89-15,-71-17-32,18-17 15,17-1 1,-17-35-1</inkml:trace>
+  <inkml:trace contextRef="#ctx0" brushRef="#br0" timeOffset="4350.24">9402 5697 0,'0'0'0,"17"0"31,1-17-31,-1-1 16,54-17-1,17 0 1,-70 17-16</inkml:trace>
+  <inkml:trace contextRef="#ctx0" brushRef="#br0" timeOffset="4565.848">9490 5539 0,'0'0'0,"-18"0"0,0 0 31,36 0 0,-18 17-15,18 1-16,-1 0 15,36 52 1,-17-17 0,-1-35-16</inkml:trace>
+  <inkml:trace contextRef="#ctx0" brushRef="#br0" timeOffset="5267.286">9790 5468 0,'0'0'0,"-53"-18"31,53 1-15,0-1 0,17 18-1,36 0 1,-18 18 0,-17-1-16,0 1 15,17 17 1,-17 1-1,-36-36 32,18-18-47,-18-35 32,1 0-32,17 0 15,0 18 1,0 0-16,35 17 31,18 36-15,0-1-1,0 36 1,0-18 0,-53-17-1,0-36 16,0-17-15,-18-18 0,36-17-1,-1 34 1,1 36-16,17 0 16,18 18 15,0 35-31,-18 0 31,-17-35-15</inkml:trace>
+  <inkml:trace contextRef="#ctx0" brushRef="#br0" timeOffset="5799.916">10301 5151 0,'0'0'0,"0"-18"0,0 0 16,0 1-16,0-1 15,18-17 1,35 17 0,35 18-1,-35 35 16,-36-17-15,-17 35 0,-35-18-1,17-17 1,1-18 0,34-35-1,36-36 1,0-35-1,-17 18 1,-36 53 0,0 17-1,-18 53 1,-17 18 0,35-17-1,17 16 1,19 1 15,52-35-15,-35-36-1,0 1 1,0-54 0</inkml:trace>
+  <inkml:trace contextRef="#ctx0" brushRef="#br0" timeOffset="16970.327">17692 7126 0,'17'0'94,"1"18"-79,0-18-15,-1 17 16,1-17-16,70 53 31,-35-35-15</inkml:trace>
+  <inkml:trace contextRef="#ctx0" brushRef="#br0" timeOffset="17153.792">17886 7056 0,'0'0'0,"-18"0"31,1 17 0,17 18-31,-18 54 16,0-54-1</inkml:trace>
+  <inkml:trace contextRef="#ctx0" brushRef="#br0" timeOffset="17555.227">18732 6509 0,'0'0'16,"-17"0"-16,34 17 46,1 1-30,0-18-16,-1 18 16,36 17-1,-35-35 1</inkml:trace>
+  <inkml:trace contextRef="#ctx0" brushRef="#br0" timeOffset="17719.851">18803 6403 0,'0'0'0,"-18"0"15,1 18 1,-19-1 0,1 36-1,0-35-15,-18 35 16,18-18-16</inkml:trace>
+  <inkml:trace contextRef="#ctx0" brushRef="#br0" timeOffset="18070.525">18327 5944 0,'-18'0'31,"36"0"1,-18 18-32,17-18 15,19 35 1,17-17 0,-36-18-16,19 17 15</inkml:trace>
+  <inkml:trace contextRef="#ctx0" brushRef="#br0" timeOffset="18238.264">18486 5874 0,'0'0'16,"-71"0"0,36 0-1,17 17 1,0 1-16,1 17 15,-18 1-15</inkml:trace>
+  <inkml:trace contextRef="#ctx0" brushRef="#br0" timeOffset="18586.792">18927 5397 0,'-18'0'0,"0"-17"15,1 17 1,34 0 0,1 17-1,35 19 1,17 17 0,-17 0-1</inkml:trace>
+  <inkml:trace contextRef="#ctx0" brushRef="#br0" timeOffset="18787.827">18979 5186 0,'0'0'0,"0"-18"0,-17 18 16,-18-17-1,-1 52 1,19-18-16,-36 54 16,17-18-1,-17 0 1</inkml:trace>
+  <inkml:trace contextRef="#ctx0" brushRef="#br0" timeOffset="19071.562">18256 4762 0,'0'0'0,"-35"0"0,17 0 16,1 0-16,34 18 31,1 0-15,17 35 0,18-18-1</inkml:trace>
+  <inkml:trace contextRef="#ctx0" brushRef="#br0" timeOffset="19305.586">18327 4692 0,'0'0'0,"-71"18"15,36-1 1,-18 54 0,35-18-1,1-18-15,-19 36 16,19-36-16</inkml:trace>
+  <inkml:trace contextRef="#ctx0" brushRef="#br0" timeOffset="19689.167">19297 4286 0,'0'0'0,"-53"-17"31,35 17-31,18-18 16,36 36 0,-1-1-1,35 19 1,-17-1 0,-35-18-16</inkml:trace>
+  <inkml:trace contextRef="#ctx0" brushRef="#br0" timeOffset="19870.915">19509 4198 0,'0'0'0,"-36"-18"16,19 18-1,-36 36 1,17-1-1,19 0-15,-18 18 16</inkml:trace>
+  <inkml:trace contextRef="#ctx0" brushRef="#br0" timeOffset="20270.754">20761 4304 0,'-53'-35'16,"35"35"0,36 0-1,0 0 1,52 53-1,-17-18 1,-18-18-16,18 19 16,-17-19-16</inkml:trace>
+  <inkml:trace contextRef="#ctx0" brushRef="#br0" timeOffset="20454.6789">20990 4216 0,'0'0'0,"-17"-18"16,-19-17-16,1 17 31,-18 36-15,0 52 0,0 19-1,36-54-15</inkml:trace>
+  <inkml:trace contextRef="#ctx0" brushRef="#br0" timeOffset="20871.805">20055 4604 0,'0'0'0,"-17"17"16,34-17 15,1 0-31,53 36 32,34 34-1,-87-70-31</inkml:trace>
+  <inkml:trace contextRef="#ctx0" brushRef="#br0" timeOffset="21021.678">20267 4551 0,'0'0'0,"-35"-18"16,-18 18-1,0 35 1,18 1 0,-1 34-16</inkml:trace>
+  <inkml:trace contextRef="#ctx0" brushRef="#br0" timeOffset="21555.949">19738 5521 0,'0'0'0,"18"0"63,-1 0-48,1 18-15,35-18 16,35 17 0</inkml:trace>
+  <inkml:trace contextRef="#ctx0" brushRef="#br0" timeOffset="22258.46">19861 5468 0,'0'0'0,"0"18"63,-17-1-48,17 1-15,0 0 16,-18 35 0</inkml:trace>
+  <inkml:trace contextRef="#ctx0" brushRef="#br0" timeOffset="22857.415">21149 4798 0,'0'-18'15,"0"0"-15,18 18 16,-1 0 0,71 0-1,-70 18-15,17 0 16,-17-18-16,0 17 15,-1-17-15,-17 18 0</inkml:trace>
+  <inkml:trace contextRef="#ctx0" brushRef="#br0" timeOffset="23057.798">21378 4727 0,'0'0'15,"0"-17"-15,-35 17 16,17 0 0,-17 17-1,17 1-15,-17 35 16,18-36-16</inkml:trace>
+  <inkml:trace contextRef="#ctx0" brushRef="#br0" timeOffset="23557.512">21943 4039 0,'0'0'15,"-18"-17"-15,18-1 0,18 18 31,-1 18-31,19-1 0,-19-17 16,19 18-16,-1 0 0,0 17 16,53 18-1,-70-53-15</inkml:trace>
+  <inkml:trace contextRef="#ctx0" brushRef="#br0" timeOffset="23706.6499">22137 3969 0,'0'0'0,"-18"-36"15,1 19 1,-1 52 0,-17 36-1,17-1-15</inkml:trace>
+  <inkml:trace contextRef="#ctx0" brushRef="#br0" timeOffset="24357.086">22243 6756 0,'0'0'0,"-18"-36"31,0 19-31,1 17 0,34 0 31,1 17-31,35 19 16,88 34 15,-123-70-31,-1 0 16</inkml:trace>
+  <inkml:trace contextRef="#ctx0" brushRef="#br0" timeOffset="24505.943">22542 6597 0,'0'0'16,"-17"0"-1,-1 0 1,1 35-1,-19 18 1,1 0 0</inkml:trace>
+  <inkml:trace contextRef="#ctx0" brushRef="#br0" timeOffset="24891.1159">23036 6227 0,'0'0'0,"0"-18"0,-35 18 15,35-18 1,0 36 0,35 0-1,1 17 1,34 35-1,-17-34 17,-35-36-32</inkml:trace>
+  <inkml:trace contextRef="#ctx0" brushRef="#br0" timeOffset="25073.408">23177 6050 0,'-17'-18'16,"34"36"-16,-52-36 0,18 36 16,-19 35-1,-17 35 1,0-17 0,36-36-16,-18 18 15</inkml:trace>
+  <inkml:trace contextRef="#ctx0" brushRef="#br0" timeOffset="25441.1339">23477 5644 0,'-17'-17'31,"17"-1"-31,17 18 15,1 0 1,0 18-16,-1-18 16,1 17-16,0-17 0,70 53 31,0 0-15</inkml:trace>
+  <inkml:trace contextRef="#ctx0" brushRef="#br0" timeOffset="25622.838">23654 5486 0,'0'0'0,"-18"0"16,0 0-1,1 0-15,-18 35 16,-36 36 15,53-36-31,1-18 0</inkml:trace>
+  <inkml:trace contextRef="#ctx0" brushRef="#br0" timeOffset="26025.672">23213 4939 0,'0'0'0,"0"-35"16,17 35 15,1 17-15,35 54-1,0-18 1,17 0 0,-52-36-16</inkml:trace>
+  <inkml:trace contextRef="#ctx0" brushRef="#br0" timeOffset="26207.587">23354 4833 0,'-53'35'31,"53"-17"-15,-35 88-1,-1-18 1</inkml:trace>
+  <inkml:trace contextRef="#ctx0" brushRef="#br0" timeOffset="26875.501">21784 6632 0,'18'0'47,"-1"0"-31,1 0 0,0 18-16,87-1 31,-87-17-16</inkml:trace>
+  <inkml:trace contextRef="#ctx0" brushRef="#br0" timeOffset="27008.37">22049 6632 0,'0'0'16,"-18"-17"0,0-1-1,-17 53 16,-18 18-15,18-18-16</inkml:trace>
+  <inkml:trace contextRef="#ctx0" brushRef="#br0" timeOffset="27574.523">21272 7373 0,'18'0'32,"0"0"-17,17 18 1,0-1 0,1 1-16,-19 0 15</inkml:trace>
+  <inkml:trace contextRef="#ctx0" brushRef="#br0" timeOffset="27892.437">21608 7373 0,'0'18'63,"-18"-18"-48,0 17 1,1 1-16,-1 0 0,-35 35 31,-17 17-15,34-35-16</inkml:trace>
+  <inkml:trace contextRef="#ctx0" brushRef="#br0" timeOffset="28460.384">21925 7691 0,'0'-18'31,"18"18"1,-1 0-32,1 18 15,0-18 1,35 35 0,-18-18-1</inkml:trace>
+  <inkml:trace contextRef="#ctx0" brushRef="#br0" timeOffset="28643.048">22154 7638 0,'-35'17'15,"35"1"1,-17-18-1,17 18 1,-18-1-16,-17 18 16,-18 18-16</inkml:trace>
+  <inkml:trace contextRef="#ctx0" brushRef="#br0" timeOffset="29108.413">20038 7867 0,'17'0'47,"1"18"-32,17-1 1,-17-17 0,53 35-1</inkml:trace>
+  <inkml:trace contextRef="#ctx0" brushRef="#br0" timeOffset="29263.017">20249 7814 0,'0'0'0,"-17"0"16,-18 0-1,-1 18 1,-34 52-1,-1-17 1,36 0 0</inkml:trace>
+  <inkml:trace contextRef="#ctx0" brushRef="#br0" timeOffset="29858.591">19121 7902 0,'-18'18'16,"36"-18"15,-18 17-31,70 19 31,18 17 0</inkml:trace>
+  <inkml:trace contextRef="#ctx0" brushRef="#br0" timeOffset="30061.176">19244 7902 0,'0'0'0,"-35"18"15,35-1 1,-18 19 0,-17 17-1,0 0 1,35-36-16</inkml:trace>
+  <inkml:trace contextRef="#ctx0" brushRef="#br0" timeOffset="31341.755">19350 7197 0,'17'0'0,"1"17"47,0 1-31,-1 0-16,54 17 15,-53-35 1,17 0-16</inkml:trace>
+  <inkml:trace contextRef="#ctx0" brushRef="#br0" timeOffset="31525.441">19562 7108 0,'-18'0'31,"0"0"-31,1 0 15,-1 36 1,-53 52 0,36-53-16</inkml:trace>
+  <inkml:trace contextRef="#ctx0" brushRef="#br0" timeOffset="39795.684">17286 7585 0,'0'-18'141,"18"18"-126,-18-18 1,17 18-16,36-35 31,53-18 0,-88 36-31,123-36 32,18 0-1,-124 35-15,18-17-1,17 0 1,-17-1 15,-17 1-31,-19 17 16,18 1-1,1-1 1,-1 0 15,-17 1-15,35-1-1,-18-17 1,0 17 0,-17 1-1,-18-1 1,17-17 0,1 17-1,17 0 1,-17 1-1,17-1 1,-17-17 0,17 17-1,-17-17 1,-1 17 15,1-17-15,0 17-1,-1 1 1,1-1 0,0 0-1,-1 1 1,-17-1 0,0 1 15,0-1-16,-17 0 1,17-17 0,0 17-1,0 1-15,0-19 16,0 1 15,-18 0-15,0 17-1,1-17 1,-1 0 0,0-18-1,1 18 1,-1-1 0,1 1-1,17 17 1,0-17-1,0 17 1,-18 1 0,18-1-1,0-17 1,-18 17 0,18 1 15,0-19-16,-17 19 1,17-1 0,-18 0-1,18-17 1,-18 17 0,18-17-1,0 18 1,0-1-1,0 0 1,0 1 0,0-1-1,18 0 17,-18 1-1,0-19-16,0 19 1,18-1 0,-18 1-1,0-1 1,17 0 0,1 1-1,0-1-15,-1 18 16,18-18-1,1 1 1,17-1 0,0 0-1,-18 1 1,18 17 0,0-18 15,-36 18-16,1 0 1,-18-18 0,18 18-1,17 0 1,-17-17 0,34 17-1,-16-18 1,-1 1-1,0 17 1,18 0 0,-35 0-1,17 17 1,0-17 15,1 18-15,-1-1-1,0-17 1,0 18 0,-17 0-1,0-18 1,17 17 0,-17 1-1,17 0 1,0-18-1,1 0 1,-19 0 0,1 0-1,-1 17 17,19-17-1,-19 0-16,19 0 1,-36-17 0,17 17-1,1 0 1,0 0 0,-1 0-1,1 0 1,-1 0-1,1 0 17,0 0-17,-1 0 1,1 0 0,0 0-1,-18-18 16,0 0-15,17 18 0,-17-35-1,18 0 1,-18 17 0,0 1-16,0-1 15,18-35 1,-18 18-1,0-18 1,0 35 0,17-17-1,1 0 17,-1-1-17,1 1 1,-18 17-1,18-17 1,-1 18 0,1-1-1,0 0 17,-1 1-17,1-19 1,0 19-1,-18-1 17,17 18-32,-17-18 15,0 1 17,18-1-17,-18 0 1,0 1-1,18 17 1,-18-18 0,17 18-1,1-17 1,-1-1 0,1 0-1,0 1 1,-1 17-1,-17-18 1,18 0 0,0 1-1,-1-1 17,1 0-17,-18 1 1,0-1-1,18 18 1,-18-17 0,17 17-1,1-18 1,-1 0 0,1 18-16,0 0 15,-1-17 1,19-1-1,-1-17 1,0 35 0,0-18-1,1 0 17,-19 18-17,1-17 1,0 17-1,-1-18 1,1 18 0,0 0-1,-1 0 1,19-17 0,-19 17-1,1 0 1,17 0-1,-17 17 1,-1-17 0,19 35-1,-19-17 17,19 17-17,-19-17 1,1 0-1,-1 17 1,1-17 0,0-1-1,-18 1 1,17-1 0,-17 1-1,18 0 1,-18-1-1,18-17 17,-1 0-1,1 0-15,0 0-1,-1 18 1,18-18-1,-17 0 1,0 0 0,-1 0-1,1 18 1,0-18 0,-1 0-1,19 0 1,-19 0-1,1-18 1,0 0 0,-1 1 15,1-1-31,17-17 16,0 17-1,1-17 1,-1 17-1,-17 1 1,17-1 0,0-17-1,0-1 1,-17 19 0,35-1-1,-18-17 1,0 0-1,-17 17 1,17 0 0,-35 1-1,18-1 17,0 18-17,-18-18 1,17 18-1,-17-17 1,18-1 0,0-17 15,17 17-15,-17 1-1,-1-1 1,1 0-16,-1 18 15,1-35 1,17 17 0,1 1 15,-19-1-15,-17 0-1,18 1 1,0-1-1,-1 1 1,1 17 0,-18-18-1,17 0 1,1 18 0,-18-17-1,18 17 1,-1-18 15,1 18-15,0 0-1</inkml:trace>
+  <inkml:trace contextRef="#ctx0" brushRef="#br0" timeOffset="51404.5269">18750 10460 0,'-18'-35'16,"18"17"-1,-17 18-15,17-18 0,-18 18 32,1 0-32,-36 18 15,-53 158 17,141 18-1,71-123 0,0-36-15,17-70-1,-105 17-15,17-17 16,-17-106 0,-18 70-1,-53-17 1,-35-18 15,52 89-31,1 52 31,17-17-31</inkml:trace>
+  <inkml:trace contextRef="#ctx0" brushRef="#br0" timeOffset="51799.98">19138 10477 0,'0'18'47,"18"0"-47,-1-1 15,1 1-15,17 53 32,-17-54-32,0 1 0,-1 17 15,1 0 17,0-35-32,17-35 15,0-71 16,-17 89-15,17-89 0,-17 71-1</inkml:trace>
+  <inkml:trace contextRef="#ctx0" brushRef="#br0" timeOffset="52217.6769">19597 10601 0,'-53'0'31,"71"0"0,-1 0-15,-17-18-16,35 18 16,18-17-1,-17-1 1,-1-35 0,-35 35-1,-35-17 1,-1 18-1,-52 17 1,53 35 0,0 53 15,70-35-31,0 0 16,89-18 15,-89-35-31</inkml:trace>
+  <inkml:trace contextRef="#ctx0" brushRef="#br0" timeOffset="52551.307">19861 10442 0,'0'0'0,"-17"-17"15,34 17 1,1 0-16,17 17 15,53 36 1,-52-18 0,-19 1-1,-17-19-15,0 19 32,-35-19-32,0-17 15,17-35 16,18-18-15,53-70 0,18 70-1,17 0 1,-70 35-16</inkml:trace>
+  <inkml:trace contextRef="#ctx0" brushRef="#br0" timeOffset="52886.14">20567 10160 0,'0'0'0,"-18"-35"15,-17-36-15,-18-35 31,-17 53-15,17 106 0,0 18-1,35-18-15,-52 158 16,52-34 0,53 140-1,0-176 1,18 1-1,-35-90 1</inkml:trace>
+  <inkml:trace contextRef="#ctx0" brushRef="#br0" timeOffset="53118.324">20179 10583 0,'0'0'0,"18"0"0,-1-17 16,107-19-1,-71 19 1,70-19 0,-88 36-1,1 0 1,-36-17-1</inkml:trace>
+  <inkml:trace contextRef="#ctx0" brushRef="#br0" timeOffset="53273.5609">20549 10442 0,'-17'0'0,"34"0"0,-52-17 32,35 52-1,35 18-16,-35-36 1,18 1-16,0 35 16,-1 0-1</inkml:trace>
+  <inkml:trace contextRef="#ctx0" brushRef="#br0" timeOffset="53450.899">20655 10213 0,'0'0'0,"-18"-18"16</inkml:trace>
+  <inkml:trace contextRef="#ctx0" brushRef="#br0" timeOffset="53702.334">20796 10178 0,'-17'0'16,"17"17"15,17 1-31,1 70 31,0-17-31,34 52 32,-52-88-32,18 18 15</inkml:trace>
+  <inkml:trace contextRef="#ctx0" brushRef="#br0" timeOffset="53935.409">20990 10142 0,'0'0'0,"-17"-53"15,34 71 1,-17 17-1,71 106 1,-36-52 0,0 16-1,-35-52 1,0-35 0</inkml:trace>
+  <inkml:trace contextRef="#ctx0" brushRef="#br0" timeOffset="54302.082">20814 10442 0,'0'0'15,"-35"-35"-15,35 0 16,35 17 0,88 0-1,-34 1 1,105-1 15,-124 0-15,-35 1-16,-52-18 31,-1 17-15,0 0-1,36 71 16,0 0-15,35 35 0,-36-70-16,1 70 15,-18-70 1,0-1-16</inkml:trace>
+  <inkml:trace contextRef="#ctx0" brushRef="#br0" timeOffset="54451.708">21325 10089 0,'0'0'0,"0"-35"0,-17 18 0,-1-1 16,18 36 15,0-1-31</inkml:trace>
+  <inkml:trace contextRef="#ctx0" brushRef="#br0" timeOffset="55487.314">21467 10248 0,'0'0'0,"-36"0"16,19-17-16,17-1 15,70 36 1,-17 17 0,-18 0-1,-17-17 1,0 35 0,-18-36-16,0 1 31,-18-18-16,18-53 1,18 18 0,35-71-1,-18 71 1,-18 35 0,54 35-1,-53 18 1,35 17-1,-18 1 1,18-36 15,-18-35-31,53-53 32,-35-17-32,18-18 31,-54-1-16,-34 72 1,-19 17 0,-87 35-1,105-17 1,-35 35 0,36-36-1,17 36 1,17-35-1,1-18 1,17 17 15,1-34-31,17-1 32,-36 0-17,18 1 1,-17 17-1,17 53 1,-17 0 0,53 70-1,-36-17 1,53 141 0,-70-124-1,-54 18 1,-69-70 15,34-53-31,-88-124 31,142 53-31,70-247 32,17 141-17,89 18 1,-36 88-1,-105 53-15</inkml:trace>
+  <inkml:trace contextRef="#ctx0" brushRef="#br0" timeOffset="58255.085">26952 6985 0,'0'0'0,"18"0"0,-18-18 0,17 1 15,1 17 1,-18-18-16,18 18 0,35 18 31,105 52 0,-69-34 1</inkml:trace>
+  <inkml:trace contextRef="#ctx0" brushRef="#br0" timeOffset="58453.144">27252 6862 0,'0'0'15,"0"-18"-15,-18 18 32,18 18-32,-35 17 15,-35 35 17,34-17-17</inkml:trace>
+  <inkml:trace contextRef="#ctx0" brushRef="#br0" timeOffset="58687.116">27534 6385 0,'0'0'0,"-17"-17"15,-1-1-15,18 0 32,18 36-32,123 17 31,-106-17-31,71 0 16</inkml:trace>
+  <inkml:trace contextRef="#ctx0" brushRef="#br0" timeOffset="58876.186">27675 6191 0,'0'0'16,"-35"-35"0,17 35-1,18 35 1,-17-17-16,-18 70 15,-18 0 1</inkml:trace>
+  <inkml:trace contextRef="#ctx0" brushRef="#br0" timeOffset="59153.844">27993 5345 0,'0'0'0,"0"17"15,35 1 16,-17-18-31,17 17 0,53 54 32,-70-53-32,17 17 15</inkml:trace>
+  <inkml:trace contextRef="#ctx0" brushRef="#br0" timeOffset="59337.219">28257 5274 0,'0'0'16,"-17"-18"-16,-1 1 0,1 17 15,-19 0 1,-34 70 15,34-17-31,1 0 16</inkml:trace>
+  <inkml:trace contextRef="#ctx0" brushRef="#br0" timeOffset="59637.784">28787 4710 0,'0'0'0,"-36"-53"31,36 35-15,18 36-1,0-18-15,35 53 16,17-1-1,36 54 17,-88-88-32</inkml:trace>
+  <inkml:trace contextRef="#ctx0" brushRef="#br0" timeOffset="59855.2269">29051 4586 0,'-17'-18'0,"34"36"0,-52-53 16,17 17-16,-17-35 16,17 36-1,1 34 1,-1 1 0,-88 88 15,36-18-31,34-53 0</inkml:trace>
+  <inkml:trace contextRef="#ctx0" brushRef="#br0" timeOffset="60405.287">30833 7902 0,'0'0'0,"0"-17"16,0-1 0,-18 0-1,18 1 17,18 34-1,105 71 0,-70-70-15,-35-18-1</inkml:trace>
+  <inkml:trace contextRef="#ctx0" brushRef="#br0" timeOffset="60575.719">31080 7743 0,'0'-17'0,"0"34"0,-18-69 16,-17 34 0,17 36-1,-35 52 1,18-52 0,-53 88-1</inkml:trace>
+  <inkml:trace contextRef="#ctx0" brushRef="#br0" timeOffset="60888.022">31415 6950 0,'0'0'0,"0"-18"15,17 36 32,-17-1-31,18 1-16,35 35 31,-53-35-31,18-1 0,35 18 16</inkml:trace>
+  <inkml:trace contextRef="#ctx0" brushRef="#br0" timeOffset="61105.083">31679 6844 0,'0'0'0,"-17"-18"0,17 1 16,-18-19 0,18 19-1,-17 34 1,17 19 0,-53 17-1,17-18 1,1-18-16</inkml:trace>
+  <inkml:trace contextRef="#ctx0" brushRef="#br0" timeOffset="61409.545">31926 5927 0,'0'0'0,"-17"-18"0,17 0 15,-18 18-15,0-17 16,36 52 15,17 0-31,18 36 31,0 17-15</inkml:trace>
+  <inkml:trace contextRef="#ctx0" brushRef="#br0" timeOffset="61640.509">32209 5821 0,'0'0'0,"17"-71"15,-17 54 1,0 34 15,-17 1-31,-19 52 16,-17-17-1,18-17 1,0-19 0</inkml:trace>
+  <inkml:trace contextRef="#ctx0" brushRef="#br0" timeOffset="62104.545">30268 6615 0,'0'0'0,"18"0"32,0 0-17,-1 0-15,107 35 32,-71 18-17,-18 0 1,-17-18-1</inkml:trace>
+  <inkml:trace contextRef="#ctx0" brushRef="#br0" timeOffset="62273.544">30551 6579 0,'0'0'0,"-18"-17"0,18-1 16,-18 18-1,-17 18 1,-71 87 0,53-34-1</inkml:trace>
+  <inkml:trace contextRef="#ctx0" brushRef="#br0" timeOffset="62660.312">29281 7497 0,'0'0'0,"17"-36"32,-17 19-32,53 17 15,-35 17 1,-1 1-16,19 17 15,34 53 17,-35-52-32,18-1 15</inkml:trace>
+  <inkml:trace contextRef="#ctx0" brushRef="#br0" timeOffset="62838.085">29651 7479 0,'0'0'0,"0"-35"0,-18-18 16,1 35-1,-1 18 1,-35 71 0,-35 17-1,17 0 1</inkml:trace>
+  <inkml:trace contextRef="#ctx0" brushRef="#br0" timeOffset="63207.659">28257 8308 0,'0'0'0,"36"-35"31,-36 17-31,17 18 15,1 0-15,0 18 16,-1-18-16,1 17 0,0 1 16,-1 17-16,1-17 15,17 17-15,-17 0 0,52 36 32,-52-36-32</inkml:trace>
+  <inkml:trace contextRef="#ctx0" brushRef="#br0" timeOffset="63388.481">28716 8202 0,'0'0'0,"-53"-18"31,18 18-31,-53 53 16,17-17-1,-70 52 1,53-18 0</inkml:trace>
+  <inkml:trace contextRef="#ctx0" brushRef="#br0" timeOffset="65506.412">26194 8520 0,'0'-18'78,"0"0"-62,35-17-1,-17 17 1,87-70 15,-52 35-15,53-35-1,0 0 1,0-18 0,-36 35-1,-34 36-15,70-71 16,-18 36 0,53-54-1,18 1 1,-54 35-1,54-36 17,18 1-17,-36 35 1,-53 35 0,35-53-1,1 18 1,-1-18-1,18 18 1,-52 35 0,34-36-1,36 19 1,-18-1 0,-53 18-1,36-52 1,-1 16-1,1 1 1,-19 18 0,-34 17 15,35-35-15,17-1-1,1 1 1,34 0-1,-69 17 1,52 1 0,-35-1-1,17-17 1,-52 35 0,87-35-1,-34 17 1,-36 1 15,-35 17-15,0 0-1,17 0 1,1 18 0,0 0-1,-36-1 1,-18 19-1,-34 17 17</inkml:trace>
+  <inkml:trace contextRef="#ctx0" brushRef="#br0" timeOffset="69374.823">26952 10266 0,'0'0'0,"35"-88"31,-17 70-31,0-17 31,-18 52-15,0 1-1,0 105 17,70 89-1,-52-177-31,141 107 31,-53-125-15,-1-52-1,-69-18 1,-1-88 0,-35-53-1,-35 0 1,17 88 0,0 71-1,18 88 1,18 70 15,17-35-31</inkml:trace>
+  <inkml:trace contextRef="#ctx0" brushRef="#br0" timeOffset="69790.503">27728 10389 0,'0'0'0,"0"-35"15,0 17 1,18-17 0,0 35-1,-1 0-15,1 53 16,0-18 0,-1 36-1,-17-36 16,0-17-31,0-1 32,0-34-17,35-19 1,1-52 0,17 35-1,0 18 1,-1 35-1,1 71 1,-35-18 0,17 17-1,-17-35 1</inkml:trace>
+  <inkml:trace contextRef="#ctx0" brushRef="#br0" timeOffset="70257.326">28416 10460 0,'0'0'0,"18"-18"16,-18-52-1,0 17 1,0 0 0,-35 53-1,-18 53 1,0 17-1,35-17 1,36 35 15,-1-70-31,54 0 16,-18-36 0,0-35-1,-18-35 1,-17-71 15,-36-17-15,18 105-1,-18 36 1,18 106 0,-17 52-1,34-17 1,19 17-1,-1-35 1,-17-70-16</inkml:trace>
+  <inkml:trace contextRef="#ctx0" brushRef="#br0" timeOffset="70641.0359">28751 10336 0,'-17'0'16,"34"0"31,1 18-47,0-18 16,-1 0-16,1 0 15,17-18 1,0-17-1,-17 0 1,-18 0 0,0 17-16,-18 0 15,-17 1 1,18 52 0,-1 53-1,18 0 16,18-35-15,70 18 0,0-54-16</inkml:trace>
+  <inkml:trace contextRef="#ctx0" brushRef="#br0" timeOffset="71041.999">29369 10231 0,'0'0'0,"-53"-18"0,-18 0 16,1-17-1,70 53 17,17-18-32,36 53 15,-35-18 1,17 0-1,0 36 1,-17-18 0,-18-36-1,-18-17 1,-17-17 0,35-36-1,0 17 1,106-69-1,-53 69 1,35-17 0,-35 36-1,-35 17 1</inkml:trace>
+  <inkml:trace contextRef="#ctx0" brushRef="#br0" timeOffset="71325.317">29827 9984 0,'0'0'0,"-70"-106"31,70 70-31,-35-16 16,17 34-1,0 18-15,1 35 16,17 106-1,17 89 1,1 17 0,0-106-1,-18 17 1,-18-69 0,0-89-1</inkml:trace>
+  <inkml:trace contextRef="#ctx0" brushRef="#br0" timeOffset="71658.9339">29633 10425 0,'0'0'15,"-35"-71"-15,17 53 16,18 1 0,36 17-1,34 0 1,36 0-1,-35-18 1,17 0 0,-71-17-1,-34 18 1,-1-1 0,1 18-1,-1 18 1,0 34 15,18 37-15,0-72-1,18 19-15</inkml:trace>
+  <inkml:trace contextRef="#ctx0" brushRef="#br0" timeOffset="71824.594">30004 10160 0,'0'0'0,"-53"-123"31,53 105-31,0 0 16,17 18-1</inkml:trace>
+  <inkml:trace contextRef="#ctx0" brushRef="#br0" timeOffset="72076.658">30233 9966 0,'-35'0'15,"35"18"32,0 87-31,17-69-1,-17-1-15,18 18 0,0 17 16,-1 1 0,1-53-1</inkml:trace>
+  <inkml:trace contextRef="#ctx0" brushRef="#br0" timeOffset="72275.59">30445 10072 0,'0'0'0,"0"-71"16,0 18 0,17 36-1,1 70 1,0 70-1,-1-17 1,1 17 0,-18-105-16</inkml:trace>
+  <inkml:trace contextRef="#ctx0" brushRef="#br0" timeOffset="72459.057">30215 10319 0,'0'0'0,"-53"-36"16,18 1 0,70 35-1,71-17 1,71 17 0,-1-18-1,-123 0-15</inkml:trace>
+  <inkml:trace contextRef="#ctx0" brushRef="#br0" timeOffset="72625.73">30780 10125 0,'0'-18'16,"0"-17"0,0 105 15,0-87-31,-18-36 0,18 70 0,0 36 16,0-35-1,0 53-15,0 17 31,0-18-15,18-52-16</inkml:trace>
+  <inkml:trace contextRef="#ctx0" brushRef="#br0" timeOffset="72791.609">30833 9984 0,'0'0'0,"-36"-36"32,36 54-32,18 0 15,-18-1-15</inkml:trace>
+  <inkml:trace contextRef="#ctx0" brushRef="#br0" timeOffset="73725.606">30974 10213 0,'0'0'0,"-18"0"0,36 0 32,0 18-17,-1 34 1,1 1-1,-18 0 1,0-35-16,0 17 16,17-17-1,1-18 1,35-35 0,-18-1-1,18-34 16,0 34-15,-35 36 0,17 18-1,-17 0 1,35 17 0,35-35-1,0 0 1,-17-18-1,-54-17 1,1 0 0,-18-18-1,-53 0 1,0 35 0,-18 18-1,36 36 16,53 52-15,35-18 0,0-17-1,-18-17 1,-17-19 0,-1-17-1,1 0 1,-1 18-1,19 70 1,-19-35 0,-17 35-1,0 36 1,0-19 0,-17-34-1,-19-36 16,19-70-15,34-18 0,54-123-1,105-54 1,-17 107 0,35 17-1,-70 88 1,-107 54-1</inkml:trace>
+  <inkml:trace contextRef="#ctx0" brushRef="#br0" timeOffset="95981.73">3739 12788 0,'-17'0'15,"-1"0"32,18 18 0,-17-18-47,-1 0 31,0 17-15,-17 1 0,17 0-16,-17-1 15,0 19 1,-1 17 0,1-18-1,18 35 1,-1 36-1,18 0 1,0-35 0,18 17-1,34 18 1,-16-18 0,-1-53-1,36 18 16,17-18-15,0-17 0,18 0-1,-36-18 1,19-18 0,16-17-1,-34-18 1,-18 17-1,0-34 1,-18-1 0,0-17-1,1-18 1,-36 36 0,0-36-1,-18 0 16,0 18-15,-17 17 0,0 18-1,-18 1 1,18 16 0,-18 19-1,17 17 1,-17-18-1,-17 18 1,17 0 0,18 18-1,-18-1 1,18 1 0,17-18-1,0 0 16,1-18-15,-1 18 0,0 18-1,-17 0 1,17-1 0,-17 1-1,18-18 1,-1 17-1,0-17 1,1 0 62,17 18-47</inkml:trace>
+  <inkml:trace contextRef="#ctx0" brushRef="#br0" timeOffset="97084.7">5309 13088 0,'0'0'0,"-17"0"0,-1 0 16,0 0-16,1 0 0,34 0 31,1 0-16,0 0-15,17 0 16,0-18-16,18 18 0,106 0 31,-106 0-31,211 0 32,-193 18-17</inkml:trace>
+  <inkml:trace contextRef="#ctx0" brushRef="#br0" timeOffset="97303.2019">5786 12894 0,'0'18'31,"35"17"0,0 0-15,18 36-1,-18 35 1,-17-71-16</inkml:trace>
+  <inkml:trace contextRef="#ctx0" brushRef="#br0" timeOffset="98084.3429">7038 12788 0,'0'0'0,"-71"-17"16,71-1-1,-17 18 1,17-18-16,-18 18 16,36 18-1,-1 17 1,19 0-1,-19 1 1,-17-1 0,0-17-1,-35-18 1,0-36 15,17-17-15,18-105-1,18 34 1,35-35 0,0 71-1,52 35 1,-16 53 0,-54 89-1,-53-1 1,-35-18-1,-35 19 1,53-72 0,52 1-1,19-36 1,70-17 0,35 35 15,-35 35-16,-54 18 1,-52-18 0,-70 36-1,-36-18 1,-17-36 0,34-34-1,89-18 1</inkml:trace>
+  <inkml:trace contextRef="#ctx0" brushRef="#br0" timeOffset="98969.673">7867 12559 0,'0'0'0,"18"-18"0,-1 18 0,1-17 31,-18-19-15,0 1 0,-35 0-1,-36-1 1,53 36 0,-35 36-1,1 34 1,52 19-1,52-19 1,1-52 0,36-18-1,-19-18 1,-17-35 0,-53 18 15,0 0-16,18 70 17,-1-35-32,36 18 31,35-36-15,-52 0-1,17-52 1,-53-1-1,0 36-15,-18-36 16,-53-52 0,19 35-1,52 88 1,17 70 15,1 1-15,35 52-1,17-17 1,-34-53 0,16-18-1,19-70 1,-18-53 0,-35-106-1,-36 88 1,-17 35-1,-1 18 1,36 89 0,18 52-1,53 53 17,-19-53-32,72 18 31,-89-88-31</inkml:trace>
+  <inkml:trace contextRef="#ctx0" brushRef="#br0" timeOffset="99625.307">9437 12083 0,'0'0'15,"-18"0"1,1 0-16,-1 0 16,-17 0-1,17 53 1,18 17 15,18-35-15,-1 1-16,54 17 15,-18-36 1,17-17 0,-52-35-1,-36 17 1,-35-52 0,0-18-1,36 17 1,87 0-1,1 54 1,52 17 0,-34 35-1,-54 18 1,-35 0 0,-53 17 15,18-52-16,17-36 1,18-52 0,35-1-1,53-34 1,1 34 0,-19 53-1,-34 71 1,16 53-1,-52-71 1</inkml:trace>
+  <inkml:trace contextRef="#ctx0" brushRef="#br0" timeOffset="100885.894">10283 11836 0,'0'0'0,"-35"-36"31,53 19-31,-1-1 16,36 0 0,18-17-1,17 35 1,-35 53 0,-18 18 15,-35-18-16,0 17 1,0-52-16,0 17 16,0-53 15,0-52-15,53-18-1,0 17 1,0 53-1,0 18 1,18 53 0,-36 0-1,0 0 1,-17-35 15,-1 0-15,1-36-1,17-17 1,-17 35 0,-18-18-1,0 0 1,-18-17 0,18-18-1,0 0 1,18 36-1,-18-19 1,0 19 0,-18 17 15,-17 35-15,35-17-1,0 34 1,18 1-1,35 0 1,-36-53-16,36 18 16,18-18-1,-18-18 1,-36-35 0,-34 0-1,-19-35 1,-17 18-1,18 70 1,17 17 0,18 19-1,71 17 17,17-53-17,-17-18 1,-18-17-1,-36-36 1,-70-35 0,-17-17-1,-18 17 1,70 88 0,18 54-1,53 87 1,35 1-1,-17-19 1,-36-69 0</inkml:trace>
+  <inkml:trace contextRef="#ctx0" brushRef="#br0" timeOffset="101035.9399">11289 11589 0,'0'0'0,"-18"-36"15,36-16 1,17 34 0,71 0-1,-35 18 1</inkml:trace>
+  <inkml:trace contextRef="#ctx0" brushRef="#br0" timeOffset="101371.972">11695 11342 0,'-36'-18'0,"72"36"0,-89-53 16,0-36-1,17-17 1,36 17 0,18 54-16,35-1 15,35 53 1,-17 53 0,-36 1-1,-35 16 1,0 1-1,18-35 1</inkml:trace>
+  <inkml:trace contextRef="#ctx0" brushRef="#br0" timeOffset="101508.488">11906 11818 0,'0'0'0,"0"18"16,-17-1-1,52 1 17</inkml:trace>
+  <inkml:trace contextRef="#ctx0" brushRef="#br0" timeOffset="105338.759">2840 15134 0,'17'0'15,"-17"-17"1,-17 17 15,-1 0-15,1 0 0,-1 0-1,-53 52 16,18 90 1,71-72-17,53-35 1,-36-17 0,35-18-1,-52-18-15</inkml:trace>
+  <inkml:trace contextRef="#ctx0" brushRef="#br0" timeOffset="106262.552">3157 15258 0,'0'0'16,"-17"0"-16,-1 0 0,-35-18 15,36 18 1,-1-18-1,53-17 17,36 70-1,-36 36 0,-35-53-31,0-1 16,0-34 31,0-1-47,0-17 15,18-36 1,17 18 15,-17 53-15,-1 0-16,18 0 15,1 35 1,-19 1 0,-17-1-1,18-53 17,-18 1-17,0-19 1,18 1-1,-18 18-15,17-1 16,1 0 0,17 54-1,-17-1 17,-18-18-17,0 19 1,17-36-1,1 0 17</inkml:trace>
+  <inkml:trace contextRef="#ctx0" brushRef="#br0" timeOffset="107289.724">2046 15311 0,'0'0'0,"0"-18"0,-18 18 16,1-18-16,-1 1 16,18-1-1,0 0-15,18 1 0,-18-1 16,17 0-16,19 1 15,34-18 1,54 70 15,-124 124 1,-88-36-1,70-105-16,36-18 17,17-18-32,35 0 31,19 18-15,-36 18-1,-1 17 1,-69 18-1,-18-18 1,-107 36 0,107-53-16,-53-1 15,53-34-15</inkml:trace>
+  <inkml:trace contextRef="#ctx0" brushRef="#br0" timeOffset="107923.109">2628 14605 0,'0'0'0,"-35"-53"16,17 53-16,18-18 15,-17 18-15,17 18 16,0 0-1,0-1-15,17 19 0,1-1 16,0 0-16,34 71 16,1-35 15</inkml:trace>
+  <inkml:trace contextRef="#ctx0" brushRef="#br0" timeOffset="108224.767">2593 14993 0,'0'0'0,"-18"0"15,36 0 17,17-18-17,18 1 1,0-1-1,0-17 1,-35 35 0,-18-18-1,0 1 1,0-1 0,0 0-1,-18 54 1,-17 16-16</inkml:trace>
+  <inkml:trace contextRef="#ctx0" brushRef="#br0" timeOffset="117757.925">1393 15646 0,'0'0'0,"0"17"63,18-17-16,0 0-47,70-35 31,-53 17-31,36-17 16,52-18-1,-87 53 1,-19-17-1</inkml:trace>
+  <inkml:trace contextRef="#ctx0" brushRef="#br0" timeOffset="118075.291">1552 15381 0,'0'0'0,"-17"0"16,34 0 15,1 18-15,-1-18-1,1 17-15,35 1 16,18 0-1,-18-1 1,-1 19 0,-52-1-1,0 35 1,-52 54 0,-1-36-1</inkml:trace>
+  <inkml:trace contextRef="#ctx0" brushRef="#br0" timeOffset="126097.27">6032 13935 0,'0'-18'31,"0"0"-31,18 18 16,-18-17-16,18 17 16,-18-18-16,17 1 15,-17-1 1,-17 18 0,-1 18-1,-70 87 16,70-69-31,-35 175 32,230-34-1,-71-160-15,35-17-1,-18-53 1,-88-17-1,-70 17 1,-35 18 0,-36 17-1,0 36 17,71 35-17,35-18 1,35 0-1</inkml:trace>
+  <inkml:trace contextRef="#ctx0" brushRef="#br0" timeOffset="128279.029">5186 14305 0,'0'0'0,"-18"-18"31,1 18-31,17-17 16,17 17 0,1-18-1,17 1 1,53-1 15,-88 36 0,0-1-31,0 1 32,-17-1-1,17 1-31,0 0 16,0-1 15,0 1 16,0 0-32,0-1 17,0 1-17,0 0 16,0-1-15,-18 1 0,18 0 15,-18-18-15,18-18-1,36 0 1,-19 1-1,36-1 1,-18 0 0,18 71-1,-17 18 1,-36-1 0,0 19-1,-53-19 1,-35-35-1,35-17 1,35-18-16,-17-18 16,17-35-1</inkml:trace>
+  <inkml:trace contextRef="#ctx0" brushRef="#br0" timeOffset="128496.345">5644 14429 0,'0'0'0,"-17"0"0,-1 0 16,18-18-1,18-17 1,17 17-1,0 18-15,1-18 16</inkml:trace>
+  <inkml:trace contextRef="#ctx0" brushRef="#br0" timeOffset="129430.073">6809 14023 0,'-18'0'31,"0"0"-31,1 0 16,-1 0-1,0 18 1,-17 17-1,17 18 1,18-36-16,0 19 16,53 17-1,18-18 1,-18-35 0,35-35-1,-17-18 1,-71 0-1,-36 0 1,1 18 15,17 17-15,18 0 0,36 54-1,17 16 1,-18-16-1,0-1 1,-17 0 0,-1-52-1,1-19 1,0 1 0,-18-35-1,17 17 1,1 53 15,0 0-31,-1 17 16,1 1 15,0-18-15,17-35 15,0 17-16,36-17 1,-18 35 0,-18 0-1,18 35 1,-36-17-16</inkml:trace>
+  <inkml:trace contextRef="#ctx0" brushRef="#br0" timeOffset="130430.844">5627 15099 0,'0'0'0,"-18"0"0,1-18 16,-1 18-1,-17-17 1,88 52 15,88 106 0,-71-88 16,-105-53-31,0-35 0,-54-18-1,37 0 1,34-53-1,36 0 1,70 53 0,-18 18-1,-34 35-15,34 0 16,-35 35 0,-35 18-1,-35 0 1,0 0-1,17-18 1,36-35 15,52 18-15,-17-18 0,35 18-1,-17 17 1,-71 18-1,-53 0 1,0-18 0,-53-17-1,53-54 1,53 19-16</inkml:trace>
+  <inkml:trace contextRef="#ctx0" brushRef="#br0" timeOffset="132932.8739">6032 15734 0,'0'0'16,"-17"0"-16,-1 0 0,1 0 0,-1 0 15,0 0-15,1-18 0,34 1 32,1 17-32,0-18 0,17 18 15,18-18-15,-18 1 16,18-1-16,0 0 0,53-35 31,-89 53-31,1-17 31,-124 52 1,18 0-1,141 1 0,0-1-31,17 18 16,1 35-1,-18 0 17,-36-35-17,-17-18 1,-17-35 0,-36-17-1,-53-1 1,0 1-1,18 34 1,53 18 0,35 18-1,53 0 1,17-53 0</inkml:trace>
+  <inkml:trace contextRef="#ctx0" brushRef="#br0" timeOffset="133283.144">6562 15787 0,'0'0'0,"-18"-18"0,-35-35 31,18 53-15,35 18-1,17 0 1,1-1-16,0 18 15,35 1 1,0-1 0,-18-53-1,0-17 1,-35 0 0,0-36-1,-53-17 16,53 70-31,0 36 32,18 0-17,35 17 1</inkml:trace>
+  <inkml:trace contextRef="#ctx0" brushRef="#br0" timeOffset="133668.492">6844 15575 0,'0'0'16,"-18"-18"-16,18 1 0,-17 17 15,17-18-15,-18 1 16,36 17 0,17 17-1,0 18 1,0 1-1,-35-19 17,0 1-17,-17-36 17,17 1-17,0-1 1,17 18 15,-17 18-31,18-18 16,17 35-1,1 0 1</inkml:trace>
+  <inkml:trace contextRef="#ctx0" brushRef="#br0" timeOffset="133839.5559">6809 15328 0,'0'0'0,"-18"-17"15,36 34 1</inkml:trace>
+  <inkml:trace contextRef="#ctx0" brushRef="#br0" timeOffset="134117.878">7197 15469 0,'0'0'0,"0"-17"16,0-1-1,-18 18-15,18-18 16,-18 18-16,-17 0 31,0 18-15,17 35 0,36 17-1,17-34 1,71-19-1,17-52 1</inkml:trace>
+  <inkml:trace contextRef="#ctx0" brushRef="#br0" timeOffset="134481.475">7479 15434 0,'-35'-18'15,"52"18"32,1 0-31,0 0-1,70-35 1,-35 17 0,0-17-1,-53-18 1,-53 18-1,0 17 1,17 18-16,-34 0 16,-1 53-1,54 18 1,87-1 0,18-34-1,54-54 1,-37-17-1</inkml:trace>
+  <inkml:trace contextRef="#ctx0" brushRef="#br0" timeOffset="139486.568">6526 16510 0,'0'0'0,"-17"0"0,-19 0 16,19 0-1,34-18 32,1 18-47,17-17 16,-17 17-16,17-18 16,53-17-1,71 0 16,-194 35 1,17 17-32,-70 1 31,70-18-15,36 0 30,17 17-30,18 36 0,-35-17-1,35 34 1,0 1 0,-36-18-1,1-36 1,-36-17-1,1-17 1,-54-19 15,36 19-31,-18 17 16,-18 35 0,1 18-1,52 0 16,54-36-15</inkml:trace>
+  <inkml:trace contextRef="#ctx0" brushRef="#br0" timeOffset="140835.0889">7073 16528 0,'0'0'0,"0"-18"0,-17 0 15,17-17 1,0 53 31,17 17-47,18 18 16,18-18 15,-17-17-31,17-53 31,-18-18-15,-35-18-1,-35 1 1,17 34 0,0 36-16,1 0 15,17 18 1,17 17-1,19-17 1,16-1 0,1-34-1,-35-1 1,0-17 15,-18 17-31,17 1 31,1-1-15,17 36 0,-17-1-1,17 19 1,0-1 0,-17-35-1,-18-18 16,0-35-15,18 0 0,-1 18-1,1 17 17,-18 36-32,35 17 31,1-17-16,-19 0 1,1-18-16,-1-36 31,1 1-15,0 0 0,-1 35-1,1 0 1,17 17-1,-17 1 1,0-18 0,-1 0-16,-17-35 15,0-1 1,0-34 0,-35-18 15,17 52-16,1 1 1,34 53 0,36 70-1,35 18 1,18 17 0,-35-52-1,-18 35 1,-18-53-1,-88-89 17,18-69-17,-18-1 1,18 35 0,35 36-1,-18 0-15,0-1 31,71 19-15,35 34 0,-35 1-1,0 17 1,-88-17 0,-88 35-1,87-36-15</inkml:trace>
+  <inkml:trace contextRef="#ctx0" brushRef="#br0" timeOffset="141602.287">7108 17180 0,'0'0'16,"36"0"-16,-19 0 16,36 0-1,-17-17 1,-1-1-1,-18 0 1,-34-17 0,-18 17-1,17 1-15,-17 17 16,-18 53 0,0 35 15,53-18-16,17 1 1,54-18 0,17-53-1,-17-35 1,-36-18 0,-17-18-1,-18-17 1,-18 35-1,36 88 17,17 1-17,18-19 1,0 1 0,-18-36-1,0-17 1,-17 0 15,-18-1-15,0 54 15,18-18-31,-1 35 16,19 1-1,-1-19 1,-18-17-1</inkml:trace>
+  <inkml:trace contextRef="#ctx0" brushRef="#br0" timeOffset="142068.0239">7655 16969 0,'0'0'0,"-88"-36"31,70 19-31,18-19 16,71 19 0,0 34-1,-36-17-15,53 36 16,-17 34 0,-54-17 15,-34-53-16,-19 0 1,19-88 0,17-36-1,35 19 1,18 87 0,-36 36-1</inkml:trace>
+  <inkml:trace contextRef="#ctx0" brushRef="#br0" timeOffset="148321.948">7691 13564 0,'0'0'0,"17"-17"16,1-1-1,-1 18 1,-17-18-16,18 18 0,0 0 31,-18 18-31,0 0 0,17 52 32,19 54-1,-1-71 0,-17-124-15,17-70-1,-18 17 1,36-87 0,36 52-1</inkml:trace>
+  <inkml:trace contextRef="#ctx0" brushRef="#br0" timeOffset="149739.572">6632 14764 0,'18'17'16,"-18"1"0,17 0-16,-17-1 15,18 19-15,0-19 0,-1 1 16,-17-1-16,36 19 15,-1-1 17,18-123 15,17-18-32,19-17 1,-36 70-16,70-88 15,-52 88-15</inkml:trace>
+  <inkml:trace contextRef="#ctx0" brushRef="#br0" timeOffset="151021.935">8114 14993 0,'18'-35'32,"-1"35"-17,36-18 1,-18 18-16,-17 0 0,70 18 31,18 17-15,17 0 15,-70-17-15</inkml:trace>
+  <inkml:trace contextRef="#ctx0" brushRef="#br0" timeOffset="151672.518">8537 15064 0,'53'0'31,"-35"-18"-31,-1 18 16,1-35 0,-18 17-16,18 0 0,-18-17 0,17 0 15,-17 0-15,18-18 16,17 17-16,53-122 15,142-72 17,-177 213-17,-18-1-15</inkml:trace>
+  <inkml:trace contextRef="#ctx0" brushRef="#br0" timeOffset="153273.9309">8555 15857 0,'0'-17'0,"0"34"0,-18-34 16,18-1-16,0 0 31,35 18-15,-17 0-1,0 18 1,-18 0-1,35 70 17,0-53 15,-17-70-32,17-53 1,53-71-1,142-88 1,-177 194 0,17 18-16</inkml:trace>
+  <inkml:trace contextRef="#ctx0" brushRef="#br0" timeOffset="154589.235">8572 16722 0,'0'0'0,"-17"-18"15,17 0 1,0 1 0,17 17-1,1 0-15,0 0 16,-1 0 0,1 53 15,0-36-31,-18 19 15,17-1 1,19-35 0,-19-18-1,54-52 1,52-71 0,89-71-1,-36 71 1</inkml:trace>
+  <inkml:trace contextRef="#ctx0" brushRef="#br0" timeOffset="161858.916">9543 13494 0,'53'-53'31,"-36"35"-31,1 18 16,-1 0-16,1 18 0,0-1 16,-1 1-16,1 0 15,17-1-15,53 36 16,-52-35-16,87 35 47,-105-53-47</inkml:trace>
+  <inkml:trace contextRef="#ctx0" brushRef="#br0" timeOffset="162041.8609">9895 13300 0,'0'17'31,"-17"36"-31,-19 18 16,1 17 0,0 35-1,35-70-15</inkml:trace>
+  <inkml:trace contextRef="#ctx0" brushRef="#br0" timeOffset="163076.714">9419 12859 0,'0'-53'31,"0"35"-31,0 36 31,18-18-31,-18 17 0,53 54 32,17 17-1,-34-141 0,87-158 0,-17 52-15,-18 71 0,36-1-1</inkml:trace>
+  <inkml:trace contextRef="#ctx0" brushRef="#br0" timeOffset="165127.703">9895 14076 0,'0'0'0,"18"0"15,-18-18-15,18 18 16,-1 0-16,1 0 109,0 0-77,-18-17-17,35 17 1,53 0 0,18 17 15,35 36-16,-70-35 1,-36-1-16,0 1 16</inkml:trace>
+  <inkml:trace contextRef="#ctx0" brushRef="#br0" timeOffset="165395.8209">10266 13935 0,'0'0'0,"-35"17"16,35 1 15,0 0-16,-18-1-15,0 36 16,-35 71 0,-35 34-1</inkml:trace>
+  <inkml:trace contextRef="#ctx0" brushRef="#br0" timeOffset="166278.9639">9966 14076 0,'0'0'0,"-18"-18"16,18 1-16,-17-1 15,17 0 1,17 18 0,89 53-1,-71-35 1,36 17-1,-36-17-15,71 35 32,-88-36-1,35-123 0,17-17-15,71-53-1,0 52 1,124-52 0,-36 105-1</inkml:trace>
+  <inkml:trace contextRef="#ctx0" brushRef="#br0" timeOffset="168228.3879">10477 14728 0,'0'0'0,"-17"0"0,17-17 0,0-1 31,17 18-15,1 0-16,0 0 16,17 18-16,-17-18 0,17 17 15,71 19 1,53-1 15,-124-17-15</inkml:trace>
+  <inkml:trace contextRef="#ctx0" brushRef="#br0" timeOffset="168413.635">10724 14623 0,'-17'-18'15,"34"36"-15,-34-54 16,17 89 15,-18 53-15,-17 0-1,17-53-15</inkml:trace>
+  <inkml:trace contextRef="#ctx0" brushRef="#br0" timeOffset="174564.095">10883 15311 0,'-17'-18'31,"17"36"16,17-18-31,36 17-1,-18-17-15,71 35 16,53-17 31,-141-18-47,17 18 16</inkml:trace>
+  <inkml:trace contextRef="#ctx0" brushRef="#br0" timeOffset="174815.165">11148 15152 0,'-18'0'16,"36"0"-16,-54 0 0,1 17 15,18 19 1,17-19 0,-18 54-1,18-1 1,-71 124 0,54-158-16</inkml:trace>
+</inkml:ink>
+</file>
+
+<file path=ppt/ink/ink13.xml><?xml version="1.0" encoding="utf-8"?>
+<inkml:ink xmlns:inkml="http://www.w3.org/2003/InkML">
+  <inkml:definitions>
+    <inkml:context xml:id="ctx0">
+      <inkml:inkSource xml:id="inkSrc0">
+        <inkml:traceFormat>
+          <inkml:channel name="X" type="integer" max="1920" units="cm"/>
+          <inkml:channel name="Y" type="integer" max="1080" units="cm"/>
+          <inkml:channel name="T" type="integer" max="2.14748E9" units="dev"/>
+        </inkml:traceFormat>
+        <inkml:channelProperties>
+          <inkml:channelProperty channel="X" name="resolution" value="55.81395" units="1/cm"/>
+          <inkml:channelProperty channel="Y" name="resolution" value="55.6701" units="1/cm"/>
+          <inkml:channelProperty channel="T" name="resolution" value="1" units="1/dev"/>
+        </inkml:channelProperties>
+      </inkml:inkSource>
+      <inkml:timestamp xml:id="ts0" timeString="2020-12-18T05:52:22.792"/>
+    </inkml:context>
+    <inkml:brush xml:id="br0">
+      <inkml:brushProperty name="width" value="0.05" units="cm"/>
+      <inkml:brushProperty name="height" value="0.05" units="cm"/>
+      <inkml:brushProperty name="fitToCurve" value="1"/>
+    </inkml:brush>
+  </inkml:definitions>
+  <inkml:trace contextRef="#ctx0" brushRef="#br0">26 52 0,'26'0'15,"-26"-26"17,-26 26-1,26-26-15,-26 26 30,26 26 79,26-26-93,0 0 46,-26 26 16</inkml:trace>
+</inkml:ink>
+</file>
+
+<file path=ppt/ink/ink14.xml><?xml version="1.0" encoding="utf-8"?>
+<inkml:ink xmlns:inkml="http://www.w3.org/2003/InkML">
+  <inkml:definitions>
+    <inkml:context xml:id="ctx0">
+      <inkml:inkSource xml:id="inkSrc0">
+        <inkml:traceFormat>
+          <inkml:channel name="X" type="integer" max="1920" units="cm"/>
+          <inkml:channel name="Y" type="integer" max="1080" units="cm"/>
+          <inkml:channel name="T" type="integer" max="2.14748E9" units="dev"/>
+        </inkml:traceFormat>
+        <inkml:channelProperties>
+          <inkml:channelProperty channel="X" name="resolution" value="55.81395" units="1/cm"/>
+          <inkml:channelProperty channel="Y" name="resolution" value="55.6701" units="1/cm"/>
+          <inkml:channelProperty channel="T" name="resolution" value="1" units="1/dev"/>
+        </inkml:channelProperties>
+      </inkml:inkSource>
+      <inkml:timestamp xml:id="ts0" timeString="2021-11-22T06:22:15.467"/>
+    </inkml:context>
+    <inkml:brush xml:id="br0">
+      <inkml:brushProperty name="width" value="0.05292" units="cm"/>
+      <inkml:brushProperty name="height" value="0.05292" units="cm"/>
+      <inkml:brushProperty name="color" value="#FF0000"/>
+    </inkml:brush>
+  </inkml:definitions>
+  <inkml:trace contextRef="#ctx0" brushRef="#br0">15646 4762 0,'0'0'0,"0"-17"0,17 17 16,1 0-1,0 0 1,-1 0 62,1 17-47,-18 1-15,-18-18 0,1 0-1,-1 0 1,18-18-1,18 1 1,-18-1 0,17 1-1,19-1 1,-1 18 0,-18 18-1,-17-1-15,0 18 16,0-17-1,-35 17 1,0-35 0,-18-17-1,18-19 1,35 19 15,17-1-15,1 1-1,0 34 1,-1 1 0,1-1-1,-18 1 1,-35 0 0,17-18-1,-17 0 1,35-18-1,0 0 1,35 1 0,0-1-1,1 18 1,-19 35 15,1 1-15,-18-19-1,-18 19 1,-17-36 0,17-18-1,-35 0 1,18-17 0,53 0-1,35 17 1,-36 1-1,36 17 1,-35 17 0,-18 1-1,-18-1 17</inkml:trace>
+  <inkml:trace contextRef="#ctx0" brushRef="#br0" timeOffset="634.059">16492 4798 0,'0'0'15,"18"-36"1,0 36 0,-18-17-16,0-1 31,-18-35-16,0 36 1,-35-1 0,1 18-1,-1 18 1,35-1-16,-17 19 16,-1 16-1,36 1 1,36-17-1,-1-19 1,36-17 0,-1-35-1,-35 0 1,1-1 15,-36 19-15,0-1-1,17 53 17,-17 1-17,18-36-15,0 35 16,-1 0 0,1-17-16</inkml:trace>
+  <inkml:trace contextRef="#ctx0" brushRef="#br0" timeOffset="934.446">16916 4692 0,'0'0'0,"0"-18"16,-18 1-1,0 17 1,-17 0-1,0 17 1,17 19 0,1-36-16,17 35 15,0 0 1,35 18 0,18-35-1,0-1 1,17-34-1,-52-1-15</inkml:trace>
+  <inkml:trace contextRef="#ctx0" brushRef="#br0" timeOffset="1133.7">17092 4657 0,'0'0'0,"0"-36"0,-18-17 16,1 1 15,-1 52-15,18 17-1,18 18 1,-1 36 0,19 0-1,-19-1 1,1-35 0,0-35-16</inkml:trace>
+  <inkml:trace contextRef="#ctx0" brushRef="#br0" timeOffset="1636.752">17145 4727 0,'0'-17'15,"0"34"-15,-18-52 0,18 17 32,36 18-1,-19 0-31,36 0 15,35 0 1,-35-17 0,-35-1-1,-18-17 1,-18 17 0,1 18-1,17 35 1,0 1-1,0 34 1,35-17 0,0-18-1,-17-35 1,35-17 15,-18-19-15,0-34-1,-17 17 1,-18 18 0,-18 17-1,18 36 17,0 17-17</inkml:trace>
+  <inkml:trace contextRef="#ctx0" brushRef="#br0" timeOffset="2318.281">17956 4657 0,'0'0'16,"0"-18"-16,18 0 0,-36-17 31,-17 0-16,17 35 1,1 0-16,-18 0 16,-1 17-1,19 36 1,-1-17 0,18-1-1,18-17 1,17-1-1,18-17 1,-36-17 0,1-1-1,-18-17 1,0 52 31,18 1-32,-1 17 1,19-17 0,-1-18-1,18 0 1,-36 0-16,19-35 16,34-36-1,-34-17 1,-36 0-1,0-18 1,-36 35 0,19 89-1,-19 52 17,36 1-17,0 52 1,53-34-1,18-19 1,-36-52 0</inkml:trace>
+  <inkml:trace contextRef="#ctx0" brushRef="#br0" timeOffset="5836.956">11712 3563 0,'0'0'0,"-35"0"16,70 18 0,0-18-16,54 35 15,-54-17 1,-17-1-16,17 1 0,35 35 31,-34-53-31,34 17 31,-70-52 1,-17-53-1,-1 53-16,18-1 1,0 19 15,-18-1-15,18 36 15,0-1-15,0 1-1</inkml:trace>
+  <inkml:trace contextRef="#ctx0" brushRef="#br0" timeOffset="6186.372">12065 3616 0,'0'0'0,"-18"-35"31,1 35-31,-1 0 0,0-18 16,-34-17-1,16-1 1,-52-69-1,53 16 1,-1-52 0,19 18-1,52 70 1,36 0 15,-36 53-31,18 18 31,-18-1-31</inkml:trace>
+  <inkml:trace contextRef="#ctx0" brushRef="#br0" timeOffset="6570.294">12188 2769 0,'0'0'0,"-52"-53"16,52 36-1,-18 17-15,18 17 31,0 19-15,18 17-16,-1 35 31,-17-53-31,18 0 16,35 71 0,0-88-1,17-1 1,-17-34-1,18-54 1,-54 36 0</inkml:trace>
+  <inkml:trace contextRef="#ctx0" brushRef="#br0" timeOffset="6804.119">12488 2857 0,'0'0'0,"18"-17"16,0 34 15,-1 1-15,1 0 0,0 17-1,-1 18 1,-17-35-1,18-18-15</inkml:trace>
+  <inkml:trace contextRef="#ctx0" brushRef="#br0" timeOffset="6938.185">12577 2752 0,'0'0'0,"-18"-71"15,0 36 1,36 52 15</inkml:trace>
+  <inkml:trace contextRef="#ctx0" brushRef="#br0" timeOffset="7353.561">12682 2787 0,'-17'0'16,"34"0"15,1 0-15,-18 18-16,35 17 16,-35-18-1,18-17-15,-18 36 16,0-19-1,0-34 32,18-36-31,-1 35-16,1-17 16,35-36-1,0 54 1,-18 17-1,0 53 1,-17 17 0,17-52-1,-35-1-15</inkml:trace>
+  <inkml:trace contextRef="#ctx0" brushRef="#br0" timeOffset="7669.911">13159 2752 0,'0'-18'16,"0"36"-16,0-54 31,17 36-15,1-17 0,35-1-1,-36-17 1,1 17-16,0-17 15,-36 0 1,-35 17 0,-17 36-1,34 17 1,54 71 15,53-71-31,70 0 31,-88-35-31</inkml:trace>
+  <inkml:trace contextRef="#ctx0" brushRef="#br0" timeOffset="12088.509">11042 5397 0,'0'-17'31,"0"34"63,-18 1-63,18 0-16,0-1 1,0 1 0,0 0-1,0 17 1,0 0 0,0 1-1,0-1 1,0 0-1,0 0 1,-17 1 15,17-1-15,0 0 0,0 0-1,17 1 1,-17-19-1,0 19 1,0-19 0,0 1-1,0 0 1,0 17 0,0-18-1,0 1 1,0 0-1,-17-1 17,17 1-17,0 0 1,0-1 0,0 1-1,0 0 16</inkml:trace>
+  <inkml:trace contextRef="#ctx0" brushRef="#br0" timeOffset="12458.372">10866 6032 0,'0'0'0,"-18"0"0,18-17 31,18 17-16,-1 0 17,1 17-17,-1 1 1,19 17 0,34 1-1,1-1 1,-18 0 15,-36-35-15,1 18-16</inkml:trace>
+  <inkml:trace contextRef="#ctx0" brushRef="#br0" timeOffset="12856.298">11271 6032 0,'0'0'0,"0"-17"15,0-1-15,0 1 16,0-1 0,-17 18-1,-1 18 1,-35-1 15,0 18-15,-35 1-1,0-1 1,52 0 0,1-17-1,18 17 1,-1-35-1,18 18 1,-18-18 0</inkml:trace>
+  <inkml:trace contextRef="#ctx0" brushRef="#br0" timeOffset="14555.837">7990 10425 0,'-17'0'16,"-1"0"-1,36 0 16,-1 17-15,1 1-16,0-1 16,88 72 15,-54-36-15,1-18-1,-35 0 1,0-35-1</inkml:trace>
+  <inkml:trace contextRef="#ctx0" brushRef="#br0" timeOffset="14805.807">8255 10513 0,'0'0'0,"0"-18"0,0 0 0,-18-17 31,1 18-15,-1 17-1,-17 35 1,-36 35 0,36-17-1,-36 18 1,36-1-1,17-52-15</inkml:trace>
+  <inkml:trace contextRef="#ctx0" brushRef="#br0" timeOffset="15906.909">8167 10601 0,'0'18'47,"0"-1"-31,0 1-16,0 35 15,0-18 1,17 53 0,1 18-1,0-18 1,-18-35 0,0 35-1,0 1 1,17-19 15,-17 1-15,0-36-1,-17 0-15,17-17 16,0 35 0,-18 0-1,18-18 1,0 0-1,0 18 1,-18-18 0,18 18-1,0-17 1,-17 17 0,17-18-1,0 0 16,0 0-15,0 1 0,0 17-1,0-18 1,0 0 0,0-17-1,0 17 1,0 0-1,0 1 1,0-19 0,0 1-1,0 0 1,17-1 0,-34-17 15</inkml:trace>
+  <inkml:trace contextRef="#ctx0" brushRef="#br0" timeOffset="17390.684">5115 14975 0,'0'-17'31,"0"-1"-15,18 0 0,-18 1-1,35-1 1,-17 18-1,-1 18-15,1-18 16,53 53 0,-54-53-16,89 106 31,-18-36 0</inkml:trace>
+  <inkml:trace contextRef="#ctx0" brushRef="#br0" timeOffset="17690.664">5592 14799 0,'0'0'0,"-18"0"0,0-18 15,1 18 1,-36 36 0,-18 17-1,1 35 1,-19 0 15,36-53-31,1 18 31,16-35-15</inkml:trace>
+  <inkml:trace contextRef="#ctx0" brushRef="#br0" timeOffset="18375.282">5309 14235 0,'0'17'16,"0"1"0,18 35-1,-18 88 32,0 71-16,0-36 1,0-123-17,0 0 1,0 0-1,18-36 1,-18 1-16,0 0 16,0-1-1</inkml:trace>
+  <inkml:trace contextRef="#ctx0" brushRef="#br0" timeOffset="19444.913">7549 17198 0,'-35'18'31,"53"-18"-31,-1 0 0,19 0 16,-1 0-16,0 0 0,36 0 16,-1 0-16,1 0 15,194 0 1,-124 0-1,0 17 1</inkml:trace>
+  <inkml:trace contextRef="#ctx0" brushRef="#br0" timeOffset="19726.462">8273 17145 0,'0'0'0,"0"-18"15,-18 18-15,18-17 16,18 17 15,-1 0-31,36 17 16,18 19 15,-1-1-15,-52 0-1,-18-17-15,-18 17 16,-52 18 0,-1-18-1,54-17-15</inkml:trace>
+  <inkml:trace contextRef="#ctx0" brushRef="#br0" timeOffset="20225.698">8872 17286 0,'0'0'16,"-53"-18"-1,53 1 1,36-1-1,52 18 1,18 18 0,-89 17-1,-52 0 1,0-17-16,-36 17 16,-35 18-1,71-53 1,88-35-1,18 0 1,52-36 0,-52 1-1,-54 52 1,-34 18 0,-36 35 15,0 18-16,53 35 1,123-35 0,18-53-1,-52-17-15</inkml:trace>
+  <inkml:trace contextRef="#ctx0" brushRef="#br0" timeOffset="24428.393">917 5715 0,'0'0'0,"0"-18"0,0 1 0,-17 17 0,-1-18 15,0-17-15,1 17 0,17-17 16,-18 0-16,18 17 0,-18 18 16,18-18-16,-17 18 0,17-17 0,-18 17 15,0 0-15,18 17 31,0 1-31,36 35 16,105 17 31,-124-70-47,89-17 31,-70-54-15,-19-17-1,-52 0 1,17 70 0,54 106 15,52 89-15,18-36-1,-53-18 1,-106-34 15,17-72-31,-52 18 0,-141-35 31,194-17-31,-18-89 32,88 18-17,71 17 1,17 18-1,-87 53-15</inkml:trace>
+  <inkml:trace contextRef="#ctx0" brushRef="#br0" timeOffset="24810.711">917 4798 0,'0'0'16,"18"0"-1,-36 17-15,1 36 32,-36 18-17,-18-1 1,71-52-16,-53 17 15,36-35 1,17-35 0,35-35-1,18-36 1,-18 35 0,0 36-1,36 88 1,-1 70-1,1 1 1</inkml:trace>
+  <inkml:trace contextRef="#ctx0" brushRef="#br0" timeOffset="34683.7229">9878 17163 0,'0'0'16,"0"-53"-1,0 35-15,0 0 0,17 1 16,-17 34 15,-17 1-31,17 17 16,0 36 0,0-36-16,53 177 31,158-89 0</inkml:trace>
+  <inkml:trace contextRef="#ctx0" brushRef="#br0" timeOffset="35047.473">10566 17321 0,'0'0'15,"-18"-17"-15,0-1 16,1 0-16,-1 1 16,36 17 15,-18 17-31,35 54 16,0-18-1,-35 0 1,0-36-16,18 1 15</inkml:trace>
+  <inkml:trace contextRef="#ctx0" brushRef="#br0" timeOffset="35215.818">10495 17074 0,'0'0'0,"-18"-17"0,1 17 16,17 17 0,17-17-1</inkml:trace>
+  <inkml:trace contextRef="#ctx0" brushRef="#br0" timeOffset="35615.0949">10813 17304 0,'0'0'0,"-18"0"16,36 17 15,-1 1-15,19 17-1,-19 1 1,-17-1 0,-35-18-1,0-17 1,35-17-16,-18-18 16,36-36-1,35-17 1,17 35 15,1 53-15,-18 18-1,17 70 1,-17-18 0</inkml:trace>
+  <inkml:trace contextRef="#ctx0" brushRef="#br0" timeOffset="36113.824">11236 17163 0,'0'0'0,"-35"-53"16,35 88-1,17 88 16,36 36-15,-17-53 0,-19-53-16,18 35 15,18 0 1,-35-70 0,-36-53-1,-35-36 1,1-88-1,16 18 1,72 35 0,16 106-1,72 18 1,-18 35 0,-89 0-1,-34 0 16,-89-36-15,0-17 0,36-52-1,52-1 1,18 35-16</inkml:trace>
+  <inkml:trace contextRef="#ctx0" brushRef="#br0" timeOffset="36297.159">11553 17074 0,'0'0'15,"18"-17"-15,0-1 0,88 1 16,-1 34 0,-52 1-16,53 70 15,-53 106 1,-159-53-1</inkml:trace>
+  <inkml:trace contextRef="#ctx0" brushRef="#br0" timeOffset="37648.954">300 3563 0,'0'0'0,"-71"0"31,36 0-31,0 0 0,17 0 0,0 0 15,-17 18-15,18-1 0,17 19 0,0-1 16,0 0-16,176 283 31,89-107 1,-230-193-32,159 0 31</inkml:trace>
+  <inkml:trace contextRef="#ctx0" brushRef="#br0" timeOffset="38148.028">1058 3616 0,'-53'-35'15,"36"35"-15,-1 0 16,-52 0 0,-1 35-1,0 0 1,1 36 0,70-54-16,-18 36 15,54-17 1,-1-19-1,35-17 1,-17-35 0,18-53-1,-54 17 1,1-35 0,-36 18-1,1 35 16,-1 36-15,18-1 0,35 89-1,18 17 1,18 18 0,0-1-1,-36-69-15</inkml:trace>
+  <inkml:trace contextRef="#ctx0" brushRef="#br0" timeOffset="38533.3909">1358 3616 0,'0'0'0,"-35"-53"31,35 35 0,18 18-15,17-17 0,18-19-1,-18 1 1,-35 18-16,18-19 16,-107 1-1,-16 35 1,16 18-1,37 17 1,52 35 0,52-17-1,37-35 1,-19 0 0,36-18-1,-18-36 1</inkml:trace>
+  <inkml:trace contextRef="#ctx0" brushRef="#br0" timeOffset="38965.312">1640 3298 0,'0'0'0,"-70"-35"16,52 18-1,1 34 1,52 54-1,18 35 1,35-1 0,-53-52-1,1 0 1,-36-35 0,-36-18 15,1-53-16,-18-53 1,35 36 0,36-19-1,70 72 1,18 17 0,-53 17-1,-18 36 1,-70 0-1,-71-35 1,18-18 0,53 0-16</inkml:trace>
+  <inkml:trace contextRef="#ctx0" brushRef="#br0" timeOffset="39165.926">1852 3175 0,'0'0'0,"18"-35"31,-1 35-15,1 0-16,35 35 16,70 36-1,-34 52 1,-72-70-16</inkml:trace>
+  <inkml:trace contextRef="#ctx0" brushRef="#br0" timeOffset="47085.342">4868 13652 0,'-17'-17'16,"-1"17"-16,0-18 16,1 1-1,17-1 1,0 36 15,17-18-31,-17 17 16,18-17-16,-18 18 15,88 70 17,-35-70-17,18-18 1,-71-18-1,35-53 1,-35 36 0,-18-18-1,1 36 1,34 70 15,36 17-15,-17-17-1,-19-18-15,1 18 16,-1 0 0,-34 0 15,-54-35-15,1-36-1,34-17 1,36-36-1,53 18 1,18 18 0,-53 35-16</inkml:trace>
+  <inkml:trace contextRef="#ctx0" brushRef="#br0" timeOffset="47268.668">5327 13635 0,'0'0'0,"0"-18"16,0 1-16,0-1 15,0 0 1,18 36-16,17 17 31,18 53-15</inkml:trace>
+  <inkml:trace contextRef="#ctx0" brushRef="#br0" timeOffset="48803.0709">8555 12382 0,'0'0'0,"-18"-17"31,1-1-31,-1 18 16,18 18 0,0-1-16,0 1 15,0 0-15,18 35 32,105 53-1,-17-124 0,-88-106 0,-36 71-15,0 36-16,-17-18 16,35 52-1,35 36 1,18 53-1,0-35 1,-18 17 15,-17-35-15,-71-53 0,-17-18-1,34-17 1,19-36-1,52 1 1</inkml:trace>
+  <inkml:trace contextRef="#ctx0" brushRef="#br0" timeOffset="49087.0029">8978 12418 0,'0'0'0,"-17"-18"15,34 18 1,1 0-16,17 0 31,36 0-15,-36 18 0,-35-1-16,0 19 15,-35 17 1,17-36-1,53-34 1,36-19 0,17-17-16</inkml:trace>
+  <inkml:trace contextRef="#ctx0" brushRef="#br0" timeOffset="50121.365">8572 10425 0,'0'0'0,"-35"0"16,18 0-16,-1 0 15,0 0-15,18 17 16,0 18-1,0-17-15,18-18 0,-18 18 16,18-1-16,-1 1 16,71 0-1,36-54 17,-89-52-1,-35 71-31,-70-54 31,52 71 0,18 35-15,53 36 0,53 35-1,-18-18 1,-70-35-1,-54-36 1,-87-17 0,-1-35-1,54-18 1,70 0 0</inkml:trace>
+  <inkml:trace contextRef="#ctx0" brushRef="#br0" timeOffset="50553.786">8996 10460 0,'0'-18'16,"17"1"0,1-1-1,53-17 1,-18 17-1,-1 36 1,-52 17 0,-52 18-1,16-18 1,-17 0 0,36-35-1,52 0 1,0-17-1,1 17-15,16-18 16,54 0 0,-17 36 15,-37 0-15,-52-1-1,-70 19 1,-71-1-1,88-35-15</inkml:trace>
+  <inkml:trace contextRef="#ctx0" brushRef="#br0" timeOffset="51742.053">10407 4904 0,'0'0'0,"0"-18"0,0 0 15,-18 18 1,18 18-1,0 0-15,-17-18 16,17 17-16,0 19 16,0-19-16,0 18 0,17 36 31,89 0 0,-88-71-31,70-89 31,-70-52 1,-36 106-17,18 17 1,35 71 0,1 53-1,-1-35 1,-18 17-1,-52-35 17,-35-18-17,-19-35 1,54-18-16</inkml:trace>
+  <inkml:trace contextRef="#ctx0" brushRef="#br0" timeOffset="52105.076">10777 4957 0,'0'-36'16,"-17"19"-1,17 34 16,17 1-15,-17 17-16,18 18 31,17-35-15,1-36 0,-1 0-1,-18-52 1,19 17-1,-19 35 1,-17 71 0,36 53-1,-19-53-15</inkml:trace>
+  <inkml:trace contextRef="#ctx0" brushRef="#br0" timeOffset="60974.828">4568 14852 0,'-17'0'32,"-1"0"-32,36 0 47,-1-18-47,19 18 15,-1-17-15,88-54 31,89-35 1,-194 89-17</inkml:trace>
+  <inkml:trace contextRef="#ctx0" brushRef="#br0" timeOffset="61242.576">4833 14623 0,'0'-18'16,"18"0"-16,-18 1 16,17 17-16,19-36 15,17 1 16,-18 53-15,-18 17 0,-17-17-16,-35 52 15,-53 54 1,35-89-16</inkml:trace>
+  <inkml:trace contextRef="#ctx0" brushRef="#br0" timeOffset="62057.02">3528 15205 0,'0'0'0,"0"-18"0,-36 0 15,36 1 1,-17-36-1,34 53 1,1-18-16,35-17 16,0 35-1,35 35 17,-53 18-17,-17-35 1,-36 17 15,1-35-15,-1 0-16,1 0 15,-19-53 1,36-35 0,0 17-1,53-17 1,-18 35-1,-17 53 1</inkml:trace>
+  <inkml:trace contextRef="#ctx0" brushRef="#br0" timeOffset="62274.569">3845 15028 0,'0'0'0,"18"0"0,0 36 31,-18-19-31,35 19 16,-18-1-1,1 0 1</inkml:trace>
+  <inkml:trace contextRef="#ctx0" brushRef="#br0" timeOffset="63475.63">8431 11448 0,'0'-18'32,"18"18"-32,-18-18 15,0 36 48,-18 0-48,1-18-15,-1 17 16,-35 36 0,18 18 15,53-54 0,105 1 16,-52 0-31,-36-1-1</inkml:trace>
+  <inkml:trace contextRef="#ctx0" brushRef="#br0" timeOffset="63742.829">8449 11571 0,'-18'18'15,"36"-18"1,17-18 0,106-17 15,53-18-16,-35 18 1,-53 17 0,-88 0-1,-36 18 1,0 18 0</inkml:trace>
+  <inkml:trace contextRef="#ctx0" brushRef="#br0" timeOffset="64141.294">9225 11359 0,'0'0'0,"-53"-17"15,36 17-15,-1-18 31,18 1-15,35 17 0,36 35-1,-1 0 1,-34 0 0,-19-17-16,1-18 15,-18 18 1,-18-18-1,1-36 1,17-17 0,53-17-1,17-18 1,1 35 0,-54 53-1</inkml:trace>
+  <inkml:trace contextRef="#ctx0" brushRef="#br0" timeOffset="64459.246">9578 11359 0,'18'0'31,"-18"-17"-31,0-1 16,17 1-16,1-1 15,17 18 1,18 0 0,-35 18-1,-18 34 1,-18-16 0,0-1-1,36-53 16,35 1-15,35-19 0,-35 19-16,0-18 0</inkml:trace>
+  <inkml:trace contextRef="#ctx0" brushRef="#br0" timeOffset="65443.592">7020 10125 0,'-17'-18'31,"17"36"-15,17-18-16,1 17 16,0 1-16,158 53 31,-123-54-31,264 89 47,-228-71-32,-54-17 1,-18-18-16</inkml:trace>
+  <inkml:trace contextRef="#ctx0" brushRef="#br0" timeOffset="65925.973">7620 10425 0,'0'0'0,"0"17"15,18-17 17,-1 0-32,1 0 15,52 0 1,-17-17 15,0 17-15,-35-18-1,-18 0 1,0-17 0,-18 0-1,1 17 1,-1 18-16,18 18 47,0-1-47,0 1 15,0 0 1,0-1 0,-18-17-1,-17-17 1,17-19 15,18 19-15,0-1-1</inkml:trace>
+  <inkml:trace contextRef="#ctx0" brushRef="#br0" timeOffset="66460.9099">6279 10107 0,'0'0'0,"-17"0"0,-18-18 15,17 18 1,36 0 0,17 18-1,0 0 1,36 35-1,-18 0 1,-53-36 0,0 1 15,-36-18-15,1-35-1,0-18 1,35-18-1,0 18 1,35 0 0,0 53-1</inkml:trace>
+  <inkml:trace contextRef="#ctx0" brushRef="#br0" timeOffset="66877.55">6615 10213 0,'0'0'0,"-18"18"16,0-18 0,18-18-1,0 0-15,18 1 16,0-1-1,-18 36 17,0 17-17,0-17 17,17-18-17,18 0 1,1 0-1,17 0 1,-18 17 0,-53 1-1,-17 17 1,0-17 0,-18-1-16</inkml:trace>
+  <inkml:trace contextRef="#ctx0" brushRef="#br0" timeOffset="67995.321">10495 5715 0,'0'-18'0,"-18"18"15,18 18 17,18-18-17,0 0 1,-1 18-16,1-18 0,70 0 31,71-18 0,-141-17 1</inkml:trace>
+  <inkml:trace contextRef="#ctx0" brushRef="#br0" timeOffset="68261.044">10760 5592 0,'0'0'0,"0"17"63,17-17-32,-17 18-31,18-18 15,0 17 1,-1 1 0,-17 17-1,0-17 1,0 0 0,-17-18-16</inkml:trace>
+  <inkml:trace contextRef="#ctx0" brushRef="#br0" timeOffset="68776.155">9613 5715 0,'0'-18'16,"0"36"-16,-17-36 0,17 1 0,0-1 15,17 18 1,1 0-16,-1 0 16,19 0-16,-1 18 0,0-18 15,-17 17-15,88 19 32,-106 17-1,-53-18 0,-18-106 0,89 1-15,17 17 0,0 18-1,-17 35 1</inkml:trace>
+  <inkml:trace contextRef="#ctx0" brushRef="#br0" timeOffset="69195.03">9966 5821 0,'0'17'16,"0"1"47,18-18-63,-18 18 15,0-1-15,17-17 0,1 18 16,17 0-1,-17-18-15,17-18 16,18-17 0,-35-18-1,-18 18 17,-18 17-17,36 106 16,52 53-15,-52-88-16</inkml:trace>
+  <inkml:trace contextRef="#ctx0" brushRef="#br0" timeOffset="118979.617">15593 6279 0,'0'0'0,"0"18"32,17-18-32,1 0 15,-18 18-15,18-1 16,-18 1-16,17-18 0,1 18 16,53 52-1,17 54 16,-53-36 16,-70-106-15,52-123-1,36 18-16,18 17 1,-36 71 0,-17 35-1</inkml:trace>
+  <inkml:trace contextRef="#ctx0" brushRef="#br0" timeOffset="119218.624">16175 6544 0,'0'0'0,"0"18"16,0-1 15,17 19-16,-17-1 1,18 35 0,-18-52-1</inkml:trace>
+  <inkml:trace contextRef="#ctx0" brushRef="#br0" timeOffset="119435.026">16545 6332 0,'36'-17'31,"-19"-1"-31,1 18 15,52 0 1</inkml:trace>
+  <inkml:trace contextRef="#ctx0" brushRef="#br0" timeOffset="119598.73">16581 6473 0,'0'0'0,"-18"0"16,18 18-16,0 0 31,70-18 0,-34-18-31</inkml:trace>
+  <inkml:trace contextRef="#ctx0" brushRef="#br0" timeOffset="120017.9469">17286 6227 0,'0'0'0,"-18"-18"0,-70 36 31,35-1-31,0 89 32,53-53-17,0 17 1,36-17 0,34 0-1,-17-53 1,0-17-1,-18-1-15,36-70 16,-71 17 0,-18-35 15,-17 71-31,0 35 31,35 18-31</inkml:trace>
+  <inkml:trace contextRef="#ctx0" brushRef="#br0" timeOffset="120197.01">17621 6403 0,'0'0'15,"0"18"1,18-18-1,0 0 1</inkml:trace>
+  <inkml:trace contextRef="#ctx0" brushRef="#br0" timeOffset="120817.89">18115 6191 0,'0'0'0,"0"-53"16,0 36-1,-18-1 1,1 0-1,-36 18 1,0 18 0,18 0-1,-1-18 17,36 17-17,0 1 16,0 17-15,0 1 0,0 34-1,0-35 1,0-17-16,0 35 16,18-18-1,0-35 16,-1-17-15,19-1 0,-1 18-1,35 0 17,-52 0-32,0 18 0,35 17 15,-53 18 1,-106-18 15,-123-17-15</inkml:trace>
+  <inkml:trace contextRef="#ctx0" brushRef="#br0" timeOffset="125499.332">15593 7638 0,'-18'-18'32,"36"18"-17,-1 0-15,1 0 16,0 0-16,-1 0 15,1 0-15,17 18 0,-17-1 16,17 19-16,-17-19 0,35 71 31,-36 1 1,-70-107-1,18-158 0,70 105-15,18-35-1,18 71 1,-36 53 0</inkml:trace>
+  <inkml:trace contextRef="#ctx0" brushRef="#br0" timeOffset="125849.86">16140 7832 0,'0'0'16,"17"17"-1,1-34-15,-1-1 16,19 18-1,-1 0 1,0 35 15,-52 1-31,-72 16 16,-16 19 15,87-71-31,36 35 31,52-35-15,89 0 0,-36-17-1,-70-1-15,0 0 0</inkml:trace>
+  <inkml:trace contextRef="#ctx0" brushRef="#br0" timeOffset="126066.79">16739 7585 0,'0'0'16,"-35"-18"-1,53 18 1,-18-18-1,70 18 1,-52 0-16</inkml:trace>
+  <inkml:trace contextRef="#ctx0" brushRef="#br0" timeOffset="126216.3">16792 7655 0,'0'0'0,"-35"18"0,0 17 31,88-17-16,35-18 17,-53 0-32,36-18 15</inkml:trace>
+  <inkml:trace contextRef="#ctx0" brushRef="#br0" timeOffset="126472.576">17868 7302 0,'0'0'0,"0"18"31,0 0-15,0-1-16,35 72 15,-17 34 1,0 36 15,-18-106-31,-36 70 16</inkml:trace>
+  <inkml:trace contextRef="#ctx0" brushRef="#br0" timeOffset="128750.819">15893 8837 0,'0'0'0,"-18"0"0,0 0 0,18-18 16,18 18 0,0 0-1,-1 18 1,1-18-16,0 35 15,52 36 1,36 70 15,-71-70 1,-35-54-17,-17-52 1,17-53-1,17 0 1,1 52-16,52-105 31,-34 71-31,17 17 16,-36 53 0</inkml:trace>
+  <inkml:trace contextRef="#ctx0" brushRef="#br0" timeOffset="129202.88">16387 9102 0,'0'-18'16,"17"0"-1,1 1 1,-1 17-16,19-18 16,34 36 15,-52-1-31,-18 1 16,-35 17 15,-18 1-16,17-19 1,36 1 0,18-18-16,35 0 15,18 17 1,34 1 0,-87 0-1,-36 17 1,-52-17-1,-107 17 17,107-35-32</inkml:trace>
+  <inkml:trace contextRef="#ctx0" brushRef="#br0" timeOffset="129600.921">17039 8890 0,'0'0'0,"-17"0"0,-1 0 16,36 0-1,-1 0 1,195-18 15,-18 18 0</inkml:trace>
+  <inkml:trace contextRef="#ctx0" brushRef="#br0" timeOffset="129819.723">17057 9049 0,'0'17'15,"17"-17"1,1 0-1,17 0-15,71 0 16,0-17 0</inkml:trace>
+  <inkml:trace contextRef="#ctx0" brushRef="#br0" timeOffset="131002.892">18186 8643 0,'0'-18'15,"-18"18"-15,0 0 16,1 18-16,-1 0 15,0-1-15,1 19 0,-1-1 16,1 0-16,-1 0 16,18 107-1,106 16 17,-71-140-32,177-18 31,-124-88-16,-88-89 17,-35 89-17,-18 0-15,-106 35 32,88 53-17</inkml:trace>
+  <inkml:trace contextRef="#ctx0" brushRef="#br0" timeOffset="137672.544">15752 10089 0,'0'-52'32,"17"52"-32,1 0 15,-1 0-15,1 0 16,0 0-16,-1 0 0,1 17 15,88 54 1,17 105 31,-52 0-16,-89-140 0,1-54-31,-1-17 16,0-71 0,71-88-1,0 106 1,18 17 0,-18 54-1,0 34 1,-53 36-1</inkml:trace>
+  <inkml:trace contextRef="#ctx0" brushRef="#br0" timeOffset="138471.727">16528 10389 0,'0'0'0,"0"-17"31,0 34 16,17 1-31,36 88 15,-18-89-16,-17-17-15,17 18 16,1-36 0,-1-35-1,-17 1 1,-1 34 0,-17 0-1,0 54 1,-17 16-1,17 37 1,17 17 0,1-71-1</inkml:trace>
+  <inkml:trace contextRef="#ctx0" brushRef="#br0" timeOffset="138771.538">17374 10160 0,'0'0'0,"-17"0"0,-1 0 16,36-18 0,17 18-1,35 0 1</inkml:trace>
+  <inkml:trace contextRef="#ctx0" brushRef="#br0" timeOffset="138921.902">17445 10248 0,'0'0'0,"-71"35"15,1 1 1,52-19 0,71 1-1,35-18 1,53 0-1</inkml:trace>
+  <inkml:trace contextRef="#ctx0" brushRef="#br0" timeOffset="139569.642">18309 10001 0,'0'0'0,"-17"-35"15,-1 35-15,0 0 16,1 0-16,-36 88 31,35-53-31,18 177 32,141-71-1,71-211 0,-159-54 0,-71-35-15,-35 71 0,-35 0-1,17 53 1,19 52-1,52 19 1,0-1-16</inkml:trace>
+  <inkml:trace contextRef="#ctx0" brushRef="#br0" timeOffset="139799.3579">18891 10160 0,'0'18'0,"-17"-18"31,17-18 31</inkml:trace>
+  <inkml:trace contextRef="#ctx0" brushRef="#br0" timeOffset="140421.3579">19597 9913 0,'0'0'0,"17"-18"0,-34-17 31,-18 35-15,-89-35-1,18 35 1,53 0-16,-35 0 15,18 0 1,70 17 0,0 1-1,35 17 1,0 1 0,0 17-1,1-18 1,-36 0-1,35 18 17,-35-18-17,18 18 1,-18-35 15,17-18-15,1-18-1,52-17 1,-17 17 0,88 18-1,-17 53 1,-18 35 0,-89-17-1,-34-36-15,-71 18 16,-106 0-1</inkml:trace>
+  <inkml:trace contextRef="#ctx0" brushRef="#br0" timeOffset="147474.501">14993 12435 0,'-35'-35'15,"17"35"1,0 0-16,18 18 15,0-1 1,0 1-16,0 0 16,-17 35-1,-71 176 17,35-70-1,35-124-16,18-35 1,18-35 0,-1-1-16,1-34 15,17-124 1,1-18 0,16 36-1,1 123 1,0 70 15,0 89-15,-17 35-1,-36-52 1,0-1 0,0-18-1,0-52 1,0-53-1,17-18 1,18-106 0,36 0-1,35 71 1,-36 106 0,19 105-1,-54 54 16,-18-1-15,-34-35 0,17-88-1,0-18 1</inkml:trace>
+  <inkml:trace contextRef="#ctx0" brushRef="#br0" timeOffset="147941.9039">15981 12312 0,'0'0'15,"0"-53"1,-18 53-16,18 35 16,0 36-1,0 88 16,-17-1-15,-1-69 0,0-54-16,1 18 15,-1-36 1,18-52 0,18-35-1,17-124 1,18-36-1,17 36 1,36 141 0,-53 89-1,18 105 1,-1 53 0,-34-36-1,-36-87 16,0 17-15,0-70 0</inkml:trace>
+  <inkml:trace contextRef="#ctx0" brushRef="#br0" timeOffset="148124.0939">16034 12629 0,'0'0'0,"-71"-35"16,18 18-1,71-1 1,52 0 0,72 1-1,16-1 1,-105 18 0</inkml:trace>
+  <inkml:trace contextRef="#ctx0" brushRef="#br0" timeOffset="148690.541">16986 12241 0,'0'0'0,"88"-70"31,-70 70-31,17-18 16,-35 1 0,-70 17-1,-1-18 1,-70 18 0,18 0-1,34 0 16,89 18-15,0 17 0,18-35-16,0 35 15,35 36 1,-18 17 0,-17-18-1,-36 36 1,-17 0-1,17-35 1,18-36 0,18 18-1,17-18 1,18 0 0,35-35 15,-35 0-16,35-35 1,-17 0 0</inkml:trace>
+  <inkml:trace contextRef="#ctx0" brushRef="#br0" timeOffset="148876.5229">16757 12524 0,'0'0'0,"-53"0"31,71 0-31,-1 0 16,19 0-16,87-18 15,53 18 1,-123-18 0</inkml:trace>
+  <inkml:trace contextRef="#ctx0" brushRef="#br0" timeOffset="149058.545">17639 12418 0,'-18'0'0,"36"0"0,-18-18 15,35 0 1,18 18-1,35 18 1</inkml:trace>
+  <inkml:trace contextRef="#ctx0" brushRef="#br0" timeOffset="149190.8039">17762 12559 0,'-35'18'0,"70"-36"0,-88 53 0,1-17 16,34-1-1,71-17 16,70 0-15,-70 0-16</inkml:trace>
+  <inkml:trace contextRef="#ctx0" brushRef="#br0" timeOffset="151876.847">18874 11836 0,'0'0'0,"-18"-18"16,18 0-16,-18 18 0,1 0 15,-1 0-15,0 0 16,1 18-16,-54 70 31,71 142 0,212-142 1,-36-229-1,-176 17-16,-35-17 1,-36 88 0,1 18-1,-1 52 1,71 36 0</inkml:trace>
+  <inkml:trace contextRef="#ctx0" brushRef="#br0" timeOffset="152053.845">19315 11959 0,'0'0'0,"0"18"16,17-18 46</inkml:trace>
+  <inkml:trace contextRef="#ctx0" brushRef="#br0" timeOffset="152375.847">19720 11765 0,'0'0'16,"0"-88"-1,-17 70 1,-1 18-16,0 0 16,1 53-1,17-18 1,0 1-16,35 34 15,18 36 1,17 0 0,-52-35-1,-36-54 1,-17-17 0</inkml:trace>
+  <inkml:trace contextRef="#ctx0" brushRef="#br0" timeOffset="152492.8489">19650 11889 0,'0'0'16,"0"-36"-16,35-70 16,0 71-1,18 0 1,53 35 0</inkml:trace>
+  <inkml:trace contextRef="#ctx0" brushRef="#br0" timeOffset="152725.845">20302 11889 0,'0'0'0,"-70"0"15,105 0 16,0 0-31,71-18 16,71 0 0,-19 18-1,-105-17 1</inkml:trace>
+  <inkml:trace contextRef="#ctx0" brushRef="#br0" timeOffset="152908.8499">20567 11712 0,'0'0'0,"-106"-53"31,88 53-31,36 53 47,0 0-47,17 35 31,-35-52-31,18 69 16,-1-69-16</inkml:trace>
+  <inkml:trace contextRef="#ctx0" brushRef="#br0" timeOffset="153208.946">21043 11589 0,'0'0'0,"35"-36"31,-35 19-31,18 17 0,17 53 16,-35-18 15,18 71-15,-18 0-1,18 17 1,-18-52 0,17-18-1</inkml:trace>
+  <inkml:trace contextRef="#ctx0" brushRef="#br0" timeOffset="153413.907">21572 11818 0,'0'0'0,"-35"-18"31,35 1-31,35-1 16,71 0 15,18 1-15,-71 17-1,-36-18-15</inkml:trace>
+  <inkml:trace contextRef="#ctx0" brushRef="#br0" timeOffset="153596.908">21731 11659 0,'0'0'16,"-53"-17"-16,36 17 16,-1-18-1,18 36 1,18 35-1,17 52 1,0-34 0,18 52 15</inkml:trace>
+  <inkml:trace contextRef="#ctx0" brushRef="#br0" timeOffset="154041.908">22419 11624 0,'0'0'0,"0"-18"15,0 1 1,-18-1-16,1 18 15,-19 18 1,-16 52 0,16 18-1,36-17 1,18-36-16,17 18 31,53 0-15,18-35-1,-18-71 1,-52 0 0,-19-71-1,-70 1 1,-17 35 0,17 70-1,0 36 1,35-1-1</inkml:trace>
+  <inkml:trace contextRef="#ctx0" brushRef="#br0" timeOffset="154293.065">23107 11712 0,'0'0'0,"18"-17"32,-1 17-32,1 0 15,35-18 1,-36 18-16,54 0 16,0 0-1,-36-18 1,-35 1-1</inkml:trace>
+  <inkml:trace contextRef="#ctx0" brushRef="#br0" timeOffset="154509.063">23283 11430 0,'0'0'0,"-35"0"16,35 18-1,0-1 1,35 54 0,-17-18-1,0-18-15,17 36 16,-35 34 0,0-52-1</inkml:trace>
+  <inkml:trace contextRef="#ctx0" brushRef="#br0" timeOffset="154909.139">23989 11395 0,'0'0'0,"-71"-18"16,54 36-1,-19 52 1,36 1 0,36 52-1,17 1 1,35-54 0,-18-52-1,36-36 1,-35-70-1,-54-18 1,-34 0 0,-19 71-1,19 18 1,-18 17-16,-1 17 31,19 18-15,17-17-16</inkml:trace>
+  <inkml:trace contextRef="#ctx0" brushRef="#br0" timeOffset="155109.125">24783 11606 0,'0'0'16,"-18"18"-16,-17-18 0,-1 0 15,54-18 32,17 1-47,-17 17 16</inkml:trace>
+  <inkml:trace contextRef="#ctx0" brushRef="#br0" timeOffset="155344.913">25153 11395 0,'0'0'16,"0"-18"-16,-53-35 16,0 36-1,-17 17 1,52 52 0,53 54-1,36 18 1,-18-1-1,-18-35 1,-35-52 0,-18-36-1</inkml:trace>
+  <inkml:trace contextRef="#ctx0" brushRef="#br0" timeOffset="155494.069">24994 11465 0,'71'-106'15,"-142"212"-15,283-335 16,-89 194 0,54 35-1,-71 35 1,-71-17-16</inkml:trace>
+  <inkml:trace contextRef="#ctx0" brushRef="#br0" timeOffset="156112.647">18538 12682 0,'0'0'0,"-123"0"16,105 0-16,1 0 31,475-35 0,1006-18 1,1235 124-1,-1888-18-16,-440-36-15,229 1 16,70 0 0,-335-18-1,-317-53 17</inkml:trace>
+  <inkml:trace contextRef="#ctx0" brushRef="#br0" timeOffset="160328.759">21149 12894 0,'-18'-18'0,"18"1"15,0-1 1,0 36 15,0-1-31,-17 72 32,-1-37-17,0 1 16,18-35-15,18-18 0,0 0-16,35 0 31,17-18-15,-35 1-1,36-1 1,-18 0-1,-35 1 1,-18-1-16,0-17 16,0 17-1,-18-17 1,18 53 0,-18 35-1,18 17 1,0 107-1,0 52 1,0-159 0</inkml:trace>
+  <inkml:trace contextRef="#ctx0" brushRef="#br0" timeOffset="161028.8939">17392 14587 0,'0'0'0,"-18"0"0,1 0 15,34 0-15,1 0 16,88 0 0,70 0 15</inkml:trace>
+  <inkml:trace contextRef="#ctx0" brushRef="#br0" timeOffset="161178.8809">17515 14781 0,'0'0'0,"-88"36"16,53-19-16,-18 1 16,71-18-1,52 0 1,107 0-1,-124-18-15</inkml:trace>
+  <inkml:trace contextRef="#ctx0" brushRef="#br0" timeOffset="161830.241">18644 14446 0,'0'0'0,"-17"-35"16,-1 35-16,0-18 16,1 18-16,-1 0 0,0 18 15,-17 0-15,18-1 0,-19 19 16,19 16-16,-1-16 16,18 17-16,0 0 0,18 88 31,176-18 0,-36-211 0,-158-194 1,-70 158-17,35 89 1,-18 17-1,35 71 1,36-35 0</inkml:trace>
+  <inkml:trace contextRef="#ctx0" brushRef="#br0" timeOffset="162166.8229">19279 14623 0,'0'0'0,"-17"0"47,17 17-31,-18-17 15,18-17 78</inkml:trace>
+  <inkml:trace contextRef="#ctx0" brushRef="#br0" timeOffset="162880.506">19914 14287 0,'0'0'16,"0"-17"-16,0-1 16,-17 18-1,-54-17 1,-35 17 0,18 0-1,53 0-15,-36 17 16,36 1-1,17-18 1,36 35 0,0 0-1,17 18 1,0 0 0,-17 0-1,-18-35 1,17 17-1,-17-17 17,0-1-17,18-17 63,-18-17-62,18 17-16,-1 0 0,1-18 16,17 0-1,18 1 1,18 34 0,-36 19-1,53 70 1,-35-1-1,-88-16 1,-36-54 15,18-18-31,-52 1 16,-37-18 0,54-35-1</inkml:trace>
+  <inkml:trace contextRef="#ctx0" brushRef="#br0" timeOffset="164183.195">14887 13441 0,'-17'0'15,"34"0"-15,-52 0 0,17 0 0,36 0 16,0-18-1,17 18-15,18-17 16,17-1-16,19 0 0,34 1 16,177-19-1,617 1 17,-776 17-32,283 18 31,-424 0 0</inkml:trace>
+  <inkml:trace contextRef="#ctx0" brushRef="#br0" timeOffset="164465.135">15240 13582 0,'0'0'0,"-88"18"0,17-1 16,-70 18-1,141-17 1,177-18 0,211-35-1,176 0 1,-176-1-1,53 1 1,-229 17 0,-283 18-1</inkml:trace>
+</inkml:ink>
+</file>
+
+<file path=ppt/ink/ink15.xml><?xml version="1.0" encoding="utf-8"?>
+<inkml:ink xmlns:inkml="http://www.w3.org/2003/InkML">
+  <inkml:definitions>
+    <inkml:context xml:id="ctx0">
+      <inkml:inkSource xml:id="inkSrc0">
+        <inkml:traceFormat>
+          <inkml:channel name="X" type="integer" max="1920" units="cm"/>
+          <inkml:channel name="Y" type="integer" max="1080" units="cm"/>
+          <inkml:channel name="T" type="integer" max="2.14748E9" units="dev"/>
+        </inkml:traceFormat>
+        <inkml:channelProperties>
+          <inkml:channelProperty channel="X" name="resolution" value="55.81395" units="1/cm"/>
+          <inkml:channelProperty channel="Y" name="resolution" value="55.6701" units="1/cm"/>
+          <inkml:channelProperty channel="T" name="resolution" value="1" units="1/dev"/>
+        </inkml:channelProperties>
+      </inkml:inkSource>
+      <inkml:timestamp xml:id="ts0" timeString="2021-11-22T06:25:28.357"/>
+    </inkml:context>
+    <inkml:brush xml:id="br0">
+      <inkml:brushProperty name="width" value="0.05292" units="cm"/>
+      <inkml:brushProperty name="height" value="0.05292" units="cm"/>
+      <inkml:brushProperty name="color" value="#FF0000"/>
+    </inkml:brush>
+  </inkml:definitions>
+  <inkml:trace contextRef="#ctx0" brushRef="#br0">2381 4833 0,'0'18'16,"0"-1"-1,0 1 1,-17 0-1,17-1-15,0 89 16,17 18 0,19 87 15,-1-52 0</inkml:trace>
+  <inkml:trace contextRef="#ctx0" brushRef="#br0" timeOffset="434.878">1976 5980 0,'0'0'0,"-18"17"15,53-34 1,0 17-16,18 0 16,230-53-1,-107 35 1,53-17 15,-123-1-31,-35 36 16</inkml:trace>
+  <inkml:trace contextRef="#ctx0" brushRef="#br0" timeOffset="1100.6509">2205 6509 0,'0'0'16,"-18"0"-16,1-18 15,17 0-15,0 1 0,0-1 16,17 1-16,1-1 16,-1 0-16,36 1 31,18 70 0,-71 88 0,-18-18 1,18-105-32,0-1 15,36-52 1,-19-18-1,54-106 17,-36 89-32,18-18 31,-18 88-31,18 70 31,-35 1-15,-1 17-1,19 0 1,-1-53 0,53-17-1,-70-36 1</inkml:trace>
+  <inkml:trace contextRef="#ctx0" brushRef="#br0" timeOffset="1603.311">3016 5151 0,'0'0'0,"-17"0"0,-19 0 16,19 0-16,17 17 15,-18-17-15,53 0 16,1 0 0,457-17 15,160-1 0,-353 0 0,-353 1-15,18 17-16</inkml:trace>
+  <inkml:trace contextRef="#ctx0" brushRef="#br0" timeOffset="2517.579">3298 5256 0,'0'0'0,"-88"18"16,53-18-16,-71 0 31,36 0-16,52 0-15,0 0 16,18 18 47,0-1-32,0 1-31,36 17 15,69 18 17,-52-18-32,18-17 0,158 70 15,53 36 17,-229-107-17,124 72 1,-124-54-1,-18-18 1,-70-17 15,-1 0-15,19-17-16,-1 17 16,0-18-1,1 18 1,-1 35-1,-17 18 1,-36 36 0,-34 87 15,69-141-31,-52 89 31,17-36-15,36-70-1,18-1 1,17-34 15,17 17-15,18 17 0,-17 1-16,53 17 15,35-17 1,193 17 15,-105-35-31,89-53 16,-142 18-1,0-36 17,-141 36-17,-53 17 1,35 18-16</inkml:trace>
+  <inkml:trace contextRef="#ctx0" brushRef="#br0" timeOffset="3068.383">3722 7003 0,'17'0'31,"1"0"-15,35 17 0,-35 1-16,-1 0 15,-17 34 1,0-34 0,-35 88 15,88-71 0,35-88-15</inkml:trace>
+  <inkml:trace contextRef="#ctx0" brushRef="#br0" timeOffset="3237.2199">3687 6844 0,'0'0'0,"-18"18"16,0-18-16,36 0 15,35 0 17,-18 0-32</inkml:trace>
+  <inkml:trace contextRef="#ctx0" brushRef="#br0" timeOffset="3421.159">4198 6967 0,'0'0'0,"-18"0"15,36 0 1</inkml:trace>
+  <inkml:trace contextRef="#ctx0" brushRef="#br0" timeOffset="3585.641">4180 7091 0,'0'0'15,"0"17"1,36-17 0,17 0-1,-18-17 1</inkml:trace>
+  <inkml:trace contextRef="#ctx0" brushRef="#br0" timeOffset="4218.642">4621 6809 0,'0'17'16,"0"1"-16,0 0 15,18 52 1,0-35 0,-18 1-16,17-1 0,1 0 15</inkml:trace>
+  <inkml:trace contextRef="#ctx0" brushRef="#br0" timeOffset="5721.268">3616 4745 0,'-35'0'16,"35"-18"-16,-18 18 0,18-53 31,88 71 0,-17 105 16,-71-34-16,-18-89-15,1-18 0,17-53-1,0 36 1,17 17-16,1-52 16,17-1-1,0 71 1,1 18-1,-1 70 1,0 0 0,0-17-1,54-36 17</inkml:trace>
+  <inkml:trace contextRef="#ctx0" brushRef="#br0" timeOffset="7538.08">5098 4921 0,'0'0'16,"-18"-17"-16,0 34 16,18 107 15,18-71-31,-18 0 0,18 17 16,-18 1-16,17-1 0,1 107 31,17-19-16</inkml:trace>
+  <inkml:trace contextRef="#ctx0" brushRef="#br0" timeOffset="9155.752">5503 5027 0,'0'-18'16,"-17"18"-16,-1 0 16,18-17-1,0 34 17,18 54-17,-18-53-15,88 211 47,-53-159-31,18-87 31,-53-1-47,53-141 31,-35 54-16,-18 52 1,0 123 15,0 54-15,17 52 0,1-88-1,-18-35-15,0 18 16,0-36-1</inkml:trace>
+  <inkml:trace contextRef="#ctx0" brushRef="#br0" timeOffset="9437.209">5997 5433 0,'18'-18'15,"-1"18"1,1 0 0,-18 18-1,0-1-15,35 54 16,-17 0-1,0-54 1,-1 1 0,1-18-16</inkml:trace>
+  <inkml:trace contextRef="#ctx0" brushRef="#br0" timeOffset="9603.745">6015 5168 0,'-124'-53'32,"124"71"-17,18 0 17,0-18-32</inkml:trace>
+  <inkml:trace contextRef="#ctx0" brushRef="#br0" timeOffset="9838.088">6209 5151 0,'0'0'0,"-18"0"16,36 0-1,70-18 1,-17 0 0,-36 18-16,35-17 15,-34-1 1</inkml:trace>
+  <inkml:trace contextRef="#ctx0" brushRef="#br0" timeOffset="10404.134">6703 4762 0,'0'0'0,"-36"-70"32,54 88-1,-18 17-31,53 53 15,0 0 1,-35-52 0,35 34-1,17 1 1,-35-54 0,1-52-1,-19-18 1,1-53-1,-18 0 1,0 53 0,0 89-1,0 87 1,0-17 0,0 53-1,0-36 1,18-87-1</inkml:trace>
+  <inkml:trace contextRef="#ctx0" brushRef="#br0" timeOffset="10605.991">7355 5133 0,'0'0'0,"-17"0"31,17 18-31,0 17 16,0 18 0,0 35-1,17-53 1,-17 0 0</inkml:trace>
+  <inkml:trace contextRef="#ctx0" brushRef="#br0" timeOffset="10805.229">7302 4780 0,'0'0'0,"0"-18"16,0 36-1,0 0 1,0-1-1,0 1 1</inkml:trace>
+  <inkml:trace contextRef="#ctx0" brushRef="#br0" timeOffset="11390.187">7479 4516 0,'0'0'0,"-18"-53"16,1 53-1,17-18-15,0 36 31,53 35-15,-36-18 0,54 106-1,70 282 17,-88-229-1</inkml:trace>
+  <inkml:trace contextRef="#ctx0" brushRef="#br0" timeOffset="11771.8249">7691 4339 0,'0'0'0,"-36"0"31,36-17-31,18 17 16,0 0 0,-1 0-16,1 0 15,-1 35 1,1 18-1,-36 0 17,-17 0-17,53-1 1,35-34 0,141 0-1,53-36 1,-124 0-1</inkml:trace>
+  <inkml:trace contextRef="#ctx0" brushRef="#br0" timeOffset="15055.793">8255 5733 0,'0'-36'15,"0"19"1,18-1-16,-1 0 15,1 18-15,0-17 16,-1 17-16,1 0 0,-1 0 16</inkml:trace>
+  <inkml:trace contextRef="#ctx0" brushRef="#br0" timeOffset="15206.733">8202 5821 0,'0'0'0,"-53"17"31,177-34 16,-19-1-31</inkml:trace>
+  <inkml:trace contextRef="#ctx0" brushRef="#br0" timeOffset="16526.231">10125 4762 0,'0'-17'31,"0"34"-15,0 1-16,0 0 0,0 17 15,0 0-15,0 18 0,0 0 16,0 18-16,0-18 16,0 123-1,-18-141-15</inkml:trace>
+  <inkml:trace contextRef="#ctx0" brushRef="#br0" timeOffset="16839.967">9490 5821 0,'0'0'0,"-18"-18"16,36 18-1,-1-17-15,72 17 16,228-18-1,-88 18 1,54 0 0,-160 0-1,-70 0 1</inkml:trace>
+  <inkml:trace contextRef="#ctx0" brushRef="#br0" timeOffset="17373.691">9772 6279 0,'0'0'16,"-18"0"-16,-35-35 15,53 18 1,53-36 15,-35 35-31,17 0 0,71 18 32,-53 18-32,-18 17 31,-52 18-16,-19-18 1,-17 18 0,36-53-1,17 18 1,17-18 0,107 18-1,-54 17 1,1 18-1,-53 0 1,-107 35 15,1-70-31,-18-1 16,-35-17 0,88 0-1</inkml:trace>
+  <inkml:trace contextRef="#ctx0" brushRef="#br0" timeOffset="25060.251">10160 4762 0,'0'0'0,"18"0"15,-18 18-15,0 35 31,-18-18-31,0-17 0,1 17 16,17 1-16,-18 16 16,18-16-16,0-1 0,35 141 31,71-17 0,-18-106 0,-35-71-15</inkml:trace>
+  <inkml:trace contextRef="#ctx0" brushRef="#br0" timeOffset="25643.25">10636 5080 0,'0'0'0,"-35"0"31,35 18 47,18-18-46,-18-18-1,0 0 0,-18 18-15,0 0-16,1 18 15,-1-18 1,0 53 0,1-18-16,17 0 15,-18 89 1,36-89 0,70 0-1,-70-35 1,52-35-1,-35-53 1,-35-35 0,-70 17-1,35 53 1,-18 35 15,17 53-15,36-17-16</inkml:trace>
+  <inkml:trace contextRef="#ctx0" brushRef="#br0" timeOffset="25818.182">10971 5221 0,'0'0'0,"18"18"0</inkml:trace>
+  <inkml:trace contextRef="#ctx0" brushRef="#br0" timeOffset="26126.542">11236 5027 0,'0'0'16,"-35"-70"-1,17 70-15,18-18 16,-18 18 0,1 18-1,34 52 1,19-17-1,-19-18-15,1 18 16,35 18 0,-35-18-1,-18-18 17,0-17-17,-36-36-15</inkml:trace>
+  <inkml:trace contextRef="#ctx0" brushRef="#br0" timeOffset="26312.704">11271 4921 0,'0'0'0,"36"18"15,-19-18 1,18 18-1,-17-18-15,0-18 16,35 0 0</inkml:trace>
+  <inkml:trace contextRef="#ctx0" brushRef="#br0" timeOffset="26710.1159">11536 4621 0,'0'0'0,"0"-17"16,17 17 15,1 17-31,53 36 16,52 35 0,-35 54 15,-35-37-16,-53-52-15,0 36 16,-53 16 0,-35-52-1,18-53 1</inkml:trace>
+  <inkml:trace contextRef="#ctx0" brushRef="#br0" timeOffset="27078.227">11906 4516 0,'0'0'0,"-53"-36"15,36 19 1,52-19-1,53 19 1,18 34 0,-35 19-1,-54-19-15,-17 36 16,-70 35 0,-19-17-1,37-36 1,87-17-1,88-18 1,36 17 0,-106-17-1</inkml:trace>
+  <inkml:trace contextRef="#ctx0" brushRef="#br0" timeOffset="27343.452">12506 4992 0,'0'0'0,"-18"0"0,1-18 16,-1 18-16,36-17 15,52-1 1,54 0 0,-54 1-1,-17-1 1</inkml:trace>
+  <inkml:trace contextRef="#ctx0" brushRef="#br0" timeOffset="27528.227">12612 4780 0,'0'0'0,"-18"-18"16,-17 1 0,88 105 15,-36-35-15,19 106-1,-19-18 1,1-106-16</inkml:trace>
+  <inkml:trace contextRef="#ctx0" brushRef="#br0" timeOffset="27877.267">13406 4586 0,'0'0'0,"0"-18"0,-18-17 16,-17 18-1,-18 34 1,35 18-16,-70 71 15,53 18 1,52 52 0,71-35-1,1-88 17,69-18-17,-122-35-15</inkml:trace>
+  <inkml:trace contextRef="#ctx0" brushRef="#br0" timeOffset="28111.634">13741 4586 0,'-18'-18'0,"0"18"15,18 18 1,36 35 15,-19 18-31,1 17 16,0-35-16,-1 53 31,1-1-31,0-69 16</inkml:trace>
+  <inkml:trace contextRef="#ctx0" brushRef="#br0" timeOffset="28394.84">14146 4586 0,'-17'-18'31,"17"1"-31,17 17 31,1 17-31,17 36 16,-17-17-1,17 69-15,-17 54 32,-18-71-17,-71 18 1,36-88-16</inkml:trace>
+  <inkml:trace contextRef="#ctx0" brushRef="#br0" timeOffset="28727.712">14287 4322 0,'0'0'16,"0"-36"-16,0 19 0,36-19 15,87 19 1,36 17 0,-53 35 15,-89 0-31,-87 53 31,-54-17-15,19 0-1,87-36 1,53 0 0,71-17-1,35-18 1,-88 0-16</inkml:trace>
+  <inkml:trace contextRef="#ctx0" brushRef="#br0" timeOffset="28944.172">14958 4727 0,'0'0'0,"-71"35"16,54-35-16,34 0 31,54 0-15,52 0-1,-17-17 1,-71 17-16,18-18 16,-35 1-16</inkml:trace>
+  <inkml:trace contextRef="#ctx0" brushRef="#br0" timeOffset="29112.001">15028 4604 0,'0'0'0,"-35"-18"0,-18-17 16,71 70 15,-1-17-15,19 52-16,17 71 31,-36 18-15,-17-71-16</inkml:trace>
+  <inkml:trace contextRef="#ctx0" brushRef="#br0" timeOffset="29780.767">15857 4551 0,'0'0'0,"-17"-18"0,-1 36 31,0-1-15,1 1-16,-36 141 47,53-89-47,88 19 31,36-19-15,-36-52-1,-35-18-15,35-53 16,-53 0 0,-35-53-1,-53 0 1,0 36 0,-17 17-1,-1 35 1,36 36-1</inkml:trace>
+  <inkml:trace contextRef="#ctx0" brushRef="#br0" timeOffset="30031.205">15593 4480 0,'0'0'0,"-18"0"0,-17 18 16,0 17-1,17 36 1,18-36-16,-35 71 16,35 106-1,70-18 1,107-71-1</inkml:trace>
+  <inkml:trace contextRef="#ctx0" brushRef="#br0" timeOffset="30278.487">16316 4463 0,'0'0'16,"0"17"0,18 1-16,52 17 15,54 89 1,-36 17 0,-71 0-1,-52-71 1,0-52-16,17 0 15</inkml:trace>
+  <inkml:trace contextRef="#ctx0" brushRef="#br0" timeOffset="30597.308">16581 4269 0,'0'0'0,"35"-36"31,-18 19-31,36 17 16,36 17-1,-19 1 1,-52 35 0,-36-35-1,-52 34 1,34-16-1,54-1 1,17-17 0,0-1-1,36 1 1,53 0-16</inkml:trace>
+  <inkml:trace contextRef="#ctx0" brushRef="#br0" timeOffset="30812.326">17268 4710 0,'0'0'16,"-35"35"-1,53-53 1,17 18-16,18-17 15,-18 17-15,53-18 16,-17 0 0</inkml:trace>
+  <inkml:trace contextRef="#ctx0" brushRef="#br0" timeOffset="30995.791">17410 4533 0,'-36'0'16,"72"0"-16,-125-17 15,89 34 1,18 36 0,0 18-1,17 70 1,-17-18 0,-1-70-16</inkml:trace>
+  <inkml:trace contextRef="#ctx0" brushRef="#br0" timeOffset="31313.916">18115 4374 0,'0'0'0,"-18"18"16,1-18 0,-18 53-1,-18 53 1,53-18 0,0-35-16,35 70 15,35 19 1,19-37-1,-1-105 1,-35-17 0</inkml:trace>
+  <inkml:trace contextRef="#ctx0" brushRef="#br0" timeOffset="31762.847">18574 4445 0,'0'0'0,"-36"0"15,19 18-15,-1-18 16,1 35-1,-1 0 1,0 53 0,18 36 15,36-36-15,-1-35-1,0-53 1,36-18-1,17-70 1,-18-18 0,-70 18-1,-17 18 1,-19 52 0,-34 36-1,35-1 1</inkml:trace>
+  <inkml:trace contextRef="#ctx0" brushRef="#br0" timeOffset="31943.494">19068 4710 0,'0'0'0,"0"35"16,17-35 31</inkml:trace>
+  <inkml:trace contextRef="#ctx0" brushRef="#br0" timeOffset="32232.005">19438 4533 0,'0'0'16,"18"-88"-1,-18 53 1,-18 35 0,18 17-1,0 54 1,18-1-1,-18-34-15,53 34 16,17 36 0,-17-35-1,-71-36 1,-52-35 0</inkml:trace>
+  <inkml:trace contextRef="#ctx0" brushRef="#br0" timeOffset="32397.039">19614 4322 0,'0'0'0,"53"0"16,-17 0-1,-1 17 1,-17 1-16,-1-18 0</inkml:trace>
+  <inkml:trace contextRef="#ctx0" brushRef="#br0" timeOffset="32629.849">19950 4198 0,'0'0'0,"0"-18"16,17 18-16,1 0 15,17 0 1,36 53-16,17 71 16,-35 52 15,-53-70-15,-18-53-16,-35 17 15,0-34-15</inkml:trace>
+  <inkml:trace contextRef="#ctx0" brushRef="#br0" timeOffset="33330.328">20355 4057 0,'0'0'0,"-17"-53"15,17 18 1,17 17-16,-17 0 0,18 1 15,0 17-15,-1-18 0,1 18 16,-1 18-16,1-1 16,53 54-1,-54-36-15,-34 159 32,-19-88-1,266-71 16,-36-17-32,-124-18-15</inkml:trace>
+  <inkml:trace contextRef="#ctx0" brushRef="#br0" timeOffset="35380.411">10283 5874 0,'0'0'0,"0"-18"16,18 18-16,17 0 15,-17 0-15,0-18 0,-1 18 16,1 0-16,17 0 15,-17-17-15,-1 17 0,72-18 32,-54 18-17,-17 0-15,158 0 32,0 0-17,18 0 1,-52-17-1,87 17 1,0-18 0,0 18-1,-70 0 1,88-18 0,35 18-1,36 0 1,-106-17-1,70 17 1,-35 0 0,35 0 15,-88 0-15,141 0-1,-17 0 1,-36-18-1,-35 0 1,-71 18 0,89-17-1,17 17 1,-35-18 0,-106 18-1,88 0 1,-17 0-1,0-18 17,-1 18-17,-87 0 1,35 0 0,-36-17-1,0-18 1,19 17-1,-37 0 1,37 1 0,-1 17-1,-18-18 1,-52 18 0,34-18-1,37 18 1,-19-17-1,18 17 17,-53 0-17,36 0 1,-18-18 0,-18 18-1,-18 0 1,1 0-1,0 0 1,-1 0 0,18 0-1,-52 0 1,34-18 0,-17 18-1,0 0 1,18 0-1,-36 0 17,35 0-17,-52 0 1,-18-17 0,-35 17 15</inkml:trace>
+  <inkml:trace contextRef="#ctx0" brushRef="#br0" timeOffset="36314.1069">20937 5309 0,'0'0'0,"0"-17"16,18 17 31,0 0-47,17 0 15,18 17-15,35 1 32</inkml:trace>
+  <inkml:trace contextRef="#ctx0" brushRef="#br0" timeOffset="36479.748">20973 5486 0,'0'0'0,"-53"17"16,0 19-1,35-19 1,53-17 0,54 18-1,52 0 1,-106-18-16</inkml:trace>
+  <inkml:trace contextRef="#ctx0" brushRef="#br0" timeOffset="49919.596">22313 4868 0,'0'0'16,"-17"18"0,-1-18-16,-17 35 0,17-35 15,-35 53 1,18-18-16,-36 124 15,-35 212 17,142-213-1,193-122 16,-106-107-32,-34-17 1,-72 53-16,19-89 16,-54-52-1,-53 52 1,-17 89 0,35 53-1,-17 17 1,70 18-1,17-36 1</inkml:trace>
+  <inkml:trace contextRef="#ctx0" brushRef="#br0" timeOffset="50370.401">23019 5574 0,'0'0'0,"17"18"31,-34-18 16,-1 0-32,0 17 1,1-17 0,-18 18-1,17-18 1,18-18-1,18-17 1,17 17 0,0 1-1,-17 17 1,-1 0 0,1 0-1</inkml:trace>
+  <inkml:trace contextRef="#ctx0" brushRef="#br0" timeOffset="50852.7199">23583 5098 0,'0'0'0,"18"-36"0,-1 1 15,-17 0 1,-17 35 0,-18 70-1,-18 36 1,35 0 0,0-53-16,18 53 15,18 17 1,53-35-1,34-35 1,19-70 15,-54-19-31,1-52 32,-53-18-17,-36 53 1,-106 36-1,72 34 1,-1 36 0,35 0-1,36-17 1,35-19-16</inkml:trace>
+  <inkml:trace contextRef="#ctx0" brushRef="#br0" timeOffset="51235.857">24130 5186 0,'0'0'0,"0"-35"0,0-1 0,18-87 32,17 35-17,18 70 1,-18 18-16,18 18 15,35 52 1,-35 18 0,-35-17-1,-54 52 1,-52-34 0,0-19-1,53-35 1,17 1-1,53-1 1,71 0 0,53-17 15,-71-18-15,53-35-16</inkml:trace>
+  <inkml:trace contextRef="#ctx0" brushRef="#br0" timeOffset="51935.908">25418 4815 0,'0'0'15,"-18"-35"1,18 17 0,-18 18 15,-35 0-31,-35 18 31,0 0-15,53-1-16,-18 1 15,0 0 1,53-1 15,0 1-15,0 0-16,0 17 16,0 35-1,18 1 1,-1 0-1,1-36 1,-1 0 15,-17-17-15,18-18 15,-18-18-15,53 0-1,18 18 1,17 0 0,-35 18-1,35 53 1,-53-36-16,0 18 16,1 35-1,-54-35 1,-88 0-1,-88-53 1,124 0 0</inkml:trace>
+  <inkml:trace contextRef="#ctx0" brushRef="#br0" timeOffset="57205.255">12083 7691 0,'0'0'0,"-36"-18"16,19 0-16,-1 18 15,0 0 16,18 18 1,0 0-17,0 140 17,0-34-17,18-71 1,-18-18-16,0 0 15,18 1 1,-18-54 31,0 0-47,-18-70 16,0-35-1,18-1 1,0 54-16,36-54 31,52-17-31,53 53 31,18 88-15,-71 53 0,-35 53-1,-88 17 1,-71 0-1,-35-34 1,17-54 0,89-17-1,17-18 1,36 0 0,17 17-1,53 18 1,36 18-1,-18 18 17,-71-53-17,18 17-15</inkml:trace>
+  <inkml:trace contextRef="#ctx0" brushRef="#br0" timeOffset="57871.527">12735 7567 0,'0'0'0,"-17"-53"16,17 71 0,0 35-1,17 35 1,1 35 15,-18-52-31,0-36 16,0 18-1,0-18 1,0-70 15,0 17-31,0-34 16,0-107-1,0 0 1,35 18 0,0 106-1,18 70 1,18 53 0,-18 18-1,-18-35 1,-35-1-1,-18-35 17,-17-35-17,18-70 1,17-1 0,70-87-1,18 52 1,36 106-1,-54 88 1,-52 0 0,0 53-1,-36-17 1,0-71 0,1-36-1</inkml:trace>
+  <inkml:trace contextRef="#ctx0" brushRef="#br0" timeOffset="58239.738">13547 7426 0,'0'0'0,"35"-53"16,35-53 0,-34 71-1,-54 35 1,-35 35-1,18-17 1,-18 35 0,18 17-1,70-17 1,18 0 0,35 35-1,-17 1 1,-54-37-1,-34-16 17,-72-1-17,-16-17 1,34-36 0,53 0-16</inkml:trace>
+  <inkml:trace contextRef="#ctx0" brushRef="#br0" timeOffset="58555.118">13988 7232 0,'0'0'0,"17"-18"0,1 1 0,-18-19 16,0 19-1,-18-1 1,-17 53 15,0 36-31,-1 52 31,1 36-15,53-71 0,-1-52-16,36 34 15,53-35 1,53-35-1,-53-52 1,-71-19 0</inkml:trace>
+  <inkml:trace contextRef="#ctx0" brushRef="#br0" timeOffset="58724.908">14146 7426 0,'0'0'16,"-88"-18"-16,35 18 15,18 0 1,70 0 15,71-17-15,35-19-1,-53 36 1,-35-17-16</inkml:trace>
+  <inkml:trace contextRef="#ctx0" brushRef="#br0" timeOffset="60140.109">14799 7250 0,'0'-18'0,"-18"18"15,18 18 1,-17-18 46,17-18-30,0 0-17,0 1 1,0-36 0,17 0-1,36-18 1,0 54-1,-35-1 1,52 18 0,19 35-1,-1 18 1,-18-18 0,-52-17-1,17-18 1,1-18-1,-1-17 1,-18-35 0,19 34-1,-19-17 1,-17 106 15,0-17-15</inkml:trace>
+  <inkml:trace contextRef="#ctx0" brushRef="#br0" timeOffset="60691.325">14940 7620 0,'-18'18'15,"36"-18"17,-18-18-32,18 0 15,-1-35 1,1 1 15,0 16-15,-1 19-1,1-1-15,17 18 16,36 18 0,17 17-1,0 18 1,0-18-1,-52-35 1,-1 0 0,18-53-1,-18 0 1,0 0 0,-17 18-1,-18 17 1,0 36 15,0 0-15</inkml:trace>
+  <inkml:trace contextRef="#ctx0" brushRef="#br0" timeOffset="62057.853">16104 6967 0,'0'-53'31,"0"36"-31,0-1 15,0 1 1,0 34 0,0 1-16,0-1 15,36 195 17,-1-53-17,-18-36 1,1-70-1,-18-35-15</inkml:trace>
+  <inkml:trace contextRef="#ctx0" brushRef="#br0" timeOffset="62207.753">16122 6950 0,'0'0'0,"-18"-18"0,1 18 16,-1-18-1,0 18-15</inkml:trace>
+  <inkml:trace contextRef="#ctx0" brushRef="#br0" timeOffset="62740.411">16087 6950 0,'0'0'0,"-53"-53"31,35 53-31,18-53 16,18 0 0,70-18-1,35 1 1,-34 70 0,-36 17-16,17 36 15,-17 89 1,-53-1-1,-71-18 1,-52-52 0,52-54-1,-17-17 1,88-35 0,35 0-1,71-1 16,35 19-15,-17 70 0,-36 17-1,-53 1 1,-17-36 0,-18-17-16</inkml:trace>
+  <inkml:trace contextRef="#ctx0" brushRef="#br0" timeOffset="63391.347">16757 6862 0,'0'0'0,"-18"-71"16,36 71-1,-18 18-15,53 52 31,0 36-15,-36-53-16,1 17 16,0 1-1,-18 0 1,0-36 0,0-70-1,-18-1 1,0-87-1,18-18 1,0-18 0,18 53-1,0 71 1,-18 52 0,35 72 15,18 34-16,-18-35 1,0 18 0,-17-53-1,-36-53 1,1-18 0,17-34-1,17-72 1,36 18-1,36 36 1,-37 87 0,37 72-1,-19 16 1,-35 19 0,-35-54 15,0-34-31</inkml:trace>
+  <inkml:trace contextRef="#ctx0" brushRef="#br0" timeOffset="63708.369">17798 6685 0,'0'0'0,"17"-18"0,1 1 0,-18-1 15,-53 71 17,0 18-17,0 52 1,53-52 0,0-18-1,18 17 1,52 36-1,19-53 1,16-53 0,-52-35-1,-17-18-15</inkml:trace>
+  <inkml:trace contextRef="#ctx0" brushRef="#br0" timeOffset="63858.146">17851 6879 0,'0'0'0,"-53"0"15,35 0 1,53 0 0,89-17-1,-36 17 1,-18 0 0</inkml:trace>
+  <inkml:trace contextRef="#ctx0" brushRef="#br0" timeOffset="65143.816">14323 8343 0,'0'0'0,"-18"-17"0,0-19 15,18 19-15,18 17 16,-18 17-1,-18 1-15,18 17 16,0 0-16,0 18 0,0 0 16,18 106-1,282 70 17,-124-229-17</inkml:trace>
+  <inkml:trace contextRef="#ctx0" brushRef="#br0" timeOffset="65708.629">15081 8273 0,'-17'0'0,"34"0"0,-52 17 0,17-17 15,36 71 1,17 52-1,1-35 1,34 36 0,-35-36-1,-35-53 1,-17-52 15,-19-18-15,-34-107-1,-1-69 1,54-19 0,70 72-1,17 87 1,89 53 0,-18 89-1,-70 53 1,-71-36-1,-89 53 1,-52-35 0,35-53-1,71-36 1,70-34 0,54-1 15,34 53-16,1 18 1,-72 0 0,19 0-1,-53-53-15</inkml:trace>
+  <inkml:trace contextRef="#ctx0" brushRef="#br0" timeOffset="66041.837">15910 8467 0,'0'-71'0,"0"142"0,-17-195 16,-19 107 0,19 17-1,-1 52 1,18 19 0,53 35 15,-18-89-16,53 19 1,1-54 0,-54-70-1,-35-18 1,-53 53 0,-35 0-1,0 53 1,52 18-1</inkml:trace>
+  <inkml:trace contextRef="#ctx0" brushRef="#br0" timeOffset="66477.204">16210 8096 0,'0'0'0,"-35"-53"15,17 36 1,1-19 0,34 36-1,1 18-15,-1 53 16,54 52 0,-36 18-1,1-35 1,-19-71-1,-17-17 1,-17-53 0,17-36-1,17 1 1,36-1 0,53 53 15,-35 54-16,-19 34 1,-52-17 0,-88 0-1,-53-53 1,0-35 0</inkml:trace>
+  <inkml:trace contextRef="#ctx0" brushRef="#br0" timeOffset="66876.549">16775 8096 0,'0'0'0,"-18"0"0,-17-17 31,17 17-15,36 0-1,-1 35 1,1-17-16,35 70 16,0-35-1,-18 17 1,0-35 0,36-35-1,-1-35 1,1-53-1,-71-35 1,-18 52 0,-52 18-1,-1 53 1,18 53 15,53-35-31</inkml:trace>
+  <inkml:trace contextRef="#ctx0" brushRef="#br0" timeOffset="67214.335">17533 8026 0,'0'0'0,"18"-53"31,-18 35-31,-36-35 16,1 36-1,0 17-15,0 17 16,-36 18 0,71 18-1,71 0 17,-1 0-17,36 0 1,-35 0-1,-71-18 1,-53-17 0,-71-36-1,89 1 1</inkml:trace>
+  <inkml:trace contextRef="#ctx0" brushRef="#br0" timeOffset="67459.927">17657 7779 0,'0'0'16,"17"-53"-16,1 18 16,-18 52 15,17 1-31,54 88 16,17 17 15,18 18-16,-71-70 1,-17-36-16,17 18 16,-17-35-1</inkml:trace>
+  <inkml:trace contextRef="#ctx0" brushRef="#br0" timeOffset="67643.068">17886 7955 0,'0'0'0,"-124"0"16,89 0 0,35 0-1,88 0 17,53-18-32,-35 1 31,-71-1-31</inkml:trace>
+  <inkml:trace contextRef="#ctx0" brushRef="#br0" timeOffset="67827.4599">18186 7708 0,'0'0'15,"-36"-53"-15,-17-17 16,53 52 0,53 36-1,18 52 1,52 107-1,-52-36 1,-53 53 0,-159-35-1</inkml:trace>
+  <inkml:trace contextRef="#ctx0" brushRef="#br0" timeOffset="116194.069">2011 14252 0,'0'0'0,"0"-17"0,0-1 16,0 0 0,0 36 30,-18 17-30,1 18 0,17-18-16,-18 212 31,0-53 0,18-176-15,0-36 15,0-35-31,0-141 31,0 142-31,0-125 32,18 54-17,52 52 1,1 71-1,-18 18 1,17 70 0,-34 0-1,-36 0 1,0-35 0,0-17-1,-18-36 1,18-53-1,18-89 17,-1 54-32,19-18 31,34 71-15,1 88-1,-36 18 1,0 87-1,-35-16 1,-17-1 0,17-88-1</inkml:trace>
+  <inkml:trace contextRef="#ctx0" brushRef="#br0" timeOffset="116895.193">2805 14146 0,'0'0'0,"-18"-35"31,0 17-15,18 36-1,0 17 17,0 159-1,0-35 0,0-124-15,0-52-1,18-54 1,0-17 0,-18-88-1,17 35 1,36 70-1,0 89 1,-35-1-16,52 54 16,1 52 15,-1 18-15,-52-17-1,-18-71 1,0-36-16</inkml:trace>
+  <inkml:trace contextRef="#ctx0" brushRef="#br0" timeOffset="117060.78">2875 14287 0,'0'0'0,"-35"-35"16,70 35 15,0 0-16,1 0-15,34 0 16,54 0 0</inkml:trace>
+  <inkml:trace contextRef="#ctx0" brushRef="#br0" timeOffset="117594.7">3457 14041 0,'0'0'0,"0"-18"16,-17 18-16,17 18 31,0-1-31,35 71 15,0 36 1,-17 17 0,-1-53-1,-17-53 1,0 18 0,0-17-1,-17-89 1,-19-71-1,-16 1 1,16-71 0,19 35-1,70 88 1,17 71 0,54 36-1,-54 34 1,-35 18-1,-70 1 1,-18-54 0,-53 0-1,71-35 1</inkml:trace>
+  <inkml:trace contextRef="#ctx0" brushRef="#br0" timeOffset="118244.714">4304 13935 0,'0'0'0,"-18"-36"31,1 19-31,-1 17 32,0-18-17,-17 18 1,-36 0-1,-34 18 1,69-1 0,1-17-1,53 0 17,-1 0-17,-17 18 1,18 17-1,0 18 1,-1 35 0,-17 1 15,0-36-15,0-36-16,0 36 15,0-18 1,36 1-1,-1-19 1,0-17 0,18 0-1,-35 0 1,-1-17 0,1 17-1</inkml:trace>
+  <inkml:trace contextRef="#ctx0" brushRef="#br0" timeOffset="118446.359">4057 14164 0,'0'0'16,"0"18"-1,18-18 1,-1 0-1,71-18 1,18 0 0,-70 1-16</inkml:trace>
+  <inkml:trace contextRef="#ctx0" brushRef="#br0" timeOffset="118696.068">4745 13970 0,'0'0'16,"-18"0"-16,1 0 15,-1 0 1,53 0 0,-17 0-16</inkml:trace>
+  <inkml:trace contextRef="#ctx0" brushRef="#br0" timeOffset="118845.032">4745 14146 0,'0'0'0,"-18"18"0,1 0 0,-19 17 15,54-17 1,52-36 15,72-35-15,-89 35-16</inkml:trace>
+  <inkml:trace contextRef="#ctx0" brushRef="#br0" timeOffset="134071.671">2240 5503 0,'0'0'0,"0"-17"0,-18-19 15,18 19-15,-17-19 16,-1 19-16,1-1 0,17 1 16,0-1-16,17 18 15,1 18-15,-1-1 16,19 18-16,52 54 15,71 334 17,-195-105-1,-34-213 0,-1-69-15,1-160-1,52-17 1,18-247 0,18 300-1,52-159 1,36 176 0,-18 107-1,-17 158 1,-53 88-1,-89 18 1,18-159 0,-53 0 15,71-159-31,-18-176 31,0-123-15,53 35-1,35-71 1,71 159 0,35 247-1,0 176 1,-88-17 0,-35 87-1,-71-34 1,-35-106-1,17-106 1,-34-53 0,16-159-1,36-70 17,36-1-17,70 160 1,35 70-1,35 106 1,-52 88 0,-71-71-1,-18 54 1,-35-54 0,0-88-1,18-52 1,35-19-1,0-34 1,18 35 0,-1 35-1,1 0 17</inkml:trace>
+</inkml:ink>
+</file>
+
+<file path=ppt/ink/ink16.xml><?xml version="1.0" encoding="utf-8"?>
+<inkml:ink xmlns:inkml="http://www.w3.org/2003/InkML">
+  <inkml:definitions>
+    <inkml:context xml:id="ctx0">
+      <inkml:inkSource xml:id="inkSrc0">
+        <inkml:traceFormat>
+          <inkml:channel name="X" type="integer" max="1920" units="cm"/>
+          <inkml:channel name="Y" type="integer" max="1080" units="cm"/>
+          <inkml:channel name="T" type="integer" max="2.14748E9" units="dev"/>
+        </inkml:traceFormat>
+        <inkml:channelProperties>
+          <inkml:channelProperty channel="X" name="resolution" value="55.81395" units="1/cm"/>
+          <inkml:channelProperty channel="Y" name="resolution" value="55.6701" units="1/cm"/>
+          <inkml:channelProperty channel="T" name="resolution" value="1" units="1/dev"/>
+        </inkml:channelProperties>
+      </inkml:inkSource>
+      <inkml:timestamp xml:id="ts0" timeString="2021-11-22T06:28:22.248"/>
+    </inkml:context>
+    <inkml:brush xml:id="br0">
+      <inkml:brushProperty name="width" value="0.05" units="cm"/>
+      <inkml:brushProperty name="height" value="0.05" units="cm"/>
+      <inkml:brushProperty name="color" value="#ED1C24"/>
+      <inkml:brushProperty name="fitToCurve" value="1"/>
+    </inkml:brush>
+  </inkml:definitions>
+  <inkml:trace contextRef="#ctx0" brushRef="#br0">3489 693 0,'0'-26'16,"0"1"-16,0-1 15,0 52 17,0-1-32,0 1 0,26 0 15,-26 25-15,0-25 16,25 51-16,-25-26 0,0 0 16,0 0-16,0 26 0,0-25 15,26-1-15,-26 0 16,0 1-16,26-27 0</inkml:trace>
+  <inkml:trace contextRef="#ctx0" brushRef="#br0" timeOffset="576">3899 667 0,'-25'-25'15,"25"-1"1,-26 0-16,26 1 16,0 50 15,0 1-31,26 0 16,-26-1-16,0 1 15,25 0-15,-25-1 0,26 1 16,-26 0-16,26-1 15,-1 1-15,1 0 16,0-26-16,-1-26 16,1 26-1,-26-26-15,26 1 0,-26-1 16,0 0-16,0 1 0,0-1 16,0 0-1,-26 26-15,26 26 16,-26 0-1,26-1-15,0 27 0,0-1 16,0 0-16,0 1 16,0-1-16,0 0 0,0-25 15,0 25-15,26-25 0,0-1 16</inkml:trace>
+  <inkml:trace contextRef="#ctx0" brushRef="#br0" timeOffset="790">4413 1001 0,'0'25'32,"0"1"-17,0 0-15,0-1 16,25 1-16,-25 0 15,0-1 1,26 1-16,0-26 16</inkml:trace>
+  <inkml:trace contextRef="#ctx0" brushRef="#br0" timeOffset="954">4413 796 0,'-26'0'0</inkml:trace>
+  <inkml:trace contextRef="#ctx0" brushRef="#br0" timeOffset="2425">6209 436 0,'0'26'31,"25"0"-15,1-1-16,0 27 0,-1-1 15,1 0-15,0 1 16,25 25-16,-26-26 0,1 26 15,0-26-15,-1 0 16,1 1-16,-26-1 0,0 0 16,0-25-16,-26 0 15</inkml:trace>
+  <inkml:trace contextRef="#ctx0" brushRef="#br0" timeOffset="1247">4874 847 0,'-25'0'16,"25"-26"0,25 26-1,1 0 1,0 0-16,-1 0 16,1 0-16,0-25 0,25 25 15,-25 0-15,-1 0 0,1 0 16,0 0-16</inkml:trace>
+  <inkml:trace contextRef="#ctx0" brushRef="#br0" timeOffset="1680">5336 590 0,'-25'0'0,"25"-25"15,-26 25-15,26 25 47,26-25-47,-26 26 0,25 0 16,-25-1-16,26 1 16,0 0-16,-1-1 15,1 1-15,-26 0 16,26-26-16,-1 25 0,1-25 15,-1 0 1,-25-25-16,0-1 16,0 0-16,26 1 15,-26-1-15,0 0 16,0 1-16,0-1 0,0 0 16,0 52-1,0 0-15,0-1 16,0 1-16,0 0 0,0 25 15,0 0-15,0 1 16,26-1-16,-26 0 0,25-25 16,-25 25-16,0-25 0,26-1 15</inkml:trace>
+  <inkml:trace contextRef="#ctx0" brushRef="#br0" timeOffset="1895">5926 898 0,'0'26'15,"0"0"1,0-1 0,0 1-16,0-1 15,0 1-15,0 0 0,0-1 16,0 1-16,0 0 15,26-1-15</inkml:trace>
+  <inkml:trace contextRef="#ctx0" brushRef="#br0" timeOffset="2082">5901 719 0,'-26'0'16,"26"25"15,26-25-15,-26 26 0</inkml:trace>
+  <inkml:trace contextRef="#ctx0" brushRef="#br0" timeOffset="-5406">410 770 0,'26'0'0,"-1"-26"15,1 1-15,0-1 0,-1 0 16,1 1-16,0 25 16,-1-26-16,1 26 0,0 0 15,-26-26-15,25 26 0,-25 26 16,0 0-1,0-1-15,0 1 0,0 0 16,0 25-16,0 0 0,-25 1 16,25-1-16,-26 0 15,26 0-15,-26 1 0,1 25 16,25-26-16,-26 0 16,26 1-16,-26-27 0</inkml:trace>
+  <inkml:trace contextRef="#ctx0" brushRef="#br0" timeOffset="-5131">25 1796 0,'-25'0'0,"25"26"16,25-26 0,1 0-16,0 0 0,51 0 15,0-26-15,25 26 16,1 0-16,25-25 0,0 25 16,1 0-16,-27 0 15,1 0-15,-26 0 0,-26 0 16,1 0-16</inkml:trace>
+  <inkml:trace contextRef="#ctx0" brushRef="#br0" timeOffset="-4589">205 2438 0,'-51'0'0,"25"25"0,0-25 16,1 0-16,-1 0 15,26-25 1,26 25-16,-1-26 16,1 26-16,0-26 15,-1 1-15,1 25 0,0-26 16,25 26-16,-25 0 15,-1 0-15,1 26 0,0-26 16,-1 25-16,1 1 0,-26 25 16,25-25-16,-25 25 15,0-25-15,0 25 0,0-25 16,0 0-16,0-1 16,-25 1-16,25-1 0,0-50 31,25-1-16,1 1-15,25-27 0,-25 27 16,25-27-16,-25 1 16,25 0-16,-25 25 0,25 0 15,-25 1-15,0 25 0,-1 0 16,1 25 0,-26 1-16,26 0 0,-26-1 15,25 27-15,1-27 16,-26 27-16,26-27 0,-26 1 15,25 0-15,1-1 0,0 1 16,-1-26 0</inkml:trace>
+  <inkml:trace contextRef="#ctx0" brushRef="#br0" timeOffset="-3918">1488 770 0,'-26'0'0,"0"0"16,1-26-16,50 26 15,1 0-15,25 0 16,1 0-16,25 0 15,0 0-15,25 0 0,27 0 16,-27-25-16,1 25 0,-1 0 16,1 0-16,-26 0 15,-26 0-15,1 0 0,-27 0 16,-50 0 0</inkml:trace>
+  <inkml:trace contextRef="#ctx0" brushRef="#br0" timeOffset="-3276">1667 770 0,'-25'0'16,"25"26"15,0-1-15,0 1-1,0 0-15,25 25 0,1-25 16,0-1-16,-1 26 16,1-25-16,25 25 0,-25-25 15,25 25-15,-25-25 16,25 0-16,1 25 0,-1-25 16,26-1-16,-26 27 0,26-27 15,-26 1-15,1 0 16,-1-1-16,0-25 0,-25 26 15,0-26-15,-26 26 16,25-26-16,-50 0 16,-1 0-1,26 25 1,-26-25-16,1 0 0,-1 0 16,0 26-16,1-26 15,-1 26-15,-25-1 0,-1 1 16,27 0-16,-27-1 0,1 27 15,0-1-15,0-26 16,-1 27-16,1-27 0,25 27 16,-25-27-16,25 1 15,1 0-15,25-1 0,-26 1 16,26 0-16,0-1 0,0 1 16,0 0-16,26-26 15,-1 25-15,27-25 0,-1 26 16,26-26-16,0 0 15,25 0-15,1 0 0,0 0 16,-1 0-16,27 0 0,-27 26 16,1-26-16,0 0 15,-27 25-15,1-25 0,-25 0 16,-27 26-16,1-26 16</inkml:trace>
+  <inkml:trace contextRef="#ctx0" brushRef="#br0" timeOffset="-2676">1950 2438 0,'0'25'0,"25"1"32,1-26-17,0 0 1,-1 0-16</inkml:trace>
+  <inkml:trace contextRef="#ctx0" brushRef="#br0" timeOffset="-1627">3053 2617 0,'0'26'31,"0"0"-15,0-1-16,25 26 16,-25-25-16,0 0 15,0 25-15,0-25 16,0 25-16,0-25 0</inkml:trace>
+  <inkml:trace contextRef="#ctx0" brushRef="#br0" timeOffset="-2838">2027 2720 0,'0'-26'0,"0"1"15,25 25 32,-25 25-47,0 1 16,26-26-16,-26 25 15,0 1-15,0 0 16,26-1-16,-26 1 16,0 0-16,0-1 0,25 1 15,1 0 1,-1-26-1,1 25-15,0-25 0,-1 0 16,27-25-16,-27-1 0,1 0 16</inkml:trace>
+  <inkml:trace contextRef="#ctx0" brushRef="#br0" timeOffset="-2352">2463 2694 0,'0'26'16,"25"-26"15,1 0-31,0 0 16,-1 0-16,1 0 15,-26 25-15,0 1 16,-26-26 0,1 26-16,25-1 0,-26-25 15,0 26-15,1 0 0,25-1 32,25-25-17,1 0 1,0 0-16,-1 0 15,1 0-15,0 0 0,-1 0 16</inkml:trace>
+  <inkml:trace contextRef="#ctx0" brushRef="#br0" timeOffset="-816">1847 488 0,'-26'0'16,"26"-26"-16,-25 26 0,25-26 16,0 1-1,0-1-15,25 0 16,1 26 0,0 0-16,-1 0 0,1 0 15,0 0-15,-26 26 16,0 0-16,0-1 15,0 1-15,0 0 16,0-1-16,-26 1 16,26 0-1,0-52 1,0 0 0,0 1-16,0-1 15,26 26-15,-26-26 16,25 1-16,1-1 0,0 0 15,-1 26-15,1 0 0,0 0 16,-1 0-16,1 26 16,-1 0-16,27-1 0,-27 27 15,27-27-15</inkml:trace>
+  <inkml:trace contextRef="#ctx0" brushRef="#br0" timeOffset="3257">5311 257 0,'0'-26'15,"-26"26"1,26 26 0,-26-26-1,26 25-15,0 1 16,-25-26-16,-1 26 0,26-1 16,-26 1-16,1 0 0,-1-1 15,26 1 1,-26-26-16,26-26 31,26 1-15,0-1-1,-26 0-15,25 26 16,1-25-16,0-1 16,-1 26-16,1 0 15,0 0-15,25 0 0,-25 26 16,-1-1-16,27 1 0,-1 0 15</inkml:trace>
+  <inkml:trace contextRef="#ctx0" brushRef="#br0" timeOffset="3744">6337 129 0,'-26'-26'15,"26"0"-15,0 1 16,0-1-16,26 26 16,0-26-16,-1 26 15,1 0-15,-1 0 0,27 0 16,-27 26-16,1-26 15,0 26-15,-1-1 0,-25 27 16,0-27-16,-25 26 16,-1-25-16,0 25 0,-25-25 15,25 0-15,26-1 16,-25 1-16,25 0 0,25-1 16,27-25-16,25 0 0,0 0 15,25 0-15,1-25 16,25 25-16</inkml:trace>
+  <inkml:trace contextRef="#ctx0" brushRef="#br0" timeOffset="4409">2976 1950 0,'0'-26'0,"25"1"15,1 25-15,0-26 0,51 26 16,0-26-16,25 1 16,52 25-16,26-26 0,51 1 15,51-1-15,26 0 0,51 1 16,26-1-16,0 0 16,25 1-16,-25 25 0,0-26 15,-77 26-15,-26-26 16,-51 26-16,-51 0 0,-78 0 15,-25 0-15,-51 0 0,-77 0 16,-26 0 0</inkml:trace>
+  <inkml:trace contextRef="#ctx0" brushRef="#br0" timeOffset="5094">4977 2155 0,'0'-25'0,"-26"-1"15,26 0 1,26 52 0,-26 0-1,26-1-15,-1 1 16,-25 0-16,26-1 16,0 1-16,-26 0 15,25-26-15,27 25 0,-27-25 16,1 26-16,0-26 15,25 0-15,-25 0 0,-1 0 16,1 0-16,0-26 16,-26 1-1,0-1-15,0 0 16,-26 26 0,26 26-16,0 0 15,0-1-15,26 27 16,-26-27-16,25 27 15,-25-1-15,26 0 0,-26 1 16,26-1-16,-26-25 0,0 25 16,0-26-16,0 1 15,-26-26-15,26 26 0,-26-26 16,-25 0-16,25 0 16,1 0-16,-1-26 0</inkml:trace>
+  <inkml:trace contextRef="#ctx0" brushRef="#br0" timeOffset="5370">5721 2489 0,'0'26'16,"26"-26"15,-26 25-15,0 1-16,25-26 16,-25 26-16,0-1 15,0 1-15,0 0 16</inkml:trace>
+  <inkml:trace contextRef="#ctx0" brushRef="#br0" timeOffset="5549">5695 2207 0,'0'-26'0,"-25"26"0,25 26 47</inkml:trace>
+</inkml:ink>
+</file>
+
+<file path=ppt/ink/ink17.xml><?xml version="1.0" encoding="utf-8"?>
+<inkml:ink xmlns:inkml="http://www.w3.org/2003/InkML">
+  <inkml:definitions>
+    <inkml:context xml:id="ctx0">
+      <inkml:inkSource xml:id="inkSrc0">
+        <inkml:traceFormat>
+          <inkml:channel name="X" type="integer" max="1920" units="cm"/>
+          <inkml:channel name="Y" type="integer" max="1080" units="cm"/>
+          <inkml:channel name="T" type="integer" max="2.14748E9" units="dev"/>
+        </inkml:traceFormat>
+        <inkml:channelProperties>
+          <inkml:channelProperty channel="X" name="resolution" value="55.81395" units="1/cm"/>
+          <inkml:channelProperty channel="Y" name="resolution" value="55.6701" units="1/cm"/>
+          <inkml:channelProperty channel="T" name="resolution" value="1" units="1/dev"/>
+        </inkml:channelProperties>
+      </inkml:inkSource>
+      <inkml:timestamp xml:id="ts0" timeString="2021-11-22T06:28:29.599"/>
+    </inkml:context>
+    <inkml:brush xml:id="br0">
+      <inkml:brushProperty name="width" value="0.05" units="cm"/>
+      <inkml:brushProperty name="height" value="0.05" units="cm"/>
+      <inkml:brushProperty name="color" value="#ED1C24"/>
+      <inkml:brushProperty name="fitToCurve" value="1"/>
+    </inkml:brush>
+  </inkml:definitions>
+  <inkml:trace contextRef="#ctx0" brushRef="#br0">102 27 0,'-25'0'15,"-1"0"-15,0 0 0,1 0 16,25-25-16,25 25 31,1 0-31,0 0 16,25 0-16,0 0 16,26 0-16,-26 0 0,26 25 15</inkml:trace>
+</inkml:ink>
+</file>
+
+<file path=ppt/ink/ink18.xml><?xml version="1.0" encoding="utf-8"?>
+<inkml:ink xmlns:inkml="http://www.w3.org/2003/InkML">
+  <inkml:definitions>
+    <inkml:context xml:id="ctx0">
+      <inkml:inkSource xml:id="inkSrc0">
+        <inkml:traceFormat>
+          <inkml:channel name="X" type="integer" max="1920" units="cm"/>
+          <inkml:channel name="Y" type="integer" max="1080" units="cm"/>
+          <inkml:channel name="T" type="integer" max="2.14748E9" units="dev"/>
+        </inkml:traceFormat>
+        <inkml:channelProperties>
+          <inkml:channelProperty channel="X" name="resolution" value="55.81395" units="1/cm"/>
+          <inkml:channelProperty channel="Y" name="resolution" value="55.6701" units="1/cm"/>
+          <inkml:channelProperty channel="T" name="resolution" value="1" units="1/dev"/>
+        </inkml:channelProperties>
+      </inkml:inkSource>
+      <inkml:timestamp xml:id="ts0" timeString="2021-11-22T06:28:29.753"/>
+    </inkml:context>
+    <inkml:brush xml:id="br0">
+      <inkml:brushProperty name="width" value="0.05" units="cm"/>
+      <inkml:brushProperty name="height" value="0.05" units="cm"/>
+      <inkml:brushProperty name="color" value="#ED1C24"/>
+      <inkml:brushProperty name="fitToCurve" value="1"/>
+    </inkml:brush>
+  </inkml:definitions>
+  <inkml:trace contextRef="#ctx0" brushRef="#br0">85 0 0,'-26'26'0,"1"-26"16,25 25-16,-26-25 16,52 0-1,-1 0-15,26 0 16,-25-25-16,25 25 0,1-26 15</inkml:trace>
+</inkml:ink>
+</file>
+
+<file path=ppt/ink/ink19.xml><?xml version="1.0" encoding="utf-8"?>
+<inkml:ink xmlns:inkml="http://www.w3.org/2003/InkML">
+  <inkml:definitions>
+    <inkml:context xml:id="ctx0">
+      <inkml:inkSource xml:id="inkSrc0">
+        <inkml:traceFormat>
+          <inkml:channel name="X" type="integer" max="1920" units="cm"/>
+          <inkml:channel name="Y" type="integer" max="1080" units="cm"/>
+          <inkml:channel name="T" type="integer" max="2.14748E9" units="dev"/>
+        </inkml:traceFormat>
+        <inkml:channelProperties>
+          <inkml:channelProperty channel="X" name="resolution" value="55.81395" units="1/cm"/>
+          <inkml:channelProperty channel="Y" name="resolution" value="55.6701" units="1/cm"/>
+          <inkml:channelProperty channel="T" name="resolution" value="1" units="1/dev"/>
+        </inkml:channelProperties>
+      </inkml:inkSource>
+      <inkml:timestamp xml:id="ts0" timeString="2021-11-22T06:28:39.328"/>
+    </inkml:context>
+    <inkml:brush xml:id="br0">
+      <inkml:brushProperty name="width" value="0.05" units="cm"/>
+      <inkml:brushProperty name="height" value="0.05" units="cm"/>
+      <inkml:brushProperty name="color" value="#ED1C24"/>
+      <inkml:brushProperty name="fitToCurve" value="1"/>
+    </inkml:brush>
+  </inkml:definitions>
+  <inkml:trace contextRef="#ctx0" brushRef="#br0">231 0 0,'-77'26'0,"26"-1"0,0 1 16,-1 0-16,78-26 16,25 0-1,26 0-15,52 0 0,76 0 16,26 0-16,51 0 0,77 0 15,0-26-15,52 26 16,-26 0-16,25-26 0,-51 26 16,-51-25-16,-51 25 15,-52 0-15,-25 0 0,-103-26 16,-52 26-16,-50 0 0</inkml:trace>
+</inkml:ink>
+</file>
+
+<file path=ppt/ink/ink2.xml><?xml version="1.0" encoding="utf-8"?>
+<inkml:ink xmlns:inkml="http://www.w3.org/2003/InkML">
+  <inkml:definitions>
+    <inkml:context xml:id="ctx0">
+      <inkml:inkSource xml:id="inkSrc0">
+        <inkml:traceFormat>
+          <inkml:channel name="X" type="integer" max="1920" units="cm"/>
+          <inkml:channel name="Y" type="integer" max="1080" units="cm"/>
+          <inkml:channel name="T" type="integer" max="2.14748E9" units="dev"/>
+        </inkml:traceFormat>
+        <inkml:channelProperties>
+          <inkml:channelProperty channel="X" name="resolution" value="55.81395" units="1/cm"/>
+          <inkml:channelProperty channel="Y" name="resolution" value="55.6701" units="1/cm"/>
+          <inkml:channelProperty channel="T" name="resolution" value="1" units="1/dev"/>
+        </inkml:channelProperties>
+      </inkml:inkSource>
+      <inkml:timestamp xml:id="ts0" timeString="2021-11-22T04:47:24.760"/>
+    </inkml:context>
+    <inkml:brush xml:id="br0">
+      <inkml:brushProperty name="width" value="0.05292" units="cm"/>
+      <inkml:brushProperty name="height" value="0.05292" units="cm"/>
+      <inkml:brushProperty name="color" value="#FF0000"/>
+    </inkml:brush>
+  </inkml:definitions>
+  <inkml:trace contextRef="#ctx0" brushRef="#br0">17780 10425 0,'0'0'0,"-18"-36"16,1 19-1,-1-1-15,0 0 0,18-17 16,0 17-16,0 1 16,0-1-16,18 18 15,-18 18 16</inkml:trace>
+  <inkml:trace contextRef="#ctx0" brushRef="#br0" timeOffset="3786.378">8520 13917 0,'-18'-53'31,"18"36"-15,18 17 0,-18 17-1,17 1-15,-17 17 16,0 194 15,-17 1 0,17-142-15,0-53 0</inkml:trace>
+  <inkml:trace contextRef="#ctx0" brushRef="#br0" timeOffset="4055.061">8890 13829 0,'0'0'16,"0"-18"-16,0 1 0,0 34 31,18 89 0,-18-71-31,17 124 16,-17-18-1,0-53 1,0-35-16,0 18 31,-17-18-31</inkml:trace>
+  <inkml:trace contextRef="#ctx0" brushRef="#br0" timeOffset="4321.0069">8361 14235 0,'0'0'0,"-35"-18"0,17 18 0,0 0 15,18 35 1,88 0-1,-17 18 17,-36-17-32,53 17 15,18 0 1,-17-1 0</inkml:trace>
+  <inkml:trace contextRef="#ctx0" brushRef="#br0" timeOffset="4569.09">9349 14217 0,'0'0'0,"35"-53"16,-17 35-16,-18 1 0,-18 17 15,0 0-15,-70 35 31,-35 53-15,-19 18 0,37-35-1,-1 17 1,71-71-16</inkml:trace>
+  <inkml:trace contextRef="#ctx0" brushRef="#br0" timeOffset="6235.763">3281 14905 0,'-18'0'16,"36"0"-16,-53 0 0,17 0 16,53 0-1,-17 0 1,17 0-16,-17 0 15,123 17 1,176 1 15,-228-18 1</inkml:trace>
+  <inkml:trace contextRef="#ctx0" brushRef="#br0" timeOffset="6453.9429">3528 14922 0,'0'18'32,"0"0"-17,17-1 1,-17 1-16,0 0 15,18 70 1,-18-18 0,0-34-16,0 52 15,-35 0 1,35-17 0</inkml:trace>
+  <inkml:trace contextRef="#ctx0" brushRef="#br0" timeOffset="7071.584">4022 15099 0,'0'0'0,"-18"0"31,18 18-31,0-1 16,0 36 0,0-35-16,0 35 15,0 52 1,-18-16 15,1-72-15,17 1-1,-18-18 1,18-71 0,0 1-1,18-107 1,-1 89-1,36 0 17,-35 53-32,17 35 15,36 17 1,-18 1 15,-36 35-15,-34-18-1,-19 1 1,-52-1 0,35-18-1,0-17 1</inkml:trace>
+  <inkml:trace contextRef="#ctx0" brushRef="#br0" timeOffset="7720.932">4374 15134 0,'0'-17'31,"0"34"-15,0 18-1,0-17-15,0 53 16,-17 17 15,-1-18-15,18-34 0,-17-19-1,17-34 1,0-19-1,17 1-15,-17-35 16,35-36 0,36-53-1,0 53 1,17 88 0,-18 54-1,-17 34 16,-88 19-15,0-37 0,-71 1-1,53-35 1,0 0 0,35-18-1,54 17 1,-1 1-1,0 0 1,36 34 0,-18-16-1,0 17 1,-18-36 0</inkml:trace>
+  <inkml:trace contextRef="#ctx0" brushRef="#br0" timeOffset="7922.157">4957 15222 0,'-18'18'31,"0"-18"-31,18-18 15,53 18 1,0 0 0,-35 0-16,17 0 15</inkml:trace>
+  <inkml:trace contextRef="#ctx0" brushRef="#br0" timeOffset="8088.527">4957 15311 0,'0'0'16,"-71"35"-1,36-18 1,70 1 0,36 0-1,-19-18 1,54 0 0,-88 0-16</inkml:trace>
+  <inkml:trace contextRef="#ctx0" brushRef="#br0" timeOffset="9171.824">5980 14870 0,'0'-18'0,"0"36"0,-18-36 0,0 18 16,18-18 0,-17 18-1,34 0-15,1 0 16,0 0-16,17 0 16,106 0-1,53 0 1,0 0 15,-176-17-15,-36 17-16</inkml:trace>
+  <inkml:trace contextRef="#ctx0" brushRef="#br0" timeOffset="9371.923">6209 14799 0,'0'0'0,"-18"0"0,18 18 31,0-1-15,18 36-1,17 53 1,-17 0 0,-18-18-1,0-35 1,0-35-16</inkml:trace>
+  <inkml:trace contextRef="#ctx0" brushRef="#br0" timeOffset="9828.252">6685 14958 0,'0'0'0,"0"-18"0,18 18 31,-1 18-15,-17 17 0,0 18-1,0-18-15,-17 71 16,17-71 0,-18-17-1,18 0 1,-18-54-1,18 1 1,-17-71 0,34-35-1,36 18 1,36 52 0,-19 71-1,36 35 1,-35 36 15,-54-1-15,-34-52-1,-89 17 1,-71-17 0</inkml:trace>
+  <inkml:trace contextRef="#ctx0" brushRef="#br0" timeOffset="10220.707">5644 15293 0,'0'0'0,"-70"18"31,88-18-15,17 17 0,71-17-1,229 35 1,176-17-1,71 35 1,-405-53 0,140 35-16,-105-17 15,-71 0 1,-141-18 0,-35 0-1</inkml:trace>
+  <inkml:trace contextRef="#ctx0" brushRef="#br0" timeOffset="10872.211">5627 15628 0,'0'0'15,"0"-18"1,0 1-16,17 17 16,1-18-16,17 18 15,18 0-15,0 0 16,194 0 0,-35 0-1,-159 0-15,-18 0 31</inkml:trace>
+  <inkml:trace contextRef="#ctx0" brushRef="#br0" timeOffset="11075.827">5803 15575 0,'0'0'0,"18"35"31,-18-17-16,17 0-15,1 17 0,-18 18 16,35 70 0,-35 18-1,0-17 1,0-89 0</inkml:trace>
+  <inkml:trace contextRef="#ctx0" brushRef="#br0" timeOffset="11555.219">6262 15769 0,'0'0'0,"17"-17"31,-17 34-31,0 1 0,18 70 16,-18 18 15,0 0-15,0-36-1,0-35 1,-18-17 0,1-53-1,-1-71 1,18 18-1,18-71 1,17 36 0,53 52 15,0 89-15,-17 17-1,-36 0 1,-35 71-1,-88-53 1,0-18 0,0-17-1,17 0-15</inkml:trace>
+  <inkml:trace contextRef="#ctx0" brushRef="#br0" timeOffset="11806.282">6738 16034 0,'-18'0'15,"36"0"-15,-18 0 16,35 0-1,-17-18-15,105 18 16,-52 0 0,0-18-1</inkml:trace>
+  <inkml:trace contextRef="#ctx0" brushRef="#br0" timeOffset="12005.403">6879 15840 0,'0'0'15,"-35"-18"-15,53 36 32,-18 35-17,17-36 1,1 89 0,-18 0-1,0-71-15,0 36 31,-18-54-31</inkml:trace>
+  <inkml:trace contextRef="#ctx0" brushRef="#br0" timeOffset="12256.8789">7302 15893 0,'0'0'0,"18"0"0,-36 17 32,1 54-17,-1-36 1,18 0-16,0-17 0,-17 88 31,17-53-15,0-18-1,0-17 1</inkml:trace>
+  <inkml:trace contextRef="#ctx0" brushRef="#br0" timeOffset="12413.009">7267 16016 0,'0'-53'0,"0"106"0,0-159 16,18 0-1,-1 54 1,36 52-1,36 17 1,52 36 15</inkml:trace>
+  <inkml:trace contextRef="#ctx0" brushRef="#br0" timeOffset="12572.442">7302 16034 0,'-17'0'16,"34"0"-16,-52 17 16,53-17-16,-1 0 15,36 0 1,18-17 0</inkml:trace>
+  <inkml:trace contextRef="#ctx0" brushRef="#br0" timeOffset="13173.938">7832 15910 0,'0'-17'16,"0"34"-16,0-52 16,-18 35-1,18 18 1,-35 70-1,17-53 1,-17 53 0,0-17-1,17-36 1,18-53 15,35-52-15,0-36-1,-17 71 1,35-71 0,-18 53-16,1 53 15,-1 53 17,-18-18-32,19 89 31,52-1-16,0-70 1,-53-35 0,1-18-1,17-71 1,-18-52 0,-35-18-1,0 17 1,0 89-1,0 17 1,-18 36 0</inkml:trace>
+  <inkml:trace contextRef="#ctx0" brushRef="#br0" timeOffset="13374.145">8502 15363 0,'0'-17'16,"0"34"-1,35-34 1,-17 17-16,-1 0 0</inkml:trace>
+  <inkml:trace contextRef="#ctx0" brushRef="#br0" timeOffset="13524.284">8484 15505 0,'0'0'0,"-17"17"16,-19 1-16,36-1 15,53 1 16,-17 0-31,52-18 16,18 0-16</inkml:trace>
+  <inkml:trace contextRef="#ctx0" brushRef="#br0" timeOffset="14409.959">9472 14799 0,'0'-18'16,"-18"18"0,18-17-1,18-19 17,0 19-32,17-1 15,-17 18-15,70-35 31,53 17 1,-71 36-1,-70 52-15,0 36-1,-17-18 1,-1 18-1,1-35 1,-19-36 0</inkml:trace>
+  <inkml:trace contextRef="#ctx0" brushRef="#br0" timeOffset="14875.176">9578 14993 0,'0'-18'16,"0"36"-16,-18-89 15,36 36 1,0 35 0,70 0-1,53 18 1,-35-18 0,35 0-1,-35-18 1,-71 1-1,-17-1 17,-36 18-17,0 53 1,18-18 0,0 0-1,18 1 1,35 34-1,17-52 1,19-18 0,-1-71-1,-71 18 1,-34-52 0,-71 34-1,-54 53 1,72 54-1</inkml:trace>
+  <inkml:trace contextRef="#ctx0" brushRef="#br0" timeOffset="15225.019">9190 15222 0,'0'0'0,"-18"0"0,1 0 16,87 0 0,18 0-1,-35 0-15,335 18 31,-123 0-31,193-1 16,-158 1 0,106 0 15,-388-18-15,-89 0-1</inkml:trace>
+  <inkml:trace contextRef="#ctx0" brushRef="#br0" timeOffset="15677.442">9313 15452 0,'0'0'0,"-17"-18"0,17 0 0,0 1 15,17-1 1,1 18 0,17 0-1,1 0-15,122 18 32,-87 52-1,-71-17-16,-35 53 1,17-35 0,-17 17-1</inkml:trace>
+  <inkml:trace contextRef="#ctx0" brushRef="#br0" timeOffset="16162.203">9437 15663 0,'-18'0'15,"1"-17"-15,-1-1 16,71 18 0,53 0-1,-1 0 1,-16 18-1,52-36 17,-141 0-17,0 1 1,-36 17 0,-52 0-1,53 35 1,0 53-1,35-52 1,53 52 0,17-53-1,1-35 1,-1-35 0,-52-36-1,-18 1 1,-53-1-1,18 18 1,17 53 0</inkml:trace>
+  <inkml:trace contextRef="#ctx0" brushRef="#br0" timeOffset="16374.252">10195 15699 0,'0'0'0,"-17"0"15,17-18 1,17 18-16,1-18 16,52 18-1,19 0 1,-54-17-16</inkml:trace>
+  <inkml:trace contextRef="#ctx0" brushRef="#br0" timeOffset="16540.636">10266 15522 0,'-18'0'16,"36"0"-16,-53 0 0,17 0 15,18 18-15,0 17 16,0 53-1,0 18 1,18-18 0,-1-35-1</inkml:trace>
+  <inkml:trace contextRef="#ctx0" brushRef="#br0" timeOffset="16975.1159">10477 15681 0,'0'0'0,"0"-35"0,0 17 16,0-35-16,36 18 15,17 35 17,35 35-17,0 36 1,-70-36-1,-36 0 1,-35-17 0,-17-18-1,34 0 1,54 18 15,53-1-15,-54 1-16,89 52 31,-88-52-31,-54 35 16,1-35-1,-53-1 17,17-34-17,54-1-15</inkml:trace>
+  <inkml:trace contextRef="#ctx0" brushRef="#br0" timeOffset="17327.769">11042 15699 0,'18'0'16,"-36"0"-16,36-18 0,-36 18 15,-17 0 1,-1 35-1,36 18 1,0-35-16,0 52 16,36 1-1,34-18 17,36-53-17,-53-53 1,-35-35-1,-36 35 1,-70-18 0,35 54-1,-18 17 1,54 0-16</inkml:trace>
+  <inkml:trace contextRef="#ctx0" brushRef="#br0" timeOffset="17636.975">11518 15381 0,'-17'-18'0,"34"36"0,-52-53 16,17 35-16,1-18 15,70 18 32,-18 0-47</inkml:trace>
+  <inkml:trace contextRef="#ctx0" brushRef="#br0" timeOffset="17794.022">11553 15487 0,'0'0'15,"-88"18"16,176-1 1,-35-34-32,-17 17 15</inkml:trace>
+  <inkml:trace contextRef="#ctx0" brushRef="#br0" timeOffset="18659.66">12065 15081 0,'-53'-17'16,"106"34"-16,-124-34 0,71-1 0,0 0 31,89 1-15,-54 17-16,0 0 15,106 0 16,-105 0-31,34-36 32,-88 36-1,-17 124 0,18 70 0,17-159-31,0 18 16,17-18-16</inkml:trace>
+  <inkml:trace contextRef="#ctx0" brushRef="#br0" timeOffset="18828.96">12153 15293 0,'-17'0'0,"34"0"0,-34-18 16,17-17 0,17 17-16,36 18 15,53-17 1,0 17 0</inkml:trace>
+  <inkml:trace contextRef="#ctx0" brushRef="#br0" timeOffset="19159.792">12700 15187 0,'0'-18'16,"-35"18"-1,17-17-15,-17 17 16,17 0 0,-17 70-1,35-34 1,18 69-1,52-52 1,-35-35 0,18-18-1,-17-35 1,-19-36 0,-52-35 15,0 71-31,17 17 31,0 18-15</inkml:trace>
+  <inkml:trace contextRef="#ctx0" brushRef="#br0" timeOffset="19425.18">12947 15134 0,'0'0'0,"0"-17"16,-18-1-16,18 36 62,-17-18-31,-1 0-31,0-18 16,1 18 0,17-18-1</inkml:trace>
+  <inkml:trace contextRef="#ctx0" brushRef="#br0" timeOffset="19693.006">13282 15099 0,'-18'0'0,"36"0"0,-53 0 0,17 0 15,18 18 1,-17 17-1,-1 35 1,0-34-16,-70 122 31,53-69-15,-1-37-16</inkml:trace>
+  <inkml:trace contextRef="#ctx0" brushRef="#br0" timeOffset="19922.077">13247 15505 0,'0'0'15,"0"-18"-15,17-17 16,-17 17 0,18 18-16,-36 0 93</inkml:trace>
+  <inkml:trace contextRef="#ctx0" brushRef="#br0" timeOffset="21682.86">4604 16845 0,'0'0'0,"-18"-35"16,36 35-1,-1-18-15,1 18 16,0-17-16,-1 17 0,19-18 16,-1 18-16,0-18 15,18 18-15,-18 0 0,1 0 16</inkml:trace>
+  <inkml:trace contextRef="#ctx0" brushRef="#br0" timeOffset="21818.982">4727 16933 0,'-35'36'0,"70"-72"0,-176 125 32,370-89 15</inkml:trace>
+  <inkml:trace contextRef="#ctx0" brushRef="#br0" timeOffset="22295.855">5715 16827 0,'0'0'15,"35"-17"-15,-17-18 0,35-18 16,-18-36 0,-35 54-1,-70-18 1,-72 36 0,-34 52-1,53 35 1,105 1-1,88 52 17,283 89-17,-300-177 1,35 36 0,-88-18-1,-264 17 16,193-70-31,-52 0 16,17-17 0,106-1-1</inkml:trace>
+  <inkml:trace contextRef="#ctx0" brushRef="#br0" timeOffset="23210.043">6103 17057 0,'0'-18'16,"0"36"-16,-18-36 0,1 18 15,34 18 17,36-1-1,71-17 0,-107 0-31,19-17 16,-19-36-1,-52 18 1,-35-18 0,-1 35-1,18 36 1,0 52-1,53 107 17,35-124-17,-17-36 1,88 18 0,-71-35-16</inkml:trace>
+  <inkml:trace contextRef="#ctx0" brushRef="#br0" timeOffset="23579.6299">6403 16986 0,'0'-17'16,"0"34"-16,0-52 0,0 0 15,18 70 17,-1-17-32,18 52 31,-17 18-16,0-35-15,-18-17 32,0-54-1,17-35-15,-17 35-16,71-87 15,-36 69 1,18 19-1,-18 52 1,1 53 0,-19 0 15,-17-52-31</inkml:trace>
+  <inkml:trace contextRef="#ctx0" brushRef="#br0" timeOffset="23901.088">7038 17039 0,'18'-17'0,"-36"34"0,71-70 31,-53 0-31,-18 36 31,-35 17-15,0 17-1,36 1-15,-19 35 16,36-18 0,53 18-1,18 0 1,-36 0 0,-35-35-1,-17-1 1,-36 1 15,0-18-15</inkml:trace>
+  <inkml:trace contextRef="#ctx0" brushRef="#br0" timeOffset="24116.8299">7250 17057 0,'17'-18'15,"-34"36"-15,34-53 0,-17 17 16,0 36 15,0 17-15,0 0-16,18 53 16,17 0 15,-35-70-16</inkml:trace>
+  <inkml:trace contextRef="#ctx0" brushRef="#br0" timeOffset="24264.941">7355 16739 0,'0'-35'0,"0"70"0,0-88 16,-17 36-16,17 34 31</inkml:trace>
+  <inkml:trace contextRef="#ctx0" brushRef="#br0" timeOffset="24478.506">7549 16775 0,'0'0'0,"0"-18"0,0 0 15,0 36 1,0 0 0,18 87-1,0-16 1,-18 16 0,17 54-1,-17-141-15</inkml:trace>
+  <inkml:trace contextRef="#ctx0" brushRef="#br0" timeOffset="24828.845">7444 17110 0,'-18'-36'16,"36"72"-16,-36-89 15,53 35-15,18 18 16,0 0-1,35 0 1,36 0 0,-54 0-1,-70-17 1,0-1 0,-17-17-1,17 52 16,17 1-15,-17 17-16,36 71 31,-19-88-31,-17 52 16</inkml:trace>
+  <inkml:trace contextRef="#ctx0" brushRef="#br0" timeOffset="24978.06">7920 16792 0,'0'-17'16,"0"34"-16,0-70 0,-18 53 16,18-17-16,0 34 15,18-17-15</inkml:trace>
+  <inkml:trace contextRef="#ctx0" brushRef="#br0" timeOffset="25313.6289">8026 16951 0,'0'-18'31,"0"36"-15,17-18-1,-17 35-15,36 53 16,-19 18 15,19-35-15,-1-36-16,-18-35 16,1-18-1,17-34 1,18-54-1,-35-18 1,-18 89 0,0 0-1</inkml:trace>
+  <inkml:trace contextRef="#ctx0" brushRef="#br0" timeOffset="25520.691">8431 17022 0,'-17'-18'0,"-1"0"15,18 1-15,0-1 32,18 53-17,-18 71 1,17-35-1,-17-18-15,0 17 16</inkml:trace>
+  <inkml:trace contextRef="#ctx0" brushRef="#br0" timeOffset="25660.0189">8502 16757 0,'-18'-35'0,"36"70"0,-36-106 0,1 54 32</inkml:trace>
+  <inkml:trace contextRef="#ctx0" brushRef="#br0" timeOffset="25865.035">8608 16757 0,'0'-18'0,"0"36"0,0-53 16,17 52 15,-17 36-15,18 71-1,-18-18-15,18 35 16</inkml:trace>
+  <inkml:trace contextRef="#ctx0" brushRef="#br0" timeOffset="26462.323">8537 17145 0,'0'0'0,"-17"-18"0,-1 1 15,-17-1 1,52-17-1,19 35-15,34-18 16,71 1 0,-53 17-1,18-18 1,-70-35 15,-54 18-15,-17-1-1,-1 19 1,1 34 0,35 36-1,35 0 1,1 0 0,52-35-1,-18-18 1,-34-35-1,-19-1 1,1 1 0,-36 53-1,18 105 1,0 106 0,18-70-1,0 35 16,-124-106-15,35-141 0,18-35-1,53-53 1,141-88 0,-52 158-16</inkml:trace>
+  <inkml:trace contextRef="#ctx0" brushRef="#br0" timeOffset="49306.082">15699 13899 0,'17'0'16,"1"0"-16,-53 0 0,70-17 15,-17-1-15,-18 1 32,0 34-1,0 1-15,0 52-1,0-34 1,0 17-1,0 52 1,-18-34 0,0-18-1,1-18 1</inkml:trace>
+  <inkml:trace contextRef="#ctx0" brushRef="#br0" timeOffset="49591.676">16016 13899 0,'0'-17'0,"0"34"0,0-52 16,0 53 30,18 35-46,-1-36 16,1 72 0,0-19-1,-18 18 1,-18-35 0,-17-18-1</inkml:trace>
+  <inkml:trace contextRef="#ctx0" brushRef="#br0" timeOffset="49839.084">15452 14129 0,'-36'0'0,"72"0"0,-89 0 16,35 0-16,53 17 15,-17 1 1,88 35 0,-18-18-1,36 36 1,-54-36 0,-35-17-16</inkml:trace>
+  <inkml:trace contextRef="#ctx0" brushRef="#br0" timeOffset="50020.983">16210 14252 0,'0'0'31,"53"-53"-31,-53 36 0,18 17 0,-36 17 16,-70 36 15,-159 106 0,194-124-31,0 1 0</inkml:trace>
+  <inkml:trace contextRef="#ctx0" brushRef="#br0" timeOffset="51272.846">14764 15117 0,'17'0'0,"-34"0"0,34-18 0,1 18 16,0-18-16,-1 1 0,-17-1 15,18 0-15,-18 1 16,0-1-16,-18 0 15,1 18 1,-36 0-16,-212 106 47,195 18-16,87-107-31,36 19 16,71 17-1,17-1 1,-71-16 0,-70-19-1,-88 19 1,-71-19 15,-17 1-15,70-36-1,71 1 1,35-1-16</inkml:trace>
+  <inkml:trace contextRef="#ctx0" brushRef="#br0" timeOffset="51806.7989">14975 15064 0,'0'0'16,"18"0"15,-18 17-31,0 1 16,0 17-16,0 0 0,0 195 46,0-177-46,0 105 16,-18-69 0,1-1 15,17-106-15,0-35-1,-18 18-15,18-106 16,0-71 15,18 159-31,-1 0 16,36 36-1,36 34 1,-19 36 15,-35-17-15,-35 16-1,-88-16 1,0-19 0,-36 1-1,89-18-15</inkml:trace>
+  <inkml:trace contextRef="#ctx0" brushRef="#br0" timeOffset="52272.512">15328 15293 0,'0'-18'16,"18"18"15,35 0 0,-36 0-31,19 18 32,-19-18-32,19-18 15,-19-17 16,-17 17-15,-17 1-16,-36-19 16,0 36-1,-53 53 17,88-17-17,36 52 1,17-35-1,36 0 1,35-53 0</inkml:trace>
+  <inkml:trace contextRef="#ctx0" brushRef="#br0" timeOffset="53639.6049">15822 15064 0,'0'-18'16,"0"36"-16,18-54 0,-18 19 0,17-1 15,-17 0-15,0 1 16,0-1-16,0 0 0,-35 36 31,17 0-31,-52 211 32,105 53 14,0-141-30,-17-35 0,-53-70-1,-36-36 1,-17-89 0,17-34-1,71-1 1,18 71-1,53 1 1,-1 34 0,18 18-1,-35 0 1,36 0 15,-89-18-15,35 1-1,-35-1 1,0 0 0,0 36 15,17 17-15,-17-17-16,18 52 15,0-17 1,-18-17-1</inkml:trace>
+  <inkml:trace contextRef="#ctx0" brushRef="#br0" timeOffset="53789.115">16069 15081 0,'-18'-17'0,"36"34"0,-53-17 31,35 18-15</inkml:trace>
+  <inkml:trace contextRef="#ctx0" brushRef="#br0" timeOffset="54124.702">16351 15205 0,'0'0'0,"0"-18"32,-17 18-17,-1 0-15,-35 0 16,18 18-1,17-18 1,-17 53 0,52 0-1,36 17 1,18-35 0,52-17-1,-70-36 1,-35 1-16</inkml:trace>
+  <inkml:trace contextRef="#ctx0" brushRef="#br0" timeOffset="54308.5229">16563 15258 0,'0'35'15,"0"-70"-15,-18-18 0,18 35 32,0 36-17,18-18-15,0 53 31,-18-36-31,52 54 16,-34-36 0,17 0-1</inkml:trace>
+  <inkml:trace contextRef="#ctx0" brushRef="#br0" timeOffset="54454.2269">16633 15011 0,'0'0'0,"0"-18"16,-17 18-1,17 18 1,0-1 0</inkml:trace>
+  <inkml:trace contextRef="#ctx0" brushRef="#br0" timeOffset="54675.246">16845 14958 0,'0'0'0,"-18"0"16,18 17-1,18 36 1,0 18-1,-1-18-15,19 141 32,-36-159-17,0 0-15</inkml:trace>
+  <inkml:trace contextRef="#ctx0" brushRef="#br0" timeOffset="55328.966">16775 15240 0,'-18'-18'0,"36"36"0,-54-53 16,36 17 0,18 18-1,0 0-15,34 0 16,19 0 0,35 0-1,0-18 16,-89 1-31,-17-18 16,-17 17 0,-36 18-1,18 18 1,35-1 15,0 18-15,35 1-1,35-1 1,1-35 0,-18-18-1,-36 1 1,-17-36 0,0 18-1,0 52 1,0 36-1,0 88 1,0 124 15,-35-124-15,-35-71 0,-1-70-1,-35-88 1,71-18-1,35-35 1,53 53 0,123 18 15,-140 70-31,52 0 16</inkml:trace>
+  <inkml:trace contextRef="#ctx0" brushRef="#br0" timeOffset="56524.362">14834 16069 0,'18'-18'16,"0"18"15,-1 0-15,-17 18-16,0 0 0,18 17 16,-18-17-16,17 52 15,-17-35-15,18 71 31,-18-18-15</inkml:trace>
+  <inkml:trace contextRef="#ctx0" brushRef="#br0" timeOffset="56693.429">14817 16175 0,'0'-53'15,"0"106"-15,0-141 0,0 70 0,70-17 16,54 17 0,87 18 15,-158 18-31</inkml:trace>
+  <inkml:trace contextRef="#ctx0" brushRef="#br0" timeOffset="56845.283">14905 16192 0,'0'0'0,"-35"18"0,-1-18 16,19 18-16,105-18 31,-53 0-15,36 0-16,52-18 15</inkml:trace>
+  <inkml:trace contextRef="#ctx0" brushRef="#br0" timeOffset="57325.2629">15381 16122 0,'0'-18'16,"0"36"-16,0-18 31,0 18-16,18 17 1,-18 0-16,0 89 31,0-107-31,0 54 16,0-54 0,17-34 15,-17-1-31,0-52 15,18-1 1,-18-123 15,18 141-15,35 18 0,17 35-1,-17 17 1,35 19-1,-105 17 1,-72-18 0,1 0-1,-35-17 1,87-18-16</inkml:trace>
+  <inkml:trace contextRef="#ctx0" brushRef="#br0" timeOffset="57892.813">15822 16122 0,'-18'0'16,"18"18"15,18-1-16,17 54 1,1-1 0,-19 1-1,-17-53 1,0-1-16,-17 18 16,-1-52 15,0-18-16,18-36-15,-17-53 16,105-70 15,-53 159-15,36 18 0,35 34-1,-54 36 1,-104 35-1,-107-35 17,71-35-32,17-1 15,71 1 1,18-18 0,105 35-1,18 18 1,-35 0-1,-71-17 1</inkml:trace>
+  <inkml:trace contextRef="#ctx0" brushRef="#br0" timeOffset="58446.867">16792 16122 0,'0'0'16,"-17"0"-16,-1 0 0,36 0 15,-18-18 1,17 18-16,18 0 0,-17 0 16</inkml:trace>
+  <inkml:trace contextRef="#ctx0" brushRef="#br0" timeOffset="58611.285">16845 16210 0,'0'0'16,"-35"18"-16,0-1 0,-1 1 15,89 0 17,88-18-17,-88-18-15</inkml:trace>
+  <inkml:trace contextRef="#ctx0" brushRef="#br0" timeOffset="60526.02">18927 15399 0,'0'-18'0,"0"0"15,0 1 1,17 17 0,-17 17-1,18-17-15,-1 18 0,-17 17 16,18-17-16,0 17 16,-18 106-1,0-105 1,0-19-16,0 36 15,-18-17 1</inkml:trace>
+  <inkml:trace contextRef="#ctx0" brushRef="#br0" timeOffset="60843.975">18909 15557 0,'-18'-35'0,"36"70"0,-53-140 15,17 52-15,18 0 16,35-35-1,159 70 17,-158 18-17,34 35 1,-70 18 0,-35-18-1,-71 18 1,71-35-1,-1 0 1,36-1 0,53-17-1,18 0 1,17 0 0,-17 0-1</inkml:trace>
+  <inkml:trace contextRef="#ctx0" brushRef="#br0" timeOffset="61311.112">19597 15328 0,'-18'0'0,"36"0"0,-53 0 16,17 0-1,18 18 1,18 17-1,-18-17-15,17 35 16,18 52 0,-17-16-1,0-36 1,-1-18 0,-17-53-1,-35-35 1,0 0-1,0-70 1,17-1 0,71 19 15,35 34-15,53 106 15,-106 18-31,-17-35 15,-53 52 1,-18-34 0,-53 17-1,88-53-15</inkml:trace>
+  <inkml:trace contextRef="#ctx0" brushRef="#br0" timeOffset="61912.865">18203 16157 0,'-17'0'0,"34"0"0,-52-17 16,35-1-1,35 18 1,-17 0-16,35 0 0,17 0 16,19-18-16,16 18 15,425 0 1,-72 0 0,512 36-1,-282-1 16,-705-53-15</inkml:trace>
+  <inkml:trace contextRef="#ctx0" brushRef="#br0" timeOffset="63245.318">18362 16563 0,'0'-18'15,"0"36"16,0 35 1,0-18-32,18 0 0,-1 71 31,-17 71 0,0-160-31</inkml:trace>
+  <inkml:trace contextRef="#ctx0" brushRef="#br0" timeOffset="63429.685">18380 16651 0,'0'0'0,"0"-35"0,0 0 15,53-36 1,52 36-1,72 17 17,-124 36-17,-36 17-15</inkml:trace>
+  <inkml:trace contextRef="#ctx0" brushRef="#br0" timeOffset="63578.971">18503 16686 0,'-17'18'0,"34"-36"0,-87 54 31,70-19-31,53-34 31,-36 17-31,71-18 16,36 0 0</inkml:trace>
+  <inkml:trace contextRef="#ctx0" brushRef="#br0" timeOffset="63827.974">18944 16633 0,'0'-17'16,"0"34"-16,0-17 46,18 71-30,-18-36 0,0 53-1,0-17 1,0-36-16</inkml:trace>
+  <inkml:trace contextRef="#ctx0" brushRef="#br0" timeOffset="64127.853">18944 16722 0,'0'0'0,"0"-36"0,0 1 0,0 0 16,0-18 0,35 0-1,36 35 1,17 36-1,0 17 17,-88 1-32,0-1 15,-70 0 1,-18 0 0,52-17-1,-34 0 16,70-36-31</inkml:trace>
+  <inkml:trace contextRef="#ctx0" brushRef="#br0" timeOffset="64396.922">19367 16792 0,'0'0'0,"18"-17"15,0 17 1,17-18-16,0 18 0,71 0 31,-18 0-31</inkml:trace>
+  <inkml:trace contextRef="#ctx0" brushRef="#br0" timeOffset="64595.7969">19526 16633 0,'0'0'15,"0"-17"-15,-17 17 0,34 17 32,-17 1-32,18 17 15,17 54 1,-17 16 0,-1-34-1</inkml:trace>
+  <inkml:trace contextRef="#ctx0" brushRef="#br0" timeOffset="65001.08">19897 16633 0,'-18'0'0,"36"0"0,-54-17 0,36-1 16,18 1 0,141 17 15,-71-18-31,35 18 16,-123 0 15,-17 0-16,-89 0 1,35 0 0,36 18-1,17 34 1,1 107 0,34-88-1,19-1 1,-19-34-1</inkml:trace>
+  <inkml:trace contextRef="#ctx0" brushRef="#br0" timeOffset="65531.447">20373 16686 0,'0'0'0,"0"-17"0,0 52 31,0-17-31,0-1 16,-18 36-1,1 53 1,-1 0 0,18-88-1,18-36 16,-1 0-31,1-70 16,0-18 0,-1 18-1,36 17 17,-35 89-32,17 53 15,0-1 1,18 36 15,18-18-15,-1-70-1,-17-36 1,-35-141 15,-18 107-31,-18-19 16,1-17-1,-1 88 1,0 17 0</inkml:trace>
+  <inkml:trace contextRef="#ctx0" brushRef="#br0" timeOffset="66329.209">16933 17833 0,'0'-18'15,"18"18"-15,0-17 16,70 17 0</inkml:trace>
+  <inkml:trace contextRef="#ctx0" brushRef="#br0" timeOffset="66478.888">16933 17939 0,'-70'17'31,"140"-34"-31,-87 34 16,87-17-1,18-17-15</inkml:trace>
+  <inkml:trace contextRef="#ctx0" brushRef="#br0" timeOffset="77916.4">18045 17515 0,'17'0'0,"-34"-35"15,17 17 1,0 1-16,-18-1 16,36 1-16,-1 17 15,1 0 1,35 0 0,-18 70 15,-123 18 0,-18-17-15,88-53-1,-17-1 1,17-17 0,36 0-1,70 0 1,-52 0-1,87 0 1,-17-17 0,-88 17-16</inkml:trace>
+  <inkml:trace contextRef="#ctx0" brushRef="#br0" timeOffset="78267.697">18521 17498 0,'0'-18'0,"0"36"0,0-54 16,-18 36-1,1 0 1,-36 18 0,17 35-1,19 18 1,17-54-1,53 36 1,35-35 0,-18-18-1,1-35 1,-36-18 0,-52 0-1,-19 17 1,-52 19-1,18 17 1</inkml:trace>
+  <inkml:trace contextRef="#ctx0" brushRef="#br0" timeOffset="78770.849">17410 17886 0,'-18'0'0,"0"17"0,54-34 0,-89 34 16,70-17 30,124 0-30,36-17 0,70 17-1,300 0 1,-336 0 0,160 17-1,-54 1-15,-35 0 16,-229-18-1,-123 0 1</inkml:trace>
+  <inkml:trace contextRef="#ctx0" brushRef="#br0" timeOffset="81387.3">17709 18327 0,'-17'0'16,"-36"0"-1,53 17 1,-18-17-16,18 18 16,-17 0-16,-1-18 0,18 35 15,-18-17-15,18-1 16,0 1-16,89 52 31,69-70 0,-87-70 1,-159-36-1,-1 53-15,19 18-1,52-18 1,71 0 15,18 18-15,17 17-1,-35 18 1,-36 53 0,-34-35-1,-18 52 1,-1-17-1,19-18-15</inkml:trace>
+  <inkml:trace contextRef="#ctx0" brushRef="#br0" timeOffset="81802.774">18150 18344 0,'-35'-17'31,"17"17"-31,1 0 16,-1 17 0,1 1-1,-1 17 1,18-17-16,0 17 15,70-17 1,-17-18 0,53 0-1,-35-18 1,-71-52 0,-88-36 15,70 88-16,-35 1-15,0 34 32,35 1-17</inkml:trace>
+  <inkml:trace contextRef="#ctx0" brushRef="#br0" timeOffset="82019.2319">18486 18344 0,'0'0'0,"-18"0"16,36 0 0,70-17-1,0 17 1,-70 0-1,17 0-15,-18 0 16</inkml:trace>
+  <inkml:trace contextRef="#ctx0" brushRef="#br0" timeOffset="82189.5">18609 18239 0,'0'0'16,"-18"-18"-16,-17 0 15,35 1 1,0 34-1,0 54 1,0 17 0,0 0 15,18-70-31</inkml:trace>
+  <inkml:trace contextRef="#ctx0" brushRef="#br0" timeOffset="82503.379">18891 18309 0,'0'0'0,"0"-35"0,0 17 16,18-17-16,0 17 16,70 1-1,0 52 1,-70 53-1,-36-70 1,-106 70 0,72-88-1,34 35 17,71-35-17,-18 0-15,36 0 16,-1 0-1</inkml:trace>
+  <inkml:trace contextRef="#ctx0" brushRef="#br0" timeOffset="82826.703">19403 18309 0,'0'0'0,"-18"-17"15,-35-1 1,18 18-1,-18 35 1,53 0 0,35 36-1,36-53 1,-18-1 0,53-34-1,-71-36 16,-53 0-31,-52 0 32,-36 18-17,53 35 1,53 35 0</inkml:trace>
+  <inkml:trace contextRef="#ctx0" brushRef="#br0" timeOffset="83053.669">20073 17762 0,'-18'0'0,"36"0"0,-71-17 16,18 17-1</inkml:trace>
+  <inkml:trace contextRef="#ctx0" brushRef="#br0" timeOffset="83220.789">20020 17921 0,'0'0'16,"-18"0"-16,1 0 0,-1 0 15,36 0 1,-1 0-16,89 0 16,-17 0-1</inkml:trace>
+  <inkml:trace contextRef="#ctx0" brushRef="#br0" timeOffset="83820.057">20637 17815 0,'0'0'15,"-17"0"-15,-1-17 0,1-1 16,17 0-16,0 1 15,0-1-15,35 0 16,-18 1 0,1-1-16,70-17 31,-52 88 0,-54 88 0,-35-53-15,-53-35 0,18-18-1,53-35 17,52-17-17,19-19-15,69 1 16,-52 35 15,36 35-15,-54 1-1,0 17 1,-17-36-16</inkml:trace>
+  <inkml:trace contextRef="#ctx0" brushRef="#br0" timeOffset="84169.575">21149 17833 0,'0'-18'15,"0"36"-15,0-71 0,0 35 16,-18-17-16,-17 35 16,-35 88 15,70-52-31,0 69 31,35-52-15,35-17-1,-17-36 1,0-53 0,-35-36-1,-36-16 1,-70 34 15,70 71-31,-17 0 16,35 53-1</inkml:trace>
+  <inkml:trace contextRef="#ctx0" brushRef="#br0" timeOffset="84467.3419">21396 17709 0,'0'-17'15,"0"34"-15,-18-52 0,18 0 16,0 17 0,-17 36-1,-19 52 16,19-70 1,17-17-17,17 17 1,1-18 0</inkml:trace>
+  <inkml:trace contextRef="#ctx0" brushRef="#br0" timeOffset="84703.7099">21625 17604 0,'-17'0'16,"34"0"-16,-52 0 0,35 17 15,0 36 1,-18 0 0,1-18-16,17 54 15,-36 16 1,36-52 0</inkml:trace>
+  <inkml:trace contextRef="#ctx0" brushRef="#br0" timeOffset="84956.504">21802 17939 0,'17'-18'0,"-34"36"16,34-54-16,-17 54 31,0 0-15,0 17-1,-17-17 1,-1-36 0,18 0-1,0-17 1,0 17-16</inkml:trace>
+  <inkml:trace contextRef="#ctx0" brushRef="#br0" timeOffset="90173.015">22278 17533 0,'0'-18'15,"-18"1"17,18 34 46,-17 1-63,17 0-15,0 88 32,0-71-32,0 0 0,0 0 15,0 36 1,17-1-1,-17-34 1,18-1 0,0 0-1</inkml:trace>
+  <inkml:trace contextRef="#ctx0" brushRef="#br0" timeOffset="90455.079">22013 17868 0,'-17'0'16,"34"0"-16,-52 0 15,53 0 1,-18 18-1,35-1 1,-17-17-16,52 53 16,-17-17-1,-18-19 1,-17-17 0</inkml:trace>
+  <inkml:trace contextRef="#ctx0" brushRef="#br0" timeOffset="90672.366">22472 17921 0,'0'-18'15,"0"36"-15,18-53 0,-1 17 16,-17 1 0,-35 34 15,0 1-31,-36 35 15,1 0 1,34 0 0,1-36-1</inkml:trace>
+  <inkml:trace contextRef="#ctx0" brushRef="#br0" timeOffset="92741.086">13705 15064 0,'0'-18'32,"0"0"-32,0 36 46,0 0-46,0-1 16,0 1-16,-17 17 16,17 0-16,-18 54 15,18-54-15,0 106 47,-18-106-31</inkml:trace>
+  <inkml:trace contextRef="#ctx0" brushRef="#br0" timeOffset="93141.653">13635 14940 0,'0'0'0,"-18"0"15,1 18 1,-1 17 0,0 0-1,1-17-15,-1 35 16,-17-18 15,17-17-15,18-36-1,0 1 1,0-1 0,35-53-1,-17 54 1,35-19 0,17 19-1,19 70 16,-36 0-15,-53-36-16</inkml:trace>
+  <inkml:trace contextRef="#ctx0" brushRef="#br0" timeOffset="104997.97">17163 9507 0,'0'-17'0,"0"34"0,-18-34 16,53-1-16,-17 18 15,-18-18-15,35 18 16,-17-17-16,17 17 0,0-18 16,18 18-16,0 0 15,35-17-15,1 17 16</inkml:trace>
+  <inkml:trace contextRef="#ctx0" brushRef="#br0" timeOffset="105180.156">17198 9684 0,'-18'17'16,"-17"19"15,88-89-31,-88 106 0,70-53 15,-17 0-15,105-18 32,36-35-17,-53 18-15</inkml:trace>
+  <inkml:trace contextRef="#ctx0" brushRef="#br0" timeOffset="105460.9819">17374 9243 0,'0'0'16,"-35"-18"-16,0 18 0,-1-18 15,19 1 1,52 34 0,-17 1-16,70 17 15,71 18 1,17 36 15,-35-1-15,-176 70-1,-18-105 1,-70 18 0,-1-18-16</inkml:trace>
+  <inkml:trace contextRef="#ctx0" brushRef="#br0" timeOffset="106123.721">18309 9243 0,'-17'-18'16,"17"36"15,0-1-31,17 1 0,-17 17 16,18-17-16,-1 17 0,54 106 31,-36-52 32,-105-160-48,-36-158 17,71 105-17,-1-17 1,72 35-1,-1 71 1,194 53 15,-158 35-15,-54-36-16,1 54 16,-89 17-1,-105 18 16</inkml:trace>
+  <inkml:trace contextRef="#ctx0" brushRef="#br0" timeOffset="106811.887">18609 9331 0,'0'0'0,"0"-18"16,0 1 0,0-1-1,53 18 17,-18 0-32,106 106 31,-105-71-16,-19 36 17,-17-54-17,-53-17 17,53-17-17,0-1-15,0-70 16,53-18-1,-17 53 1,69 18 15,-87 35-15,17 17-16</inkml:trace>
+  <inkml:trace contextRef="#ctx0" brushRef="#br0" timeOffset="107263.724">19297 9349 0,'0'0'16,"-18"0"-16,1 0 0,-1 0 15,0 0 1,36 0 15,17 0-15,-17 0-16,52 0 15,1-18 1,-36 0 0,1-17-1,-36-18 1,-53 0 15,-36 18-15,37 35-1,-19 53 1,53 17 0,36 19-1,123 34 16,-70-105-15,-18-18-16</inkml:trace>
+  <inkml:trace contextRef="#ctx0" brushRef="#br0" timeOffset="107746.664">20161 9155 0,'0'-18'0,"0"36"0,-17-36 16,-1 0-16,0 1 16,-35 17-1,-35 0 1,0 17 0,53 19-1,17 34 1,18 18-1,71-35 1,17-35 0,53-18-1,0-35 1,-53-36 0,-70 0 15,-53 1-16,17 35 1,18 70 0,0-17-1,18 52 1,-1-17 0,1 18-1,0-54 1,-1-17-16</inkml:trace>
+  <inkml:trace contextRef="#ctx0" brushRef="#br0" timeOffset="107879.72">20391 8943 0,'-18'-18'15,"36"36"-15,-54-36 0,19 18 0,-19 18 31,19 17-31</inkml:trace>
+  <inkml:trace contextRef="#ctx0" brushRef="#br0" timeOffset="108264.502">20637 9049 0,'0'0'16,"0"-18"-16,-17 18 31,-1 0-31,1 18 16,-1-18-1,0 17-15,1 19 31,87 34-15,-35-70 0,36 35-1,17 1 1,-52-1 0,-36-17-1,-71-1 1,-17-17-1,52-17 1</inkml:trace>
+  <inkml:trace contextRef="#ctx0" brushRef="#br0" timeOffset="108463.685">20814 9049 0,'18'-18'15,"-36"36"-15,53-36 16,-17 36-1,-1-1 1,-17 1 0,53 35-1,18 53 17,-53-71-32</inkml:trace>
+  <inkml:trace contextRef="#ctx0" brushRef="#br0" timeOffset="108622.425">20884 8767 0,'-17'-18'0,"34"36"15,-52-18-15,35 17 16,0 36-1</inkml:trace>
+  <inkml:trace contextRef="#ctx0" brushRef="#br0" timeOffset="109396.689">21237 8996 0,'-17'0'15,"34"0"-15,-52 0 0,17 0 16,1 0-16,17 17 16,0 36-1,0-17 1,53 87 15,-36-105-31,1-18 16,35 35-1,17-35 1,-34-18 0,-1-35-1,-53-52 1,-35-1 0,-53 35-1,54 54 1,-1 52-1,53 35 1,0-17 0,17-17-1,19-19 1,-1-34 0,35-19-1,-34 1 1,17-35 15,35 34 0,-53 54-15,-17 0-16,-1 34 16,1 1-1,0 0 16,-18-70-15,17 17 0,-17-18-16,71-53 31,-36 36-31,18 0 16,0 35 15,0 53-16,0 35 1,-36-70-16</inkml:trace>
+  <inkml:trace contextRef="#ctx0" brushRef="#br0" timeOffset="116992.627">22190 8872 0,'0'18'63,"17"-18"-32,1 0-15,17 0-1,-17 0-15,88 0 32,-71-18-1</inkml:trace>
+  <inkml:trace contextRef="#ctx0" brushRef="#br0" timeOffset="117216.777">22207 9049 0,'0'0'16,"0"17"-16,18-17 16,0 0-1,17 0 1,-17 0-16,-1-17 16,36-1-1</inkml:trace>
+  <inkml:trace contextRef="#ctx0" brushRef="#br0" timeOffset="123762.487">23230 8343 0,'-17'-17'0,"34"34"0,-52-34 15,17 17-15,1 0 16,-1 0-1,36 0 17,-1 0-17,1 0 1,123-18 0,-105 0-16,122 1 31,1-1 0</inkml:trace>
+  <inkml:trace contextRef="#ctx0" brushRef="#br0" timeOffset="123985.625">23372 8308 0,'0'0'0,"0"18"16,0-1 15,17 18-15,1-17-16,-1 53 15,19 87 17,-19-87-32,1 0 15,0-71 1</inkml:trace>
+  <inkml:trace contextRef="#ctx0" brushRef="#br0" timeOffset="124455.267">23830 8414 0,'0'0'0,"0"17"31,0 1-31,0 0 0,0 35 16,35 35 15,-17-53-31,-18 0 16,0-17-1,0 0 1,-35-36 15,-1-53-15,1 1-1,0-71 1,35 35 0,35 35-1,53 54 1,-35 34-1,71 89 32,-142-88-47,18-1 16,-35 1-16,-18 17 16</inkml:trace>
+  <inkml:trace contextRef="#ctx0" brushRef="#br0" timeOffset="124819.378">22842 9049 0,'-17'0'16,"34"0"-16,-52 17 0,17 1 15,36-18 1,17 0-16,106 0 31,71-18-31,247-17 16,264 0 15,-441 35-15,-17-18-1,-212 18 1,-89 0-16</inkml:trace>
+  <inkml:trace contextRef="#ctx0" brushRef="#br0" timeOffset="125519.635">22931 9454 0,'0'0'16,"-18"0"-16,18-17 15,18 17 1,-1 0-16,71-18 16,124-17 15,-106 17 0,-53 18-31</inkml:trace>
+  <inkml:trace contextRef="#ctx0" brushRef="#br0" timeOffset="125736.734">23160 9384 0,'-18'0'16,"36"0"-16,-53 0 15,35 18-15,0-1 16,35 36 0,0 35-1,0 71 17,-17-124-17,-18 36-15,0-18 16</inkml:trace>
+  <inkml:trace contextRef="#ctx0" brushRef="#br0" timeOffset="126223.581">23407 9543 0,'0'-18'15,"0"36"-15,0-54 0,0 19 16,0 34-1,17-17 1,-17 53 0,18 53-1,0-53 1,-18 0 0,0-35-16,17 34 15,-17-34 1,0-36-1,-17-87 17,-1 16-17,0-52 1,36 53 0,17 18-1,18 34 1,18 36-1,-36 53 1,-53 18 15,-17-54-15,-18 19-16,-17-1 16,34-35-1</inkml:trace>
+  <inkml:trace contextRef="#ctx0" brushRef="#br0" timeOffset="126469.784">23848 9543 0,'0'17'16,"-18"-17"-16,36-17 47,-1 17-47,36-18 15,-17 18-15,52-35 16,-18-1 0</inkml:trace>
+  <inkml:trace contextRef="#ctx0" brushRef="#br0" timeOffset="126654.452">23989 9402 0,'-35'-18'16,"88"53"0,-71-52-16,-35-1 0,35 18 0,18 18 31,0-1-15,18 18-1,0-17-15,-1 53 16,-17-18-1,18 17 1,0-35 0</inkml:trace>
+  <inkml:trace contextRef="#ctx0" brushRef="#br0" timeOffset="126905.558">24324 9384 0,'0'0'16,"0"18"15,0-1-15,18 18-16,-18-17 16,0 17-1,17 36 1,19 17 15,-19-88-15,-17-18-16</inkml:trace>
+  <inkml:trace contextRef="#ctx0" brushRef="#br0" timeOffset="127056.17">24395 9507 0,'-18'-70'16,"18"35"-16,18 140 31,-54-281-31,36 158 0,53 1 31,35 34-15,18-17-1,-53 36 1</inkml:trace>
+  <inkml:trace contextRef="#ctx0" brushRef="#br0" timeOffset="127206.052">24324 9490 0,'0'0'16,"-53"17"-16,71-17 16,-1 18-1,19-18-15,52-18 16,35 1 0</inkml:trace>
+  <inkml:trace contextRef="#ctx0" brushRef="#br0" timeOffset="127670.757">24765 9384 0,'0'0'0,"-18"0"16,18 18 15,18 17-15,17 35-1,-35-52 1,18 17-16,0 53 16,-1-35-1,-17-35 1,0-53 15,-17-1-31,-1-69 16,0 34 15,36-52-15,35 52-1,17 53 1,19 36 0,-54 17-1,-18 18 1,-69 0-1,-142-18 17,158-52-17,19-1-15</inkml:trace>
+  <inkml:trace contextRef="#ctx0" brushRef="#br0" timeOffset="128137.452">25312 8890 0,'-18'0'0,"36"0"0,-71 0 16,35-18 0,36 18-1,0-17 1,-1 17-16,1 0 15,-1 0-15</inkml:trace>
+  <inkml:trace contextRef="#ctx0" brushRef="#br0" timeOffset="128261.892">25400 8961 0,'-35'35'31,"70"-70"-31,-53 87 16,54-52-1,17 0 1,-18 0-16</inkml:trace>
+  <inkml:trace contextRef="#ctx0" brushRef="#br0" timeOffset="130306.673">26053 8467 0,'0'0'16,"-18"0"-16,0-18 0,1 0 16,-1 18-16,18-17 31,18 17-15,17 0-16,-17 0 15,87-18 1,89 0 31,-194 1-32,-17 17 1,-1 17 0,18 36-1,0 71 1,35-1 15,1-17-15,-19-18-1,-17-70-15</inkml:trace>
+  <inkml:trace contextRef="#ctx0" brushRef="#br0" timeOffset="130472.192">26141 8837 0,'-18'-35'16,"36"70"-16,-36-88 0,1 36 0,17-1 16,0 0-16,35 1 15,35-1 1,19 18 0,16-18-1</inkml:trace>
+  <inkml:trace contextRef="#ctx0" brushRef="#br0" timeOffset="130964.849">26705 8502 0,'-17'-18'0,"34"36"16,-52-36-16,17 18 0,1 0 15,17 18 1,-18 17-1,18 36 1,18-1 0,52-17-1,-34-35 1,52-18 0,-35-18-1,-36-35 16,-52 18-15,-106-106 0,53 88-1,0-35 1,88 35 0,17 18-1,54 17 1,70 53 15,-124 1-15,-17-1-1,0-18-15,0 54 16,-35 17 15</inkml:trace>
+  <inkml:trace contextRef="#ctx0" brushRef="#br0" timeOffset="131270.5289">26987 8326 0,'0'0'31,"0"-18"-31,0 36 15,-17-18 48,-1 0-32,18-18 0</inkml:trace>
+  <inkml:trace contextRef="#ctx0" brushRef="#br0" timeOffset="131506.212">27252 8255 0,'0'18'31,"-18"-1"-31,18 1 16,-17 17-16,-1 36 16,1-36-16,-19 106 15,19 0 16,-1-123-31</inkml:trace>
+  <inkml:trace contextRef="#ctx0" brushRef="#br0" timeOffset="131777.56">27393 8625 0,'0'0'15,"-17"-17"1,17-1 78,0 0-79,-18 18 17</inkml:trace>
+  <inkml:trace contextRef="#ctx0" brushRef="#br0" timeOffset="132889.502">17251 12435 0,'-18'0'0,"36"0"15,-71 0-15,88 0 32,-17-17-32,17 17 0,0-18 15,1 18-15,17-18 0,-1 18 16,-16-17-16,-1 17 15,18 0-15</inkml:trace>
+  <inkml:trace contextRef="#ctx0" brushRef="#br0" timeOffset="133041.372">17410 12524 0,'-106'70'47,"123"-52"-31,107-142-1,-159 160-15,-1 52 0,230-106 32,-158 1-32,-1-1 15</inkml:trace>
+  <inkml:trace contextRef="#ctx0" brushRef="#br0" timeOffset="133256.8689">17462 12347 0,'-35'-17'0,"70"34"0,-140-70 15,69 36-15,1-1 16,70 36 0,177 87 15,-53 1-15,-124-70-1,-17 52 1,-71 53-1,-35-53-15</inkml:trace>
+  <inkml:trace contextRef="#ctx0" brushRef="#br0" timeOffset="134578.595">18574 12241 0,'17'-17'0,"-34"34"15,34-70-15,-17 36 0,18-54 16,-18 36-16,0-18 16,-18-17-16,18 52 15,-17-17-15,-1-1 16,0 36 0,-17 89-1,18-37 1,140 654 31,-35-424-32,-88-141 17</inkml:trace>
+  <inkml:trace contextRef="#ctx0" brushRef="#br0" timeOffset="135574.69">18433 12612 0,'0'0'16,"35"-18"-16,0 18 16,18-17-1,88-19 1,18 1-1,-71 35 1,0-18 0,-35 1 15,-35-19 0,-36 19-15,1 17-16,-19 0 15,-34 53 17,35 0-32,-1 17 15,72-17 17,87-18-1,-88-52-31,-17-1 15,35-35 1,-53-53 15,0 53-31,0 36 16,0 52 0,0 36-1,17-1 1,1-17-1,35-18 1,0-35 0,-18-17-1,0-71 1,-17-36 15,-36-52-15,-17-1-1,18 89 1,-19 70 0,19 89-1,17 52 1,105 160 15,-52-213-15,0-17-1,-35-53-15,70 0 16,-53-70 0,-17-19-1,-36-52 17,-17 0-17,-18 71 1,36 70-1,17 88 1,0 35 0,35 1-1,18-18 1,-36-71-16</inkml:trace>
+  <inkml:trace contextRef="#ctx0" brushRef="#br0" timeOffset="136614.228">19914 12312 0,'-70'0'15,"140"0"-15,-158 0 0,70 0 16,1 0-16,17 35 31,0-17-31,53 52 16,-18-34-1,36 17 1,17-36 0,-35-17-1,-36-35 1,-52-71 15,-53 36-15,17 34-16,-35 1 31,89 35-15,34 35-1,36-35 1,53 18-1,18-53 1,-54 17 0,1-17-1,-36 17 1,-35 0 0,-18 18-1,18 18 1,-17 35-1,17 18 1,0-1 0,35-17-1,0-18 17,54-35-17,-54-17 1,18-36-1,-36 0 1,1-71 15,-18 142-15,0 17 0,0 1-1,0-1-15,35 35 16,18-34-1,-18-36 1,36-36 0,0-34-1,-54-142 17,-34 106-17,-19-17 1,-17 70-1,18 141 1,35-53 0,18 54-1,35 52 1,17-18 0,1-52-1,-18-54 1</inkml:trace>
+  <inkml:trace contextRef="#ctx0" brushRef="#br0" timeOffset="137293.925">21114 11977 0,'0'0'0,"-18"-18"15,0 18-15,36 0 31,0 0-31,-1 0 16,89-17 0</inkml:trace>
+  <inkml:trace contextRef="#ctx0" brushRef="#br0" timeOffset="137444.769">21096 12171 0,'0'0'16,"-53"35"-16,71-17 31,-1-18-31,107-18 16,52 0-1,-87-17 1</inkml:trace>
+  <inkml:trace contextRef="#ctx0" brushRef="#br0" timeOffset="138275.8549">22031 11642 0,'-18'0'16,"36"0"-16,-71-18 0,35 18 31,18-18-31,18 18 47,-36 0 125,1 0-172,34 0 47,19 0-47,-1 0 16,0 0-16,71-17 15,0 17 1,17 0-1,-70-18 1,-70 18 0</inkml:trace>
+  <inkml:trace contextRef="#ctx0" brushRef="#br0" timeOffset="138441.8959">22225 11589 0,'0'0'15,"-18"0"-15,18 17 0,0 1 16,18 35-1,0 88 17,-1-53-32,-17 18 31,0-71-31</inkml:trace>
+  <inkml:trace contextRef="#ctx0" brushRef="#br0" timeOffset="138976.15">22454 11730 0,'0'0'15,"0"-53"-15,-17 35 16,17 36 0,17 0-1,1 34 1,-18-16-16,18 34 15,17 1 1,-35-53 15,0-54-15,-18 19 0,1-72-1,17-16 1,17 52-1,1 35 1,35 53 0,-18 53-1,18-17 1,18-18 0,-19-35-1,-16-18 1,-36-53-1,-36-88 17,1-1-17,18 90 1,34 16 0,18 89-1,18 18-15</inkml:trace>
+  <inkml:trace contextRef="#ctx0" brushRef="#br0" timeOffset="139292.37">21749 12524 0,'0'0'16,"-36"17"-16,54-17 15,35 0 1,0-17-16,35-1 16,247-53-1,89 1 1,-36-1-1,-177 36 1,-70 35 0,-123 0-16</inkml:trace>
+  <inkml:trace contextRef="#ctx0" brushRef="#br0" timeOffset="140013.74">21802 12929 0,'-18'0'0,"36"0"0,-54 0 16,36-17 0,18 17-1,0-18-15,17 18 16,53-35-16,-35 35 16,71-36-1,122-16 1,-263 52 15</inkml:trace>
+  <inkml:trace contextRef="#ctx0" brushRef="#br0" timeOffset="140210.3299">21978 12823 0,'-18'0'16,"1"18"-16,105-53 15,-141 52-15,124 72 31,-36-36-15,-17 17 0,-1-35-16,-17 71 15,35-35 17,-17-54-32</inkml:trace>
+  <inkml:trace contextRef="#ctx0" brushRef="#br0" timeOffset="140776.693">22472 12841 0,'-18'-18'16,"36"36"0,-53-36-16,17 36 0,18 0 15,0 70 1,18-35-1,17 53 1,-17-36 0,-1-34-1,-17-54 17,0-17-17,-17-36 1,17-52-1,17-1 1,18 71 0,-17 53-1,17 53 1,18 35 0,0 0-1,0-35 1,-35-35-1,17-36 1,0-35 15,-17-17-15,-18-54 0,0 19-1,0 34 1,0 89-1,-18-1 1,18 36 0</inkml:trace>
+  <inkml:trace contextRef="#ctx0" brushRef="#br0" timeOffset="140979.198">23125 12894 0,'17'-18'31,"1"18"-31,52-17 16,-34-1 0,-19 18-16,54-18 15,-53 1-15</inkml:trace>
+  <inkml:trace contextRef="#ctx0" brushRef="#br0" timeOffset="141142.4809">23230 12718 0,'-17'0'15,"-1"0"-15,106 0 16,-141 0-16,0 0 0,53 17 16,0 1-16,36 70 15,-19 18 1,19-18-1,-19-53 1</inkml:trace>
+  <inkml:trace contextRef="#ctx0" brushRef="#br0" timeOffset="141527.9089">23548 12718 0,'0'0'0,"0"-18"16,-18 0-16,36 36 31,0 17-15,17 53 0,-35-70-16,35 70 15,-35-52 1,0-19-1,0-52 1,-35-71 15,0-123 1,35 158-32,35 36 15,18 17 1,35 36-1,0 17 1,-70-17-16</inkml:trace>
+  <inkml:trace contextRef="#ctx0" brushRef="#br0" timeOffset="141659.857">23618 12823 0,'-17'18'16,"34"-36"-16,-52 54 0,53-36 31,17 0-31,-17-18 16,17 18-16</inkml:trace>
+  <inkml:trace contextRef="#ctx0" brushRef="#br0" timeOffset="142202.207">23989 12629 0,'0'0'16,"0"-35"-1,0 53 17,0-1-32,0 19 15,0 70 1,0-71 0,0 18-16,0 0 15,18-18 1,-18-53-1,0-17 17,0-36-32,0-34 31,0 34-15,17 36-1,1 52 1,52 125 15,-34-90-15,-19-34-16,19 17 15,16-17 1,1-36 0,-17-70-1,-36 18 1,-18-71-1,-17 17 17,35 89-17,-18 70 1,18 18 0</inkml:trace>
+  <inkml:trace contextRef="#ctx0" brushRef="#br0" timeOffset="142413.074">24112 11889 0,'0'0'0,"-17"-18"0,-1 18 16,-17-18 0,52 18-16</inkml:trace>
+  <inkml:trace contextRef="#ctx0" brushRef="#br0" timeOffset="142579.608">24059 12083 0,'-35'35'16,"70"-70"-16,-52 70 0,34-35 15,19 0-15,34-18 16,124-17 0</inkml:trace>
+  <inkml:trace contextRef="#ctx0" brushRef="#br0" timeOffset="144395.4259">25823 11483 0,'0'0'16,"-17"0"-16,-1 0 15,0 0-15,1 0 32,17-18-1,159-17 0,-71 35-15,-18-18-1,18 1 1,-88 52 15,0-17-31,-17 70 16,17-18 0,17 54-1,36-18 1,-35-53-1,0-36 1</inkml:trace>
+  <inkml:trace contextRef="#ctx0" brushRef="#br0" timeOffset="144561.4339">26000 11730 0,'-36'-18'16,"72"36"-16,-89-53 0,53 17 31,17 0-31,36 1 16,71-1-1,-71 0 1</inkml:trace>
+  <inkml:trace contextRef="#ctx0" brushRef="#br0" timeOffset="145033.8549">26405 11465 0,'0'0'15,"-17"-17"-15,-19-19 16,19 19 0,-1-36-1,18 35 1,53 36 0,-18-1-1,18 1 1,-35 0-1,17-1 1,-35 1 0,-17-18 15,-1 18-15,18-1 15,18 1-16,-1-18 1,19 18-16,-19-1 16,54 18-1,-54-17 1,1 35 0,-53-18-1,-18 1 1,0-36-1,-35-36 1,88 19 0</inkml:trace>
+  <inkml:trace contextRef="#ctx0" brushRef="#br0" timeOffset="145311.4579">26723 11271 0,'0'0'0,"0"-17"15,18-1-15,-18 0 16,17 1 0,-17 34-1,18 19 1,-1-1 0,-17-17-1,0-1 1,-35-17-1,18-17 1,17-1 0,0 0 15,17 1-31</inkml:trace>
+  <inkml:trace contextRef="#ctx0" brushRef="#br0" timeOffset="145545.174">27005 11271 0,'18'-17'0,"-36"34"0,36-52 16,-1 17-16,-17 36 31,0 0-15,0 35-1,0-18-15,-17 88 16,-1-35 0,0-35-1</inkml:trace>
+  <inkml:trace contextRef="#ctx0" brushRef="#br0" timeOffset="145814.677">27305 11589 0,'0'0'0,"0"-18"0,-18 18 15,18-18-15,0 1 78,0-1-62,18 1 0,-36 17 15</inkml:trace>
+  <inkml:trace contextRef="#ctx0" brushRef="#br0" timeOffset="149580.315">18274 6509 0,'0'0'15,"0"-18"-15,0 0 0,-18 18 31,1 36-15,17-1-16,-18 18 16,-17 35-1,-18 53 1,35-105-16,0-19 0,18 18 16,-17-35 15,105-211 0,0-424 16,-52 335-31,-19 247-1,54 71 1,35 140-1,-1 72 1,-34-72 0,-36 72-1,-52-72 1,-36-105 0</inkml:trace>
+  <inkml:trace contextRef="#ctx0" brushRef="#br0" timeOffset="149745.741">18362 6650 0,'-53'-53'16,"36"18"-16,158 176 16,-318-335-16,283 335 0,-212-300 0,89 141 15,17-17 1,17 18 0,124-19 15,-88 36-31,18-17 15</inkml:trace>
+  <inkml:trace contextRef="#ctx0" brushRef="#br0" timeOffset="150063.623">18997 6368 0,'0'0'0,"35"0"0,-17-18 0,0 0 16,-18 1-16,17-1 16,1-17-1,-53 0 1,-106 70 15,88 18-31,35-36 16,0 54-1,36 17 1,17-53 0,53 1-1,18-54 1</inkml:trace>
+  <inkml:trace contextRef="#ctx0" brushRef="#br0" timeOffset="150332.744">19262 6368 0,'0'0'0,"17"-36"0,1-17 16,-18 18 0,0-18-1,0 36 1,-18 17 0,-17 53-1,0-1 1,17 37-1,18-19 1,35-35 0,36-17-1,17-36 1,0-34 0</inkml:trace>
+  <inkml:trace contextRef="#ctx0" brushRef="#br0" timeOffset="151482.3899">19544 6191 0,'0'-17'16,"-18"-1"0,18 0-16,18 89 15,-18-89-15,-18-17 32,18 53-17,0 17 1,0 18-1,18 17 1,-18-52 0,18 17-16,34-17 15,-16-18 1,17-35 0,-36-18 15,1-35-16,-18 17 1,18 53 0,-18 18-1,0 53 1,35 35 0,18 36 15,-36-106-16,1-36 1,-18 0-16,18-35 16,-18 0-1,-18-17 1,18-1 0,0 54 15,35 52 0,36 18-15,-36 0-16,-17 0 15,-18-36 1,0 1 0,-18-18-1,0-53 1,18-35-1,18 0 1,17 52 0,36 19-1,17 34 1,-35 19 0,18-1 15,-36-35-16,-35 18 1,0-54 0,0-17-1,-35 18 1,17 17 0,-17 18-1,-1 53 1,19 18-1,-1 17 1,18-17 0,35-36-1,-17-17 1,35-36 0,-18-35-1,-17 0 16,0 0-15,-1 53 0,1 53 15,-1 0-31,1-18 16,0 1-1,-1-36-15</inkml:trace>
+  <inkml:trace contextRef="#ctx0" brushRef="#br0" timeOffset="152199.737">20708 6156 0,'35'-53'15,"-35"0"1,-53 177-16,71-142 0,17-106 0,-35 107 16,-17 17-1,-19 17 1,-17 19-1,18 70 17,35-71-32,18 0 15,35 0 1,0-17 0,35-36-1,-35-34 1,-36-37-1,-17 19 1,0 34 0,-17 36-1,17 36 1,17 34 0,1 1 15,17-53-16,1-18 1,17-53 0,-1-71 15,-34 71-31,-18 36 16,0 87 15,18-17-31,-18 71 15,35 105 1,18-35 0,-35-35-1,-124-89 17,18-87-17,-18-54 1,18-70-1,88 35 1,52 18 0,72 17-1,-18 54 1,-53-1 0</inkml:trace>
+  <inkml:trace contextRef="#ctx0" brushRef="#br0" timeOffset="152397.631">21502 5980 0,'0'0'0,"-18"-18"0,1 0 15,17 1-15,17-1 16,1 18-1,17 0 1,-17 18-16</inkml:trace>
+  <inkml:trace contextRef="#ctx0" brushRef="#br0" timeOffset="152517.8809">21449 6103 0,'-18'18'0,"36"-36"0,-53 36 15,70-18 1,-17 0-1,17 0-15,88-36 16</inkml:trace>
+  <inkml:trace contextRef="#ctx0" brushRef="#br0" timeOffset="154084.962">23513 5397 0,'0'0'16,"-36"0"-16,19 0 16,-1 0-16,36 0 31,-1 0-15,19-17-1,-1 17-15,18-18 16,264-35 15,-264 36-15,-194 17 15,18 17-15,87-17-16,-17 18 15,36 0 1,34 17-1,54 35 1,0 36 0,-19 0-1,-16-35 1,-1-54 0</inkml:trace>
+  <inkml:trace contextRef="#ctx0" brushRef="#br0" timeOffset="154517.511">24077 5450 0,'0'-17'0,"0"34"0,18-70 16,-18 36 0,0 34-1,0 19-15,17 17 16,19 35-1,17 18 17,-36-106-17,-34-18 1,-19-35 0,19 18-1,-36-71 1,17-53-1,36 106 1,36 18 0,17 53-1,17 35 1,-52 0 0,-18-1-1,-53-16 1,-18-1-1,54-35 1</inkml:trace>
+  <inkml:trace contextRef="#ctx0" brushRef="#br0" timeOffset="154727.251">24465 5521 0,'0'0'15,"18"0"-15,-18 18 16,17-18 15,1 0-31,53-18 16,-1 0 0,36-52-1</inkml:trace>
+  <inkml:trace contextRef="#ctx0" brushRef="#br0" timeOffset="154910.252">24624 5292 0,'-53'-18'16,"18"0"-1,158 71 1,-158-70-16,-53 17 16,105 35-1,36 53 1,-17 18-1,34 0 17,-52-89-32</inkml:trace>
+  <inkml:trace contextRef="#ctx0" brushRef="#br0" timeOffset="155132.663">24994 5292 0,'0'0'16,"0"-18"0,18 53 15,0 18-31,-1-35 16,1 35-1,17 35 1,-17-35-1,-1-18-15</inkml:trace>
+  <inkml:trace contextRef="#ctx0" brushRef="#br0" timeOffset="155317.346">25047 5362 0,'-17'-53'0,"34"106"0,-52-176 15,17 70 1,18 18-16,18 17 15,17 18 1,89 0 15,-54 18-31,1-1 16</inkml:trace>
+  <inkml:trace contextRef="#ctx0" brushRef="#br0" timeOffset="155484.3819">25047 5345 0,'-17'0'0,"34"0"0,-52 17 16,17-17-16,18 18 15,36-18 1,52 0 0,18-18-1,-53 1 1</inkml:trace>
+  <inkml:trace contextRef="#ctx0" brushRef="#br0" timeOffset="155966.037">25559 5186 0,'0'0'15,"-36"-18"-15,19 18 16,34 53 15,1-18-15,17 36-1,1-1 1,-1 1 0,-17-18-16,-18-35 15,0-36 16,-18-35-15,-17-35 0,17 0-1,18 35 1,0-18-16,35-35 31,1 89-15,34 34-1,-35 1 1,1 53 0,-36-54-1,-71 18 1,1-17 0,17 0-16</inkml:trace>
+  <inkml:trace contextRef="#ctx0" brushRef="#br0" timeOffset="156718.319">23142 5292 0,'0'0'16,"0"17"-16,-17 19 15,-1-19 1,0 107 0,159 193 15,159-211-15</inkml:trace>
+  <inkml:trace contextRef="#ctx0" brushRef="#br0" timeOffset="157099.727">26088 5009 0,'0'0'0,"18"0"16,-1 0-1,1 0-15,-1 0 16,19 0-16,52 53 31,35 88-31,-17 106 32,-106-194-17,-70 71-15</inkml:trace>
+  <inkml:trace contextRef="#ctx0" brushRef="#br0" timeOffset="157616.706">22207 6438 0,'-17'18'16,"34"-36"-16,-17 36 0,71-36 15,141 1 1,1340-125 31,1429 54-16,-2611 88-15,212 0-1,-88 0 1,-388-35-16</inkml:trace>
+  <inkml:trace contextRef="#ctx0" brushRef="#br0" timeOffset="158291.566">22419 6897 0,'0'0'0,"0"-18"0,0 1 15,0-1-15,0 36 32,0-1-32,0 71 15,35 159 16,36-123-15,52-54 0</inkml:trace>
+  <inkml:trace contextRef="#ctx0" brushRef="#br0" timeOffset="158667.9279">23072 6985 0,'-53'-18'16,"106"36"-16,-177-53 0,54 35 15,70-18 1,88 0 0,0 1-1,53-1 1,-53 1-1,-105 17 17,-54 17-32,1-17 15,-19 18 17,72 17-17,17 36 1,35-18-1,0 52 1,18 1 0,-53-88-16</inkml:trace>
+  <inkml:trace contextRef="#ctx0" brushRef="#br0" timeOffset="159102.26">23477 6950 0,'0'-18'16,"0"36"-16,0-54 0,18 54 31,-18 17-31,18-17 16,-1 70-1,1-35 1,17 18-1,-35-18 1,18-71 0,-53-35-1,-1-18 1,-17-52 0,36 0-1,52 52 1,18 53-1,17 36 1,1 35 15,-89 0-15,-52 0 0,-18-18-1,17-17-15</inkml:trace>
+  <inkml:trace contextRef="#ctx0" brushRef="#br0" timeOffset="159286.419">23795 7056 0,'0'0'0,"0"17"0,17-17 31,1 0-31,35-17 16,-35 17 0,88-36-16</inkml:trace>
+  <inkml:trace contextRef="#ctx0" brushRef="#br0" timeOffset="159485.663">23865 6862 0,'-35'0'16,"70"0"-16,-88 0 0,53 35 31,18-18-31,35 54 16,-18-18 0,-17 35-1,17-17 1</inkml:trace>
+  <inkml:trace contextRef="#ctx0" brushRef="#br0" timeOffset="159938.477">24271 6862 0,'0'17'47,"18"-17"-47,-1 53 15,-17-35-15,18-1 0,0 19 16,-18 34 0,17 18-1</inkml:trace>
+  <inkml:trace contextRef="#ctx0" brushRef="#br0" timeOffset="160086.221">24342 6950 0,'0'0'16,"-18"-36"-16,18-34 16,0 17-16,18 35 15,17-17 1,53 35 0,-53 18-16</inkml:trace>
+  <inkml:trace contextRef="#ctx0" brushRef="#br0" timeOffset="160238.198">24359 6950 0,'-35'17'0,"70"-34"0,-70 52 16,53-35 0,-1 0-1,19 0-15,69 0 16</inkml:trace>
+  <inkml:trace contextRef="#ctx0" brushRef="#br0" timeOffset="160700.643">24871 6897 0,'0'0'16,"-18"-18"-16,1 18 15,-1-17-15,0-1 16,18 53 15,0-17-31,36 52 16,-1 36-1,-18-35 1,1-36 0,0-17-1,-18-89 16,-36-35-15,19 71 0,-18-53-16,17-18 31,36 35-15,105 89 15,-105 0-31,52 17 15,-17 36 1,-53-36 0,-70 0-1,-54 0 1,89-35-16</inkml:trace>
+  <inkml:trace contextRef="#ctx0" brushRef="#br0" timeOffset="160888.043">25188 7003 0,'0'0'0,"18"0"15,0 0 1,35-18-16,-1 18 15,37-35 1</inkml:trace>
+  <inkml:trace contextRef="#ctx0" brushRef="#br0" timeOffset="161069.802">25294 6809 0,'-35'17'31,"70"-34"-31,-70 52 0,53 0 16,-1 0 0,1 36-16,-1-53 15,1 52 1,17 1 0</inkml:trace>
+  <inkml:trace contextRef="#ctx0" brushRef="#br0" timeOffset="161304.345">25594 6826 0,'0'0'0,"-18"-17"0,1 17 16,34-18-1,1 18-15,17-18 16,53 1 0,71-1-1,-35 0-15</inkml:trace>
+  <inkml:trace contextRef="#ctx0" brushRef="#br0" timeOffset="161469.422">25876 6703 0,'-70'0'15,"17"35"-15,176-70 16,-264 88-16,123-18 0,18 18 16,0 17-1,36 36 1,-1-35 0,-17-54-1</inkml:trace>
+  <inkml:trace contextRef="#ctx0" brushRef="#br0" timeOffset="162023.168">26088 6826 0,'0'-17'16,"0"-1"-1,0 36-15,0-1 16,0 36-1,18 0 1,-18 71 0,0-89-1,0 0 1,0-105 31,0 34-47,-18-34 15,18-1-15,18-35 16,-1 89 15,36 34-15,0 72 0,18-1-1,-1-18 1,-35-34-1,18-36 1,-17-53 0,-1-36-1,-35 19 1,-18-18 0,18 35-1,-17 70 1,17 19 15,0-1-31</inkml:trace>
+  <inkml:trace contextRef="#ctx0" brushRef="#br0" timeOffset="162203.179">26776 6897 0,'17'0'15,"1"0"1,0-18 0,70 1-1,0-1 1,36 0 0</inkml:trace>
+  <inkml:trace contextRef="#ctx0" brushRef="#br0" timeOffset="162388.414">26917 6703 0,'-71'-18'0,"142"36"0,-159-36 15,70 18 1,18 18-16,18 17 16,-1 0-1,36 106 1,-17-88-1,-19 36 1</inkml:trace>
+  <inkml:trace contextRef="#ctx0" brushRef="#br0" timeOffset="162686.8739">27323 6703 0,'0'0'0,"-18"0"15,18 17-15,18 1 16,-18 0-1,35 52 1,0 18 0,18-35-1,-53-35-15</inkml:trace>
+  <inkml:trace contextRef="#ctx0" brushRef="#br0" timeOffset="162887.8239">27411 6773 0,'-18'-53'0,"36"106"0,-53-159 15,17 71-15,18-18 16,0 18 0,70 35-1,19 18 1,52 17-1,-71-17 1</inkml:trace>
+  <inkml:trace contextRef="#ctx0" brushRef="#br0" timeOffset="163038.8279">27428 6791 0,'-35'35'31,"53"-35"-16,-1 0-15,-17-35 0,53 70 16,-35-35-16,70 0 16</inkml:trace>
+  <inkml:trace contextRef="#ctx0" brushRef="#br0" timeOffset="163269.6">27958 6720 0,'0'0'0,"0"-17"16,-18-1-16,0 0 31,1 18-15,17 36-16,-18-1 15,18 89 17,0-89-32,0 0 15,0 18 1,0-71-1,0 1 1</inkml:trace>
+  <inkml:trace contextRef="#ctx0" brushRef="#br0" timeOffset="163580.778">27887 6826 0,'0'-106'16,"18"53"0,-1 36-1,-52 193 1,88-335-16,-18 248 31,-17-36-31,17 0 16,18-1-1,0-16 1,-18-19 0,18-70 15,-53 1-31,0-54 31,-17 17-15,-1 54-1,18 53 1,-18 17 0</inkml:trace>
+  <inkml:trace contextRef="#ctx0" brushRef="#br0" timeOffset="163823.4089">28240 6526 0,'0'-17'15,"0"34"-15,17-34 16,19 52-1,-19 0-15,54 36 16,-36-18 0,106 211 15,-211-228-31,17-19 16</inkml:trace>
+  <inkml:trace contextRef="#ctx0" brushRef="#br0" timeOffset="164137.1809">28593 5891 0,'-53'-17'15,"106"34"-15,-124-52 16,53 17-16,18 1 15,18 17-15</inkml:trace>
+  <inkml:trace contextRef="#ctx0" brushRef="#br0" timeOffset="164253.99">28663 6050 0,'-35'18'0,"70"-36"15,-123 71-15,88-35 16,-18-18-16,71 0 15</inkml:trace>
+  <inkml:trace contextRef="#ctx0" brushRef="#br0" timeOffset="169229.201">29210 5838 0,'-18'0'31,"1"0"1,34 0 14,1 0-30,17 0 0,53 0-1,1 0 1,-19-17 15,-70 34 0,-17 1-15,17 17-16,0 18 16,0 71-1,0-18 1,17-53 0,-17-36-1</inkml:trace>
+  <inkml:trace contextRef="#ctx0" brushRef="#br0" timeOffset="169391.278">29263 6103 0,'0'0'16,"0"-18"-16,18 1 15,34 17 1,19-18-1,-36 18 1,36-18-16</inkml:trace>
+  <inkml:trace contextRef="#ctx0" brushRef="#br0" timeOffset="169714.51">29651 5821 0,'-18'-18'15,"36"36"-15,-36-53 16,1 35-16,17 17 31,0 18-15,0-17-16,0 17 16,0 18-1,17-17 1,19-19-1,34 36 1,-17-18 15,-35-17-31,-36 0 16,-35-1 0</inkml:trace>
+  <inkml:trace contextRef="#ctx0" brushRef="#br0" timeOffset="169878.538">29616 5874 0,'0'-18'0,"0"36"0,0-54 16,0 1-16,17 18 16,-17-1-16,36 0 15,34 1 1,18 34-1</inkml:trace>
+  <inkml:trace contextRef="#ctx0" brushRef="#br0" timeOffset="170128.516">30074 6015 0,'-17'0'0,"34"0"31,1 0-15,17 0-16,0 0 16,18-18-1,-17 18 1</inkml:trace>
+  <inkml:trace contextRef="#ctx0" brushRef="#br0" timeOffset="170728.3339">30586 5856 0,'0'0'15,"17"-18"1,-17 1-16,18-18 15,-18-1 1,-35-34 15,17 52-15,-17 18-16,-18 35 31,0 18-15,35-17-1,1 16 1,34 1 0,1-35-1,17 0 1,18-54 15,-35 36-31,35-53 16,-36 71 15,-17 17-15,18-17-1,-18 70 1,0-35-16,18 18 16,17-36-1</inkml:trace>
+  <inkml:trace contextRef="#ctx0" brushRef="#br0" timeOffset="171023.18">30850 5838 0,'0'0'0,"-35"-35"0,35 18 15,-18-1-15,1 18 31,17 18-31,17 17 16,54 53 15,-53-70-15,17 17-16,36 53 31,-71-70-15,-18-1-1,-35 1 1,18-18-16</inkml:trace>
+  <inkml:trace contextRef="#ctx0" brushRef="#br0" timeOffset="171213.5639">30868 5786 0,'0'0'16,"0"-53"-16,-18 35 15,18 0-15,18 18 32,0 0-17,-1 18-15,54 0 32,-18-18-32</inkml:trace>
+  <inkml:trace contextRef="#ctx0" brushRef="#br0" timeOffset="171556.611">31168 5680 0,'0'-18'0,"0"36"15,-18-36-15,18 36 16,36-1-1,-36 1 1,35 17-16,-18-17 16,1 17 15,-36-35-15,-34-17-1,52-1 1,0-17-1,0-1 1,17 19 0,1 17-1,-1 0-15</inkml:trace>
+  <inkml:trace contextRef="#ctx0" brushRef="#br0" timeOffset="171789.9549">31468 5715 0,'0'-35'16,"0"70"-16,0-53 31,17 71-16,-17-35-15,0 52 16,0 19 0,-17 34-1</inkml:trace>
+  <inkml:trace contextRef="#ctx0" brushRef="#br0" timeOffset="172089.744">31679 5980 0,'0'0'0,"0"-18"0,-17 18 15,17-18 95,17 18-95,1 18 1,0-18 0,-18 18-16</inkml:trace>
+  <inkml:trace contextRef="#ctx0" brushRef="#br0" timeOffset="172443.244">29669 6791 0,'0'0'0,"-159"18"16,141-18-1,36-18 1,88 0-16,70-17 16,89 17-1,246-35 1,195 18 15,-548 35-31,125 0 16,-160 0-1,-176 0 1</inkml:trace>
+  <inkml:trace contextRef="#ctx0" brushRef="#br0" timeOffset="173040.313">30180 7426 0,'18'0'0,"-36"0"15,53-18-15,-17 1 16,17-19-16,36 19 47,-71 34-32,0 19-15,18 17 16,-1 52 0,1-52-1,17-17 17,-17-36-32,17-36 15,53-87 1,71-54-1,88-87 17,-177 211-32,89-53 31,-124 106-15,18 35-1,-17 18 1,-19-35-1,-34-18 17</inkml:trace>
+</inkml:ink>
+</file>
+
+<file path=ppt/ink/ink20.xml><?xml version="1.0" encoding="utf-8"?>
+<inkml:ink xmlns:inkml="http://www.w3.org/2003/InkML">
+  <inkml:definitions>
+    <inkml:context xml:id="ctx0">
+      <inkml:inkSource xml:id="inkSrc0">
+        <inkml:traceFormat>
+          <inkml:channel name="X" type="integer" max="1920" units="cm"/>
+          <inkml:channel name="Y" type="integer" max="1080" units="cm"/>
+          <inkml:channel name="T" type="integer" max="2.14748E9" units="dev"/>
+        </inkml:traceFormat>
+        <inkml:channelProperties>
+          <inkml:channelProperty channel="X" name="resolution" value="55.81395" units="1/cm"/>
+          <inkml:channelProperty channel="Y" name="resolution" value="55.6701" units="1/cm"/>
+          <inkml:channelProperty channel="T" name="resolution" value="1" units="1/dev"/>
+        </inkml:channelProperties>
+      </inkml:inkSource>
+      <inkml:timestamp xml:id="ts0" timeString="2021-11-22T06:28:37.191"/>
+    </inkml:context>
+    <inkml:brush xml:id="br0">
+      <inkml:brushProperty name="width" value="0.05" units="cm"/>
+      <inkml:brushProperty name="height" value="0.05" units="cm"/>
+      <inkml:brushProperty name="color" value="#ED1C24"/>
+      <inkml:brushProperty name="fitToCurve" value="1"/>
+    </inkml:brush>
+  </inkml:definitions>
+  <inkml:trace contextRef="#ctx0" brushRef="#br0">271 381 0,'-25'0'32,"-1"0"-17,26-26 17,-26 26-17,26-26-15,0 1 16,0-1-1,26 1-15,-26-1 16,26 26 0,-26-26-16,25 26 15,1-25 1,0 25-16,-1 0 16,1 25-16,0 1 15,-1 0 1,-25-1-16,0 1 15,0 25-15,0-25 16,0-1-16,0 1 0,-25 0 16,-1 25-16,26-25 0,-26-1 15,1 1-15,-27 0 16,27 25-16,-1-25 0,-25-1 16,25 1-16,0 0 15,-25-26-15,25 25 0,1-25 16,-1 0-16,52 0 31,-26-25-15,25-1-16,1 26 15,25-26-15,-25 1 0,0 25 16,25-26-16,-25 26 0,-1 0 16,1 0-16,0 0 15,-1 26-15,1-1 0,0 1 16,-1 0-1,1-1-15,-26 1 0,26 0 16,-26-1-16,25 1 0,1 0 16,0-1-1,-1-25 1</inkml:trace>
+  <inkml:trace contextRef="#ctx0" brushRef="#br0" timeOffset="865">810 381 0,'-25'-26'0,"-1"0"16,0 26-16,26-25 0,-25-1 16,25 1-16,0-1 0,0 0 15,25 26-15,1-25 16,0-1-16,-1 0 0,1 26 16,25-25-16,0 25 15,-25 0-15,25 0 0,-25 0 16,0 25-16,-1-25 0,1 26 15,-26 0-15,0-1 16,0 1-16,0 25 0,-51-25 16,25-1-16,0 1 15,-25 0-15,25-1 0,-25 1 16,25-26-16,1 26 0,-1-26 16,1 0-1,50 0 1,1 0-1,25 0-15,-25 0 16,25 0-16,0 0 0,1 0 16,-1 0-16,0 25 15,1 1-15,-27-26 0,27 26 16,-27-1-16,1 1 16,-26 0-16,0-1 0,0 1 15,-26 0-15,1-1 16,-1-25-16,-25 26 0,-1-26 15,1 26-15,0-26 0,-1 0 16,1-26-16,0 26 0,-1-26 16,1 1-16,26-1 15,-1 0-15</inkml:trace>
+  <inkml:trace contextRef="#ctx0" brushRef="#br0" timeOffset="1231">1529 73 0,'-26'0'31,"52"26"0,-26-1-15,25-25-16,1 26 0,0 0 15,-26-1 1,0 1 0,-26-26-16,0 0 15,1 0-15,-1 0 16,26-26-16,-26 1 16,26-1-1,0 0-15,0 1 0,0-1 16,0 0-16,26 26 0,-26-25 15,26-1 1,-26 52 15</inkml:trace>
+  <inkml:trace contextRef="#ctx0" brushRef="#br0" timeOffset="1470">1939 47 0,'-26'0'15,"1"0"-15,25 26 32,0 0-32,0-1 15,-26 1-15,26 25 0,0 1 16,-26-1-16,26 0 15,-25 26-15,-1-26 0,26 1 16,-26-1-16,26 0 0,0 1 16</inkml:trace>
+  <inkml:trace contextRef="#ctx0" brushRef="#br0" timeOffset="1795">2298 483 0,'0'-25'0,"0"50"31,0 1 1,0 0-17,-25-26-15,-1 0 16,0 0-1,1 0-15,-1-26 32,26 0-17,26 26-15,-1 0 16,1 0 0,0 0-16,-26 26 15,25-26-15,-25 26 16</inkml:trace>
+</inkml:ink>
+</file>
+
+<file path=ppt/ink/ink21.xml><?xml version="1.0" encoding="utf-8"?>
+<inkml:ink xmlns:inkml="http://www.w3.org/2003/InkML">
+  <inkml:definitions>
+    <inkml:context xml:id="ctx0">
+      <inkml:inkSource xml:id="inkSrc0">
+        <inkml:traceFormat>
+          <inkml:channel name="X" type="integer" max="1920" units="cm"/>
+          <inkml:channel name="Y" type="integer" max="1080" units="cm"/>
+          <inkml:channel name="T" type="integer" max="2.14748E9" units="dev"/>
+        </inkml:traceFormat>
+        <inkml:channelProperties>
+          <inkml:channelProperty channel="X" name="resolution" value="55.81395" units="1/cm"/>
+          <inkml:channelProperty channel="Y" name="resolution" value="55.6701" units="1/cm"/>
+          <inkml:channelProperty channel="T" name="resolution" value="1" units="1/dev"/>
+        </inkml:channelProperties>
+      </inkml:inkSource>
+      <inkml:timestamp xml:id="ts0" timeString="2021-11-22T06:28:42.200"/>
+    </inkml:context>
+    <inkml:brush xml:id="br0">
+      <inkml:brushProperty name="width" value="0.05" units="cm"/>
+      <inkml:brushProperty name="height" value="0.05" units="cm"/>
+      <inkml:brushProperty name="color" value="#ED1C24"/>
+      <inkml:brushProperty name="fitToCurve" value="1"/>
+    </inkml:brush>
+  </inkml:definitions>
+  <inkml:trace contextRef="#ctx0" brushRef="#br0">256 84 0,'0'-26'31,"0"0"-31,26 26 16,-26-25-1,0 50 48,0 1-47,0 0-16,0-1 15,0 1-15,0 25 0,0-25 16,0 25-16,25-25 15,-25 25-15,26 1 0,-26-1 16,26 26-16,-26-26 16,25 1-16,1 25 0,-26-26 15,0 26-15,26-26 0,-26 0 16,0 26-16,0-25 16,25-1-16,-25 0 0,0 1 15,0-1-15,0-25 0,0 25 16,0-25-16,26-1 15,-26 1-15,0 0 0,0-1 16,0-50 31,0-1-47</inkml:trace>
+  <inkml:trace contextRef="#ctx0" brushRef="#br0" timeOffset="334">0 1110 0,'0'26'0,"0"-1"15,25-25 1,-25 26 0,26-26-1,0 0 1,25 26-16,-26-1 0,27-25 16,-27 26-16,27 0 15,-1-1-15,-25 1 0,25 0 16,-25-1-16,-1 1 0,1 0 15,0-1 1,-26 1-16</inkml:trace>
+  <inkml:trace contextRef="#ctx0" brushRef="#br0" timeOffset="779">872 1084 0,'26'0'16,"-1"0"0,1 0-1,-26 26 1,-26 0-1,26-1-15,-25-25 16,25 26-16,-26 0 16,0-1-16,1 1 0,-1 0 15,0-1-15,1 1 0,-1-26 16,0 26-16,1 25 16,-1-25-16,26-1 0,-26 1 15,1 0-15,-1-1 16,0 1-16,1-26 0,-1 25 15,26 1-15,-26-26 0,26 26 16,0-52 47,-25 26-48,25-26-15</inkml:trace>
+</inkml:ink>
+</file>
+
+<file path=ppt/ink/ink22.xml><?xml version="1.0" encoding="utf-8"?>
+<inkml:ink xmlns:inkml="http://www.w3.org/2003/InkML">
+  <inkml:definitions>
+    <inkml:context xml:id="ctx0">
+      <inkml:inkSource xml:id="inkSrc0">
+        <inkml:traceFormat>
+          <inkml:channel name="X" type="integer" max="1920" units="cm"/>
+          <inkml:channel name="Y" type="integer" max="1080" units="cm"/>
+          <inkml:channel name="T" type="integer" max="2.14748E9" units="dev"/>
+        </inkml:traceFormat>
+        <inkml:channelProperties>
+          <inkml:channelProperty channel="X" name="resolution" value="55.81395" units="1/cm"/>
+          <inkml:channelProperty channel="Y" name="resolution" value="55.6701" units="1/cm"/>
+          <inkml:channelProperty channel="T" name="resolution" value="1" units="1/dev"/>
+        </inkml:channelProperties>
+      </inkml:inkSource>
+      <inkml:timestamp xml:id="ts0" timeString="2021-11-22T06:28:48.185"/>
+    </inkml:context>
+    <inkml:brush xml:id="br0">
+      <inkml:brushProperty name="width" value="0.05" units="cm"/>
+      <inkml:brushProperty name="height" value="0.05" units="cm"/>
+      <inkml:brushProperty name="color" value="#ED1C24"/>
+      <inkml:brushProperty name="fitToCurve" value="1"/>
+    </inkml:brush>
+  </inkml:definitions>
+  <inkml:trace contextRef="#ctx0" brushRef="#br0">0 154 0,'-26'0'16,"52"0"31,-26 26-47,26-26 15,-1 0 1,1 25-16,0-25 0,25 0 16,-26 0-16,27 0 0,25 0 15,-26 0-15,26 0 16,0 0-16,26 0 0,-26 0 15,25 0-15,1-25 16,0 25-16,25 0 0,-26 0 16,27 0-16,-27 0 15,27 0-15,-27-26 0,1 26 16,25 0-16,-25 0 0,25 0 16,0 0-16,1 0 15,25-26-15,-1 26 0,1 0 16,0-25-16,0 25 0,0 0 15,-25 0-15,-1-26 16,-26 26-16,-25 0 0,0-26 16,-25 26-16,-1 0 15,0 0-15,-25-25 0,0 25 16,-1 0-16,1 0 0,0 0 16,-1-26-1,1 26-15,-52 0 63,1 0-48,25 26-15</inkml:trace>
+</inkml:ink>
+</file>
+
+<file path=ppt/ink/ink3.xml><?xml version="1.0" encoding="utf-8"?>
+<inkml:ink xmlns:inkml="http://www.w3.org/2003/InkML">
+  <inkml:definitions>
+    <inkml:context xml:id="ctx0">
+      <inkml:inkSource xml:id="inkSrc0">
+        <inkml:traceFormat>
+          <inkml:channel name="X" type="integer" max="1920" units="cm"/>
+          <inkml:channel name="Y" type="integer" max="1080" units="cm"/>
+          <inkml:channel name="T" type="integer" max="2.14748E9" units="dev"/>
+        </inkml:traceFormat>
+        <inkml:channelProperties>
+          <inkml:channelProperty channel="X" name="resolution" value="55.81395" units="1/cm"/>
+          <inkml:channelProperty channel="Y" name="resolution" value="55.6701" units="1/cm"/>
+          <inkml:channelProperty channel="T" name="resolution" value="1" units="1/dev"/>
+        </inkml:channelProperties>
+      </inkml:inkSource>
+      <inkml:timestamp xml:id="ts0" timeString="2021-11-22T05:04:38.544"/>
+    </inkml:context>
+    <inkml:brush xml:id="br0">
+      <inkml:brushProperty name="width" value="0.08819" units="cm"/>
+      <inkml:brushProperty name="height" value="0.35278" units="cm"/>
+      <inkml:brushProperty name="color" value="#00B050"/>
+      <inkml:brushProperty name="tip" value="rectangle"/>
+      <inkml:brushProperty name="rasterOp" value="maskPen"/>
+    </inkml:brush>
+  </inkml:definitions>
+  <inkml:trace contextRef="#ctx0" brushRef="#br0">9754 6897 0,'0'-18'47,"-17"18"-31,34 0 30,1 0-30,123 0 0,-70 0-16,528 0 47,354 35-16,-371-17-16,-71 35 32,-440-35-31,-36-18-16,-52 0 16,-19 0-1,-175-36 1,-177 19-1,52-1 1,-528-17 15,370 35-31,-441 0 32,547 17-32,-176 1 31,476-18-16,-124 18 1,106-1 0,71-17-1,88 18 17,88-18-17,194-18 1,-176 18-1,264 0-15,371 36 16,-247-1 0,247 35-1,-177 19 17,-317-36-32,0 35 31,-265-71-31,-264 19 31,105-36-15,-440 17-1,-195-17 1,-105 36 0,-300 52-1,881-53 1,-687 141-1,424-52 1,281-36 0,18 0 15,141-35-31,36 0 31,193-53-15,212-53-1,36 18 1,458-18 0,-141 18-1,440 35 1,-404 17 0,475 54-1,-811-53 1,18 17-1,-371-35 1,-247-18 0</inkml:trace>
+</inkml:ink>
+</file>
+
+<file path=ppt/ink/ink4.xml><?xml version="1.0" encoding="utf-8"?>
+<inkml:ink xmlns:inkml="http://www.w3.org/2003/InkML">
+  <inkml:definitions>
+    <inkml:context xml:id="ctx0">
+      <inkml:inkSource xml:id="inkSrc0">
+        <inkml:traceFormat>
+          <inkml:channel name="X" type="integer" max="1920" units="cm"/>
+          <inkml:channel name="Y" type="integer" max="1080" units="cm"/>
+          <inkml:channel name="T" type="integer" max="2.14748E9" units="dev"/>
+        </inkml:traceFormat>
+        <inkml:channelProperties>
+          <inkml:channelProperty channel="X" name="resolution" value="55.81395" units="1/cm"/>
+          <inkml:channelProperty channel="Y" name="resolution" value="55.6701" units="1/cm"/>
+          <inkml:channelProperty channel="T" name="resolution" value="1" units="1/dev"/>
+        </inkml:channelProperties>
+      </inkml:inkSource>
+      <inkml:timestamp xml:id="ts0" timeString="2021-11-22T05:04:38.989"/>
+    </inkml:context>
+    <inkml:brush xml:id="br0">
+      <inkml:brushProperty name="width" value="0.08819" units="cm"/>
+      <inkml:brushProperty name="height" value="0.35278" units="cm"/>
+      <inkml:brushProperty name="color" value="#00B050"/>
+      <inkml:brushProperty name="tip" value="rectangle"/>
+      <inkml:brushProperty name="rasterOp" value="maskPen"/>
+    </inkml:brush>
+  </inkml:definitions>
+  <inkml:trace contextRef="#ctx0" brushRef="#br0">8273 8079 0,'0'0'0,"-653"53"0,-511 52 32,917-69-17,-600 140 1,565-105 0,53-1-1,176-35 1,212-70-1,87 0 1,707-106 15,105 70-15,142 54 0,-407 34-1,319 36 1,-495-18-1,212 54 1,-688-72 0,71 1-1,-318-1 1,-141-17 0,-141 0-1,-159 18-15</inkml:trace>
+</inkml:ink>
+</file>
+
+<file path=ppt/ink/ink5.xml><?xml version="1.0" encoding="utf-8"?>
+<inkml:ink xmlns:inkml="http://www.w3.org/2003/InkML">
+  <inkml:definitions>
+    <inkml:context xml:id="ctx0">
+      <inkml:inkSource xml:id="inkSrc0">
+        <inkml:traceFormat>
+          <inkml:channel name="X" type="integer" max="1920" units="cm"/>
+          <inkml:channel name="Y" type="integer" max="1080" units="cm"/>
+          <inkml:channel name="T" type="integer" max="2.14748E9" units="dev"/>
+        </inkml:traceFormat>
+        <inkml:channelProperties>
+          <inkml:channelProperty channel="X" name="resolution" value="55.81395" units="1/cm"/>
+          <inkml:channelProperty channel="Y" name="resolution" value="55.6701" units="1/cm"/>
+          <inkml:channelProperty channel="T" name="resolution" value="1" units="1/dev"/>
+        </inkml:channelProperties>
+      </inkml:inkSource>
+      <inkml:timestamp xml:id="ts0" timeString="2021-11-22T05:04:39.389"/>
+    </inkml:context>
+    <inkml:brush xml:id="br0">
+      <inkml:brushProperty name="width" value="0.08819" units="cm"/>
+      <inkml:brushProperty name="height" value="0.35278" units="cm"/>
+      <inkml:brushProperty name="color" value="#00B050"/>
+      <inkml:brushProperty name="tip" value="rectangle"/>
+      <inkml:brushProperty name="rasterOp" value="maskPen"/>
+    </inkml:brush>
+  </inkml:definitions>
+  <inkml:trace contextRef="#ctx0" brushRef="#br0">9790 8608 0,'-794'53'15,"1588"-106"1,-2788 194-16,1218-53 16,-282 53 15,441-17-31,-265 70 31,617-106-31,71 18 31,212-89-15,87-17 0,125-35-1,370-53 1,370-18 0,-159 35-1,547 36 1,424 70-1,-1024 18 1,142 36 15,-477-19-31,124 1 32,-406-54-32,-53 1 31,-141 0-16,-123-18-15</inkml:trace>
+</inkml:ink>
+</file>
+
+<file path=ppt/ink/ink6.xml><?xml version="1.0" encoding="utf-8"?>
+<inkml:ink xmlns:inkml="http://www.w3.org/2003/InkML">
+  <inkml:definitions>
+    <inkml:context xml:id="ctx0">
+      <inkml:inkSource xml:id="inkSrc0">
+        <inkml:traceFormat>
+          <inkml:channel name="X" type="integer" max="1920" units="cm"/>
+          <inkml:channel name="Y" type="integer" max="1080" units="cm"/>
+          <inkml:channel name="T" type="integer" max="2.14748E9" units="dev"/>
+        </inkml:traceFormat>
+        <inkml:channelProperties>
+          <inkml:channelProperty channel="X" name="resolution" value="55.81395" units="1/cm"/>
+          <inkml:channelProperty channel="Y" name="resolution" value="55.6701" units="1/cm"/>
+          <inkml:channelProperty channel="T" name="resolution" value="1" units="1/dev"/>
+        </inkml:channelProperties>
+      </inkml:inkSource>
+      <inkml:timestamp xml:id="ts0" timeString="2021-11-22T05:04:39.828"/>
+    </inkml:context>
+    <inkml:brush xml:id="br0">
+      <inkml:brushProperty name="width" value="0.08819" units="cm"/>
+      <inkml:brushProperty name="height" value="0.35278" units="cm"/>
+      <inkml:brushProperty name="color" value="#00B050"/>
+      <inkml:brushProperty name="tip" value="rectangle"/>
+      <inkml:brushProperty name="rasterOp" value="maskPen"/>
+    </inkml:brush>
+  </inkml:definitions>
+  <inkml:trace contextRef="#ctx0" brushRef="#br0">10089 9490 0,'-864'0'16,"1728"0"-16,-2151 0 0,475 17 16,19 54-1,-266 70 1,442-18-1,-318 160 1,529-125 15,283-87-31,35 0 32,70-36-32,89-18 31,176-69-16,105-1 1,495-36 0,-53 37-1,1093 34 1,-440 88 0,-583-17-1,159 71 1,-547-54-1,36 19 1,-424-72 15,-88 1-31,-194-36 16</inkml:trace>
+</inkml:ink>
+</file>
+
+<file path=ppt/ink/ink7.xml><?xml version="1.0" encoding="utf-8"?>
+<inkml:ink xmlns:inkml="http://www.w3.org/2003/InkML">
+  <inkml:definitions>
+    <inkml:context xml:id="ctx0">
+      <inkml:inkSource xml:id="inkSrc0">
+        <inkml:traceFormat>
+          <inkml:channel name="X" type="integer" max="1920" units="cm"/>
+          <inkml:channel name="Y" type="integer" max="1080" units="cm"/>
+          <inkml:channel name="T" type="integer" max="2.14748E9" units="dev"/>
+        </inkml:traceFormat>
+        <inkml:channelProperties>
+          <inkml:channelProperty channel="X" name="resolution" value="55.81395" units="1/cm"/>
+          <inkml:channelProperty channel="Y" name="resolution" value="55.6701" units="1/cm"/>
+          <inkml:channelProperty channel="T" name="resolution" value="1" units="1/dev"/>
+        </inkml:channelProperties>
+      </inkml:inkSource>
+      <inkml:timestamp xml:id="ts0" timeString="2021-11-22T05:04:40.028"/>
+    </inkml:context>
+    <inkml:brush xml:id="br0">
+      <inkml:brushProperty name="width" value="0.08819" units="cm"/>
+      <inkml:brushProperty name="height" value="0.35278" units="cm"/>
+      <inkml:brushProperty name="color" value="#00B050"/>
+      <inkml:brushProperty name="tip" value="rectangle"/>
+      <inkml:brushProperty name="rasterOp" value="maskPen"/>
+    </inkml:brush>
+  </inkml:definitions>
+  <inkml:trace contextRef="#ctx0" brushRef="#br0">6932 10619 0,'0'0'0,"-388"17"15,18 19-15,-618 122 16,459-52 0,-124 123-1,494-123 1,53-18-1,71-17 1</inkml:trace>
+</inkml:ink>
+</file>
+
+<file path=ppt/ink/ink8.xml><?xml version="1.0" encoding="utf-8"?>
+<inkml:ink xmlns:inkml="http://www.w3.org/2003/InkML">
+  <inkml:definitions>
+    <inkml:context xml:id="ctx0">
+      <inkml:inkSource xml:id="inkSrc0">
+        <inkml:traceFormat>
+          <inkml:channel name="X" type="integer" max="1920" units="cm"/>
+          <inkml:channel name="Y" type="integer" max="1080" units="cm"/>
+          <inkml:channel name="T" type="integer" max="2.14748E9" units="dev"/>
+        </inkml:traceFormat>
+        <inkml:channelProperties>
+          <inkml:channelProperty channel="X" name="resolution" value="55.81395" units="1/cm"/>
+          <inkml:channelProperty channel="Y" name="resolution" value="55.6701" units="1/cm"/>
+          <inkml:channelProperty channel="T" name="resolution" value="1" units="1/dev"/>
+        </inkml:channelProperties>
+      </inkml:inkSource>
+      <inkml:timestamp xml:id="ts0" timeString="2021-11-22T05:04:40.315"/>
+    </inkml:context>
+    <inkml:brush xml:id="br0">
+      <inkml:brushProperty name="width" value="0.08819" units="cm"/>
+      <inkml:brushProperty name="height" value="0.35278" units="cm"/>
+      <inkml:brushProperty name="color" value="#00B050"/>
+      <inkml:brushProperty name="tip" value="rectangle"/>
+      <inkml:brushProperty name="rasterOp" value="maskPen"/>
+    </inkml:brush>
+  </inkml:definitions>
+  <inkml:trace contextRef="#ctx0" brushRef="#br0">3916 11571 0,'0'0'0,"600"-70"31,-54-1-15,178 0-1,598 19 1,107 69 0,-71 71-1,-193 53 1,-283-35 0,-442-18-1,90 1 1,-460-72-1,18 19 1,-123-36 0,-177 0-1</inkml:trace>
+</inkml:ink>
+</file>
+
+<file path=ppt/ink/ink9.xml><?xml version="1.0" encoding="utf-8"?>
+<inkml:ink xmlns:inkml="http://www.w3.org/2003/InkML">
+  <inkml:definitions>
+    <inkml:context xml:id="ctx0">
+      <inkml:inkSource xml:id="inkSrc0">
+        <inkml:traceFormat>
+          <inkml:channel name="X" type="integer" max="1920" units="cm"/>
+          <inkml:channel name="Y" type="integer" max="1080" units="cm"/>
+          <inkml:channel name="T" type="integer" max="2.14748E9" units="dev"/>
+        </inkml:traceFormat>
+        <inkml:channelProperties>
+          <inkml:channelProperty channel="X" name="resolution" value="55.81395" units="1/cm"/>
+          <inkml:channelProperty channel="Y" name="resolution" value="55.6701" units="1/cm"/>
+          <inkml:channelProperty channel="T" name="resolution" value="1" units="1/dev"/>
+        </inkml:channelProperties>
+      </inkml:inkSource>
+      <inkml:timestamp xml:id="ts0" timeString="2021-11-22T05:04:41.340"/>
+    </inkml:context>
+    <inkml:brush xml:id="br0">
+      <inkml:brushProperty name="width" value="0.08819" units="cm"/>
+      <inkml:brushProperty name="height" value="0.35278" units="cm"/>
+      <inkml:brushProperty name="color" value="#00B050"/>
+      <inkml:brushProperty name="tip" value="rectangle"/>
+      <inkml:brushProperty name="rasterOp" value="maskPen"/>
+    </inkml:brush>
+  </inkml:definitions>
+  <inkml:trace contextRef="#ctx0" brushRef="#br0">7373 11606 0,'-388'18'0,"776"-36"0,-1164 54 0,-670 87 31,863-35-15,-104 71-1,351-35 1,195-72-16,-176 125 15,70-18 1,123-54 15,107-87-31,228-18 32,336-88-17,388-36 1,-159 54-1,88 17 1,1006 71 0,-441 52-1,-141 54 1,-900-89 0,529 71-1,-247 0 1,-476-54 15,-141-34-15,-88 0-1,-18-18-15,-423-53 32,35 18-32,-124-18 15,-475-36 16,-107 37-15,-423 52 0,812 17-1,-636 107 1,1094-89 0,-723 141-1,653-70 1,-89 53 15,406-141-31,18 34 16,229-52-1,335-88 17,18 18-32,494-19 15,529 89 16,-794 36-15,370 87 0,-105 36-1,-459-53 1,124 53 0,-213-36-1,-263-52 1,34-1-1,-193-52 1,-71-1 15,-106-52-15,36 18-16,-283-54 16</inkml:trace>
+</inkml:ink>
+</file>
+
 <file path=ppt/notesMasters/notesMaster1.xml><?xml version="1.0" encoding="utf-8"?>
 <p:notesMaster xmlns:a="http://schemas.openxmlformats.org/drawingml/2006/main" xmlns:r="http://schemas.openxmlformats.org/officeDocument/2006/relationships" xmlns:p="http://schemas.openxmlformats.org/presentationml/2006/main">
   <p:cSld>
@@ -788,7 +2146,7 @@
                 <a:tabLst/>
                 <a:defRPr/>
               </a:pPr>
-              <a:t>15</a:t>
+              <a:t>17</a:t>
             </a:fld>
             <a:endParaRPr kumimoji="0" lang="en-US" sz="1200" b="0" i="0" u="none" strike="noStrike" kern="1200" cap="none" spc="0" normalizeH="0" baseline="0" noProof="0">
               <a:ln>
@@ -2450,7 +3808,7 @@
 
 <file path=ppt/slideLayouts/slideLayout18.xml><?xml version="1.0" encoding="utf-8"?>
 <p:sldLayout xmlns:a="http://schemas.openxmlformats.org/drawingml/2006/main" xmlns:r="http://schemas.openxmlformats.org/officeDocument/2006/relationships" xmlns:p="http://schemas.openxmlformats.org/presentationml/2006/main" userDrawn="1">
-  <p:cSld name="5_Title Only">
+  <p:cSld name="19_Title Only">
     <p:spTree>
       <p:nvGrpSpPr>
         <p:cNvPr id="1" name=""/>
@@ -2620,7 +3978,7 @@
     </p:spTree>
     <p:extLst>
       <p:ext uri="{BB962C8B-B14F-4D97-AF65-F5344CB8AC3E}">
-        <p14:creationId xmlns:p14="http://schemas.microsoft.com/office/powerpoint/2010/main" val="2058982384"/>
+        <p14:creationId xmlns:p14="http://schemas.microsoft.com/office/powerpoint/2010/main" val="2549721615"/>
       </p:ext>
     </p:extLst>
   </p:cSld>
@@ -2632,7 +3990,7 @@
 
 <file path=ppt/slideLayouts/slideLayout19.xml><?xml version="1.0" encoding="utf-8"?>
 <p:sldLayout xmlns:a="http://schemas.openxmlformats.org/drawingml/2006/main" xmlns:r="http://schemas.openxmlformats.org/officeDocument/2006/relationships" xmlns:p="http://schemas.openxmlformats.org/presentationml/2006/main" userDrawn="1">
-  <p:cSld name="6_Title Only">
+  <p:cSld name="20_Title Only">
     <p:spTree>
       <p:nvGrpSpPr>
         <p:cNvPr id="1" name=""/>
@@ -2802,7 +4160,7 @@
     </p:spTree>
     <p:extLst>
       <p:ext uri="{BB962C8B-B14F-4D97-AF65-F5344CB8AC3E}">
-        <p14:creationId xmlns:p14="http://schemas.microsoft.com/office/powerpoint/2010/main" val="3187167800"/>
+        <p14:creationId xmlns:p14="http://schemas.microsoft.com/office/powerpoint/2010/main" val="4002971214"/>
       </p:ext>
     </p:extLst>
   </p:cSld>
@@ -2982,6 +4340,370 @@
 
 <file path=ppt/slideLayouts/slideLayout20.xml><?xml version="1.0" encoding="utf-8"?>
 <p:sldLayout xmlns:a="http://schemas.openxmlformats.org/drawingml/2006/main" xmlns:r="http://schemas.openxmlformats.org/officeDocument/2006/relationships" xmlns:p="http://schemas.openxmlformats.org/presentationml/2006/main" userDrawn="1">
+  <p:cSld name="5_Title Only">
+    <p:spTree>
+      <p:nvGrpSpPr>
+        <p:cNvPr id="1" name=""/>
+        <p:cNvGrpSpPr/>
+        <p:nvPr/>
+      </p:nvGrpSpPr>
+      <p:grpSpPr>
+        <a:xfrm>
+          <a:off x="0" y="0"/>
+          <a:ext cx="0" cy="0"/>
+          <a:chOff x="0" y="0"/>
+          <a:chExt cx="0" cy="0"/>
+        </a:xfrm>
+      </p:grpSpPr>
+      <p:sp>
+        <p:nvSpPr>
+          <p:cNvPr id="2" name="Title 1"/>
+          <p:cNvSpPr>
+            <a:spLocks noGrp="1"/>
+          </p:cNvSpPr>
+          <p:nvPr>
+            <p:ph type="title"/>
+          </p:nvPr>
+        </p:nvSpPr>
+        <p:spPr/>
+        <p:txBody>
+          <a:bodyPr>
+            <a:noAutofit/>
+          </a:bodyPr>
+          <a:lstStyle>
+            <a:lvl1pPr>
+              <a:defRPr sz="3600"/>
+            </a:lvl1pPr>
+          </a:lstStyle>
+          <a:p>
+            <a:r>
+              <a:rPr lang="en-US"/>
+              <a:t>Click to edit Master title style</a:t>
+            </a:r>
+          </a:p>
+        </p:txBody>
+      </p:sp>
+      <p:sp>
+        <p:nvSpPr>
+          <p:cNvPr id="3" name="Date Placeholder 2"/>
+          <p:cNvSpPr>
+            <a:spLocks noGrp="1"/>
+          </p:cNvSpPr>
+          <p:nvPr>
+            <p:ph type="dt" sz="half" idx="10"/>
+          </p:nvPr>
+        </p:nvSpPr>
+        <p:spPr/>
+        <p:txBody>
+          <a:bodyPr/>
+          <a:lstStyle/>
+          <a:p>
+            <a:fld id="{425404F2-BE9A-4460-8815-8F645183555F}" type="datetimeFigureOut">
+              <a:rPr lang="en-US" smtClean="0"/>
+              <a:pPr/>
+              <a:t>11/22/2021</a:t>
+            </a:fld>
+            <a:endParaRPr lang="en-US"/>
+          </a:p>
+        </p:txBody>
+      </p:sp>
+      <p:sp>
+        <p:nvSpPr>
+          <p:cNvPr id="4" name="Footer Placeholder 3"/>
+          <p:cNvSpPr>
+            <a:spLocks noGrp="1"/>
+          </p:cNvSpPr>
+          <p:nvPr>
+            <p:ph type="ftr" sz="quarter" idx="11"/>
+          </p:nvPr>
+        </p:nvSpPr>
+        <p:spPr/>
+        <p:txBody>
+          <a:bodyPr/>
+          <a:lstStyle/>
+          <a:p>
+            <a:endParaRPr lang="en-US"/>
+          </a:p>
+        </p:txBody>
+      </p:sp>
+      <p:sp>
+        <p:nvSpPr>
+          <p:cNvPr id="5" name="Slide Number Placeholder 4"/>
+          <p:cNvSpPr>
+            <a:spLocks noGrp="1"/>
+          </p:cNvSpPr>
+          <p:nvPr>
+            <p:ph type="sldNum" sz="quarter" idx="12"/>
+          </p:nvPr>
+        </p:nvSpPr>
+        <p:spPr/>
+        <p:txBody>
+          <a:bodyPr/>
+          <a:lstStyle/>
+          <a:p>
+            <a:fld id="{96E69268-9C8B-4EBF-A9EE-DC5DC2D48DC3}" type="slidenum">
+              <a:rPr lang="en-US" smtClean="0"/>
+              <a:pPr/>
+              <a:t>‹#›</a:t>
+            </a:fld>
+            <a:endParaRPr lang="en-US"/>
+          </a:p>
+        </p:txBody>
+      </p:sp>
+      <p:sp>
+        <p:nvSpPr>
+          <p:cNvPr id="9" name="Content Placeholder 6"/>
+          <p:cNvSpPr>
+            <a:spLocks noGrp="1"/>
+          </p:cNvSpPr>
+          <p:nvPr>
+            <p:ph sz="quarter" idx="13"/>
+          </p:nvPr>
+        </p:nvSpPr>
+        <p:spPr>
+          <a:xfrm>
+            <a:off x="608170" y="932702"/>
+            <a:ext cx="10975658" cy="484187"/>
+          </a:xfrm>
+        </p:spPr>
+        <p:txBody>
+          <a:bodyPr>
+            <a:noAutofit/>
+          </a:bodyPr>
+          <a:lstStyle>
+            <a:lvl1pPr marL="0" indent="0">
+              <a:buFontTx/>
+              <a:buNone/>
+              <a:defRPr sz="2200"/>
+            </a:lvl1pPr>
+            <a:lvl2pPr marL="609494" indent="0">
+              <a:buFontTx/>
+              <a:buNone/>
+              <a:defRPr sz="2000"/>
+            </a:lvl2pPr>
+            <a:lvl3pPr marL="1218986" indent="0">
+              <a:buFontTx/>
+              <a:buNone/>
+              <a:defRPr sz="1600"/>
+            </a:lvl3pPr>
+            <a:lvl4pPr marL="1828480" indent="0">
+              <a:buFontTx/>
+              <a:buNone/>
+              <a:defRPr sz="1400"/>
+            </a:lvl4pPr>
+            <a:lvl5pPr marL="2437973" indent="0">
+              <a:buFontTx/>
+              <a:buNone/>
+              <a:defRPr sz="1400"/>
+            </a:lvl5pPr>
+          </a:lstStyle>
+          <a:p>
+            <a:pPr lvl="0"/>
+            <a:r>
+              <a:rPr lang="en-US" dirty="0"/>
+              <a:t>Click to edit Master text styles</a:t>
+            </a:r>
+            <a:endParaRPr lang="en-IN" dirty="0"/>
+          </a:p>
+        </p:txBody>
+      </p:sp>
+    </p:spTree>
+    <p:extLst>
+      <p:ext uri="{BB962C8B-B14F-4D97-AF65-F5344CB8AC3E}">
+        <p14:creationId xmlns:p14="http://schemas.microsoft.com/office/powerpoint/2010/main" val="2058982384"/>
+      </p:ext>
+    </p:extLst>
+  </p:cSld>
+  <p:clrMapOvr>
+    <a:masterClrMapping/>
+  </p:clrMapOvr>
+</p:sldLayout>
+</file>
+
+<file path=ppt/slideLayouts/slideLayout21.xml><?xml version="1.0" encoding="utf-8"?>
+<p:sldLayout xmlns:a="http://schemas.openxmlformats.org/drawingml/2006/main" xmlns:r="http://schemas.openxmlformats.org/officeDocument/2006/relationships" xmlns:p="http://schemas.openxmlformats.org/presentationml/2006/main" userDrawn="1">
+  <p:cSld name="6_Title Only">
+    <p:spTree>
+      <p:nvGrpSpPr>
+        <p:cNvPr id="1" name=""/>
+        <p:cNvGrpSpPr/>
+        <p:nvPr/>
+      </p:nvGrpSpPr>
+      <p:grpSpPr>
+        <a:xfrm>
+          <a:off x="0" y="0"/>
+          <a:ext cx="0" cy="0"/>
+          <a:chOff x="0" y="0"/>
+          <a:chExt cx="0" cy="0"/>
+        </a:xfrm>
+      </p:grpSpPr>
+      <p:sp>
+        <p:nvSpPr>
+          <p:cNvPr id="2" name="Title 1"/>
+          <p:cNvSpPr>
+            <a:spLocks noGrp="1"/>
+          </p:cNvSpPr>
+          <p:nvPr>
+            <p:ph type="title"/>
+          </p:nvPr>
+        </p:nvSpPr>
+        <p:spPr/>
+        <p:txBody>
+          <a:bodyPr>
+            <a:noAutofit/>
+          </a:bodyPr>
+          <a:lstStyle>
+            <a:lvl1pPr>
+              <a:defRPr sz="3600"/>
+            </a:lvl1pPr>
+          </a:lstStyle>
+          <a:p>
+            <a:r>
+              <a:rPr lang="en-US"/>
+              <a:t>Click to edit Master title style</a:t>
+            </a:r>
+          </a:p>
+        </p:txBody>
+      </p:sp>
+      <p:sp>
+        <p:nvSpPr>
+          <p:cNvPr id="3" name="Date Placeholder 2"/>
+          <p:cNvSpPr>
+            <a:spLocks noGrp="1"/>
+          </p:cNvSpPr>
+          <p:nvPr>
+            <p:ph type="dt" sz="half" idx="10"/>
+          </p:nvPr>
+        </p:nvSpPr>
+        <p:spPr/>
+        <p:txBody>
+          <a:bodyPr/>
+          <a:lstStyle/>
+          <a:p>
+            <a:fld id="{425404F2-BE9A-4460-8815-8F645183555F}" type="datetimeFigureOut">
+              <a:rPr lang="en-US" smtClean="0"/>
+              <a:pPr/>
+              <a:t>11/22/2021</a:t>
+            </a:fld>
+            <a:endParaRPr lang="en-US"/>
+          </a:p>
+        </p:txBody>
+      </p:sp>
+      <p:sp>
+        <p:nvSpPr>
+          <p:cNvPr id="4" name="Footer Placeholder 3"/>
+          <p:cNvSpPr>
+            <a:spLocks noGrp="1"/>
+          </p:cNvSpPr>
+          <p:nvPr>
+            <p:ph type="ftr" sz="quarter" idx="11"/>
+          </p:nvPr>
+        </p:nvSpPr>
+        <p:spPr/>
+        <p:txBody>
+          <a:bodyPr/>
+          <a:lstStyle/>
+          <a:p>
+            <a:endParaRPr lang="en-US"/>
+          </a:p>
+        </p:txBody>
+      </p:sp>
+      <p:sp>
+        <p:nvSpPr>
+          <p:cNvPr id="5" name="Slide Number Placeholder 4"/>
+          <p:cNvSpPr>
+            <a:spLocks noGrp="1"/>
+          </p:cNvSpPr>
+          <p:nvPr>
+            <p:ph type="sldNum" sz="quarter" idx="12"/>
+          </p:nvPr>
+        </p:nvSpPr>
+        <p:spPr/>
+        <p:txBody>
+          <a:bodyPr/>
+          <a:lstStyle/>
+          <a:p>
+            <a:fld id="{96E69268-9C8B-4EBF-A9EE-DC5DC2D48DC3}" type="slidenum">
+              <a:rPr lang="en-US" smtClean="0"/>
+              <a:pPr/>
+              <a:t>‹#›</a:t>
+            </a:fld>
+            <a:endParaRPr lang="en-US"/>
+          </a:p>
+        </p:txBody>
+      </p:sp>
+      <p:sp>
+        <p:nvSpPr>
+          <p:cNvPr id="9" name="Content Placeholder 6"/>
+          <p:cNvSpPr>
+            <a:spLocks noGrp="1"/>
+          </p:cNvSpPr>
+          <p:nvPr>
+            <p:ph sz="quarter" idx="13"/>
+          </p:nvPr>
+        </p:nvSpPr>
+        <p:spPr>
+          <a:xfrm>
+            <a:off x="608170" y="932702"/>
+            <a:ext cx="10975658" cy="484187"/>
+          </a:xfrm>
+        </p:spPr>
+        <p:txBody>
+          <a:bodyPr>
+            <a:noAutofit/>
+          </a:bodyPr>
+          <a:lstStyle>
+            <a:lvl1pPr marL="0" indent="0">
+              <a:buFontTx/>
+              <a:buNone/>
+              <a:defRPr sz="2200"/>
+            </a:lvl1pPr>
+            <a:lvl2pPr marL="609494" indent="0">
+              <a:buFontTx/>
+              <a:buNone/>
+              <a:defRPr sz="2000"/>
+            </a:lvl2pPr>
+            <a:lvl3pPr marL="1218986" indent="0">
+              <a:buFontTx/>
+              <a:buNone/>
+              <a:defRPr sz="1600"/>
+            </a:lvl3pPr>
+            <a:lvl4pPr marL="1828480" indent="0">
+              <a:buFontTx/>
+              <a:buNone/>
+              <a:defRPr sz="1400"/>
+            </a:lvl4pPr>
+            <a:lvl5pPr marL="2437973" indent="0">
+              <a:buFontTx/>
+              <a:buNone/>
+              <a:defRPr sz="1400"/>
+            </a:lvl5pPr>
+          </a:lstStyle>
+          <a:p>
+            <a:pPr lvl="0"/>
+            <a:r>
+              <a:rPr lang="en-US" dirty="0"/>
+              <a:t>Click to edit Master text styles</a:t>
+            </a:r>
+            <a:endParaRPr lang="en-IN" dirty="0"/>
+          </a:p>
+        </p:txBody>
+      </p:sp>
+    </p:spTree>
+    <p:extLst>
+      <p:ext uri="{BB962C8B-B14F-4D97-AF65-F5344CB8AC3E}">
+        <p14:creationId xmlns:p14="http://schemas.microsoft.com/office/powerpoint/2010/main" val="3187167800"/>
+      </p:ext>
+    </p:extLst>
+  </p:cSld>
+  <p:clrMapOvr>
+    <a:masterClrMapping/>
+  </p:clrMapOvr>
+</p:sldLayout>
+</file>
+
+<file path=ppt/slideLayouts/slideLayout22.xml><?xml version="1.0" encoding="utf-8"?>
+<p:sldLayout xmlns:a="http://schemas.openxmlformats.org/drawingml/2006/main" xmlns:r="http://schemas.openxmlformats.org/officeDocument/2006/relationships" xmlns:p="http://schemas.openxmlformats.org/presentationml/2006/main" userDrawn="1">
   <p:cSld name="7_Title Only">
     <p:spTree>
       <p:nvGrpSpPr>
@@ -3162,7 +4884,7 @@
 </p:sldLayout>
 </file>
 
-<file path=ppt/slideLayouts/slideLayout21.xml><?xml version="1.0" encoding="utf-8"?>
+<file path=ppt/slideLayouts/slideLayout23.xml><?xml version="1.0" encoding="utf-8"?>
 <p:sldLayout xmlns:a="http://schemas.openxmlformats.org/drawingml/2006/main" xmlns:r="http://schemas.openxmlformats.org/officeDocument/2006/relationships" xmlns:p="http://schemas.openxmlformats.org/presentationml/2006/main" type="title" preserve="1">
   <p:cSld name="1_Title Slide">
     <p:spTree>
@@ -3490,7 +5212,7 @@
 </p:sldLayout>
 </file>
 
-<file path=ppt/slideLayouts/slideLayout22.xml><?xml version="1.0" encoding="utf-8"?>
+<file path=ppt/slideLayouts/slideLayout24.xml><?xml version="1.0" encoding="utf-8"?>
 <p:sldLayout xmlns:a="http://schemas.openxmlformats.org/drawingml/2006/main" xmlns:r="http://schemas.openxmlformats.org/officeDocument/2006/relationships" xmlns:p="http://schemas.openxmlformats.org/presentationml/2006/main" type="title" preserve="1">
   <p:cSld name="Title Slide">
     <p:spTree>
@@ -3732,7 +5454,7 @@
 </p:sldLayout>
 </file>
 
-<file path=ppt/slideLayouts/slideLayout23.xml><?xml version="1.0" encoding="utf-8"?>
+<file path=ppt/slideLayouts/slideLayout25.xml><?xml version="1.0" encoding="utf-8"?>
 <p:sldLayout xmlns:a="http://schemas.openxmlformats.org/drawingml/2006/main" xmlns:r="http://schemas.openxmlformats.org/officeDocument/2006/relationships" xmlns:p="http://schemas.openxmlformats.org/presentationml/2006/main" preserve="1" userDrawn="1">
   <p:cSld name="Section Header">
     <p:spTree>
@@ -3860,7 +5582,7 @@
 </p:sldLayout>
 </file>
 
-<file path=ppt/slideLayouts/slideLayout24.xml><?xml version="1.0" encoding="utf-8"?>
+<file path=ppt/slideLayouts/slideLayout26.xml><?xml version="1.0" encoding="utf-8"?>
 <p:sldLayout xmlns:a="http://schemas.openxmlformats.org/drawingml/2006/main" xmlns:r="http://schemas.openxmlformats.org/officeDocument/2006/relationships" xmlns:p="http://schemas.openxmlformats.org/presentationml/2006/main" type="title" preserve="1">
   <p:cSld name="2_Title Slide">
     <p:spTree>
@@ -4110,7 +5832,7 @@
 </p:sldLayout>
 </file>
 
-<file path=ppt/slideLayouts/slideLayout25.xml><?xml version="1.0" encoding="utf-8"?>
+<file path=ppt/slideLayouts/slideLayout27.xml><?xml version="1.0" encoding="utf-8"?>
 <p:sldLayout xmlns:a="http://schemas.openxmlformats.org/drawingml/2006/main" xmlns:r="http://schemas.openxmlformats.org/officeDocument/2006/relationships" xmlns:p="http://schemas.openxmlformats.org/presentationml/2006/main" type="obj" preserve="1">
   <p:cSld name="Title and Content">
     <p:spTree>
@@ -4280,7 +6002,7 @@
 </p:sldLayout>
 </file>
 
-<file path=ppt/slideLayouts/slideLayout26.xml><?xml version="1.0" encoding="utf-8"?>
+<file path=ppt/slideLayouts/slideLayout28.xml><?xml version="1.0" encoding="utf-8"?>
 <p:sldLayout xmlns:a="http://schemas.openxmlformats.org/drawingml/2006/main" xmlns:r="http://schemas.openxmlformats.org/officeDocument/2006/relationships" xmlns:p="http://schemas.openxmlformats.org/presentationml/2006/main" type="twoObj" preserve="1">
   <p:cSld name="Two Content">
     <p:spTree>
@@ -4567,7 +6289,7 @@
 </p:sldLayout>
 </file>
 
-<file path=ppt/slideLayouts/slideLayout27.xml><?xml version="1.0" encoding="utf-8"?>
+<file path=ppt/slideLayouts/slideLayout29.xml><?xml version="1.0" encoding="utf-8"?>
 <p:sldLayout xmlns:a="http://schemas.openxmlformats.org/drawingml/2006/main" xmlns:r="http://schemas.openxmlformats.org/officeDocument/2006/relationships" xmlns:p="http://schemas.openxmlformats.org/presentationml/2006/main" type="twoTxTwoObj" preserve="1">
   <p:cSld name="Comparison">
     <p:spTree>
@@ -4988,712 +6710,6 @@
 </p:sldLayout>
 </file>
 
-<file path=ppt/slideLayouts/slideLayout28.xml><?xml version="1.0" encoding="utf-8"?>
-<p:sldLayout xmlns:a="http://schemas.openxmlformats.org/drawingml/2006/main" xmlns:r="http://schemas.openxmlformats.org/officeDocument/2006/relationships" xmlns:p="http://schemas.openxmlformats.org/presentationml/2006/main" preserve="1" userDrawn="1">
-  <p:cSld name="Title Only">
-    <p:spTree>
-      <p:nvGrpSpPr>
-        <p:cNvPr id="1" name=""/>
-        <p:cNvGrpSpPr/>
-        <p:nvPr/>
-      </p:nvGrpSpPr>
-      <p:grpSpPr>
-        <a:xfrm>
-          <a:off x="0" y="0"/>
-          <a:ext cx="0" cy="0"/>
-          <a:chOff x="0" y="0"/>
-          <a:chExt cx="0" cy="0"/>
-        </a:xfrm>
-      </p:grpSpPr>
-      <p:sp>
-        <p:nvSpPr>
-          <p:cNvPr id="2" name="Title 1"/>
-          <p:cNvSpPr>
-            <a:spLocks noGrp="1"/>
-          </p:cNvSpPr>
-          <p:nvPr>
-            <p:ph type="title"/>
-          </p:nvPr>
-        </p:nvSpPr>
-        <p:spPr/>
-        <p:txBody>
-          <a:bodyPr>
-            <a:noAutofit/>
-          </a:bodyPr>
-          <a:lstStyle>
-            <a:lvl1pPr>
-              <a:defRPr sz="3600"/>
-            </a:lvl1pPr>
-          </a:lstStyle>
-          <a:p>
-            <a:r>
-              <a:rPr lang="en-US"/>
-              <a:t>Click to edit Master title style</a:t>
-            </a:r>
-          </a:p>
-        </p:txBody>
-      </p:sp>
-      <p:sp>
-        <p:nvSpPr>
-          <p:cNvPr id="3" name="Date Placeholder 2"/>
-          <p:cNvSpPr>
-            <a:spLocks noGrp="1"/>
-          </p:cNvSpPr>
-          <p:nvPr>
-            <p:ph type="dt" sz="half" idx="10"/>
-          </p:nvPr>
-        </p:nvSpPr>
-        <p:spPr/>
-        <p:txBody>
-          <a:bodyPr/>
-          <a:lstStyle/>
-          <a:p>
-            <a:fld id="{425404F2-BE9A-4460-8815-8F645183555F}" type="datetimeFigureOut">
-              <a:rPr lang="en-US" smtClean="0"/>
-              <a:pPr/>
-              <a:t>11/22/2021</a:t>
-            </a:fld>
-            <a:endParaRPr lang="en-US"/>
-          </a:p>
-        </p:txBody>
-      </p:sp>
-      <p:sp>
-        <p:nvSpPr>
-          <p:cNvPr id="4" name="Footer Placeholder 3"/>
-          <p:cNvSpPr>
-            <a:spLocks noGrp="1"/>
-          </p:cNvSpPr>
-          <p:nvPr>
-            <p:ph type="ftr" sz="quarter" idx="11"/>
-          </p:nvPr>
-        </p:nvSpPr>
-        <p:spPr/>
-        <p:txBody>
-          <a:bodyPr/>
-          <a:lstStyle/>
-          <a:p>
-            <a:endParaRPr lang="en-US"/>
-          </a:p>
-        </p:txBody>
-      </p:sp>
-      <p:sp>
-        <p:nvSpPr>
-          <p:cNvPr id="5" name="Slide Number Placeholder 4"/>
-          <p:cNvSpPr>
-            <a:spLocks noGrp="1"/>
-          </p:cNvSpPr>
-          <p:nvPr>
-            <p:ph type="sldNum" sz="quarter" idx="12"/>
-          </p:nvPr>
-        </p:nvSpPr>
-        <p:spPr/>
-        <p:txBody>
-          <a:bodyPr/>
-          <a:lstStyle/>
-          <a:p>
-            <a:fld id="{96E69268-9C8B-4EBF-A9EE-DC5DC2D48DC3}" type="slidenum">
-              <a:rPr lang="en-US" smtClean="0"/>
-              <a:pPr/>
-              <a:t>‹#›</a:t>
-            </a:fld>
-            <a:endParaRPr lang="en-US"/>
-          </a:p>
-        </p:txBody>
-      </p:sp>
-      <p:sp>
-        <p:nvSpPr>
-          <p:cNvPr id="9" name="Content Placeholder 6"/>
-          <p:cNvSpPr>
-            <a:spLocks noGrp="1"/>
-          </p:cNvSpPr>
-          <p:nvPr>
-            <p:ph sz="quarter" idx="13"/>
-          </p:nvPr>
-        </p:nvSpPr>
-        <p:spPr>
-          <a:xfrm>
-            <a:off x="608170" y="932702"/>
-            <a:ext cx="10975658" cy="484187"/>
-          </a:xfrm>
-        </p:spPr>
-        <p:txBody>
-          <a:bodyPr>
-            <a:noAutofit/>
-          </a:bodyPr>
-          <a:lstStyle>
-            <a:lvl1pPr marL="0" indent="0">
-              <a:buFontTx/>
-              <a:buNone/>
-              <a:defRPr sz="2200"/>
-            </a:lvl1pPr>
-            <a:lvl2pPr marL="609494" indent="0">
-              <a:buFontTx/>
-              <a:buNone/>
-              <a:defRPr sz="2000"/>
-            </a:lvl2pPr>
-            <a:lvl3pPr marL="1218986" indent="0">
-              <a:buFontTx/>
-              <a:buNone/>
-              <a:defRPr sz="1600"/>
-            </a:lvl3pPr>
-            <a:lvl4pPr marL="1828480" indent="0">
-              <a:buFontTx/>
-              <a:buNone/>
-              <a:defRPr sz="1400"/>
-            </a:lvl4pPr>
-            <a:lvl5pPr marL="2437973" indent="0">
-              <a:buFontTx/>
-              <a:buNone/>
-              <a:defRPr sz="1400"/>
-            </a:lvl5pPr>
-          </a:lstStyle>
-          <a:p>
-            <a:pPr lvl="0"/>
-            <a:r>
-              <a:rPr lang="en-US" dirty="0"/>
-              <a:t>Click to edit Master text styles</a:t>
-            </a:r>
-            <a:endParaRPr lang="en-IN" dirty="0"/>
-          </a:p>
-        </p:txBody>
-      </p:sp>
-    </p:spTree>
-    <p:extLst>
-      <p:ext uri="{BB962C8B-B14F-4D97-AF65-F5344CB8AC3E}">
-        <p14:creationId xmlns:p14="http://schemas.microsoft.com/office/powerpoint/2010/main" val="83855216"/>
-      </p:ext>
-    </p:extLst>
-  </p:cSld>
-  <p:clrMapOvr>
-    <a:masterClrMapping/>
-  </p:clrMapOvr>
-</p:sldLayout>
-</file>
-
-<file path=ppt/slideLayouts/slideLayout29.xml><?xml version="1.0" encoding="utf-8"?>
-<p:sldLayout xmlns:a="http://schemas.openxmlformats.org/drawingml/2006/main" xmlns:r="http://schemas.openxmlformats.org/officeDocument/2006/relationships" xmlns:p="http://schemas.openxmlformats.org/presentationml/2006/main" preserve="1" userDrawn="1">
-  <p:cSld name="2_Title Only">
-    <p:spTree>
-      <p:nvGrpSpPr>
-        <p:cNvPr id="1" name=""/>
-        <p:cNvGrpSpPr/>
-        <p:nvPr/>
-      </p:nvGrpSpPr>
-      <p:grpSpPr>
-        <a:xfrm>
-          <a:off x="0" y="0"/>
-          <a:ext cx="0" cy="0"/>
-          <a:chOff x="0" y="0"/>
-          <a:chExt cx="0" cy="0"/>
-        </a:xfrm>
-      </p:grpSpPr>
-      <p:sp>
-        <p:nvSpPr>
-          <p:cNvPr id="2" name="Title 1"/>
-          <p:cNvSpPr>
-            <a:spLocks noGrp="1"/>
-          </p:cNvSpPr>
-          <p:nvPr>
-            <p:ph type="title"/>
-          </p:nvPr>
-        </p:nvSpPr>
-        <p:spPr/>
-        <p:txBody>
-          <a:bodyPr>
-            <a:noAutofit/>
-          </a:bodyPr>
-          <a:lstStyle>
-            <a:lvl1pPr>
-              <a:defRPr sz="3600"/>
-            </a:lvl1pPr>
-          </a:lstStyle>
-          <a:p>
-            <a:r>
-              <a:rPr lang="en-US"/>
-              <a:t>Click to edit Master title style</a:t>
-            </a:r>
-          </a:p>
-        </p:txBody>
-      </p:sp>
-      <p:sp>
-        <p:nvSpPr>
-          <p:cNvPr id="3" name="Date Placeholder 2"/>
-          <p:cNvSpPr>
-            <a:spLocks noGrp="1"/>
-          </p:cNvSpPr>
-          <p:nvPr>
-            <p:ph type="dt" sz="half" idx="10"/>
-          </p:nvPr>
-        </p:nvSpPr>
-        <p:spPr/>
-        <p:txBody>
-          <a:bodyPr/>
-          <a:lstStyle/>
-          <a:p>
-            <a:fld id="{425404F2-BE9A-4460-8815-8F645183555F}" type="datetimeFigureOut">
-              <a:rPr lang="en-US" smtClean="0"/>
-              <a:pPr/>
-              <a:t>11/22/2021</a:t>
-            </a:fld>
-            <a:endParaRPr lang="en-US"/>
-          </a:p>
-        </p:txBody>
-      </p:sp>
-      <p:sp>
-        <p:nvSpPr>
-          <p:cNvPr id="4" name="Footer Placeholder 3"/>
-          <p:cNvSpPr>
-            <a:spLocks noGrp="1"/>
-          </p:cNvSpPr>
-          <p:nvPr>
-            <p:ph type="ftr" sz="quarter" idx="11"/>
-          </p:nvPr>
-        </p:nvSpPr>
-        <p:spPr/>
-        <p:txBody>
-          <a:bodyPr/>
-          <a:lstStyle/>
-          <a:p>
-            <a:endParaRPr lang="en-US"/>
-          </a:p>
-        </p:txBody>
-      </p:sp>
-      <p:sp>
-        <p:nvSpPr>
-          <p:cNvPr id="5" name="Slide Number Placeholder 4"/>
-          <p:cNvSpPr>
-            <a:spLocks noGrp="1"/>
-          </p:cNvSpPr>
-          <p:nvPr>
-            <p:ph type="sldNum" sz="quarter" idx="12"/>
-          </p:nvPr>
-        </p:nvSpPr>
-        <p:spPr/>
-        <p:txBody>
-          <a:bodyPr/>
-          <a:lstStyle/>
-          <a:p>
-            <a:fld id="{96E69268-9C8B-4EBF-A9EE-DC5DC2D48DC3}" type="slidenum">
-              <a:rPr lang="en-US" smtClean="0"/>
-              <a:pPr/>
-              <a:t>‹#›</a:t>
-            </a:fld>
-            <a:endParaRPr lang="en-US"/>
-          </a:p>
-        </p:txBody>
-      </p:sp>
-      <p:sp>
-        <p:nvSpPr>
-          <p:cNvPr id="12" name="Content Placeholder 6"/>
-          <p:cNvSpPr>
-            <a:spLocks noGrp="1"/>
-          </p:cNvSpPr>
-          <p:nvPr>
-            <p:ph sz="quarter" idx="15"/>
-          </p:nvPr>
-        </p:nvSpPr>
-        <p:spPr>
-          <a:xfrm>
-            <a:off x="608171" y="4794325"/>
-            <a:ext cx="3336374" cy="1152128"/>
-          </a:xfrm>
-        </p:spPr>
-        <p:txBody>
-          <a:bodyPr>
-            <a:noAutofit/>
-          </a:bodyPr>
-          <a:lstStyle>
-            <a:lvl1pPr marL="0" indent="0">
-              <a:buFontTx/>
-              <a:buNone/>
-              <a:defRPr sz="1800"/>
-            </a:lvl1pPr>
-            <a:lvl2pPr marL="609494" indent="0">
-              <a:buFontTx/>
-              <a:buNone/>
-              <a:defRPr sz="2000"/>
-            </a:lvl2pPr>
-            <a:lvl3pPr marL="1218986" indent="0">
-              <a:buFontTx/>
-              <a:buNone/>
-              <a:defRPr sz="1600"/>
-            </a:lvl3pPr>
-            <a:lvl4pPr marL="1828480" indent="0">
-              <a:buFontTx/>
-              <a:buNone/>
-              <a:defRPr sz="1400"/>
-            </a:lvl4pPr>
-            <a:lvl5pPr marL="2437973" indent="0">
-              <a:buFontTx/>
-              <a:buNone/>
-              <a:defRPr sz="1400"/>
-            </a:lvl5pPr>
-          </a:lstStyle>
-          <a:p>
-            <a:pPr lvl="0"/>
-            <a:r>
-              <a:rPr lang="en-US" dirty="0"/>
-              <a:t>Click to edit Master text styles</a:t>
-            </a:r>
-            <a:endParaRPr lang="en-IN" dirty="0"/>
-          </a:p>
-        </p:txBody>
-      </p:sp>
-      <p:sp>
-        <p:nvSpPr>
-          <p:cNvPr id="13" name="Content Placeholder 6"/>
-          <p:cNvSpPr>
-            <a:spLocks noGrp="1"/>
-          </p:cNvSpPr>
-          <p:nvPr>
-            <p:ph sz="quarter" idx="16"/>
-          </p:nvPr>
-        </p:nvSpPr>
-        <p:spPr>
-          <a:xfrm>
-            <a:off x="4126987" y="4794325"/>
-            <a:ext cx="3941284" cy="1152128"/>
-          </a:xfrm>
-        </p:spPr>
-        <p:txBody>
-          <a:bodyPr>
-            <a:noAutofit/>
-          </a:bodyPr>
-          <a:lstStyle>
-            <a:lvl1pPr marL="0" indent="0">
-              <a:buFontTx/>
-              <a:buNone/>
-              <a:defRPr sz="1800"/>
-            </a:lvl1pPr>
-            <a:lvl2pPr marL="609494" indent="0">
-              <a:buFontTx/>
-              <a:buNone/>
-              <a:defRPr sz="2000"/>
-            </a:lvl2pPr>
-            <a:lvl3pPr marL="1218986" indent="0">
-              <a:buFontTx/>
-              <a:buNone/>
-              <a:defRPr sz="1600"/>
-            </a:lvl3pPr>
-            <a:lvl4pPr marL="1828480" indent="0">
-              <a:buFontTx/>
-              <a:buNone/>
-              <a:defRPr sz="1400"/>
-            </a:lvl4pPr>
-            <a:lvl5pPr marL="2437973" indent="0">
-              <a:buFontTx/>
-              <a:buNone/>
-              <a:defRPr sz="1400"/>
-            </a:lvl5pPr>
-          </a:lstStyle>
-          <a:p>
-            <a:pPr lvl="0"/>
-            <a:r>
-              <a:rPr lang="en-US" dirty="0"/>
-              <a:t>Click to edit Master text styles</a:t>
-            </a:r>
-            <a:endParaRPr lang="en-IN" dirty="0"/>
-          </a:p>
-        </p:txBody>
-      </p:sp>
-      <p:sp>
-        <p:nvSpPr>
-          <p:cNvPr id="14" name="Content Placeholder 6"/>
-          <p:cNvSpPr>
-            <a:spLocks noGrp="1"/>
-          </p:cNvSpPr>
-          <p:nvPr>
-            <p:ph sz="quarter" idx="17"/>
-          </p:nvPr>
-        </p:nvSpPr>
-        <p:spPr>
-          <a:xfrm>
-            <a:off x="8242859" y="4788396"/>
-            <a:ext cx="3336374" cy="1152128"/>
-          </a:xfrm>
-        </p:spPr>
-        <p:txBody>
-          <a:bodyPr>
-            <a:noAutofit/>
-          </a:bodyPr>
-          <a:lstStyle>
-            <a:lvl1pPr marL="0" indent="0">
-              <a:buFontTx/>
-              <a:buNone/>
-              <a:defRPr sz="1800"/>
-            </a:lvl1pPr>
-            <a:lvl2pPr marL="609494" indent="0">
-              <a:buFontTx/>
-              <a:buNone/>
-              <a:defRPr sz="2000"/>
-            </a:lvl2pPr>
-            <a:lvl3pPr marL="1218986" indent="0">
-              <a:buFontTx/>
-              <a:buNone/>
-              <a:defRPr sz="1600"/>
-            </a:lvl3pPr>
-            <a:lvl4pPr marL="1828480" indent="0">
-              <a:buFontTx/>
-              <a:buNone/>
-              <a:defRPr sz="1400"/>
-            </a:lvl4pPr>
-            <a:lvl5pPr marL="2437973" indent="0">
-              <a:buFontTx/>
-              <a:buNone/>
-              <a:defRPr sz="1400"/>
-            </a:lvl5pPr>
-          </a:lstStyle>
-          <a:p>
-            <a:pPr lvl="0"/>
-            <a:r>
-              <a:rPr lang="en-US" dirty="0"/>
-              <a:t>Click to edit Master text styles</a:t>
-            </a:r>
-            <a:endParaRPr lang="en-IN" dirty="0"/>
-          </a:p>
-        </p:txBody>
-      </p:sp>
-      <p:sp>
-        <p:nvSpPr>
-          <p:cNvPr id="15" name="Content Placeholder 6"/>
-          <p:cNvSpPr>
-            <a:spLocks noGrp="1"/>
-          </p:cNvSpPr>
-          <p:nvPr>
-            <p:ph sz="quarter" idx="18"/>
-          </p:nvPr>
-        </p:nvSpPr>
-        <p:spPr>
-          <a:xfrm>
-            <a:off x="608171" y="4277817"/>
-            <a:ext cx="3336374" cy="495300"/>
-          </a:xfrm>
-        </p:spPr>
-        <p:txBody>
-          <a:bodyPr>
-            <a:noAutofit/>
-          </a:bodyPr>
-          <a:lstStyle>
-            <a:lvl1pPr marL="0" indent="0">
-              <a:buFontTx/>
-              <a:buNone/>
-              <a:defRPr sz="2000"/>
-            </a:lvl1pPr>
-            <a:lvl2pPr marL="609494" indent="0">
-              <a:buFontTx/>
-              <a:buNone/>
-              <a:defRPr sz="2000"/>
-            </a:lvl2pPr>
-            <a:lvl3pPr marL="1218986" indent="0">
-              <a:buFontTx/>
-              <a:buNone/>
-              <a:defRPr sz="1600"/>
-            </a:lvl3pPr>
-            <a:lvl4pPr marL="1828480" indent="0">
-              <a:buFontTx/>
-              <a:buNone/>
-              <a:defRPr sz="1400"/>
-            </a:lvl4pPr>
-            <a:lvl5pPr marL="2437973" indent="0">
-              <a:buFontTx/>
-              <a:buNone/>
-              <a:defRPr sz="1400"/>
-            </a:lvl5pPr>
-          </a:lstStyle>
-          <a:p>
-            <a:pPr lvl="0"/>
-            <a:r>
-              <a:rPr lang="en-US" dirty="0"/>
-              <a:t>Click to edit Master text styles</a:t>
-            </a:r>
-            <a:endParaRPr lang="en-IN" dirty="0"/>
-          </a:p>
-        </p:txBody>
-      </p:sp>
-      <p:sp>
-        <p:nvSpPr>
-          <p:cNvPr id="16" name="Content Placeholder 6"/>
-          <p:cNvSpPr>
-            <a:spLocks noGrp="1"/>
-          </p:cNvSpPr>
-          <p:nvPr>
-            <p:ph sz="quarter" idx="19"/>
-          </p:nvPr>
-        </p:nvSpPr>
-        <p:spPr>
-          <a:xfrm>
-            <a:off x="4126987" y="4277817"/>
-            <a:ext cx="3941284" cy="495300"/>
-          </a:xfrm>
-        </p:spPr>
-        <p:txBody>
-          <a:bodyPr>
-            <a:noAutofit/>
-          </a:bodyPr>
-          <a:lstStyle>
-            <a:lvl1pPr marL="0" indent="0">
-              <a:buFontTx/>
-              <a:buNone/>
-              <a:defRPr sz="2000"/>
-            </a:lvl1pPr>
-            <a:lvl2pPr marL="609494" indent="0">
-              <a:buFontTx/>
-              <a:buNone/>
-              <a:defRPr sz="2000"/>
-            </a:lvl2pPr>
-            <a:lvl3pPr marL="1218986" indent="0">
-              <a:buFontTx/>
-              <a:buNone/>
-              <a:defRPr sz="1600"/>
-            </a:lvl3pPr>
-            <a:lvl4pPr marL="1828480" indent="0">
-              <a:buFontTx/>
-              <a:buNone/>
-              <a:defRPr sz="1400"/>
-            </a:lvl4pPr>
-            <a:lvl5pPr marL="2437973" indent="0">
-              <a:buFontTx/>
-              <a:buNone/>
-              <a:defRPr sz="1400"/>
-            </a:lvl5pPr>
-          </a:lstStyle>
-          <a:p>
-            <a:pPr lvl="0"/>
-            <a:r>
-              <a:rPr lang="en-US" dirty="0"/>
-              <a:t>Click to edit Master text styles</a:t>
-            </a:r>
-            <a:endParaRPr lang="en-IN" dirty="0"/>
-          </a:p>
-        </p:txBody>
-      </p:sp>
-      <p:sp>
-        <p:nvSpPr>
-          <p:cNvPr id="17" name="Content Placeholder 6"/>
-          <p:cNvSpPr>
-            <a:spLocks noGrp="1"/>
-          </p:cNvSpPr>
-          <p:nvPr>
-            <p:ph sz="quarter" idx="20"/>
-          </p:nvPr>
-        </p:nvSpPr>
-        <p:spPr>
-          <a:xfrm>
-            <a:off x="8242859" y="4271888"/>
-            <a:ext cx="3336374" cy="495300"/>
-          </a:xfrm>
-        </p:spPr>
-        <p:txBody>
-          <a:bodyPr>
-            <a:noAutofit/>
-          </a:bodyPr>
-          <a:lstStyle>
-            <a:lvl1pPr marL="0" indent="0">
-              <a:buFontTx/>
-              <a:buNone/>
-              <a:defRPr sz="2000"/>
-            </a:lvl1pPr>
-            <a:lvl2pPr marL="609494" indent="0">
-              <a:buFontTx/>
-              <a:buNone/>
-              <a:defRPr sz="2000"/>
-            </a:lvl2pPr>
-            <a:lvl3pPr marL="1218986" indent="0">
-              <a:buFontTx/>
-              <a:buNone/>
-              <a:defRPr sz="1600"/>
-            </a:lvl3pPr>
-            <a:lvl4pPr marL="1828480" indent="0">
-              <a:buFontTx/>
-              <a:buNone/>
-              <a:defRPr sz="1400"/>
-            </a:lvl4pPr>
-            <a:lvl5pPr marL="2437973" indent="0">
-              <a:buFontTx/>
-              <a:buNone/>
-              <a:defRPr sz="1400"/>
-            </a:lvl5pPr>
-          </a:lstStyle>
-          <a:p>
-            <a:pPr lvl="0"/>
-            <a:r>
-              <a:rPr lang="en-US" dirty="0"/>
-              <a:t>Click to edit Master text styles</a:t>
-            </a:r>
-            <a:endParaRPr lang="en-IN" dirty="0"/>
-          </a:p>
-        </p:txBody>
-      </p:sp>
-      <p:sp>
-        <p:nvSpPr>
-          <p:cNvPr id="19" name="Content Placeholder 6"/>
-          <p:cNvSpPr>
-            <a:spLocks noGrp="1"/>
-          </p:cNvSpPr>
-          <p:nvPr>
-            <p:ph sz="quarter" idx="13"/>
-          </p:nvPr>
-        </p:nvSpPr>
-        <p:spPr>
-          <a:xfrm>
-            <a:off x="608170" y="932702"/>
-            <a:ext cx="10975658" cy="484187"/>
-          </a:xfrm>
-        </p:spPr>
-        <p:txBody>
-          <a:bodyPr>
-            <a:noAutofit/>
-          </a:bodyPr>
-          <a:lstStyle>
-            <a:lvl1pPr marL="0" indent="0">
-              <a:buFontTx/>
-              <a:buNone/>
-              <a:defRPr sz="2200"/>
-            </a:lvl1pPr>
-            <a:lvl2pPr marL="609494" indent="0">
-              <a:buFontTx/>
-              <a:buNone/>
-              <a:defRPr sz="2000"/>
-            </a:lvl2pPr>
-            <a:lvl3pPr marL="1218986" indent="0">
-              <a:buFontTx/>
-              <a:buNone/>
-              <a:defRPr sz="1600"/>
-            </a:lvl3pPr>
-            <a:lvl4pPr marL="1828480" indent="0">
-              <a:buFontTx/>
-              <a:buNone/>
-              <a:defRPr sz="1400"/>
-            </a:lvl4pPr>
-            <a:lvl5pPr marL="2437973" indent="0">
-              <a:buFontTx/>
-              <a:buNone/>
-              <a:defRPr sz="1400"/>
-            </a:lvl5pPr>
-          </a:lstStyle>
-          <a:p>
-            <a:pPr lvl="0"/>
-            <a:r>
-              <a:rPr lang="en-US" dirty="0"/>
-              <a:t>Click to edit Master text styles</a:t>
-            </a:r>
-            <a:endParaRPr lang="en-IN" dirty="0"/>
-          </a:p>
-        </p:txBody>
-      </p:sp>
-    </p:spTree>
-    <p:extLst>
-      <p:ext uri="{BB962C8B-B14F-4D97-AF65-F5344CB8AC3E}">
-        <p14:creationId xmlns:p14="http://schemas.microsoft.com/office/powerpoint/2010/main" val="1512087918"/>
-      </p:ext>
-    </p:extLst>
-  </p:cSld>
-  <p:clrMapOvr>
-    <a:masterClrMapping/>
-  </p:clrMapOvr>
-</p:sldLayout>
-</file>
-
 <file path=ppt/slideLayouts/slideLayout3.xml><?xml version="1.0" encoding="utf-8"?>
 <p:sldLayout xmlns:a="http://schemas.openxmlformats.org/drawingml/2006/main" xmlns:r="http://schemas.openxmlformats.org/officeDocument/2006/relationships" xmlns:p="http://schemas.openxmlformats.org/presentationml/2006/main" type="secHead" preserve="1">
   <p:cSld name="Section Header">
@@ -5940,6 +6956,712 @@
 </file>
 
 <file path=ppt/slideLayouts/slideLayout30.xml><?xml version="1.0" encoding="utf-8"?>
+<p:sldLayout xmlns:a="http://schemas.openxmlformats.org/drawingml/2006/main" xmlns:r="http://schemas.openxmlformats.org/officeDocument/2006/relationships" xmlns:p="http://schemas.openxmlformats.org/presentationml/2006/main" preserve="1" userDrawn="1">
+  <p:cSld name="Title Only">
+    <p:spTree>
+      <p:nvGrpSpPr>
+        <p:cNvPr id="1" name=""/>
+        <p:cNvGrpSpPr/>
+        <p:nvPr/>
+      </p:nvGrpSpPr>
+      <p:grpSpPr>
+        <a:xfrm>
+          <a:off x="0" y="0"/>
+          <a:ext cx="0" cy="0"/>
+          <a:chOff x="0" y="0"/>
+          <a:chExt cx="0" cy="0"/>
+        </a:xfrm>
+      </p:grpSpPr>
+      <p:sp>
+        <p:nvSpPr>
+          <p:cNvPr id="2" name="Title 1"/>
+          <p:cNvSpPr>
+            <a:spLocks noGrp="1"/>
+          </p:cNvSpPr>
+          <p:nvPr>
+            <p:ph type="title"/>
+          </p:nvPr>
+        </p:nvSpPr>
+        <p:spPr/>
+        <p:txBody>
+          <a:bodyPr>
+            <a:noAutofit/>
+          </a:bodyPr>
+          <a:lstStyle>
+            <a:lvl1pPr>
+              <a:defRPr sz="3600"/>
+            </a:lvl1pPr>
+          </a:lstStyle>
+          <a:p>
+            <a:r>
+              <a:rPr lang="en-US"/>
+              <a:t>Click to edit Master title style</a:t>
+            </a:r>
+          </a:p>
+        </p:txBody>
+      </p:sp>
+      <p:sp>
+        <p:nvSpPr>
+          <p:cNvPr id="3" name="Date Placeholder 2"/>
+          <p:cNvSpPr>
+            <a:spLocks noGrp="1"/>
+          </p:cNvSpPr>
+          <p:nvPr>
+            <p:ph type="dt" sz="half" idx="10"/>
+          </p:nvPr>
+        </p:nvSpPr>
+        <p:spPr/>
+        <p:txBody>
+          <a:bodyPr/>
+          <a:lstStyle/>
+          <a:p>
+            <a:fld id="{425404F2-BE9A-4460-8815-8F645183555F}" type="datetimeFigureOut">
+              <a:rPr lang="en-US" smtClean="0"/>
+              <a:pPr/>
+              <a:t>11/22/2021</a:t>
+            </a:fld>
+            <a:endParaRPr lang="en-US"/>
+          </a:p>
+        </p:txBody>
+      </p:sp>
+      <p:sp>
+        <p:nvSpPr>
+          <p:cNvPr id="4" name="Footer Placeholder 3"/>
+          <p:cNvSpPr>
+            <a:spLocks noGrp="1"/>
+          </p:cNvSpPr>
+          <p:nvPr>
+            <p:ph type="ftr" sz="quarter" idx="11"/>
+          </p:nvPr>
+        </p:nvSpPr>
+        <p:spPr/>
+        <p:txBody>
+          <a:bodyPr/>
+          <a:lstStyle/>
+          <a:p>
+            <a:endParaRPr lang="en-US"/>
+          </a:p>
+        </p:txBody>
+      </p:sp>
+      <p:sp>
+        <p:nvSpPr>
+          <p:cNvPr id="5" name="Slide Number Placeholder 4"/>
+          <p:cNvSpPr>
+            <a:spLocks noGrp="1"/>
+          </p:cNvSpPr>
+          <p:nvPr>
+            <p:ph type="sldNum" sz="quarter" idx="12"/>
+          </p:nvPr>
+        </p:nvSpPr>
+        <p:spPr/>
+        <p:txBody>
+          <a:bodyPr/>
+          <a:lstStyle/>
+          <a:p>
+            <a:fld id="{96E69268-9C8B-4EBF-A9EE-DC5DC2D48DC3}" type="slidenum">
+              <a:rPr lang="en-US" smtClean="0"/>
+              <a:pPr/>
+              <a:t>‹#›</a:t>
+            </a:fld>
+            <a:endParaRPr lang="en-US"/>
+          </a:p>
+        </p:txBody>
+      </p:sp>
+      <p:sp>
+        <p:nvSpPr>
+          <p:cNvPr id="9" name="Content Placeholder 6"/>
+          <p:cNvSpPr>
+            <a:spLocks noGrp="1"/>
+          </p:cNvSpPr>
+          <p:nvPr>
+            <p:ph sz="quarter" idx="13"/>
+          </p:nvPr>
+        </p:nvSpPr>
+        <p:spPr>
+          <a:xfrm>
+            <a:off x="608170" y="932702"/>
+            <a:ext cx="10975658" cy="484187"/>
+          </a:xfrm>
+        </p:spPr>
+        <p:txBody>
+          <a:bodyPr>
+            <a:noAutofit/>
+          </a:bodyPr>
+          <a:lstStyle>
+            <a:lvl1pPr marL="0" indent="0">
+              <a:buFontTx/>
+              <a:buNone/>
+              <a:defRPr sz="2200"/>
+            </a:lvl1pPr>
+            <a:lvl2pPr marL="609494" indent="0">
+              <a:buFontTx/>
+              <a:buNone/>
+              <a:defRPr sz="2000"/>
+            </a:lvl2pPr>
+            <a:lvl3pPr marL="1218986" indent="0">
+              <a:buFontTx/>
+              <a:buNone/>
+              <a:defRPr sz="1600"/>
+            </a:lvl3pPr>
+            <a:lvl4pPr marL="1828480" indent="0">
+              <a:buFontTx/>
+              <a:buNone/>
+              <a:defRPr sz="1400"/>
+            </a:lvl4pPr>
+            <a:lvl5pPr marL="2437973" indent="0">
+              <a:buFontTx/>
+              <a:buNone/>
+              <a:defRPr sz="1400"/>
+            </a:lvl5pPr>
+          </a:lstStyle>
+          <a:p>
+            <a:pPr lvl="0"/>
+            <a:r>
+              <a:rPr lang="en-US" dirty="0"/>
+              <a:t>Click to edit Master text styles</a:t>
+            </a:r>
+            <a:endParaRPr lang="en-IN" dirty="0"/>
+          </a:p>
+        </p:txBody>
+      </p:sp>
+    </p:spTree>
+    <p:extLst>
+      <p:ext uri="{BB962C8B-B14F-4D97-AF65-F5344CB8AC3E}">
+        <p14:creationId xmlns:p14="http://schemas.microsoft.com/office/powerpoint/2010/main" val="83855216"/>
+      </p:ext>
+    </p:extLst>
+  </p:cSld>
+  <p:clrMapOvr>
+    <a:masterClrMapping/>
+  </p:clrMapOvr>
+</p:sldLayout>
+</file>
+
+<file path=ppt/slideLayouts/slideLayout31.xml><?xml version="1.0" encoding="utf-8"?>
+<p:sldLayout xmlns:a="http://schemas.openxmlformats.org/drawingml/2006/main" xmlns:r="http://schemas.openxmlformats.org/officeDocument/2006/relationships" xmlns:p="http://schemas.openxmlformats.org/presentationml/2006/main" preserve="1" userDrawn="1">
+  <p:cSld name="2_Title Only">
+    <p:spTree>
+      <p:nvGrpSpPr>
+        <p:cNvPr id="1" name=""/>
+        <p:cNvGrpSpPr/>
+        <p:nvPr/>
+      </p:nvGrpSpPr>
+      <p:grpSpPr>
+        <a:xfrm>
+          <a:off x="0" y="0"/>
+          <a:ext cx="0" cy="0"/>
+          <a:chOff x="0" y="0"/>
+          <a:chExt cx="0" cy="0"/>
+        </a:xfrm>
+      </p:grpSpPr>
+      <p:sp>
+        <p:nvSpPr>
+          <p:cNvPr id="2" name="Title 1"/>
+          <p:cNvSpPr>
+            <a:spLocks noGrp="1"/>
+          </p:cNvSpPr>
+          <p:nvPr>
+            <p:ph type="title"/>
+          </p:nvPr>
+        </p:nvSpPr>
+        <p:spPr/>
+        <p:txBody>
+          <a:bodyPr>
+            <a:noAutofit/>
+          </a:bodyPr>
+          <a:lstStyle>
+            <a:lvl1pPr>
+              <a:defRPr sz="3600"/>
+            </a:lvl1pPr>
+          </a:lstStyle>
+          <a:p>
+            <a:r>
+              <a:rPr lang="en-US"/>
+              <a:t>Click to edit Master title style</a:t>
+            </a:r>
+          </a:p>
+        </p:txBody>
+      </p:sp>
+      <p:sp>
+        <p:nvSpPr>
+          <p:cNvPr id="3" name="Date Placeholder 2"/>
+          <p:cNvSpPr>
+            <a:spLocks noGrp="1"/>
+          </p:cNvSpPr>
+          <p:nvPr>
+            <p:ph type="dt" sz="half" idx="10"/>
+          </p:nvPr>
+        </p:nvSpPr>
+        <p:spPr/>
+        <p:txBody>
+          <a:bodyPr/>
+          <a:lstStyle/>
+          <a:p>
+            <a:fld id="{425404F2-BE9A-4460-8815-8F645183555F}" type="datetimeFigureOut">
+              <a:rPr lang="en-US" smtClean="0"/>
+              <a:pPr/>
+              <a:t>11/22/2021</a:t>
+            </a:fld>
+            <a:endParaRPr lang="en-US"/>
+          </a:p>
+        </p:txBody>
+      </p:sp>
+      <p:sp>
+        <p:nvSpPr>
+          <p:cNvPr id="4" name="Footer Placeholder 3"/>
+          <p:cNvSpPr>
+            <a:spLocks noGrp="1"/>
+          </p:cNvSpPr>
+          <p:nvPr>
+            <p:ph type="ftr" sz="quarter" idx="11"/>
+          </p:nvPr>
+        </p:nvSpPr>
+        <p:spPr/>
+        <p:txBody>
+          <a:bodyPr/>
+          <a:lstStyle/>
+          <a:p>
+            <a:endParaRPr lang="en-US"/>
+          </a:p>
+        </p:txBody>
+      </p:sp>
+      <p:sp>
+        <p:nvSpPr>
+          <p:cNvPr id="5" name="Slide Number Placeholder 4"/>
+          <p:cNvSpPr>
+            <a:spLocks noGrp="1"/>
+          </p:cNvSpPr>
+          <p:nvPr>
+            <p:ph type="sldNum" sz="quarter" idx="12"/>
+          </p:nvPr>
+        </p:nvSpPr>
+        <p:spPr/>
+        <p:txBody>
+          <a:bodyPr/>
+          <a:lstStyle/>
+          <a:p>
+            <a:fld id="{96E69268-9C8B-4EBF-A9EE-DC5DC2D48DC3}" type="slidenum">
+              <a:rPr lang="en-US" smtClean="0"/>
+              <a:pPr/>
+              <a:t>‹#›</a:t>
+            </a:fld>
+            <a:endParaRPr lang="en-US"/>
+          </a:p>
+        </p:txBody>
+      </p:sp>
+      <p:sp>
+        <p:nvSpPr>
+          <p:cNvPr id="12" name="Content Placeholder 6"/>
+          <p:cNvSpPr>
+            <a:spLocks noGrp="1"/>
+          </p:cNvSpPr>
+          <p:nvPr>
+            <p:ph sz="quarter" idx="15"/>
+          </p:nvPr>
+        </p:nvSpPr>
+        <p:spPr>
+          <a:xfrm>
+            <a:off x="608171" y="4794325"/>
+            <a:ext cx="3336374" cy="1152128"/>
+          </a:xfrm>
+        </p:spPr>
+        <p:txBody>
+          <a:bodyPr>
+            <a:noAutofit/>
+          </a:bodyPr>
+          <a:lstStyle>
+            <a:lvl1pPr marL="0" indent="0">
+              <a:buFontTx/>
+              <a:buNone/>
+              <a:defRPr sz="1800"/>
+            </a:lvl1pPr>
+            <a:lvl2pPr marL="609494" indent="0">
+              <a:buFontTx/>
+              <a:buNone/>
+              <a:defRPr sz="2000"/>
+            </a:lvl2pPr>
+            <a:lvl3pPr marL="1218986" indent="0">
+              <a:buFontTx/>
+              <a:buNone/>
+              <a:defRPr sz="1600"/>
+            </a:lvl3pPr>
+            <a:lvl4pPr marL="1828480" indent="0">
+              <a:buFontTx/>
+              <a:buNone/>
+              <a:defRPr sz="1400"/>
+            </a:lvl4pPr>
+            <a:lvl5pPr marL="2437973" indent="0">
+              <a:buFontTx/>
+              <a:buNone/>
+              <a:defRPr sz="1400"/>
+            </a:lvl5pPr>
+          </a:lstStyle>
+          <a:p>
+            <a:pPr lvl="0"/>
+            <a:r>
+              <a:rPr lang="en-US" dirty="0"/>
+              <a:t>Click to edit Master text styles</a:t>
+            </a:r>
+            <a:endParaRPr lang="en-IN" dirty="0"/>
+          </a:p>
+        </p:txBody>
+      </p:sp>
+      <p:sp>
+        <p:nvSpPr>
+          <p:cNvPr id="13" name="Content Placeholder 6"/>
+          <p:cNvSpPr>
+            <a:spLocks noGrp="1"/>
+          </p:cNvSpPr>
+          <p:nvPr>
+            <p:ph sz="quarter" idx="16"/>
+          </p:nvPr>
+        </p:nvSpPr>
+        <p:spPr>
+          <a:xfrm>
+            <a:off x="4126987" y="4794325"/>
+            <a:ext cx="3941284" cy="1152128"/>
+          </a:xfrm>
+        </p:spPr>
+        <p:txBody>
+          <a:bodyPr>
+            <a:noAutofit/>
+          </a:bodyPr>
+          <a:lstStyle>
+            <a:lvl1pPr marL="0" indent="0">
+              <a:buFontTx/>
+              <a:buNone/>
+              <a:defRPr sz="1800"/>
+            </a:lvl1pPr>
+            <a:lvl2pPr marL="609494" indent="0">
+              <a:buFontTx/>
+              <a:buNone/>
+              <a:defRPr sz="2000"/>
+            </a:lvl2pPr>
+            <a:lvl3pPr marL="1218986" indent="0">
+              <a:buFontTx/>
+              <a:buNone/>
+              <a:defRPr sz="1600"/>
+            </a:lvl3pPr>
+            <a:lvl4pPr marL="1828480" indent="0">
+              <a:buFontTx/>
+              <a:buNone/>
+              <a:defRPr sz="1400"/>
+            </a:lvl4pPr>
+            <a:lvl5pPr marL="2437973" indent="0">
+              <a:buFontTx/>
+              <a:buNone/>
+              <a:defRPr sz="1400"/>
+            </a:lvl5pPr>
+          </a:lstStyle>
+          <a:p>
+            <a:pPr lvl="0"/>
+            <a:r>
+              <a:rPr lang="en-US" dirty="0"/>
+              <a:t>Click to edit Master text styles</a:t>
+            </a:r>
+            <a:endParaRPr lang="en-IN" dirty="0"/>
+          </a:p>
+        </p:txBody>
+      </p:sp>
+      <p:sp>
+        <p:nvSpPr>
+          <p:cNvPr id="14" name="Content Placeholder 6"/>
+          <p:cNvSpPr>
+            <a:spLocks noGrp="1"/>
+          </p:cNvSpPr>
+          <p:nvPr>
+            <p:ph sz="quarter" idx="17"/>
+          </p:nvPr>
+        </p:nvSpPr>
+        <p:spPr>
+          <a:xfrm>
+            <a:off x="8242859" y="4788396"/>
+            <a:ext cx="3336374" cy="1152128"/>
+          </a:xfrm>
+        </p:spPr>
+        <p:txBody>
+          <a:bodyPr>
+            <a:noAutofit/>
+          </a:bodyPr>
+          <a:lstStyle>
+            <a:lvl1pPr marL="0" indent="0">
+              <a:buFontTx/>
+              <a:buNone/>
+              <a:defRPr sz="1800"/>
+            </a:lvl1pPr>
+            <a:lvl2pPr marL="609494" indent="0">
+              <a:buFontTx/>
+              <a:buNone/>
+              <a:defRPr sz="2000"/>
+            </a:lvl2pPr>
+            <a:lvl3pPr marL="1218986" indent="0">
+              <a:buFontTx/>
+              <a:buNone/>
+              <a:defRPr sz="1600"/>
+            </a:lvl3pPr>
+            <a:lvl4pPr marL="1828480" indent="0">
+              <a:buFontTx/>
+              <a:buNone/>
+              <a:defRPr sz="1400"/>
+            </a:lvl4pPr>
+            <a:lvl5pPr marL="2437973" indent="0">
+              <a:buFontTx/>
+              <a:buNone/>
+              <a:defRPr sz="1400"/>
+            </a:lvl5pPr>
+          </a:lstStyle>
+          <a:p>
+            <a:pPr lvl="0"/>
+            <a:r>
+              <a:rPr lang="en-US" dirty="0"/>
+              <a:t>Click to edit Master text styles</a:t>
+            </a:r>
+            <a:endParaRPr lang="en-IN" dirty="0"/>
+          </a:p>
+        </p:txBody>
+      </p:sp>
+      <p:sp>
+        <p:nvSpPr>
+          <p:cNvPr id="15" name="Content Placeholder 6"/>
+          <p:cNvSpPr>
+            <a:spLocks noGrp="1"/>
+          </p:cNvSpPr>
+          <p:nvPr>
+            <p:ph sz="quarter" idx="18"/>
+          </p:nvPr>
+        </p:nvSpPr>
+        <p:spPr>
+          <a:xfrm>
+            <a:off x="608171" y="4277817"/>
+            <a:ext cx="3336374" cy="495300"/>
+          </a:xfrm>
+        </p:spPr>
+        <p:txBody>
+          <a:bodyPr>
+            <a:noAutofit/>
+          </a:bodyPr>
+          <a:lstStyle>
+            <a:lvl1pPr marL="0" indent="0">
+              <a:buFontTx/>
+              <a:buNone/>
+              <a:defRPr sz="2000"/>
+            </a:lvl1pPr>
+            <a:lvl2pPr marL="609494" indent="0">
+              <a:buFontTx/>
+              <a:buNone/>
+              <a:defRPr sz="2000"/>
+            </a:lvl2pPr>
+            <a:lvl3pPr marL="1218986" indent="0">
+              <a:buFontTx/>
+              <a:buNone/>
+              <a:defRPr sz="1600"/>
+            </a:lvl3pPr>
+            <a:lvl4pPr marL="1828480" indent="0">
+              <a:buFontTx/>
+              <a:buNone/>
+              <a:defRPr sz="1400"/>
+            </a:lvl4pPr>
+            <a:lvl5pPr marL="2437973" indent="0">
+              <a:buFontTx/>
+              <a:buNone/>
+              <a:defRPr sz="1400"/>
+            </a:lvl5pPr>
+          </a:lstStyle>
+          <a:p>
+            <a:pPr lvl="0"/>
+            <a:r>
+              <a:rPr lang="en-US" dirty="0"/>
+              <a:t>Click to edit Master text styles</a:t>
+            </a:r>
+            <a:endParaRPr lang="en-IN" dirty="0"/>
+          </a:p>
+        </p:txBody>
+      </p:sp>
+      <p:sp>
+        <p:nvSpPr>
+          <p:cNvPr id="16" name="Content Placeholder 6"/>
+          <p:cNvSpPr>
+            <a:spLocks noGrp="1"/>
+          </p:cNvSpPr>
+          <p:nvPr>
+            <p:ph sz="quarter" idx="19"/>
+          </p:nvPr>
+        </p:nvSpPr>
+        <p:spPr>
+          <a:xfrm>
+            <a:off x="4126987" y="4277817"/>
+            <a:ext cx="3941284" cy="495300"/>
+          </a:xfrm>
+        </p:spPr>
+        <p:txBody>
+          <a:bodyPr>
+            <a:noAutofit/>
+          </a:bodyPr>
+          <a:lstStyle>
+            <a:lvl1pPr marL="0" indent="0">
+              <a:buFontTx/>
+              <a:buNone/>
+              <a:defRPr sz="2000"/>
+            </a:lvl1pPr>
+            <a:lvl2pPr marL="609494" indent="0">
+              <a:buFontTx/>
+              <a:buNone/>
+              <a:defRPr sz="2000"/>
+            </a:lvl2pPr>
+            <a:lvl3pPr marL="1218986" indent="0">
+              <a:buFontTx/>
+              <a:buNone/>
+              <a:defRPr sz="1600"/>
+            </a:lvl3pPr>
+            <a:lvl4pPr marL="1828480" indent="0">
+              <a:buFontTx/>
+              <a:buNone/>
+              <a:defRPr sz="1400"/>
+            </a:lvl4pPr>
+            <a:lvl5pPr marL="2437973" indent="0">
+              <a:buFontTx/>
+              <a:buNone/>
+              <a:defRPr sz="1400"/>
+            </a:lvl5pPr>
+          </a:lstStyle>
+          <a:p>
+            <a:pPr lvl="0"/>
+            <a:r>
+              <a:rPr lang="en-US" dirty="0"/>
+              <a:t>Click to edit Master text styles</a:t>
+            </a:r>
+            <a:endParaRPr lang="en-IN" dirty="0"/>
+          </a:p>
+        </p:txBody>
+      </p:sp>
+      <p:sp>
+        <p:nvSpPr>
+          <p:cNvPr id="17" name="Content Placeholder 6"/>
+          <p:cNvSpPr>
+            <a:spLocks noGrp="1"/>
+          </p:cNvSpPr>
+          <p:nvPr>
+            <p:ph sz="quarter" idx="20"/>
+          </p:nvPr>
+        </p:nvSpPr>
+        <p:spPr>
+          <a:xfrm>
+            <a:off x="8242859" y="4271888"/>
+            <a:ext cx="3336374" cy="495300"/>
+          </a:xfrm>
+        </p:spPr>
+        <p:txBody>
+          <a:bodyPr>
+            <a:noAutofit/>
+          </a:bodyPr>
+          <a:lstStyle>
+            <a:lvl1pPr marL="0" indent="0">
+              <a:buFontTx/>
+              <a:buNone/>
+              <a:defRPr sz="2000"/>
+            </a:lvl1pPr>
+            <a:lvl2pPr marL="609494" indent="0">
+              <a:buFontTx/>
+              <a:buNone/>
+              <a:defRPr sz="2000"/>
+            </a:lvl2pPr>
+            <a:lvl3pPr marL="1218986" indent="0">
+              <a:buFontTx/>
+              <a:buNone/>
+              <a:defRPr sz="1600"/>
+            </a:lvl3pPr>
+            <a:lvl4pPr marL="1828480" indent="0">
+              <a:buFontTx/>
+              <a:buNone/>
+              <a:defRPr sz="1400"/>
+            </a:lvl4pPr>
+            <a:lvl5pPr marL="2437973" indent="0">
+              <a:buFontTx/>
+              <a:buNone/>
+              <a:defRPr sz="1400"/>
+            </a:lvl5pPr>
+          </a:lstStyle>
+          <a:p>
+            <a:pPr lvl="0"/>
+            <a:r>
+              <a:rPr lang="en-US" dirty="0"/>
+              <a:t>Click to edit Master text styles</a:t>
+            </a:r>
+            <a:endParaRPr lang="en-IN" dirty="0"/>
+          </a:p>
+        </p:txBody>
+      </p:sp>
+      <p:sp>
+        <p:nvSpPr>
+          <p:cNvPr id="19" name="Content Placeholder 6"/>
+          <p:cNvSpPr>
+            <a:spLocks noGrp="1"/>
+          </p:cNvSpPr>
+          <p:nvPr>
+            <p:ph sz="quarter" idx="13"/>
+          </p:nvPr>
+        </p:nvSpPr>
+        <p:spPr>
+          <a:xfrm>
+            <a:off x="608170" y="932702"/>
+            <a:ext cx="10975658" cy="484187"/>
+          </a:xfrm>
+        </p:spPr>
+        <p:txBody>
+          <a:bodyPr>
+            <a:noAutofit/>
+          </a:bodyPr>
+          <a:lstStyle>
+            <a:lvl1pPr marL="0" indent="0">
+              <a:buFontTx/>
+              <a:buNone/>
+              <a:defRPr sz="2200"/>
+            </a:lvl1pPr>
+            <a:lvl2pPr marL="609494" indent="0">
+              <a:buFontTx/>
+              <a:buNone/>
+              <a:defRPr sz="2000"/>
+            </a:lvl2pPr>
+            <a:lvl3pPr marL="1218986" indent="0">
+              <a:buFontTx/>
+              <a:buNone/>
+              <a:defRPr sz="1600"/>
+            </a:lvl3pPr>
+            <a:lvl4pPr marL="1828480" indent="0">
+              <a:buFontTx/>
+              <a:buNone/>
+              <a:defRPr sz="1400"/>
+            </a:lvl4pPr>
+            <a:lvl5pPr marL="2437973" indent="0">
+              <a:buFontTx/>
+              <a:buNone/>
+              <a:defRPr sz="1400"/>
+            </a:lvl5pPr>
+          </a:lstStyle>
+          <a:p>
+            <a:pPr lvl="0"/>
+            <a:r>
+              <a:rPr lang="en-US" dirty="0"/>
+              <a:t>Click to edit Master text styles</a:t>
+            </a:r>
+            <a:endParaRPr lang="en-IN" dirty="0"/>
+          </a:p>
+        </p:txBody>
+      </p:sp>
+    </p:spTree>
+    <p:extLst>
+      <p:ext uri="{BB962C8B-B14F-4D97-AF65-F5344CB8AC3E}">
+        <p14:creationId xmlns:p14="http://schemas.microsoft.com/office/powerpoint/2010/main" val="1512087918"/>
+      </p:ext>
+    </p:extLst>
+  </p:cSld>
+  <p:clrMapOvr>
+    <a:masterClrMapping/>
+  </p:clrMapOvr>
+</p:sldLayout>
+</file>
+
+<file path=ppt/slideLayouts/slideLayout32.xml><?xml version="1.0" encoding="utf-8"?>
 <p:sldLayout xmlns:a="http://schemas.openxmlformats.org/drawingml/2006/main" xmlns:r="http://schemas.openxmlformats.org/officeDocument/2006/relationships" xmlns:p="http://schemas.openxmlformats.org/presentationml/2006/main" type="titleOnly" preserve="1">
   <p:cSld name="1_Title Only">
     <p:bg>
@@ -6087,7 +7809,7 @@
 </p:sldLayout>
 </file>
 
-<file path=ppt/slideLayouts/slideLayout31.xml><?xml version="1.0" encoding="utf-8"?>
+<file path=ppt/slideLayouts/slideLayout33.xml><?xml version="1.0" encoding="utf-8"?>
 <p:sldLayout xmlns:a="http://schemas.openxmlformats.org/drawingml/2006/main" xmlns:r="http://schemas.openxmlformats.org/officeDocument/2006/relationships" xmlns:p="http://schemas.openxmlformats.org/presentationml/2006/main" preserve="1" userDrawn="1">
   <p:cSld name="3_Title Only">
     <p:bg>
@@ -6320,7 +8042,7 @@
 </p:sldLayout>
 </file>
 
-<file path=ppt/slideLayouts/slideLayout32.xml><?xml version="1.0" encoding="utf-8"?>
+<file path=ppt/slideLayouts/slideLayout34.xml><?xml version="1.0" encoding="utf-8"?>
 <p:sldLayout xmlns:a="http://schemas.openxmlformats.org/drawingml/2006/main" xmlns:r="http://schemas.openxmlformats.org/officeDocument/2006/relationships" xmlns:p="http://schemas.openxmlformats.org/presentationml/2006/main" preserve="1" userDrawn="1">
   <p:cSld name="4_Title Only">
     <p:bg>
@@ -6553,7 +8275,7 @@
 </p:sldLayout>
 </file>
 
-<file path=ppt/slideLayouts/slideLayout33.xml><?xml version="1.0" encoding="utf-8"?>
+<file path=ppt/slideLayouts/slideLayout35.xml><?xml version="1.0" encoding="utf-8"?>
 <p:sldLayout xmlns:a="http://schemas.openxmlformats.org/drawingml/2006/main" xmlns:r="http://schemas.openxmlformats.org/officeDocument/2006/relationships" xmlns:p="http://schemas.openxmlformats.org/presentationml/2006/main" preserve="1" userDrawn="1">
   <p:cSld name="5_Title Only">
     <p:bg>
@@ -6791,7 +8513,7 @@
 </p:sldLayout>
 </file>
 
-<file path=ppt/slideLayouts/slideLayout34.xml><?xml version="1.0" encoding="utf-8"?>
+<file path=ppt/slideLayouts/slideLayout36.xml><?xml version="1.0" encoding="utf-8"?>
 <p:sldLayout xmlns:a="http://schemas.openxmlformats.org/drawingml/2006/main" xmlns:r="http://schemas.openxmlformats.org/officeDocument/2006/relationships" xmlns:p="http://schemas.openxmlformats.org/presentationml/2006/main" type="blank" preserve="1">
   <p:cSld name="Blank">
     <p:spTree>
@@ -6888,7 +8610,7 @@
 </p:sldLayout>
 </file>
 
-<file path=ppt/slideLayouts/slideLayout35.xml><?xml version="1.0" encoding="utf-8"?>
+<file path=ppt/slideLayouts/slideLayout37.xml><?xml version="1.0" encoding="utf-8"?>
 <p:sldLayout xmlns:a="http://schemas.openxmlformats.org/drawingml/2006/main" xmlns:r="http://schemas.openxmlformats.org/officeDocument/2006/relationships" xmlns:p="http://schemas.openxmlformats.org/presentationml/2006/main" type="objTx" preserve="1">
   <p:cSld name="Content with Caption">
     <p:spTree>
@@ -7165,7 +8887,7 @@
 </p:sldLayout>
 </file>
 
-<file path=ppt/slideLayouts/slideLayout36.xml><?xml version="1.0" encoding="utf-8"?>
+<file path=ppt/slideLayouts/slideLayout38.xml><?xml version="1.0" encoding="utf-8"?>
 <p:sldLayout xmlns:a="http://schemas.openxmlformats.org/drawingml/2006/main" xmlns:r="http://schemas.openxmlformats.org/officeDocument/2006/relationships" xmlns:p="http://schemas.openxmlformats.org/presentationml/2006/main" type="picTx" preserve="1">
   <p:cSld name="Picture with Caption">
     <p:spTree>
@@ -7419,7 +9141,7 @@
 </p:sldLayout>
 </file>
 
-<file path=ppt/slideLayouts/slideLayout37.xml><?xml version="1.0" encoding="utf-8"?>
+<file path=ppt/slideLayouts/slideLayout39.xml><?xml version="1.0" encoding="utf-8"?>
 <p:sldLayout xmlns:a="http://schemas.openxmlformats.org/drawingml/2006/main" xmlns:r="http://schemas.openxmlformats.org/officeDocument/2006/relationships" xmlns:p="http://schemas.openxmlformats.org/presentationml/2006/main" type="vertTx" preserve="1">
   <p:cSld name="Title and Vertical Text">
     <p:spTree>
@@ -7580,186 +9302,6 @@
     <p:extLst>
       <p:ext uri="{BB962C8B-B14F-4D97-AF65-F5344CB8AC3E}">
         <p14:creationId xmlns:p14="http://schemas.microsoft.com/office/powerpoint/2010/main" val="3688185401"/>
-      </p:ext>
-    </p:extLst>
-  </p:cSld>
-  <p:clrMapOvr>
-    <a:masterClrMapping/>
-  </p:clrMapOvr>
-</p:sldLayout>
-</file>
-
-<file path=ppt/slideLayouts/slideLayout38.xml><?xml version="1.0" encoding="utf-8"?>
-<p:sldLayout xmlns:a="http://schemas.openxmlformats.org/drawingml/2006/main" xmlns:r="http://schemas.openxmlformats.org/officeDocument/2006/relationships" xmlns:p="http://schemas.openxmlformats.org/presentationml/2006/main" type="vertTitleAndTx" preserve="1">
-  <p:cSld name="Vertical Title and Text">
-    <p:spTree>
-      <p:nvGrpSpPr>
-        <p:cNvPr id="1" name=""/>
-        <p:cNvGrpSpPr/>
-        <p:nvPr/>
-      </p:nvGrpSpPr>
-      <p:grpSpPr>
-        <a:xfrm>
-          <a:off x="0" y="0"/>
-          <a:ext cx="0" cy="0"/>
-          <a:chOff x="0" y="0"/>
-          <a:chExt cx="0" cy="0"/>
-        </a:xfrm>
-      </p:grpSpPr>
-      <p:sp>
-        <p:nvSpPr>
-          <p:cNvPr id="2" name="Vertical Title 1"/>
-          <p:cNvSpPr>
-            <a:spLocks noGrp="1"/>
-          </p:cNvSpPr>
-          <p:nvPr>
-            <p:ph type="title" orient="vert"/>
-          </p:nvPr>
-        </p:nvSpPr>
-        <p:spPr>
-          <a:xfrm>
-            <a:off x="8839200" y="274640"/>
-            <a:ext cx="2743200" cy="5851525"/>
-          </a:xfrm>
-        </p:spPr>
-        <p:txBody>
-          <a:bodyPr vert="eaVert"/>
-          <a:lstStyle/>
-          <a:p>
-            <a:r>
-              <a:rPr lang="en-US"/>
-              <a:t>Click to edit Master title style</a:t>
-            </a:r>
-          </a:p>
-        </p:txBody>
-      </p:sp>
-      <p:sp>
-        <p:nvSpPr>
-          <p:cNvPr id="3" name="Vertical Text Placeholder 2"/>
-          <p:cNvSpPr>
-            <a:spLocks noGrp="1"/>
-          </p:cNvSpPr>
-          <p:nvPr>
-            <p:ph type="body" orient="vert" idx="1"/>
-          </p:nvPr>
-        </p:nvSpPr>
-        <p:spPr>
-          <a:xfrm>
-            <a:off x="609600" y="274640"/>
-            <a:ext cx="8026400" cy="5851525"/>
-          </a:xfrm>
-        </p:spPr>
-        <p:txBody>
-          <a:bodyPr vert="eaVert"/>
-          <a:lstStyle/>
-          <a:p>
-            <a:pPr lvl="0"/>
-            <a:r>
-              <a:rPr lang="en-US"/>
-              <a:t>Click to edit Master text styles</a:t>
-            </a:r>
-          </a:p>
-          <a:p>
-            <a:pPr lvl="1"/>
-            <a:r>
-              <a:rPr lang="en-US"/>
-              <a:t>Second level</a:t>
-            </a:r>
-          </a:p>
-          <a:p>
-            <a:pPr lvl="2"/>
-            <a:r>
-              <a:rPr lang="en-US"/>
-              <a:t>Third level</a:t>
-            </a:r>
-          </a:p>
-          <a:p>
-            <a:pPr lvl="3"/>
-            <a:r>
-              <a:rPr lang="en-US"/>
-              <a:t>Fourth level</a:t>
-            </a:r>
-          </a:p>
-          <a:p>
-            <a:pPr lvl="4"/>
-            <a:r>
-              <a:rPr lang="en-US"/>
-              <a:t>Fifth level</a:t>
-            </a:r>
-          </a:p>
-        </p:txBody>
-      </p:sp>
-      <p:sp>
-        <p:nvSpPr>
-          <p:cNvPr id="4" name="Date Placeholder 3"/>
-          <p:cNvSpPr>
-            <a:spLocks noGrp="1"/>
-          </p:cNvSpPr>
-          <p:nvPr>
-            <p:ph type="dt" sz="half" idx="10"/>
-          </p:nvPr>
-        </p:nvSpPr>
-        <p:spPr/>
-        <p:txBody>
-          <a:bodyPr/>
-          <a:lstStyle/>
-          <a:p>
-            <a:fld id="{425404F2-BE9A-4460-8815-8F645183555F}" type="datetimeFigureOut">
-              <a:rPr lang="en-US" smtClean="0"/>
-              <a:pPr/>
-              <a:t>11/22/2021</a:t>
-            </a:fld>
-            <a:endParaRPr lang="en-US"/>
-          </a:p>
-        </p:txBody>
-      </p:sp>
-      <p:sp>
-        <p:nvSpPr>
-          <p:cNvPr id="5" name="Footer Placeholder 4"/>
-          <p:cNvSpPr>
-            <a:spLocks noGrp="1"/>
-          </p:cNvSpPr>
-          <p:nvPr>
-            <p:ph type="ftr" sz="quarter" idx="11"/>
-          </p:nvPr>
-        </p:nvSpPr>
-        <p:spPr/>
-        <p:txBody>
-          <a:bodyPr/>
-          <a:lstStyle/>
-          <a:p>
-            <a:endParaRPr lang="en-US"/>
-          </a:p>
-        </p:txBody>
-      </p:sp>
-      <p:sp>
-        <p:nvSpPr>
-          <p:cNvPr id="6" name="Slide Number Placeholder 5"/>
-          <p:cNvSpPr>
-            <a:spLocks noGrp="1"/>
-          </p:cNvSpPr>
-          <p:nvPr>
-            <p:ph type="sldNum" sz="quarter" idx="12"/>
-          </p:nvPr>
-        </p:nvSpPr>
-        <p:spPr/>
-        <p:txBody>
-          <a:bodyPr/>
-          <a:lstStyle/>
-          <a:p>
-            <a:fld id="{96E69268-9C8B-4EBF-A9EE-DC5DC2D48DC3}" type="slidenum">
-              <a:rPr lang="en-US" smtClean="0"/>
-              <a:pPr/>
-              <a:t>‹#›</a:t>
-            </a:fld>
-            <a:endParaRPr lang="en-US"/>
-          </a:p>
-        </p:txBody>
-      </p:sp>
-    </p:spTree>
-    <p:extLst>
-      <p:ext uri="{BB962C8B-B14F-4D97-AF65-F5344CB8AC3E}">
-        <p14:creationId xmlns:p14="http://schemas.microsoft.com/office/powerpoint/2010/main" val="3217696323"/>
       </p:ext>
     </p:extLst>
   </p:cSld>
@@ -7989,6 +9531,186 @@
     <p:extLst>
       <p:ext uri="{BB962C8B-B14F-4D97-AF65-F5344CB8AC3E}">
         <p14:creationId xmlns:p14="http://schemas.microsoft.com/office/powerpoint/2010/main" val="1233466970"/>
+      </p:ext>
+    </p:extLst>
+  </p:cSld>
+  <p:clrMapOvr>
+    <a:masterClrMapping/>
+  </p:clrMapOvr>
+</p:sldLayout>
+</file>
+
+<file path=ppt/slideLayouts/slideLayout40.xml><?xml version="1.0" encoding="utf-8"?>
+<p:sldLayout xmlns:a="http://schemas.openxmlformats.org/drawingml/2006/main" xmlns:r="http://schemas.openxmlformats.org/officeDocument/2006/relationships" xmlns:p="http://schemas.openxmlformats.org/presentationml/2006/main" type="vertTitleAndTx" preserve="1">
+  <p:cSld name="Vertical Title and Text">
+    <p:spTree>
+      <p:nvGrpSpPr>
+        <p:cNvPr id="1" name=""/>
+        <p:cNvGrpSpPr/>
+        <p:nvPr/>
+      </p:nvGrpSpPr>
+      <p:grpSpPr>
+        <a:xfrm>
+          <a:off x="0" y="0"/>
+          <a:ext cx="0" cy="0"/>
+          <a:chOff x="0" y="0"/>
+          <a:chExt cx="0" cy="0"/>
+        </a:xfrm>
+      </p:grpSpPr>
+      <p:sp>
+        <p:nvSpPr>
+          <p:cNvPr id="2" name="Vertical Title 1"/>
+          <p:cNvSpPr>
+            <a:spLocks noGrp="1"/>
+          </p:cNvSpPr>
+          <p:nvPr>
+            <p:ph type="title" orient="vert"/>
+          </p:nvPr>
+        </p:nvSpPr>
+        <p:spPr>
+          <a:xfrm>
+            <a:off x="8839200" y="274640"/>
+            <a:ext cx="2743200" cy="5851525"/>
+          </a:xfrm>
+        </p:spPr>
+        <p:txBody>
+          <a:bodyPr vert="eaVert"/>
+          <a:lstStyle/>
+          <a:p>
+            <a:r>
+              <a:rPr lang="en-US"/>
+              <a:t>Click to edit Master title style</a:t>
+            </a:r>
+          </a:p>
+        </p:txBody>
+      </p:sp>
+      <p:sp>
+        <p:nvSpPr>
+          <p:cNvPr id="3" name="Vertical Text Placeholder 2"/>
+          <p:cNvSpPr>
+            <a:spLocks noGrp="1"/>
+          </p:cNvSpPr>
+          <p:nvPr>
+            <p:ph type="body" orient="vert" idx="1"/>
+          </p:nvPr>
+        </p:nvSpPr>
+        <p:spPr>
+          <a:xfrm>
+            <a:off x="609600" y="274640"/>
+            <a:ext cx="8026400" cy="5851525"/>
+          </a:xfrm>
+        </p:spPr>
+        <p:txBody>
+          <a:bodyPr vert="eaVert"/>
+          <a:lstStyle/>
+          <a:p>
+            <a:pPr lvl="0"/>
+            <a:r>
+              <a:rPr lang="en-US"/>
+              <a:t>Click to edit Master text styles</a:t>
+            </a:r>
+          </a:p>
+          <a:p>
+            <a:pPr lvl="1"/>
+            <a:r>
+              <a:rPr lang="en-US"/>
+              <a:t>Second level</a:t>
+            </a:r>
+          </a:p>
+          <a:p>
+            <a:pPr lvl="2"/>
+            <a:r>
+              <a:rPr lang="en-US"/>
+              <a:t>Third level</a:t>
+            </a:r>
+          </a:p>
+          <a:p>
+            <a:pPr lvl="3"/>
+            <a:r>
+              <a:rPr lang="en-US"/>
+              <a:t>Fourth level</a:t>
+            </a:r>
+          </a:p>
+          <a:p>
+            <a:pPr lvl="4"/>
+            <a:r>
+              <a:rPr lang="en-US"/>
+              <a:t>Fifth level</a:t>
+            </a:r>
+          </a:p>
+        </p:txBody>
+      </p:sp>
+      <p:sp>
+        <p:nvSpPr>
+          <p:cNvPr id="4" name="Date Placeholder 3"/>
+          <p:cNvSpPr>
+            <a:spLocks noGrp="1"/>
+          </p:cNvSpPr>
+          <p:nvPr>
+            <p:ph type="dt" sz="half" idx="10"/>
+          </p:nvPr>
+        </p:nvSpPr>
+        <p:spPr/>
+        <p:txBody>
+          <a:bodyPr/>
+          <a:lstStyle/>
+          <a:p>
+            <a:fld id="{425404F2-BE9A-4460-8815-8F645183555F}" type="datetimeFigureOut">
+              <a:rPr lang="en-US" smtClean="0"/>
+              <a:pPr/>
+              <a:t>11/22/2021</a:t>
+            </a:fld>
+            <a:endParaRPr lang="en-US"/>
+          </a:p>
+        </p:txBody>
+      </p:sp>
+      <p:sp>
+        <p:nvSpPr>
+          <p:cNvPr id="5" name="Footer Placeholder 4"/>
+          <p:cNvSpPr>
+            <a:spLocks noGrp="1"/>
+          </p:cNvSpPr>
+          <p:nvPr>
+            <p:ph type="ftr" sz="quarter" idx="11"/>
+          </p:nvPr>
+        </p:nvSpPr>
+        <p:spPr/>
+        <p:txBody>
+          <a:bodyPr/>
+          <a:lstStyle/>
+          <a:p>
+            <a:endParaRPr lang="en-US"/>
+          </a:p>
+        </p:txBody>
+      </p:sp>
+      <p:sp>
+        <p:nvSpPr>
+          <p:cNvPr id="6" name="Slide Number Placeholder 5"/>
+          <p:cNvSpPr>
+            <a:spLocks noGrp="1"/>
+          </p:cNvSpPr>
+          <p:nvPr>
+            <p:ph type="sldNum" sz="quarter" idx="12"/>
+          </p:nvPr>
+        </p:nvSpPr>
+        <p:spPr/>
+        <p:txBody>
+          <a:bodyPr/>
+          <a:lstStyle/>
+          <a:p>
+            <a:fld id="{96E69268-9C8B-4EBF-A9EE-DC5DC2D48DC3}" type="slidenum">
+              <a:rPr lang="en-US" smtClean="0"/>
+              <a:pPr/>
+              <a:t>‹#›</a:t>
+            </a:fld>
+            <a:endParaRPr lang="en-US"/>
+          </a:p>
+        </p:txBody>
+      </p:sp>
+    </p:spTree>
+    <p:extLst>
+      <p:ext uri="{BB962C8B-B14F-4D97-AF65-F5344CB8AC3E}">
+        <p14:creationId xmlns:p14="http://schemas.microsoft.com/office/powerpoint/2010/main" val="3217696323"/>
       </p:ext>
     </p:extLst>
   </p:cSld>
@@ -9361,9 +11083,11 @@
     <p:sldLayoutId id="2147483682" r:id="rId15"/>
     <p:sldLayoutId id="2147483693" r:id="rId16"/>
     <p:sldLayoutId id="2147483694" r:id="rId17"/>
-    <p:sldLayoutId id="2147483699" r:id="rId18"/>
-    <p:sldLayoutId id="2147483700" r:id="rId19"/>
-    <p:sldLayoutId id="2147483701" r:id="rId20"/>
+    <p:sldLayoutId id="2147483697" r:id="rId18"/>
+    <p:sldLayoutId id="2147483698" r:id="rId19"/>
+    <p:sldLayoutId id="2147483699" r:id="rId20"/>
+    <p:sldLayoutId id="2147483700" r:id="rId21"/>
+    <p:sldLayoutId id="2147483701" r:id="rId22"/>
   </p:sldLayoutIdLst>
   <p:txStyles>
     <p:titleStyle>
@@ -10378,7 +12102,7 @@
         <p:spPr>
           <a:xfrm>
             <a:off x="187367" y="2062424"/>
-            <a:ext cx="6629399" cy="1754326"/>
+            <a:ext cx="6629399" cy="1200329"/>
           </a:xfrm>
           <a:prstGeom prst="rect">
             <a:avLst/>
@@ -10397,31 +12121,8 @@
                   <a:schemeClr val="bg1"/>
                 </a:solidFill>
               </a:rPr>
-              <a:t>Anurag </a:t>
-            </a:r>
-            <a:r>
-              <a:rPr lang="en-US" sz="3600" spc="-150" dirty="0" smtClean="0">
-                <a:solidFill>
-                  <a:schemeClr val="bg1"/>
-                </a:solidFill>
-              </a:rPr>
-              <a:t>Bajaj</a:t>
-            </a:r>
-          </a:p>
-          <a:p>
-            <a:r>
-              <a:rPr lang="en-US" sz="3600" spc="-150" dirty="0" smtClean="0">
-                <a:solidFill>
-                  <a:schemeClr val="bg1"/>
-                </a:solidFill>
-              </a:rPr>
-              <a:t>Shubham Singh</a:t>
-            </a:r>
-            <a:endParaRPr lang="en-US" sz="3600" spc="-150" dirty="0">
-              <a:solidFill>
-                <a:schemeClr val="bg1"/>
-              </a:solidFill>
-            </a:endParaRPr>
+              <a:t>Anurag Bajaj</a:t>
+            </a:r>
           </a:p>
           <a:p>
             <a:r>
@@ -11370,6 +13071,57 @@
           </a:p>
         </p:txBody>
       </p:sp>
+      <mc:AlternateContent xmlns:mc="http://schemas.openxmlformats.org/markup-compatibility/2006" xmlns:p14="http://schemas.microsoft.com/office/powerpoint/2010/main">
+        <mc:Choice Requires="p14">
+          <p:contentPart p14:bwMode="auto" r:id="rId3">
+            <p14:nvContentPartPr>
+              <p14:cNvPr id="2" name="Ink 1">
+                <a:extLst>
+                  <a:ext uri="{FF2B5EF4-FFF2-40B4-BE49-F238E27FC236}">
+                    <a16:creationId xmlns:a16="http://schemas.microsoft.com/office/drawing/2014/main" xmlns="" id="{027A5302-A996-409C-83B8-66C6056A1C07}"/>
+                  </a:ext>
+                </a:extLst>
+              </p14:cNvPr>
+              <p14:cNvContentPartPr/>
+              <p14:nvPr/>
+            </p14:nvContentPartPr>
+            <p14:xfrm>
+              <a:off x="501480" y="1333440"/>
+              <a:ext cx="11170080" cy="4928040"/>
+            </p14:xfrm>
+          </p:contentPart>
+        </mc:Choice>
+        <mc:Fallback xmlns="">
+          <p:pic>
+            <p:nvPicPr>
+              <p:cNvPr id="2" name="Ink 1">
+                <a:extLst>
+                  <a:ext uri="{FF2B5EF4-FFF2-40B4-BE49-F238E27FC236}">
+                    <a16:creationId xmlns:a16="http://schemas.microsoft.com/office/drawing/2014/main" id="{027A5302-A996-409C-83B8-66C6056A1C07}"/>
+                  </a:ext>
+                </a:extLst>
+              </p:cNvPr>
+              <p:cNvPicPr/>
+              <p:nvPr/>
+            </p:nvPicPr>
+            <p:blipFill>
+              <a:blip r:embed="rId4"/>
+              <a:stretch>
+                <a:fillRect/>
+              </a:stretch>
+            </p:blipFill>
+            <p:spPr>
+              <a:xfrm>
+                <a:off x="492120" y="1324080"/>
+                <a:ext cx="11188800" cy="4946760"/>
+              </a:xfrm>
+              <a:prstGeom prst="rect">
+                <a:avLst/>
+              </a:prstGeom>
+            </p:spPr>
+          </p:pic>
+        </mc:Fallback>
+      </mc:AlternateContent>
     </p:spTree>
     <p:extLst>
       <p:ext uri="{BB962C8B-B14F-4D97-AF65-F5344CB8AC3E}">
@@ -11405,59 +13157,47 @@
       </p:grpSpPr>
       <p:sp>
         <p:nvSpPr>
-          <p:cNvPr id="2" name="Title 3">
+          <p:cNvPr id="11" name="Title 10"/>
+          <p:cNvSpPr>
+            <a:spLocks noGrp="1"/>
+          </p:cNvSpPr>
+          <p:nvPr>
+            <p:ph type="title"/>
+          </p:nvPr>
+        </p:nvSpPr>
+        <p:spPr>
+          <a:xfrm>
+            <a:off x="-20279" y="41354"/>
+            <a:ext cx="10969943" cy="711081"/>
+          </a:xfrm>
+        </p:spPr>
+        <p:txBody>
+          <a:bodyPr>
+            <a:noAutofit/>
+          </a:bodyPr>
+          <a:lstStyle/>
+          <a:p>
+            <a:r>
+              <a:rPr lang="en-IN" dirty="0">
+                <a:solidFill>
+                  <a:schemeClr val="tx2">
+                    <a:lumMod val="60000"/>
+                    <a:lumOff val="40000"/>
+                  </a:schemeClr>
+                </a:solidFill>
+                <a:latin typeface="Patua One" pitchFamily="2" charset="0"/>
+              </a:rPr>
+              <a:t>Matrices to check regression quality</a:t>
+            </a:r>
+          </a:p>
+        </p:txBody>
+      </p:sp>
+      <p:sp>
+        <p:nvSpPr>
+          <p:cNvPr id="37" name="TextBox 36">
             <a:extLst>
               <a:ext uri="{FF2B5EF4-FFF2-40B4-BE49-F238E27FC236}">
-                <a16:creationId xmlns:a16="http://schemas.microsoft.com/office/drawing/2014/main" xmlns="" id="{F07FC580-E2AB-4C55-8C95-D5E077A1D127}"/>
-              </a:ext>
-            </a:extLst>
-          </p:cNvPr>
-          <p:cNvSpPr txBox="1">
-            <a:spLocks/>
-          </p:cNvSpPr>
-          <p:nvPr/>
-        </p:nvSpPr>
-        <p:spPr>
-          <a:xfrm>
-            <a:off x="261764" y="188640"/>
-            <a:ext cx="11292008" cy="711081"/>
-          </a:xfrm>
-          <a:prstGeom prst="rect">
-            <a:avLst/>
-          </a:prstGeom>
-        </p:spPr>
-        <p:txBody>
-          <a:bodyPr/>
-          <a:lstStyle>
-            <a:lvl1pPr algn="l" defTabSz="914400" rtl="0" eaLnBrk="1" latinLnBrk="0" hangingPunct="1">
-              <a:lnSpc>
-                <a:spcPct val="90000"/>
-              </a:lnSpc>
-              <a:spcBef>
-                <a:spcPct val="0"/>
-              </a:spcBef>
-              <a:buNone/>
-              <a:defRPr sz="4400" kern="1200">
-                <a:solidFill>
-                  <a:schemeClr val="tx1"/>
-                </a:solidFill>
-                <a:latin typeface="+mj-lt"/>
-                <a:ea typeface="+mj-ea"/>
-                <a:cs typeface="+mj-cs"/>
-              </a:defRPr>
-            </a:lvl1pPr>
-          </a:lstStyle>
-          <a:p>
-            <a:endParaRPr lang="en-US" b="1" dirty="0"/>
-          </a:p>
-        </p:txBody>
-      </p:sp>
-      <p:sp>
-        <p:nvSpPr>
-          <p:cNvPr id="7" name="TextBox 6">
-            <a:extLst>
-              <a:ext uri="{FF2B5EF4-FFF2-40B4-BE49-F238E27FC236}">
-                <a16:creationId xmlns:a16="http://schemas.microsoft.com/office/drawing/2014/main" xmlns="" id="{17EB74BE-8011-4153-8F37-3BEF9C1F4CC0}"/>
+                <a16:creationId xmlns:a16="http://schemas.microsoft.com/office/drawing/2014/main" xmlns="" id="{E8CAC22F-1542-4031-BC6C-A16989886504}"/>
               </a:ext>
             </a:extLst>
           </p:cNvPr>
@@ -11466,8 +13206,8 @@
         </p:nvSpPr>
         <p:spPr>
           <a:xfrm>
-            <a:off x="3512128" y="2507734"/>
-            <a:ext cx="6174508" cy="1323439"/>
+            <a:off x="4943872" y="6550224"/>
+            <a:ext cx="3456384" cy="307777"/>
           </a:xfrm>
           <a:prstGeom prst="rect">
             <a:avLst/>
@@ -11475,28 +13215,288 @@
           <a:noFill/>
         </p:spPr>
         <p:txBody>
-          <a:bodyPr wrap="square">
+          <a:bodyPr wrap="square" rtlCol="0">
             <a:spAutoFit/>
           </a:bodyPr>
           <a:lstStyle/>
           <a:p>
-            <a:r>
-              <a:rPr lang="en-US" sz="8000" b="1" dirty="0"/>
-              <a:t>End of Day 8</a:t>
-            </a:r>
-          </a:p>
-        </p:txBody>
-      </p:sp>
+            <a:pPr defTabSz="1218987">
+              <a:defRPr/>
+            </a:pPr>
+            <a:r>
+              <a:rPr lang="en-US" sz="1400" b="1" dirty="0">
+                <a:solidFill>
+                  <a:prstClr val="black"/>
+                </a:solidFill>
+                <a:latin typeface="Arial Rounded MT Bold" panose="020F0704030504030204" pitchFamily="34" charset="0"/>
+                <a:ea typeface="Arial Unicode MS" panose="020B0604020202020204" pitchFamily="34" charset="-128"/>
+                <a:cs typeface="Arial Unicode MS" panose="020B0604020202020204" pitchFamily="34" charset="-128"/>
+              </a:rPr>
+              <a:t>www.anubhavtrainings.com</a:t>
+            </a:r>
+            <a:endParaRPr lang="en-IN" sz="1400" b="1" dirty="0">
+              <a:solidFill>
+                <a:prstClr val="black"/>
+              </a:solidFill>
+              <a:latin typeface="Arial Rounded MT Bold" panose="020F0704030504030204" pitchFamily="34" charset="0"/>
+              <a:ea typeface="Arial Unicode MS" panose="020B0604020202020204" pitchFamily="34" charset="-128"/>
+              <a:cs typeface="Arial Unicode MS" panose="020B0604020202020204" pitchFamily="34" charset="-128"/>
+            </a:endParaRPr>
+          </a:p>
+        </p:txBody>
+      </p:sp>
+      <p:pic>
+        <p:nvPicPr>
+          <p:cNvPr id="40" name="Picture 39">
+            <a:extLst>
+              <a:ext uri="{FF2B5EF4-FFF2-40B4-BE49-F238E27FC236}">
+                <a16:creationId xmlns:a16="http://schemas.microsoft.com/office/drawing/2014/main" xmlns="" id="{DA60E6FB-8C44-4FEB-B6E9-83DA908565CD}"/>
+              </a:ext>
+            </a:extLst>
+          </p:cNvPr>
+          <p:cNvPicPr>
+            <a:picLocks noChangeAspect="1"/>
+          </p:cNvPicPr>
+          <p:nvPr/>
+        </p:nvPicPr>
+        <p:blipFill>
+          <a:blip r:embed="rId2">
+            <a:extLst>
+              <a:ext uri="{28A0092B-C50C-407E-A947-70E740481C1C}">
+                <a14:useLocalDpi xmlns:a14="http://schemas.microsoft.com/office/drawing/2010/main" val="0"/>
+              </a:ext>
+            </a:extLst>
+          </a:blip>
+          <a:stretch>
+            <a:fillRect/>
+          </a:stretch>
+        </p:blipFill>
+        <p:spPr>
+          <a:xfrm>
+            <a:off x="9624393" y="106009"/>
+            <a:ext cx="2335203" cy="762895"/>
+          </a:xfrm>
+          <a:prstGeom prst="rect">
+            <a:avLst/>
+          </a:prstGeom>
+        </p:spPr>
+      </p:pic>
+      <p:cxnSp>
+        <p:nvCxnSpPr>
+          <p:cNvPr id="41" name="Straight Connector 40">
+            <a:extLst>
+              <a:ext uri="{FF2B5EF4-FFF2-40B4-BE49-F238E27FC236}">
+                <a16:creationId xmlns:a16="http://schemas.microsoft.com/office/drawing/2014/main" xmlns="" id="{3B3B7D73-CAE9-45AC-ACCE-FAEF4E505C7A}"/>
+              </a:ext>
+            </a:extLst>
+          </p:cNvPr>
+          <p:cNvCxnSpPr/>
+          <p:nvPr/>
+        </p:nvCxnSpPr>
+        <p:spPr>
+          <a:xfrm>
+            <a:off x="1588" y="764704"/>
+            <a:ext cx="6479584" cy="0"/>
+          </a:xfrm>
+          <a:prstGeom prst="line">
+            <a:avLst/>
+          </a:prstGeom>
+        </p:spPr>
+        <p:style>
+          <a:lnRef idx="2">
+            <a:schemeClr val="accent6"/>
+          </a:lnRef>
+          <a:fillRef idx="0">
+            <a:schemeClr val="accent6"/>
+          </a:fillRef>
+          <a:effectRef idx="1">
+            <a:schemeClr val="accent6"/>
+          </a:effectRef>
+          <a:fontRef idx="minor">
+            <a:schemeClr val="tx1"/>
+          </a:fontRef>
+        </p:style>
+      </p:cxnSp>
+      <p:pic>
+        <p:nvPicPr>
+          <p:cNvPr id="2" name="Picture 1">
+            <a:extLst>
+              <a:ext uri="{FF2B5EF4-FFF2-40B4-BE49-F238E27FC236}">
+                <a16:creationId xmlns:a16="http://schemas.microsoft.com/office/drawing/2014/main" xmlns="" id="{BE3A0870-F741-4A04-933F-6678A44A8D7A}"/>
+              </a:ext>
+            </a:extLst>
+          </p:cNvPr>
+          <p:cNvPicPr>
+            <a:picLocks noChangeAspect="1"/>
+          </p:cNvPicPr>
+          <p:nvPr/>
+        </p:nvPicPr>
+        <p:blipFill>
+          <a:blip r:embed="rId3"/>
+          <a:stretch>
+            <a:fillRect/>
+          </a:stretch>
+        </p:blipFill>
+        <p:spPr>
+          <a:xfrm>
+            <a:off x="263352" y="1102433"/>
+            <a:ext cx="4824536" cy="5318679"/>
+          </a:xfrm>
+          <a:prstGeom prst="rect">
+            <a:avLst/>
+          </a:prstGeom>
+        </p:spPr>
+      </p:pic>
+      <p:sp>
+        <p:nvSpPr>
+          <p:cNvPr id="3" name="TextBox 2">
+            <a:extLst>
+              <a:ext uri="{FF2B5EF4-FFF2-40B4-BE49-F238E27FC236}">
+                <a16:creationId xmlns:a16="http://schemas.microsoft.com/office/drawing/2014/main" xmlns="" id="{2FDE069B-C593-4FF4-8BE8-B8FBBD17AB9F}"/>
+              </a:ext>
+            </a:extLst>
+          </p:cNvPr>
+          <p:cNvSpPr txBox="1"/>
+          <p:nvPr/>
+        </p:nvSpPr>
+        <p:spPr>
+          <a:xfrm>
+            <a:off x="5113145" y="938408"/>
+            <a:ext cx="6670849" cy="646331"/>
+          </a:xfrm>
+          <a:prstGeom prst="rect">
+            <a:avLst/>
+          </a:prstGeom>
+          <a:noFill/>
+        </p:spPr>
+        <p:txBody>
+          <a:bodyPr wrap="square" rtlCol="0">
+            <a:spAutoFit/>
+          </a:bodyPr>
+          <a:lstStyle/>
+          <a:p>
+            <a:r>
+              <a:rPr lang="en-US" b="1" dirty="0"/>
+              <a:t>How far our actual values are from predicted values. – Residual / deviation</a:t>
+            </a:r>
+          </a:p>
+        </p:txBody>
+      </p:sp>
+      <mc:AlternateContent xmlns:mc="http://schemas.openxmlformats.org/markup-compatibility/2006" xmlns:p14="http://schemas.microsoft.com/office/powerpoint/2010/main">
+        <mc:Choice Requires="p14">
+          <p:contentPart p14:bwMode="auto" r:id="rId4">
+            <p14:nvContentPartPr>
+              <p14:cNvPr id="78" name="Ink 77">
+                <a:extLst>
+                  <a:ext uri="{FF2B5EF4-FFF2-40B4-BE49-F238E27FC236}">
+                    <a16:creationId xmlns:a16="http://schemas.microsoft.com/office/drawing/2014/main" xmlns="" id="{B6EC5873-6703-42A4-A4BB-982F601401A6}"/>
+                  </a:ext>
+                </a:extLst>
+              </p14:cNvPr>
+              <p14:cNvContentPartPr/>
+              <p14:nvPr/>
+            </p14:nvContentPartPr>
+            <p14:xfrm>
+              <a:off x="1278331" y="6326001"/>
+              <a:ext cx="19080" cy="19080"/>
+            </p14:xfrm>
+          </p:contentPart>
+        </mc:Choice>
+        <mc:Fallback xmlns="">
+          <p:pic>
+            <p:nvPicPr>
+              <p:cNvPr id="78" name="Ink 77">
+                <a:extLst>
+                  <a:ext uri="{FF2B5EF4-FFF2-40B4-BE49-F238E27FC236}">
+                    <a16:creationId xmlns:a16="http://schemas.microsoft.com/office/drawing/2014/main" id="{B6EC5873-6703-42A4-A4BB-982F601401A6}"/>
+                  </a:ext>
+                </a:extLst>
+              </p:cNvPr>
+              <p:cNvPicPr/>
+              <p:nvPr/>
+            </p:nvPicPr>
+            <p:blipFill>
+              <a:blip r:embed="rId11"/>
+              <a:stretch>
+                <a:fillRect/>
+              </a:stretch>
+            </p:blipFill>
+            <p:spPr>
+              <a:xfrm>
+                <a:off x="1269331" y="6317001"/>
+                <a:ext cx="36720" cy="36720"/>
+              </a:xfrm>
+              <a:prstGeom prst="rect">
+                <a:avLst/>
+              </a:prstGeom>
+            </p:spPr>
+          </p:pic>
+        </mc:Fallback>
+      </mc:AlternateContent>
+      <mc:AlternateContent xmlns:mc="http://schemas.openxmlformats.org/markup-compatibility/2006" xmlns:p14="http://schemas.microsoft.com/office/powerpoint/2010/main">
+        <mc:Choice Requires="p14">
+          <p:contentPart p14:bwMode="auto" r:id="rId12">
+            <p14:nvContentPartPr>
+              <p14:cNvPr id="4" name="Ink 3">
+                <a:extLst>
+                  <a:ext uri="{FF2B5EF4-FFF2-40B4-BE49-F238E27FC236}">
+                    <a16:creationId xmlns:a16="http://schemas.microsoft.com/office/drawing/2014/main" xmlns="" id="{ED93FF07-45F1-47BF-A6AB-3FCE7C95BECB}"/>
+                  </a:ext>
+                </a:extLst>
+              </p14:cNvPr>
+              <p14:cNvContentPartPr/>
+              <p14:nvPr/>
+            </p14:nvContentPartPr>
+            <p14:xfrm>
+              <a:off x="25560" y="914400"/>
+              <a:ext cx="9264960" cy="5486760"/>
+            </p14:xfrm>
+          </p:contentPart>
+        </mc:Choice>
+        <mc:Fallback xmlns="">
+          <p:pic>
+            <p:nvPicPr>
+              <p:cNvPr id="4" name="Ink 3">
+                <a:extLst>
+                  <a:ext uri="{FF2B5EF4-FFF2-40B4-BE49-F238E27FC236}">
+                    <a16:creationId xmlns:a16="http://schemas.microsoft.com/office/drawing/2014/main" id="{ED93FF07-45F1-47BF-A6AB-3FCE7C95BECB}"/>
+                  </a:ext>
+                </a:extLst>
+              </p:cNvPr>
+              <p:cNvPicPr/>
+              <p:nvPr/>
+            </p:nvPicPr>
+            <p:blipFill>
+              <a:blip r:embed="rId13"/>
+              <a:stretch>
+                <a:fillRect/>
+              </a:stretch>
+            </p:blipFill>
+            <p:spPr>
+              <a:xfrm>
+                <a:off x="16200" y="905040"/>
+                <a:ext cx="9283680" cy="5505480"/>
+              </a:xfrm>
+              <a:prstGeom prst="rect">
+                <a:avLst/>
+              </a:prstGeom>
+            </p:spPr>
+          </p:pic>
+        </mc:Fallback>
+      </mc:AlternateContent>
     </p:spTree>
     <p:extLst>
       <p:ext uri="{BB962C8B-B14F-4D97-AF65-F5344CB8AC3E}">
-        <p14:creationId xmlns:p14="http://schemas.microsoft.com/office/powerpoint/2010/main" val="3867772902"/>
+        <p14:creationId xmlns:p14="http://schemas.microsoft.com/office/powerpoint/2010/main" val="3942472168"/>
       </p:ext>
     </p:extLst>
   </p:cSld>
   <p:clrMapOvr>
     <a:masterClrMapping/>
   </p:clrMapOvr>
+  <p:transition spd="slow">
+    <p:push dir="u"/>
+  </p:transition>
 </p:sld>
 </file>
 
@@ -11519,6 +13519,791 @@
       </p:grpSpPr>
       <p:sp>
         <p:nvSpPr>
+          <p:cNvPr id="11" name="Title 10"/>
+          <p:cNvSpPr>
+            <a:spLocks noGrp="1"/>
+          </p:cNvSpPr>
+          <p:nvPr>
+            <p:ph type="title"/>
+          </p:nvPr>
+        </p:nvSpPr>
+        <p:spPr>
+          <a:xfrm>
+            <a:off x="-20279" y="41354"/>
+            <a:ext cx="10969943" cy="711081"/>
+          </a:xfrm>
+        </p:spPr>
+        <p:txBody>
+          <a:bodyPr>
+            <a:noAutofit/>
+          </a:bodyPr>
+          <a:lstStyle/>
+          <a:p>
+            <a:r>
+              <a:rPr lang="en-IN" dirty="0">
+                <a:solidFill>
+                  <a:schemeClr val="tx2">
+                    <a:lumMod val="60000"/>
+                    <a:lumOff val="40000"/>
+                  </a:schemeClr>
+                </a:solidFill>
+                <a:latin typeface="Patua One" pitchFamily="2" charset="0"/>
+              </a:rPr>
+              <a:t>RMSE &amp; MAPE</a:t>
+            </a:r>
+          </a:p>
+        </p:txBody>
+      </p:sp>
+      <p:sp>
+        <p:nvSpPr>
+          <p:cNvPr id="37" name="TextBox 36">
+            <a:extLst>
+              <a:ext uri="{FF2B5EF4-FFF2-40B4-BE49-F238E27FC236}">
+                <a16:creationId xmlns:a16="http://schemas.microsoft.com/office/drawing/2014/main" xmlns="" id="{E8CAC22F-1542-4031-BC6C-A16989886504}"/>
+              </a:ext>
+            </a:extLst>
+          </p:cNvPr>
+          <p:cNvSpPr txBox="1"/>
+          <p:nvPr/>
+        </p:nvSpPr>
+        <p:spPr>
+          <a:xfrm>
+            <a:off x="4943872" y="6550224"/>
+            <a:ext cx="3456384" cy="307777"/>
+          </a:xfrm>
+          <a:prstGeom prst="rect">
+            <a:avLst/>
+          </a:prstGeom>
+          <a:noFill/>
+        </p:spPr>
+        <p:txBody>
+          <a:bodyPr wrap="square" rtlCol="0">
+            <a:spAutoFit/>
+          </a:bodyPr>
+          <a:lstStyle/>
+          <a:p>
+            <a:pPr defTabSz="1218987">
+              <a:defRPr/>
+            </a:pPr>
+            <a:r>
+              <a:rPr lang="en-US" sz="1400" b="1" dirty="0">
+                <a:solidFill>
+                  <a:prstClr val="black"/>
+                </a:solidFill>
+                <a:latin typeface="Arial Rounded MT Bold" panose="020F0704030504030204" pitchFamily="34" charset="0"/>
+                <a:ea typeface="Arial Unicode MS" panose="020B0604020202020204" pitchFamily="34" charset="-128"/>
+                <a:cs typeface="Arial Unicode MS" panose="020B0604020202020204" pitchFamily="34" charset="-128"/>
+              </a:rPr>
+              <a:t>www.anubhavtrainings.com</a:t>
+            </a:r>
+            <a:endParaRPr lang="en-IN" sz="1400" b="1" dirty="0">
+              <a:solidFill>
+                <a:prstClr val="black"/>
+              </a:solidFill>
+              <a:latin typeface="Arial Rounded MT Bold" panose="020F0704030504030204" pitchFamily="34" charset="0"/>
+              <a:ea typeface="Arial Unicode MS" panose="020B0604020202020204" pitchFamily="34" charset="-128"/>
+              <a:cs typeface="Arial Unicode MS" panose="020B0604020202020204" pitchFamily="34" charset="-128"/>
+            </a:endParaRPr>
+          </a:p>
+        </p:txBody>
+      </p:sp>
+      <p:pic>
+        <p:nvPicPr>
+          <p:cNvPr id="40" name="Picture 39">
+            <a:extLst>
+              <a:ext uri="{FF2B5EF4-FFF2-40B4-BE49-F238E27FC236}">
+                <a16:creationId xmlns:a16="http://schemas.microsoft.com/office/drawing/2014/main" xmlns="" id="{DA60E6FB-8C44-4FEB-B6E9-83DA908565CD}"/>
+              </a:ext>
+            </a:extLst>
+          </p:cNvPr>
+          <p:cNvPicPr>
+            <a:picLocks noChangeAspect="1"/>
+          </p:cNvPicPr>
+          <p:nvPr/>
+        </p:nvPicPr>
+        <p:blipFill>
+          <a:blip r:embed="rId2">
+            <a:extLst>
+              <a:ext uri="{28A0092B-C50C-407E-A947-70E740481C1C}">
+                <a14:useLocalDpi xmlns:a14="http://schemas.microsoft.com/office/drawing/2010/main" val="0"/>
+              </a:ext>
+            </a:extLst>
+          </a:blip>
+          <a:stretch>
+            <a:fillRect/>
+          </a:stretch>
+        </p:blipFill>
+        <p:spPr>
+          <a:xfrm>
+            <a:off x="9624393" y="106009"/>
+            <a:ext cx="2335203" cy="762895"/>
+          </a:xfrm>
+          <a:prstGeom prst="rect">
+            <a:avLst/>
+          </a:prstGeom>
+        </p:spPr>
+      </p:pic>
+      <p:cxnSp>
+        <p:nvCxnSpPr>
+          <p:cNvPr id="41" name="Straight Connector 40">
+            <a:extLst>
+              <a:ext uri="{FF2B5EF4-FFF2-40B4-BE49-F238E27FC236}">
+                <a16:creationId xmlns:a16="http://schemas.microsoft.com/office/drawing/2014/main" xmlns="" id="{3B3B7D73-CAE9-45AC-ACCE-FAEF4E505C7A}"/>
+              </a:ext>
+            </a:extLst>
+          </p:cNvPr>
+          <p:cNvCxnSpPr/>
+          <p:nvPr/>
+        </p:nvCxnSpPr>
+        <p:spPr>
+          <a:xfrm>
+            <a:off x="1588" y="764704"/>
+            <a:ext cx="6479584" cy="0"/>
+          </a:xfrm>
+          <a:prstGeom prst="line">
+            <a:avLst/>
+          </a:prstGeom>
+        </p:spPr>
+        <p:style>
+          <a:lnRef idx="2">
+            <a:schemeClr val="accent6"/>
+          </a:lnRef>
+          <a:fillRef idx="0">
+            <a:schemeClr val="accent6"/>
+          </a:fillRef>
+          <a:effectRef idx="1">
+            <a:schemeClr val="accent6"/>
+          </a:effectRef>
+          <a:fontRef idx="minor">
+            <a:schemeClr val="tx1"/>
+          </a:fontRef>
+        </p:style>
+      </p:cxnSp>
+      <p:sp>
+        <p:nvSpPr>
+          <p:cNvPr id="4" name="Content Placeholder 3">
+            <a:extLst>
+              <a:ext uri="{FF2B5EF4-FFF2-40B4-BE49-F238E27FC236}">
+                <a16:creationId xmlns:a16="http://schemas.microsoft.com/office/drawing/2014/main" xmlns="" id="{9596F4A2-567E-4A2C-A543-E303D822C70E}"/>
+              </a:ext>
+            </a:extLst>
+          </p:cNvPr>
+          <p:cNvSpPr>
+            <a:spLocks noGrp="1"/>
+          </p:cNvSpPr>
+          <p:nvPr>
+            <p:ph sz="quarter" idx="13"/>
+          </p:nvPr>
+        </p:nvSpPr>
+        <p:spPr>
+          <a:xfrm>
+            <a:off x="152400" y="881174"/>
+            <a:ext cx="10972800" cy="484187"/>
+          </a:xfrm>
+        </p:spPr>
+        <p:txBody>
+          <a:bodyPr/>
+          <a:lstStyle/>
+          <a:p>
+            <a:r>
+              <a:rPr lang="en-US" dirty="0"/>
+              <a:t>RMSD/RMSE – Root mean Square Residual (Error)</a:t>
+            </a:r>
+          </a:p>
+        </p:txBody>
+      </p:sp>
+      <p:sp>
+        <p:nvSpPr>
+          <p:cNvPr id="217" name="TextBox 216">
+            <a:extLst>
+              <a:ext uri="{FF2B5EF4-FFF2-40B4-BE49-F238E27FC236}">
+                <a16:creationId xmlns:a16="http://schemas.microsoft.com/office/drawing/2014/main" xmlns="" id="{3A92E90A-4DAB-43CA-8E8D-3BFE0C237B20}"/>
+              </a:ext>
+            </a:extLst>
+          </p:cNvPr>
+          <p:cNvSpPr txBox="1"/>
+          <p:nvPr/>
+        </p:nvSpPr>
+        <p:spPr>
+          <a:xfrm>
+            <a:off x="192402" y="3470841"/>
+            <a:ext cx="11807195" cy="923330"/>
+          </a:xfrm>
+          <a:prstGeom prst="rect">
+            <a:avLst/>
+          </a:prstGeom>
+          <a:noFill/>
+        </p:spPr>
+        <p:txBody>
+          <a:bodyPr wrap="square" rtlCol="0">
+            <a:spAutoFit/>
+          </a:bodyPr>
+          <a:lstStyle/>
+          <a:p>
+            <a:r>
+              <a:rPr lang="en-US" dirty="0"/>
+              <a:t>The value of RMSE can range between 0 to infinite which is difficult to be interpreted by the business, in order to make our business user understand the power of our model, we relies on a % based measure. This is called MAPE (Meal Absolute Percentage Error)</a:t>
+            </a:r>
+          </a:p>
+        </p:txBody>
+      </p:sp>
+      <mc:AlternateContent xmlns:mc="http://schemas.openxmlformats.org/markup-compatibility/2006" xmlns:p14="http://schemas.microsoft.com/office/powerpoint/2010/main">
+        <mc:Choice Requires="p14">
+          <p:contentPart p14:bwMode="auto" r:id="rId3">
+            <p14:nvContentPartPr>
+              <p14:cNvPr id="2" name="Ink 1">
+                <a:extLst>
+                  <a:ext uri="{FF2B5EF4-FFF2-40B4-BE49-F238E27FC236}">
+                    <a16:creationId xmlns:a16="http://schemas.microsoft.com/office/drawing/2014/main" xmlns="" id="{E01BAE57-9421-4512-AEEC-1D994071E535}"/>
+                  </a:ext>
+                </a:extLst>
+              </p14:cNvPr>
+              <p14:cNvContentPartPr/>
+              <p14:nvPr/>
+            </p14:nvContentPartPr>
+            <p14:xfrm>
+              <a:off x="698400" y="1403280"/>
+              <a:ext cx="8503200" cy="3924720"/>
+            </p14:xfrm>
+          </p:contentPart>
+        </mc:Choice>
+        <mc:Fallback xmlns="">
+          <p:pic>
+            <p:nvPicPr>
+              <p:cNvPr id="2" name="Ink 1">
+                <a:extLst>
+                  <a:ext uri="{FF2B5EF4-FFF2-40B4-BE49-F238E27FC236}">
+                    <a16:creationId xmlns:a16="http://schemas.microsoft.com/office/drawing/2014/main" id="{E01BAE57-9421-4512-AEEC-1D994071E535}"/>
+                  </a:ext>
+                </a:extLst>
+              </p:cNvPr>
+              <p:cNvPicPr/>
+              <p:nvPr/>
+            </p:nvPicPr>
+            <p:blipFill>
+              <a:blip r:embed="rId4"/>
+              <a:stretch>
+                <a:fillRect/>
+              </a:stretch>
+            </p:blipFill>
+            <p:spPr>
+              <a:xfrm>
+                <a:off x="689040" y="1393920"/>
+                <a:ext cx="8521920" cy="3943440"/>
+              </a:xfrm>
+              <a:prstGeom prst="rect">
+                <a:avLst/>
+              </a:prstGeom>
+            </p:spPr>
+          </p:pic>
+        </mc:Fallback>
+      </mc:AlternateContent>
+      <mc:AlternateContent xmlns:mc="http://schemas.openxmlformats.org/markup-compatibility/2006" xmlns:p14="http://schemas.microsoft.com/office/powerpoint/2010/main">
+        <mc:Choice Requires="p14">
+          <p:contentPart p14:bwMode="auto" r:id="rId5">
+            <p14:nvContentPartPr>
+              <p14:cNvPr id="35" name="Ink 34">
+                <a:extLst>
+                  <a:ext uri="{FF2B5EF4-FFF2-40B4-BE49-F238E27FC236}">
+                    <a16:creationId xmlns:a16="http://schemas.microsoft.com/office/drawing/2014/main" xmlns="" id="{8DDB8347-243C-4044-A9F2-B5DCBF668B45}"/>
+                  </a:ext>
+                </a:extLst>
+              </p14:cNvPr>
+              <p14:cNvContentPartPr/>
+              <p14:nvPr/>
+            </p14:nvContentPartPr>
+            <p14:xfrm>
+              <a:off x="2059825" y="4553447"/>
+              <a:ext cx="2879640" cy="1073160"/>
+            </p14:xfrm>
+          </p:contentPart>
+        </mc:Choice>
+        <mc:Fallback xmlns="">
+          <p:pic>
+            <p:nvPicPr>
+              <p:cNvPr id="35" name="Ink 34">
+                <a:extLst>
+                  <a:ext uri="{FF2B5EF4-FFF2-40B4-BE49-F238E27FC236}">
+                    <a16:creationId xmlns:a16="http://schemas.microsoft.com/office/drawing/2014/main" id="{8DDB8347-243C-4044-A9F2-B5DCBF668B45}"/>
+                  </a:ext>
+                </a:extLst>
+              </p:cNvPr>
+              <p:cNvPicPr/>
+              <p:nvPr/>
+            </p:nvPicPr>
+            <p:blipFill>
+              <a:blip r:embed="rId6"/>
+              <a:stretch>
+                <a:fillRect/>
+              </a:stretch>
+            </p:blipFill>
+            <p:spPr>
+              <a:xfrm>
+                <a:off x="2050825" y="4544447"/>
+                <a:ext cx="2897280" cy="1090800"/>
+              </a:xfrm>
+              <a:prstGeom prst="rect">
+                <a:avLst/>
+              </a:prstGeom>
+            </p:spPr>
+          </p:pic>
+        </mc:Fallback>
+      </mc:AlternateContent>
+      <mc:AlternateContent xmlns:mc="http://schemas.openxmlformats.org/markup-compatibility/2006" xmlns:p14="http://schemas.microsoft.com/office/powerpoint/2010/main">
+        <mc:Choice Requires="p14">
+          <p:contentPart p14:bwMode="auto" r:id="rId7">
+            <p14:nvContentPartPr>
+              <p14:cNvPr id="36" name="Ink 35">
+                <a:extLst>
+                  <a:ext uri="{FF2B5EF4-FFF2-40B4-BE49-F238E27FC236}">
+                    <a16:creationId xmlns:a16="http://schemas.microsoft.com/office/drawing/2014/main" xmlns="" id="{6FCB3975-2F3A-4907-B28B-8E88B238684C}"/>
+                  </a:ext>
+                </a:extLst>
+              </p14:cNvPr>
+              <p14:cNvContentPartPr/>
+              <p14:nvPr/>
+            </p14:nvContentPartPr>
+            <p14:xfrm>
+              <a:off x="5209465" y="4968527"/>
+              <a:ext cx="138600" cy="10080"/>
+            </p14:xfrm>
+          </p:contentPart>
+        </mc:Choice>
+        <mc:Fallback xmlns="">
+          <p:pic>
+            <p:nvPicPr>
+              <p:cNvPr id="36" name="Ink 35">
+                <a:extLst>
+                  <a:ext uri="{FF2B5EF4-FFF2-40B4-BE49-F238E27FC236}">
+                    <a16:creationId xmlns:a16="http://schemas.microsoft.com/office/drawing/2014/main" id="{6FCB3975-2F3A-4907-B28B-8E88B238684C}"/>
+                  </a:ext>
+                </a:extLst>
+              </p:cNvPr>
+              <p:cNvPicPr/>
+              <p:nvPr/>
+            </p:nvPicPr>
+            <p:blipFill>
+              <a:blip r:embed="rId8"/>
+              <a:stretch>
+                <a:fillRect/>
+              </a:stretch>
+            </p:blipFill>
+            <p:spPr>
+              <a:xfrm>
+                <a:off x="5200465" y="4959527"/>
+                <a:ext cx="156240" cy="27720"/>
+              </a:xfrm>
+              <a:prstGeom prst="rect">
+                <a:avLst/>
+              </a:prstGeom>
+            </p:spPr>
+          </p:pic>
+        </mc:Fallback>
+      </mc:AlternateContent>
+      <mc:AlternateContent xmlns:mc="http://schemas.openxmlformats.org/markup-compatibility/2006" xmlns:p14="http://schemas.microsoft.com/office/powerpoint/2010/main">
+        <mc:Choice Requires="p14">
+          <p:contentPart p14:bwMode="auto" r:id="rId9">
+            <p14:nvContentPartPr>
+              <p14:cNvPr id="38" name="Ink 37">
+                <a:extLst>
+                  <a:ext uri="{FF2B5EF4-FFF2-40B4-BE49-F238E27FC236}">
+                    <a16:creationId xmlns:a16="http://schemas.microsoft.com/office/drawing/2014/main" xmlns="" id="{CFFEE153-5DD6-4C5F-A2B7-CB74113EE3D8}"/>
+                  </a:ext>
+                </a:extLst>
+              </p14:cNvPr>
+              <p14:cNvContentPartPr/>
+              <p14:nvPr/>
+            </p14:nvContentPartPr>
+            <p14:xfrm>
+              <a:off x="5252665" y="5098487"/>
+              <a:ext cx="86400" cy="20880"/>
+            </p14:xfrm>
+          </p:contentPart>
+        </mc:Choice>
+        <mc:Fallback xmlns="">
+          <p:pic>
+            <p:nvPicPr>
+              <p:cNvPr id="38" name="Ink 37">
+                <a:extLst>
+                  <a:ext uri="{FF2B5EF4-FFF2-40B4-BE49-F238E27FC236}">
+                    <a16:creationId xmlns:a16="http://schemas.microsoft.com/office/drawing/2014/main" id="{CFFEE153-5DD6-4C5F-A2B7-CB74113EE3D8}"/>
+                  </a:ext>
+                </a:extLst>
+              </p:cNvPr>
+              <p:cNvPicPr/>
+              <p:nvPr/>
+            </p:nvPicPr>
+            <p:blipFill>
+              <a:blip r:embed="rId10"/>
+              <a:stretch>
+                <a:fillRect/>
+              </a:stretch>
+            </p:blipFill>
+            <p:spPr>
+              <a:xfrm>
+                <a:off x="5243665" y="5089487"/>
+                <a:ext cx="104040" cy="38520"/>
+              </a:xfrm>
+              <a:prstGeom prst="rect">
+                <a:avLst/>
+              </a:prstGeom>
+            </p:spPr>
+          </p:pic>
+        </mc:Fallback>
+      </mc:AlternateContent>
+      <mc:AlternateContent xmlns:mc="http://schemas.openxmlformats.org/markup-compatibility/2006" xmlns:p14="http://schemas.microsoft.com/office/powerpoint/2010/main">
+        <mc:Choice Requires="p14">
+          <p:contentPart p14:bwMode="auto" r:id="rId11">
+            <p14:nvContentPartPr>
+              <p14:cNvPr id="46" name="Ink 45">
+                <a:extLst>
+                  <a:ext uri="{FF2B5EF4-FFF2-40B4-BE49-F238E27FC236}">
+                    <a16:creationId xmlns:a16="http://schemas.microsoft.com/office/drawing/2014/main" xmlns="" id="{19314080-BCAF-4CD9-B0E3-8F85E2DF0B7A}"/>
+                  </a:ext>
+                </a:extLst>
+              </p14:cNvPr>
+              <p14:cNvContentPartPr/>
+              <p14:nvPr/>
+            </p14:nvContentPartPr>
+            <p14:xfrm>
+              <a:off x="5375425" y="5366327"/>
+              <a:ext cx="1561320" cy="37440"/>
+            </p14:xfrm>
+          </p:contentPart>
+        </mc:Choice>
+        <mc:Fallback xmlns="">
+          <p:pic>
+            <p:nvPicPr>
+              <p:cNvPr id="46" name="Ink 45">
+                <a:extLst>
+                  <a:ext uri="{FF2B5EF4-FFF2-40B4-BE49-F238E27FC236}">
+                    <a16:creationId xmlns:a16="http://schemas.microsoft.com/office/drawing/2014/main" id="{19314080-BCAF-4CD9-B0E3-8F85E2DF0B7A}"/>
+                  </a:ext>
+                </a:extLst>
+              </p:cNvPr>
+              <p:cNvPicPr/>
+              <p:nvPr/>
+            </p:nvPicPr>
+            <p:blipFill>
+              <a:blip r:embed="rId12"/>
+              <a:stretch>
+                <a:fillRect/>
+              </a:stretch>
+            </p:blipFill>
+            <p:spPr>
+              <a:xfrm>
+                <a:off x="5366425" y="5357327"/>
+                <a:ext cx="1578960" cy="55080"/>
+              </a:xfrm>
+              <a:prstGeom prst="rect">
+                <a:avLst/>
+              </a:prstGeom>
+            </p:spPr>
+          </p:pic>
+        </mc:Fallback>
+      </mc:AlternateContent>
+      <mc:AlternateContent xmlns:mc="http://schemas.openxmlformats.org/markup-compatibility/2006" xmlns:p14="http://schemas.microsoft.com/office/powerpoint/2010/main">
+        <mc:Choice Requires="p14">
+          <p:contentPart p14:bwMode="auto" r:id="rId13">
+            <p14:nvContentPartPr>
+              <p14:cNvPr id="47" name="Ink 46">
+                <a:extLst>
+                  <a:ext uri="{FF2B5EF4-FFF2-40B4-BE49-F238E27FC236}">
+                    <a16:creationId xmlns:a16="http://schemas.microsoft.com/office/drawing/2014/main" xmlns="" id="{9346FB41-E467-4223-A392-C8803A4F8DCA}"/>
+                  </a:ext>
+                </a:extLst>
+              </p14:cNvPr>
+              <p14:cNvContentPartPr/>
+              <p14:nvPr/>
+            </p14:nvContentPartPr>
+            <p14:xfrm>
+              <a:off x="5573425" y="4804367"/>
+              <a:ext cx="828720" cy="341280"/>
+            </p14:xfrm>
+          </p:contentPart>
+        </mc:Choice>
+        <mc:Fallback xmlns="">
+          <p:pic>
+            <p:nvPicPr>
+              <p:cNvPr id="47" name="Ink 46">
+                <a:extLst>
+                  <a:ext uri="{FF2B5EF4-FFF2-40B4-BE49-F238E27FC236}">
+                    <a16:creationId xmlns:a16="http://schemas.microsoft.com/office/drawing/2014/main" id="{9346FB41-E467-4223-A392-C8803A4F8DCA}"/>
+                  </a:ext>
+                </a:extLst>
+              </p:cNvPr>
+              <p:cNvPicPr/>
+              <p:nvPr/>
+            </p:nvPicPr>
+            <p:blipFill>
+              <a:blip r:embed="rId14"/>
+              <a:stretch>
+                <a:fillRect/>
+              </a:stretch>
+            </p:blipFill>
+            <p:spPr>
+              <a:xfrm>
+                <a:off x="5564425" y="4795367"/>
+                <a:ext cx="846360" cy="358920"/>
+              </a:xfrm>
+              <a:prstGeom prst="rect">
+                <a:avLst/>
+              </a:prstGeom>
+            </p:spPr>
+          </p:pic>
+        </mc:Fallback>
+      </mc:AlternateContent>
+      <mc:AlternateContent xmlns:mc="http://schemas.openxmlformats.org/markup-compatibility/2006" xmlns:p14="http://schemas.microsoft.com/office/powerpoint/2010/main">
+        <mc:Choice Requires="p14">
+          <p:contentPart p14:bwMode="auto" r:id="rId15">
+            <p14:nvContentPartPr>
+              <p14:cNvPr id="51" name="Ink 50">
+                <a:extLst>
+                  <a:ext uri="{FF2B5EF4-FFF2-40B4-BE49-F238E27FC236}">
+                    <a16:creationId xmlns:a16="http://schemas.microsoft.com/office/drawing/2014/main" xmlns="" id="{B110C7A8-8887-49E5-92BE-05B748C1122B}"/>
+                  </a:ext>
+                </a:extLst>
+              </p14:cNvPr>
+              <p14:cNvContentPartPr/>
+              <p14:nvPr/>
+            </p14:nvContentPartPr>
+            <p14:xfrm>
+              <a:off x="6742705" y="4643447"/>
+              <a:ext cx="342000" cy="588960"/>
+            </p14:xfrm>
+          </p:contentPart>
+        </mc:Choice>
+        <mc:Fallback xmlns="">
+          <p:pic>
+            <p:nvPicPr>
+              <p:cNvPr id="51" name="Ink 50">
+                <a:extLst>
+                  <a:ext uri="{FF2B5EF4-FFF2-40B4-BE49-F238E27FC236}">
+                    <a16:creationId xmlns:a16="http://schemas.microsoft.com/office/drawing/2014/main" id="{B110C7A8-8887-49E5-92BE-05B748C1122B}"/>
+                  </a:ext>
+                </a:extLst>
+              </p:cNvPr>
+              <p:cNvPicPr/>
+              <p:nvPr/>
+            </p:nvPicPr>
+            <p:blipFill>
+              <a:blip r:embed="rId16"/>
+              <a:stretch>
+                <a:fillRect/>
+              </a:stretch>
+            </p:blipFill>
+            <p:spPr>
+              <a:xfrm>
+                <a:off x="6733705" y="4634447"/>
+                <a:ext cx="359640" cy="606600"/>
+              </a:xfrm>
+              <a:prstGeom prst="rect">
+                <a:avLst/>
+              </a:prstGeom>
+            </p:spPr>
+          </p:pic>
+        </mc:Fallback>
+      </mc:AlternateContent>
+      <mc:AlternateContent xmlns:mc="http://schemas.openxmlformats.org/markup-compatibility/2006" xmlns:p14="http://schemas.microsoft.com/office/powerpoint/2010/main">
+        <mc:Choice Requires="p14">
+          <p:contentPart p14:bwMode="auto" r:id="rId17">
+            <p14:nvContentPartPr>
+              <p14:cNvPr id="52" name="Ink 51">
+                <a:extLst>
+                  <a:ext uri="{FF2B5EF4-FFF2-40B4-BE49-F238E27FC236}">
+                    <a16:creationId xmlns:a16="http://schemas.microsoft.com/office/drawing/2014/main" xmlns="" id="{245725C1-5FAF-4A8C-B8AC-02CAB449D2A3}"/>
+                  </a:ext>
+                </a:extLst>
+              </p14:cNvPr>
+              <p14:cNvContentPartPr/>
+              <p14:nvPr/>
+            </p14:nvContentPartPr>
+            <p14:xfrm>
+              <a:off x="332545" y="4285607"/>
+              <a:ext cx="1507320" cy="75240"/>
+            </p14:xfrm>
+          </p:contentPart>
+        </mc:Choice>
+        <mc:Fallback xmlns="">
+          <p:pic>
+            <p:nvPicPr>
+              <p:cNvPr id="52" name="Ink 51">
+                <a:extLst>
+                  <a:ext uri="{FF2B5EF4-FFF2-40B4-BE49-F238E27FC236}">
+                    <a16:creationId xmlns:a16="http://schemas.microsoft.com/office/drawing/2014/main" id="{245725C1-5FAF-4A8C-B8AC-02CAB449D2A3}"/>
+                  </a:ext>
+                </a:extLst>
+              </p:cNvPr>
+              <p:cNvPicPr/>
+              <p:nvPr/>
+            </p:nvPicPr>
+            <p:blipFill>
+              <a:blip r:embed="rId18"/>
+              <a:stretch>
+                <a:fillRect/>
+              </a:stretch>
+            </p:blipFill>
+            <p:spPr>
+              <a:xfrm>
+                <a:off x="323545" y="4276607"/>
+                <a:ext cx="1524960" cy="92880"/>
+              </a:xfrm>
+              <a:prstGeom prst="rect">
+                <a:avLst/>
+              </a:prstGeom>
+            </p:spPr>
+          </p:pic>
+        </mc:Fallback>
+      </mc:AlternateContent>
+    </p:spTree>
+    <p:extLst>
+      <p:ext uri="{BB962C8B-B14F-4D97-AF65-F5344CB8AC3E}">
+        <p14:creationId xmlns:p14="http://schemas.microsoft.com/office/powerpoint/2010/main" val="2919730680"/>
+      </p:ext>
+    </p:extLst>
+  </p:cSld>
+  <p:clrMapOvr>
+    <a:masterClrMapping/>
+  </p:clrMapOvr>
+  <p:transition spd="slow">
+    <p:push dir="u"/>
+  </p:transition>
+</p:sld>
+</file>
+
+<file path=ppt/slides/slide14.xml><?xml version="1.0" encoding="utf-8"?>
+<p:sld xmlns:a="http://schemas.openxmlformats.org/drawingml/2006/main" xmlns:r="http://schemas.openxmlformats.org/officeDocument/2006/relationships" xmlns:p="http://schemas.openxmlformats.org/presentationml/2006/main">
+  <p:cSld>
+    <p:spTree>
+      <p:nvGrpSpPr>
+        <p:cNvPr id="1" name=""/>
+        <p:cNvGrpSpPr/>
+        <p:nvPr/>
+      </p:nvGrpSpPr>
+      <p:grpSpPr>
+        <a:xfrm>
+          <a:off x="0" y="0"/>
+          <a:ext cx="0" cy="0"/>
+          <a:chOff x="0" y="0"/>
+          <a:chExt cx="0" cy="0"/>
+        </a:xfrm>
+      </p:grpSpPr>
+      <p:sp>
+        <p:nvSpPr>
+          <p:cNvPr id="2" name="Title 3">
+            <a:extLst>
+              <a:ext uri="{FF2B5EF4-FFF2-40B4-BE49-F238E27FC236}">
+                <a16:creationId xmlns:a16="http://schemas.microsoft.com/office/drawing/2014/main" xmlns="" id="{F07FC580-E2AB-4C55-8C95-D5E077A1D127}"/>
+              </a:ext>
+            </a:extLst>
+          </p:cNvPr>
+          <p:cNvSpPr txBox="1">
+            <a:spLocks/>
+          </p:cNvSpPr>
+          <p:nvPr/>
+        </p:nvSpPr>
+        <p:spPr>
+          <a:xfrm>
+            <a:off x="261764" y="188640"/>
+            <a:ext cx="11292008" cy="711081"/>
+          </a:xfrm>
+          <a:prstGeom prst="rect">
+            <a:avLst/>
+          </a:prstGeom>
+        </p:spPr>
+        <p:txBody>
+          <a:bodyPr/>
+          <a:lstStyle>
+            <a:lvl1pPr algn="l" defTabSz="914400" rtl="0" eaLnBrk="1" latinLnBrk="0" hangingPunct="1">
+              <a:lnSpc>
+                <a:spcPct val="90000"/>
+              </a:lnSpc>
+              <a:spcBef>
+                <a:spcPct val="0"/>
+              </a:spcBef>
+              <a:buNone/>
+              <a:defRPr sz="4400" kern="1200">
+                <a:solidFill>
+                  <a:schemeClr val="tx1"/>
+                </a:solidFill>
+                <a:latin typeface="+mj-lt"/>
+                <a:ea typeface="+mj-ea"/>
+                <a:cs typeface="+mj-cs"/>
+              </a:defRPr>
+            </a:lvl1pPr>
+          </a:lstStyle>
+          <a:p>
+            <a:endParaRPr lang="en-US" b="1" dirty="0"/>
+          </a:p>
+        </p:txBody>
+      </p:sp>
+      <p:sp>
+        <p:nvSpPr>
+          <p:cNvPr id="7" name="TextBox 6">
+            <a:extLst>
+              <a:ext uri="{FF2B5EF4-FFF2-40B4-BE49-F238E27FC236}">
+                <a16:creationId xmlns:a16="http://schemas.microsoft.com/office/drawing/2014/main" xmlns="" id="{17EB74BE-8011-4153-8F37-3BEF9C1F4CC0}"/>
+              </a:ext>
+            </a:extLst>
+          </p:cNvPr>
+          <p:cNvSpPr txBox="1"/>
+          <p:nvPr/>
+        </p:nvSpPr>
+        <p:spPr>
+          <a:xfrm>
+            <a:off x="3512128" y="2507734"/>
+            <a:ext cx="6174508" cy="1323439"/>
+          </a:xfrm>
+          <a:prstGeom prst="rect">
+            <a:avLst/>
+          </a:prstGeom>
+          <a:noFill/>
+        </p:spPr>
+        <p:txBody>
+          <a:bodyPr wrap="square">
+            <a:spAutoFit/>
+          </a:bodyPr>
+          <a:lstStyle/>
+          <a:p>
+            <a:r>
+              <a:rPr lang="en-US" sz="8000" b="1" dirty="0"/>
+              <a:t>End of Day 8</a:t>
+            </a:r>
+          </a:p>
+        </p:txBody>
+      </p:sp>
+    </p:spTree>
+    <p:extLst>
+      <p:ext uri="{BB962C8B-B14F-4D97-AF65-F5344CB8AC3E}">
+        <p14:creationId xmlns:p14="http://schemas.microsoft.com/office/powerpoint/2010/main" val="3867772902"/>
+      </p:ext>
+    </p:extLst>
+  </p:cSld>
+  <p:clrMapOvr>
+    <a:masterClrMapping/>
+  </p:clrMapOvr>
+</p:sld>
+</file>
+
+<file path=ppt/slides/slide15.xml><?xml version="1.0" encoding="utf-8"?>
+<p:sld xmlns:a="http://schemas.openxmlformats.org/drawingml/2006/main" xmlns:r="http://schemas.openxmlformats.org/officeDocument/2006/relationships" xmlns:p="http://schemas.openxmlformats.org/presentationml/2006/main">
+  <p:cSld>
+    <p:spTree>
+      <p:nvGrpSpPr>
+        <p:cNvPr id="1" name=""/>
+        <p:cNvGrpSpPr/>
+        <p:nvPr/>
+      </p:nvGrpSpPr>
+      <p:grpSpPr>
+        <a:xfrm>
+          <a:off x="0" y="0"/>
+          <a:ext cx="0" cy="0"/>
+          <a:chOff x="0" y="0"/>
+          <a:chExt cx="0" cy="0"/>
+        </a:xfrm>
+      </p:grpSpPr>
+      <p:sp>
+        <p:nvSpPr>
           <p:cNvPr id="2" name="Title 1">
             <a:extLst>
               <a:ext uri="{FF2B5EF4-FFF2-40B4-BE49-F238E27FC236}">
@@ -11580,7 +14365,7 @@
 </p:sld>
 </file>
 
-<file path=ppt/slides/slide14.xml><?xml version="1.0" encoding="utf-8"?>
+<file path=ppt/slides/slide16.xml><?xml version="1.0" encoding="utf-8"?>
 <p:sld xmlns:a="http://schemas.openxmlformats.org/drawingml/2006/main" xmlns:r="http://schemas.openxmlformats.org/officeDocument/2006/relationships" xmlns:p="http://schemas.openxmlformats.org/presentationml/2006/main">
   <p:cSld>
     <p:spTree>
@@ -11690,7 +14475,7 @@
 </p:sld>
 </file>
 
-<file path=ppt/slides/slide15.xml><?xml version="1.0" encoding="utf-8"?>
+<file path=ppt/slides/slide17.xml><?xml version="1.0" encoding="utf-8"?>
 <p:sld xmlns:a="http://schemas.openxmlformats.org/drawingml/2006/main" xmlns:r="http://schemas.openxmlformats.org/officeDocument/2006/relationships" xmlns:p="http://schemas.openxmlformats.org/presentationml/2006/main">
   <p:cSld>
     <p:bg>
@@ -11989,6 +14774,69 @@
       </p:sp>
       <p:sp>
         <p:nvSpPr>
+          <p:cNvPr id="4" name="Footer Placeholder 45">
+            <a:extLst>
+              <a:ext uri="{FF2B5EF4-FFF2-40B4-BE49-F238E27FC236}">
+                <a16:creationId xmlns:a16="http://schemas.microsoft.com/office/drawing/2014/main" xmlns="" id="{90E33047-DFF5-4690-8905-31E4C115EFDC}"/>
+              </a:ext>
+            </a:extLst>
+          </p:cNvPr>
+          <p:cNvSpPr>
+            <a:spLocks noGrp="1"/>
+          </p:cNvSpPr>
+          <p:nvPr>
+            <p:ph type="ftr" sz="quarter" idx="11"/>
+          </p:nvPr>
+        </p:nvSpPr>
+        <p:spPr>
+          <a:xfrm>
+            <a:off x="10123055" y="6548582"/>
+            <a:ext cx="2225295" cy="203620"/>
+          </a:xfrm>
+        </p:spPr>
+        <p:txBody>
+          <a:bodyPr/>
+          <a:lstStyle/>
+          <a:p>
+            <a:pPr marL="0" marR="0" lvl="0" indent="0" algn="ctr" defTabSz="914400" rtl="0" eaLnBrk="1" fontAlgn="auto" latinLnBrk="0" hangingPunct="1">
+              <a:lnSpc>
+                <a:spcPct val="100000"/>
+              </a:lnSpc>
+              <a:spcBef>
+                <a:spcPts val="0"/>
+              </a:spcBef>
+              <a:spcAft>
+                <a:spcPts val="0"/>
+              </a:spcAft>
+              <a:buClrTx/>
+              <a:buSzTx/>
+              <a:buFontTx/>
+              <a:buNone/>
+              <a:tabLst/>
+              <a:defRPr/>
+            </a:pPr>
+            <a:r>
+              <a:rPr kumimoji="0" lang="en-US" sz="1200" b="1" i="0" u="none" strike="noStrike" kern="1200" cap="none" spc="0" normalizeH="0" baseline="0" noProof="0" dirty="0">
+                <a:ln>
+                  <a:noFill/>
+                </a:ln>
+                <a:solidFill>
+                  <a:prstClr val="black"/>
+                </a:solidFill>
+                <a:effectLst/>
+                <a:uLnTx/>
+                <a:uFillTx/>
+                <a:latin typeface="Calibri" panose="020F0502020204030204"/>
+                <a:ea typeface="+mn-ea"/>
+                <a:cs typeface="+mn-cs"/>
+              </a:rPr>
+              <a:t>Anubhav trainings</a:t>
+            </a:r>
+          </a:p>
+        </p:txBody>
+      </p:sp>
+      <p:sp>
+        <p:nvSpPr>
           <p:cNvPr id="5" name="TextBox 4">
             <a:extLst>
               <a:ext uri="{FF2B5EF4-FFF2-40B4-BE49-F238E27FC236}">
@@ -12002,7 +14850,7 @@
         <p:spPr>
           <a:xfrm>
             <a:off x="247878" y="982353"/>
-            <a:ext cx="11696243" cy="3046988"/>
+            <a:ext cx="11696243" cy="3293209"/>
           </a:xfrm>
           <a:prstGeom prst="rect">
             <a:avLst/>
@@ -12329,7 +15177,31 @@
                 <a:ea typeface="+mn-ea"/>
                 <a:cs typeface="+mn-cs"/>
               </a:rPr>
-              <a:t>	Determination of </a:t>
+              <a:t>	Determination of MAPE</a:t>
+            </a:r>
+          </a:p>
+          <a:p>
+            <a:pPr marL="742950" lvl="1" indent="-285750">
+              <a:buFont typeface="Arial" panose="020B0604020202020204" pitchFamily="34" charset="0"/>
+              <a:buChar char="•"/>
+              <a:defRPr/>
+            </a:pPr>
+            <a:r>
+              <a:rPr kumimoji="0" lang="en-US" sz="1600" b="0" i="0" u="none" strike="noStrike" kern="1200" cap="none" spc="0" normalizeH="0" baseline="0" noProof="0" dirty="0">
+                <a:ln>
+                  <a:noFill/>
+                </a:ln>
+                <a:solidFill>
+                  <a:prstClr val="black"/>
+                </a:solidFill>
+                <a:effectLst/>
+                <a:uLnTx/>
+                <a:uFillTx/>
+                <a:latin typeface="Calibri" panose="020F0502020204030204"/>
+                <a:ea typeface="+mn-ea"/>
+                <a:cs typeface="+mn-cs"/>
+              </a:rPr>
+              <a:t>	Concept of </a:t>
             </a:r>
             <a:r>
               <a:rPr kumimoji="0" lang="en-US" sz="1600" b="0" i="0" u="none" strike="noStrike" kern="1200" cap="none" spc="0" normalizeH="0" baseline="0" noProof="0" dirty="0" smtClean="0">
@@ -12346,7 +15218,7 @@
                 <a:ea typeface="+mn-ea"/>
                 <a:cs typeface="+mn-cs"/>
               </a:rPr>
-              <a:t>MAPE</a:t>
+              <a:t>Residuals</a:t>
             </a:r>
             <a:r>
               <a:rPr lang="en-US" sz="1600" dirty="0">
@@ -12412,59 +15284,6 @@
               <a:latin typeface="Calibri" panose="020F0502020204030204"/>
               <a:ea typeface="+mn-ea"/>
               <a:cs typeface="+mn-cs"/>
-            </a:endParaRPr>
-          </a:p>
-        </p:txBody>
-      </p:sp>
-      <p:sp>
-        <p:nvSpPr>
-          <p:cNvPr id="6" name="TextBox 5">
-            <a:extLst>
-              <a:ext uri="{FF2B5EF4-FFF2-40B4-BE49-F238E27FC236}">
-                <a16:creationId xmlns:a16="http://schemas.microsoft.com/office/drawing/2014/main" xmlns="" id="{E8CAC22F-1542-4031-BC6C-A16989886504}"/>
-              </a:ext>
-            </a:extLst>
-          </p:cNvPr>
-          <p:cNvSpPr txBox="1"/>
-          <p:nvPr/>
-        </p:nvSpPr>
-        <p:spPr>
-          <a:xfrm>
-            <a:off x="4943872" y="6536777"/>
-            <a:ext cx="3456384" cy="307777"/>
-          </a:xfrm>
-          <a:prstGeom prst="rect">
-            <a:avLst/>
-          </a:prstGeom>
-          <a:noFill/>
-        </p:spPr>
-        <p:txBody>
-          <a:bodyPr wrap="square" rtlCol="0">
-            <a:spAutoFit/>
-          </a:bodyPr>
-          <a:lstStyle/>
-          <a:p>
-            <a:pPr defTabSz="1218987">
-              <a:defRPr/>
-            </a:pPr>
-            <a:r>
-              <a:rPr lang="en-US" sz="1400" b="1" dirty="0">
-                <a:solidFill>
-                  <a:prstClr val="black"/>
-                </a:solidFill>
-                <a:latin typeface="Arial Rounded MT Bold" panose="020F0704030504030204" pitchFamily="34" charset="0"/>
-                <a:ea typeface="Arial Unicode MS" panose="020B0604020202020204" pitchFamily="34" charset="-128"/>
-                <a:cs typeface="Arial Unicode MS" panose="020B0604020202020204" pitchFamily="34" charset="-128"/>
-              </a:rPr>
-              <a:t>www.anubhavtrainings.com</a:t>
-            </a:r>
-            <a:endParaRPr lang="en-IN" sz="1400" b="1" dirty="0">
-              <a:solidFill>
-                <a:prstClr val="black"/>
-              </a:solidFill>
-              <a:latin typeface="Arial Rounded MT Bold" panose="020F0704030504030204" pitchFamily="34" charset="0"/>
-              <a:ea typeface="Arial Unicode MS" panose="020B0604020202020204" pitchFamily="34" charset="-128"/>
-              <a:cs typeface="Arial Unicode MS" panose="020B0604020202020204" pitchFamily="34" charset="-128"/>
             </a:endParaRPr>
           </a:p>
         </p:txBody>
@@ -15670,59 +18489,6 @@
           </a:fontRef>
         </p:style>
       </p:cxnSp>
-      <p:sp>
-        <p:nvSpPr>
-          <p:cNvPr id="6" name="TextBox 5">
-            <a:extLst>
-              <a:ext uri="{FF2B5EF4-FFF2-40B4-BE49-F238E27FC236}">
-                <a16:creationId xmlns:a16="http://schemas.microsoft.com/office/drawing/2014/main" xmlns="" id="{E8CAC22F-1542-4031-BC6C-A16989886504}"/>
-              </a:ext>
-            </a:extLst>
-          </p:cNvPr>
-          <p:cNvSpPr txBox="1"/>
-          <p:nvPr/>
-        </p:nvSpPr>
-        <p:spPr>
-          <a:xfrm>
-            <a:off x="4943872" y="6536777"/>
-            <a:ext cx="3456384" cy="307777"/>
-          </a:xfrm>
-          <a:prstGeom prst="rect">
-            <a:avLst/>
-          </a:prstGeom>
-          <a:noFill/>
-        </p:spPr>
-        <p:txBody>
-          <a:bodyPr wrap="square" rtlCol="0">
-            <a:spAutoFit/>
-          </a:bodyPr>
-          <a:lstStyle/>
-          <a:p>
-            <a:pPr defTabSz="1218987">
-              <a:defRPr/>
-            </a:pPr>
-            <a:r>
-              <a:rPr lang="en-US" sz="1400" b="1" dirty="0">
-                <a:solidFill>
-                  <a:prstClr val="black"/>
-                </a:solidFill>
-                <a:latin typeface="Arial Rounded MT Bold" panose="020F0704030504030204" pitchFamily="34" charset="0"/>
-                <a:ea typeface="Arial Unicode MS" panose="020B0604020202020204" pitchFamily="34" charset="-128"/>
-                <a:cs typeface="Arial Unicode MS" panose="020B0604020202020204" pitchFamily="34" charset="-128"/>
-              </a:rPr>
-              <a:t>www.anubhavtrainings.com</a:t>
-            </a:r>
-            <a:endParaRPr lang="en-IN" sz="1400" b="1" dirty="0">
-              <a:solidFill>
-                <a:prstClr val="black"/>
-              </a:solidFill>
-              <a:latin typeface="Arial Rounded MT Bold" panose="020F0704030504030204" pitchFamily="34" charset="0"/>
-              <a:ea typeface="Arial Unicode MS" panose="020B0604020202020204" pitchFamily="34" charset="-128"/>
-              <a:cs typeface="Arial Unicode MS" panose="020B0604020202020204" pitchFamily="34" charset="-128"/>
-            </a:endParaRPr>
-          </a:p>
-        </p:txBody>
-      </p:sp>
     </p:spTree>
     <p:extLst>
       <p:ext uri="{BB962C8B-B14F-4D97-AF65-F5344CB8AC3E}">
@@ -15787,6 +18553,59 @@
               </a:rPr>
               <a:t>What is confusion matrix?</a:t>
             </a:r>
+          </a:p>
+        </p:txBody>
+      </p:sp>
+      <p:sp>
+        <p:nvSpPr>
+          <p:cNvPr id="37" name="TextBox 36">
+            <a:extLst>
+              <a:ext uri="{FF2B5EF4-FFF2-40B4-BE49-F238E27FC236}">
+                <a16:creationId xmlns:a16="http://schemas.microsoft.com/office/drawing/2014/main" xmlns="" id="{E8CAC22F-1542-4031-BC6C-A16989886504}"/>
+              </a:ext>
+            </a:extLst>
+          </p:cNvPr>
+          <p:cNvSpPr txBox="1"/>
+          <p:nvPr/>
+        </p:nvSpPr>
+        <p:spPr>
+          <a:xfrm>
+            <a:off x="9624392" y="6598104"/>
+            <a:ext cx="3456384" cy="307777"/>
+          </a:xfrm>
+          <a:prstGeom prst="rect">
+            <a:avLst/>
+          </a:prstGeom>
+          <a:noFill/>
+        </p:spPr>
+        <p:txBody>
+          <a:bodyPr wrap="square" rtlCol="0">
+            <a:spAutoFit/>
+          </a:bodyPr>
+          <a:lstStyle/>
+          <a:p>
+            <a:pPr defTabSz="1218987">
+              <a:defRPr/>
+            </a:pPr>
+            <a:r>
+              <a:rPr lang="en-US" sz="1400" b="1" dirty="0">
+                <a:solidFill>
+                  <a:prstClr val="black"/>
+                </a:solidFill>
+                <a:latin typeface="Arial Rounded MT Bold" panose="020F0704030504030204" pitchFamily="34" charset="0"/>
+                <a:ea typeface="Arial Unicode MS" panose="020B0604020202020204" pitchFamily="34" charset="-128"/>
+                <a:cs typeface="Arial Unicode MS" panose="020B0604020202020204" pitchFamily="34" charset="-128"/>
+              </a:rPr>
+              <a:t>www.anubhavtrainings.com</a:t>
+            </a:r>
+            <a:endParaRPr lang="en-IN" sz="1400" b="1" dirty="0">
+              <a:solidFill>
+                <a:prstClr val="black"/>
+              </a:solidFill>
+              <a:latin typeface="Arial Rounded MT Bold" panose="020F0704030504030204" pitchFamily="34" charset="0"/>
+              <a:ea typeface="Arial Unicode MS" panose="020B0604020202020204" pitchFamily="34" charset="-128"/>
+              <a:cs typeface="Arial Unicode MS" panose="020B0604020202020204" pitchFamily="34" charset="-128"/>
+            </a:endParaRPr>
           </a:p>
         </p:txBody>
       </p:sp>
@@ -16161,59 +18980,57 @@
           </a:graphicData>
         </a:graphic>
       </p:graphicFrame>
-      <p:sp>
-        <p:nvSpPr>
-          <p:cNvPr id="8" name="TextBox 7">
-            <a:extLst>
-              <a:ext uri="{FF2B5EF4-FFF2-40B4-BE49-F238E27FC236}">
-                <a16:creationId xmlns:a16="http://schemas.microsoft.com/office/drawing/2014/main" xmlns="" id="{E8CAC22F-1542-4031-BC6C-A16989886504}"/>
-              </a:ext>
-            </a:extLst>
-          </p:cNvPr>
-          <p:cNvSpPr txBox="1"/>
-          <p:nvPr/>
-        </p:nvSpPr>
-        <p:spPr>
-          <a:xfrm>
-            <a:off x="4943872" y="6536777"/>
-            <a:ext cx="3456384" cy="307777"/>
-          </a:xfrm>
-          <a:prstGeom prst="rect">
-            <a:avLst/>
-          </a:prstGeom>
-          <a:noFill/>
-        </p:spPr>
-        <p:txBody>
-          <a:bodyPr wrap="square" rtlCol="0">
-            <a:spAutoFit/>
-          </a:bodyPr>
-          <a:lstStyle/>
-          <a:p>
-            <a:pPr defTabSz="1218987">
-              <a:defRPr/>
-            </a:pPr>
-            <a:r>
-              <a:rPr lang="en-US" sz="1400" b="1" dirty="0">
-                <a:solidFill>
-                  <a:prstClr val="black"/>
-                </a:solidFill>
-                <a:latin typeface="Arial Rounded MT Bold" panose="020F0704030504030204" pitchFamily="34" charset="0"/>
-                <a:ea typeface="Arial Unicode MS" panose="020B0604020202020204" pitchFamily="34" charset="-128"/>
-                <a:cs typeface="Arial Unicode MS" panose="020B0604020202020204" pitchFamily="34" charset="-128"/>
-              </a:rPr>
-              <a:t>www.anubhavtrainings.com</a:t>
-            </a:r>
-            <a:endParaRPr lang="en-IN" sz="1400" b="1" dirty="0">
-              <a:solidFill>
-                <a:prstClr val="black"/>
-              </a:solidFill>
-              <a:latin typeface="Arial Rounded MT Bold" panose="020F0704030504030204" pitchFamily="34" charset="0"/>
-              <a:ea typeface="Arial Unicode MS" panose="020B0604020202020204" pitchFamily="34" charset="-128"/>
-              <a:cs typeface="Arial Unicode MS" panose="020B0604020202020204" pitchFamily="34" charset="-128"/>
-            </a:endParaRPr>
-          </a:p>
-        </p:txBody>
-      </p:sp>
+      <mc:AlternateContent xmlns:mc="http://schemas.openxmlformats.org/markup-compatibility/2006" xmlns:p14="http://schemas.microsoft.com/office/powerpoint/2010/main">
+        <mc:Choice Requires="p14">
+          <p:contentPart p14:bwMode="auto" r:id="rId3">
+            <p14:nvContentPartPr>
+              <p14:cNvPr id="4" name="Ink 3">
+                <a:extLst>
+                  <a:ext uri="{FF2B5EF4-FFF2-40B4-BE49-F238E27FC236}">
+                    <a16:creationId xmlns:a16="http://schemas.microsoft.com/office/drawing/2014/main" xmlns="" id="{0C1BEEBC-A9DD-4D7D-BEF1-8313EBD7D3EE}"/>
+                  </a:ext>
+                </a:extLst>
+              </p14:cNvPr>
+              <p14:cNvContentPartPr/>
+              <p14:nvPr/>
+            </p14:nvContentPartPr>
+            <p14:xfrm>
+              <a:off x="1162080" y="1803240"/>
+              <a:ext cx="10299960" cy="4870800"/>
+            </p14:xfrm>
+          </p:contentPart>
+        </mc:Choice>
+        <mc:Fallback xmlns="">
+          <p:pic>
+            <p:nvPicPr>
+              <p:cNvPr id="4" name="Ink 3">
+                <a:extLst>
+                  <a:ext uri="{FF2B5EF4-FFF2-40B4-BE49-F238E27FC236}">
+                    <a16:creationId xmlns:a16="http://schemas.microsoft.com/office/drawing/2014/main" id="{0C1BEEBC-A9DD-4D7D-BEF1-8313EBD7D3EE}"/>
+                  </a:ext>
+                </a:extLst>
+              </p:cNvPr>
+              <p:cNvPicPr/>
+              <p:nvPr/>
+            </p:nvPicPr>
+            <p:blipFill>
+              <a:blip r:embed="rId4"/>
+              <a:stretch>
+                <a:fillRect/>
+              </a:stretch>
+            </p:blipFill>
+            <p:spPr>
+              <a:xfrm>
+                <a:off x="1152720" y="1793880"/>
+                <a:ext cx="10318680" cy="4889520"/>
+              </a:xfrm>
+              <a:prstGeom prst="rect">
+                <a:avLst/>
+              </a:prstGeom>
+            </p:spPr>
+          </p:pic>
+        </mc:Fallback>
+      </mc:AlternateContent>
     </p:spTree>
     <p:extLst>
       <p:ext uri="{BB962C8B-B14F-4D97-AF65-F5344CB8AC3E}">
@@ -16450,6 +19267,414 @@
           </a:p>
         </p:txBody>
       </p:sp>
+      <mc:AlternateContent xmlns:mc="http://schemas.openxmlformats.org/markup-compatibility/2006" xmlns:p14="http://schemas.microsoft.com/office/powerpoint/2010/main">
+        <mc:Choice Requires="p14">
+          <p:contentPart p14:bwMode="auto" r:id="rId3">
+            <p14:nvContentPartPr>
+              <p14:cNvPr id="3" name="Ink 2">
+                <a:extLst>
+                  <a:ext uri="{FF2B5EF4-FFF2-40B4-BE49-F238E27FC236}">
+                    <a16:creationId xmlns:a16="http://schemas.microsoft.com/office/drawing/2014/main" xmlns="" id="{30AD33C3-87CE-493D-A800-F830D2F769CA}"/>
+                  </a:ext>
+                </a:extLst>
+              </p14:cNvPr>
+              <p14:cNvContentPartPr/>
+              <p14:nvPr/>
+            </p14:nvContentPartPr>
+            <p14:xfrm>
+              <a:off x="2292480" y="2476440"/>
+              <a:ext cx="2292480" cy="457560"/>
+            </p14:xfrm>
+          </p:contentPart>
+        </mc:Choice>
+        <mc:Fallback xmlns="">
+          <p:pic>
+            <p:nvPicPr>
+              <p:cNvPr id="3" name="Ink 2">
+                <a:extLst>
+                  <a:ext uri="{FF2B5EF4-FFF2-40B4-BE49-F238E27FC236}">
+                    <a16:creationId xmlns:a16="http://schemas.microsoft.com/office/drawing/2014/main" id="{30AD33C3-87CE-493D-A800-F830D2F769CA}"/>
+                  </a:ext>
+                </a:extLst>
+              </p:cNvPr>
+              <p:cNvPicPr/>
+              <p:nvPr/>
+            </p:nvPicPr>
+            <p:blipFill>
+              <a:blip r:embed="rId4"/>
+              <a:stretch>
+                <a:fillRect/>
+              </a:stretch>
+            </p:blipFill>
+            <p:spPr>
+              <a:xfrm>
+                <a:off x="2276640" y="2413080"/>
+                <a:ext cx="2323800" cy="584280"/>
+              </a:xfrm>
+              <a:prstGeom prst="rect">
+                <a:avLst/>
+              </a:prstGeom>
+            </p:spPr>
+          </p:pic>
+        </mc:Fallback>
+      </mc:AlternateContent>
+      <mc:AlternateContent xmlns:mc="http://schemas.openxmlformats.org/markup-compatibility/2006" xmlns:p14="http://schemas.microsoft.com/office/powerpoint/2010/main">
+        <mc:Choice Requires="p14">
+          <p:contentPart p14:bwMode="auto" r:id="rId5">
+            <p14:nvContentPartPr>
+              <p14:cNvPr id="4" name="Ink 3">
+                <a:extLst>
+                  <a:ext uri="{FF2B5EF4-FFF2-40B4-BE49-F238E27FC236}">
+                    <a16:creationId xmlns:a16="http://schemas.microsoft.com/office/drawing/2014/main" xmlns="" id="{8BB308E1-61F7-49E7-9457-25F103B92D50}"/>
+                  </a:ext>
+                </a:extLst>
+              </p14:cNvPr>
+              <p14:cNvContentPartPr/>
+              <p14:nvPr/>
+            </p14:nvContentPartPr>
+            <p14:xfrm>
+              <a:off x="1727280" y="2908440"/>
+              <a:ext cx="2635560" cy="196920"/>
+            </p14:xfrm>
+          </p:contentPart>
+        </mc:Choice>
+        <mc:Fallback xmlns="">
+          <p:pic>
+            <p:nvPicPr>
+              <p:cNvPr id="4" name="Ink 3">
+                <a:extLst>
+                  <a:ext uri="{FF2B5EF4-FFF2-40B4-BE49-F238E27FC236}">
+                    <a16:creationId xmlns:a16="http://schemas.microsoft.com/office/drawing/2014/main" id="{8BB308E1-61F7-49E7-9457-25F103B92D50}"/>
+                  </a:ext>
+                </a:extLst>
+              </p:cNvPr>
+              <p:cNvPicPr/>
+              <p:nvPr/>
+            </p:nvPicPr>
+            <p:blipFill>
+              <a:blip r:embed="rId6"/>
+              <a:stretch>
+                <a:fillRect/>
+              </a:stretch>
+            </p:blipFill>
+            <p:spPr>
+              <a:xfrm>
+                <a:off x="1711440" y="2845080"/>
+                <a:ext cx="2666880" cy="323640"/>
+              </a:xfrm>
+              <a:prstGeom prst="rect">
+                <a:avLst/>
+              </a:prstGeom>
+            </p:spPr>
+          </p:pic>
+        </mc:Fallback>
+      </mc:AlternateContent>
+      <mc:AlternateContent xmlns:mc="http://schemas.openxmlformats.org/markup-compatibility/2006" xmlns:p14="http://schemas.microsoft.com/office/powerpoint/2010/main">
+        <mc:Choice Requires="p14">
+          <p:contentPart p14:bwMode="auto" r:id="rId7">
+            <p14:nvContentPartPr>
+              <p14:cNvPr id="5" name="Ink 4">
+                <a:extLst>
+                  <a:ext uri="{FF2B5EF4-FFF2-40B4-BE49-F238E27FC236}">
+                    <a16:creationId xmlns:a16="http://schemas.microsoft.com/office/drawing/2014/main" xmlns="" id="{41E76A87-46B1-4A5D-B121-78029117A760}"/>
+                  </a:ext>
+                </a:extLst>
+              </p14:cNvPr>
+              <p14:cNvContentPartPr/>
+              <p14:nvPr/>
+            </p14:nvContentPartPr>
+            <p14:xfrm>
+              <a:off x="1441440" y="3098880"/>
+              <a:ext cx="3143520" cy="336960"/>
+            </p14:xfrm>
+          </p:contentPart>
+        </mc:Choice>
+        <mc:Fallback xmlns="">
+          <p:pic>
+            <p:nvPicPr>
+              <p:cNvPr id="5" name="Ink 4">
+                <a:extLst>
+                  <a:ext uri="{FF2B5EF4-FFF2-40B4-BE49-F238E27FC236}">
+                    <a16:creationId xmlns:a16="http://schemas.microsoft.com/office/drawing/2014/main" id="{41E76A87-46B1-4A5D-B121-78029117A760}"/>
+                  </a:ext>
+                </a:extLst>
+              </p:cNvPr>
+              <p:cNvPicPr/>
+              <p:nvPr/>
+            </p:nvPicPr>
+            <p:blipFill>
+              <a:blip r:embed="rId8"/>
+              <a:stretch>
+                <a:fillRect/>
+              </a:stretch>
+            </p:blipFill>
+            <p:spPr>
+              <a:xfrm>
+                <a:off x="1425600" y="3035520"/>
+                <a:ext cx="3174840" cy="463680"/>
+              </a:xfrm>
+              <a:prstGeom prst="rect">
+                <a:avLst/>
+              </a:prstGeom>
+            </p:spPr>
+          </p:pic>
+        </mc:Fallback>
+      </mc:AlternateContent>
+      <mc:AlternateContent xmlns:mc="http://schemas.openxmlformats.org/markup-compatibility/2006" xmlns:p14="http://schemas.microsoft.com/office/powerpoint/2010/main">
+        <mc:Choice Requires="p14">
+          <p:contentPart p14:bwMode="auto" r:id="rId9">
+            <p14:nvContentPartPr>
+              <p14:cNvPr id="6" name="Ink 5">
+                <a:extLst>
+                  <a:ext uri="{FF2B5EF4-FFF2-40B4-BE49-F238E27FC236}">
+                    <a16:creationId xmlns:a16="http://schemas.microsoft.com/office/drawing/2014/main" xmlns="" id="{BA3907D4-1EEB-4AED-8656-4D9F943EC49D}"/>
+                  </a:ext>
+                </a:extLst>
+              </p14:cNvPr>
+              <p14:cNvContentPartPr/>
+              <p14:nvPr/>
+            </p14:nvContentPartPr>
+            <p14:xfrm>
+              <a:off x="1422360" y="3416400"/>
+              <a:ext cx="3099240" cy="419400"/>
+            </p14:xfrm>
+          </p:contentPart>
+        </mc:Choice>
+        <mc:Fallback xmlns="">
+          <p:pic>
+            <p:nvPicPr>
+              <p:cNvPr id="6" name="Ink 5">
+                <a:extLst>
+                  <a:ext uri="{FF2B5EF4-FFF2-40B4-BE49-F238E27FC236}">
+                    <a16:creationId xmlns:a16="http://schemas.microsoft.com/office/drawing/2014/main" id="{BA3907D4-1EEB-4AED-8656-4D9F943EC49D}"/>
+                  </a:ext>
+                </a:extLst>
+              </p:cNvPr>
+              <p:cNvPicPr/>
+              <p:nvPr/>
+            </p:nvPicPr>
+            <p:blipFill>
+              <a:blip r:embed="rId10"/>
+              <a:stretch>
+                <a:fillRect/>
+              </a:stretch>
+            </p:blipFill>
+            <p:spPr>
+              <a:xfrm>
+                <a:off x="1406520" y="3353040"/>
+                <a:ext cx="3130560" cy="546120"/>
+              </a:xfrm>
+              <a:prstGeom prst="rect">
+                <a:avLst/>
+              </a:prstGeom>
+            </p:spPr>
+          </p:pic>
+        </mc:Fallback>
+      </mc:AlternateContent>
+      <mc:AlternateContent xmlns:mc="http://schemas.openxmlformats.org/markup-compatibility/2006" xmlns:p14="http://schemas.microsoft.com/office/powerpoint/2010/main">
+        <mc:Choice Requires="p14">
+          <p:contentPart p14:bwMode="auto" r:id="rId11">
+            <p14:nvContentPartPr>
+              <p14:cNvPr id="7" name="Ink 6">
+                <a:extLst>
+                  <a:ext uri="{FF2B5EF4-FFF2-40B4-BE49-F238E27FC236}">
+                    <a16:creationId xmlns:a16="http://schemas.microsoft.com/office/drawing/2014/main" xmlns="" id="{1A29A5F0-254F-40FA-B892-DB0F6B851250}"/>
+                  </a:ext>
+                </a:extLst>
+              </p14:cNvPr>
+              <p14:cNvContentPartPr/>
+              <p14:nvPr/>
+            </p14:nvContentPartPr>
+            <p14:xfrm>
+              <a:off x="1333440" y="3822840"/>
+              <a:ext cx="1162440" cy="292320"/>
+            </p14:xfrm>
+          </p:contentPart>
+        </mc:Choice>
+        <mc:Fallback xmlns="">
+          <p:pic>
+            <p:nvPicPr>
+              <p:cNvPr id="7" name="Ink 6">
+                <a:extLst>
+                  <a:ext uri="{FF2B5EF4-FFF2-40B4-BE49-F238E27FC236}">
+                    <a16:creationId xmlns:a16="http://schemas.microsoft.com/office/drawing/2014/main" id="{1A29A5F0-254F-40FA-B892-DB0F6B851250}"/>
+                  </a:ext>
+                </a:extLst>
+              </p:cNvPr>
+              <p:cNvPicPr/>
+              <p:nvPr/>
+            </p:nvPicPr>
+            <p:blipFill>
+              <a:blip r:embed="rId12"/>
+              <a:stretch>
+                <a:fillRect/>
+              </a:stretch>
+            </p:blipFill>
+            <p:spPr>
+              <a:xfrm>
+                <a:off x="1317600" y="3759480"/>
+                <a:ext cx="1193760" cy="419040"/>
+              </a:xfrm>
+              <a:prstGeom prst="rect">
+                <a:avLst/>
+              </a:prstGeom>
+            </p:spPr>
+          </p:pic>
+        </mc:Fallback>
+      </mc:AlternateContent>
+      <mc:AlternateContent xmlns:mc="http://schemas.openxmlformats.org/markup-compatibility/2006" xmlns:p14="http://schemas.microsoft.com/office/powerpoint/2010/main">
+        <mc:Choice Requires="p14">
+          <p:contentPart p14:bwMode="auto" r:id="rId13">
+            <p14:nvContentPartPr>
+              <p14:cNvPr id="8" name="Ink 7">
+                <a:extLst>
+                  <a:ext uri="{FF2B5EF4-FFF2-40B4-BE49-F238E27FC236}">
+                    <a16:creationId xmlns:a16="http://schemas.microsoft.com/office/drawing/2014/main" xmlns="" id="{7F10E9C9-F1CA-4D1B-A9BE-DEBFAF0F7465}"/>
+                  </a:ext>
+                </a:extLst>
+              </p14:cNvPr>
+              <p14:cNvContentPartPr/>
+              <p14:nvPr/>
+            </p14:nvContentPartPr>
+            <p14:xfrm>
+              <a:off x="1409760" y="4070520"/>
+              <a:ext cx="3295800" cy="209880"/>
+            </p14:xfrm>
+          </p:contentPart>
+        </mc:Choice>
+        <mc:Fallback xmlns="">
+          <p:pic>
+            <p:nvPicPr>
+              <p:cNvPr id="8" name="Ink 7">
+                <a:extLst>
+                  <a:ext uri="{FF2B5EF4-FFF2-40B4-BE49-F238E27FC236}">
+                    <a16:creationId xmlns:a16="http://schemas.microsoft.com/office/drawing/2014/main" id="{7F10E9C9-F1CA-4D1B-A9BE-DEBFAF0F7465}"/>
+                  </a:ext>
+                </a:extLst>
+              </p:cNvPr>
+              <p:cNvPicPr/>
+              <p:nvPr/>
+            </p:nvPicPr>
+            <p:blipFill>
+              <a:blip r:embed="rId14"/>
+              <a:stretch>
+                <a:fillRect/>
+              </a:stretch>
+            </p:blipFill>
+            <p:spPr>
+              <a:xfrm>
+                <a:off x="1393920" y="4007160"/>
+                <a:ext cx="3327120" cy="336600"/>
+              </a:xfrm>
+              <a:prstGeom prst="rect">
+                <a:avLst/>
+              </a:prstGeom>
+            </p:spPr>
+          </p:pic>
+        </mc:Fallback>
+      </mc:AlternateContent>
+      <mc:AlternateContent xmlns:mc="http://schemas.openxmlformats.org/markup-compatibility/2006" xmlns:p14="http://schemas.microsoft.com/office/powerpoint/2010/main">
+        <mc:Choice Requires="p14">
+          <p:contentPart p14:bwMode="auto" r:id="rId15">
+            <p14:nvContentPartPr>
+              <p14:cNvPr id="9" name="Ink 8">
+                <a:extLst>
+                  <a:ext uri="{FF2B5EF4-FFF2-40B4-BE49-F238E27FC236}">
+                    <a16:creationId xmlns:a16="http://schemas.microsoft.com/office/drawing/2014/main" xmlns="" id="{E46DA7DB-D908-4E41-ABBB-E80B5E6E7F2D}"/>
+                  </a:ext>
+                </a:extLst>
+              </p14:cNvPr>
+              <p14:cNvContentPartPr/>
+              <p14:nvPr/>
+            </p14:nvContentPartPr>
+            <p14:xfrm>
+              <a:off x="971640" y="4178160"/>
+              <a:ext cx="3651480" cy="825840"/>
+            </p14:xfrm>
+          </p:contentPart>
+        </mc:Choice>
+        <mc:Fallback xmlns="">
+          <p:pic>
+            <p:nvPicPr>
+              <p:cNvPr id="9" name="Ink 8">
+                <a:extLst>
+                  <a:ext uri="{FF2B5EF4-FFF2-40B4-BE49-F238E27FC236}">
+                    <a16:creationId xmlns:a16="http://schemas.microsoft.com/office/drawing/2014/main" id="{E46DA7DB-D908-4E41-ABBB-E80B5E6E7F2D}"/>
+                  </a:ext>
+                </a:extLst>
+              </p:cNvPr>
+              <p:cNvPicPr/>
+              <p:nvPr/>
+            </p:nvPicPr>
+            <p:blipFill>
+              <a:blip r:embed="rId16"/>
+              <a:stretch>
+                <a:fillRect/>
+              </a:stretch>
+            </p:blipFill>
+            <p:spPr>
+              <a:xfrm>
+                <a:off x="955800" y="4114800"/>
+                <a:ext cx="3682800" cy="952560"/>
+              </a:xfrm>
+              <a:prstGeom prst="rect">
+                <a:avLst/>
+              </a:prstGeom>
+            </p:spPr>
+          </p:pic>
+        </mc:Fallback>
+      </mc:AlternateContent>
+      <mc:AlternateContent xmlns:mc="http://schemas.openxmlformats.org/markup-compatibility/2006" xmlns:p14="http://schemas.microsoft.com/office/powerpoint/2010/main">
+        <mc:Choice Requires="p14">
+          <p:contentPart p14:bwMode="auto" r:id="rId17">
+            <p14:nvContentPartPr>
+              <p14:cNvPr id="10" name="Ink 9">
+                <a:extLst>
+                  <a:ext uri="{FF2B5EF4-FFF2-40B4-BE49-F238E27FC236}">
+                    <a16:creationId xmlns:a16="http://schemas.microsoft.com/office/drawing/2014/main" xmlns="" id="{9D401180-E23A-4DAE-AB20-9E7543CBD23B}"/>
+                  </a:ext>
+                </a:extLst>
+              </p14:cNvPr>
+              <p14:cNvContentPartPr/>
+              <p14:nvPr/>
+            </p14:nvContentPartPr>
+            <p14:xfrm>
+              <a:off x="108000" y="1860480"/>
+              <a:ext cx="7728120" cy="3677040"/>
+            </p14:xfrm>
+          </p:contentPart>
+        </mc:Choice>
+        <mc:Fallback xmlns="">
+          <p:pic>
+            <p:nvPicPr>
+              <p:cNvPr id="10" name="Ink 9">
+                <a:extLst>
+                  <a:ext uri="{FF2B5EF4-FFF2-40B4-BE49-F238E27FC236}">
+                    <a16:creationId xmlns:a16="http://schemas.microsoft.com/office/drawing/2014/main" id="{9D401180-E23A-4DAE-AB20-9E7543CBD23B}"/>
+                  </a:ext>
+                </a:extLst>
+              </p:cNvPr>
+              <p:cNvPicPr/>
+              <p:nvPr/>
+            </p:nvPicPr>
+            <p:blipFill>
+              <a:blip r:embed="rId18"/>
+              <a:stretch>
+                <a:fillRect/>
+              </a:stretch>
+            </p:blipFill>
+            <p:spPr>
+              <a:xfrm>
+                <a:off x="98640" y="1851120"/>
+                <a:ext cx="7746840" cy="3695760"/>
+              </a:xfrm>
+              <a:prstGeom prst="rect">
+                <a:avLst/>
+              </a:prstGeom>
+            </p:spPr>
+          </p:pic>
+        </mc:Fallback>
+      </mc:AlternateContent>
     </p:spTree>
     <p:extLst>
       <p:ext uri="{BB962C8B-B14F-4D97-AF65-F5344CB8AC3E}">
@@ -17301,6 +20526,57 @@
           </a:graphicData>
         </a:graphic>
       </p:graphicFrame>
+      <mc:AlternateContent xmlns:mc="http://schemas.openxmlformats.org/markup-compatibility/2006" xmlns:p14="http://schemas.microsoft.com/office/powerpoint/2010/main">
+        <mc:Choice Requires="p14">
+          <p:contentPart p14:bwMode="auto" r:id="rId4">
+            <p14:nvContentPartPr>
+              <p14:cNvPr id="2" name="Ink 1">
+                <a:extLst>
+                  <a:ext uri="{FF2B5EF4-FFF2-40B4-BE49-F238E27FC236}">
+                    <a16:creationId xmlns:a16="http://schemas.microsoft.com/office/drawing/2014/main" xmlns="" id="{EF8BEEDD-F353-4338-929F-50588A6CE66E}"/>
+                  </a:ext>
+                </a:extLst>
+              </p14:cNvPr>
+              <p14:cNvContentPartPr/>
+              <p14:nvPr/>
+            </p14:nvContentPartPr>
+            <p14:xfrm>
+              <a:off x="6718320" y="1371600"/>
+              <a:ext cx="5054760" cy="4096080"/>
+            </p14:xfrm>
+          </p:contentPart>
+        </mc:Choice>
+        <mc:Fallback xmlns="">
+          <p:pic>
+            <p:nvPicPr>
+              <p:cNvPr id="2" name="Ink 1">
+                <a:extLst>
+                  <a:ext uri="{FF2B5EF4-FFF2-40B4-BE49-F238E27FC236}">
+                    <a16:creationId xmlns:a16="http://schemas.microsoft.com/office/drawing/2014/main" id="{EF8BEEDD-F353-4338-929F-50588A6CE66E}"/>
+                  </a:ext>
+                </a:extLst>
+              </p:cNvPr>
+              <p:cNvPicPr/>
+              <p:nvPr/>
+            </p:nvPicPr>
+            <p:blipFill>
+              <a:blip r:embed="rId5"/>
+              <a:stretch>
+                <a:fillRect/>
+              </a:stretch>
+            </p:blipFill>
+            <p:spPr>
+              <a:xfrm>
+                <a:off x="6708960" y="1362240"/>
+                <a:ext cx="5073480" cy="4114800"/>
+              </a:xfrm>
+              <a:prstGeom prst="rect">
+                <a:avLst/>
+              </a:prstGeom>
+            </p:spPr>
+          </p:pic>
+        </mc:Fallback>
+      </mc:AlternateContent>
     </p:spTree>
     <p:extLst>
       <p:ext uri="{BB962C8B-B14F-4D97-AF65-F5344CB8AC3E}">
@@ -17403,59 +20679,6 @@
               <a:rPr lang="en-US" dirty="0"/>
               <a:t>Confidence &gt; 0.90</a:t>
             </a:r>
-          </a:p>
-        </p:txBody>
-      </p:sp>
-      <p:sp>
-        <p:nvSpPr>
-          <p:cNvPr id="4" name="TextBox 3">
-            <a:extLst>
-              <a:ext uri="{FF2B5EF4-FFF2-40B4-BE49-F238E27FC236}">
-                <a16:creationId xmlns:a16="http://schemas.microsoft.com/office/drawing/2014/main" xmlns="" id="{E8CAC22F-1542-4031-BC6C-A16989886504}"/>
-              </a:ext>
-            </a:extLst>
-          </p:cNvPr>
-          <p:cNvSpPr txBox="1"/>
-          <p:nvPr/>
-        </p:nvSpPr>
-        <p:spPr>
-          <a:xfrm>
-            <a:off x="4943872" y="6550224"/>
-            <a:ext cx="3456384" cy="307777"/>
-          </a:xfrm>
-          <a:prstGeom prst="rect">
-            <a:avLst/>
-          </a:prstGeom>
-          <a:noFill/>
-        </p:spPr>
-        <p:txBody>
-          <a:bodyPr wrap="square" rtlCol="0">
-            <a:spAutoFit/>
-          </a:bodyPr>
-          <a:lstStyle/>
-          <a:p>
-            <a:pPr defTabSz="1218987">
-              <a:defRPr/>
-            </a:pPr>
-            <a:r>
-              <a:rPr lang="en-US" sz="1400" b="1" dirty="0">
-                <a:solidFill>
-                  <a:prstClr val="black"/>
-                </a:solidFill>
-                <a:latin typeface="Arial Rounded MT Bold" panose="020F0704030504030204" pitchFamily="34" charset="0"/>
-                <a:ea typeface="Arial Unicode MS" panose="020B0604020202020204" pitchFamily="34" charset="-128"/>
-                <a:cs typeface="Arial Unicode MS" panose="020B0604020202020204" pitchFamily="34" charset="-128"/>
-              </a:rPr>
-              <a:t>www.anubhavtrainings.com</a:t>
-            </a:r>
-            <a:endParaRPr lang="en-IN" sz="1400" b="1" dirty="0">
-              <a:solidFill>
-                <a:prstClr val="black"/>
-              </a:solidFill>
-              <a:latin typeface="Arial Rounded MT Bold" panose="020F0704030504030204" pitchFamily="34" charset="0"/>
-              <a:ea typeface="Arial Unicode MS" panose="020B0604020202020204" pitchFamily="34" charset="-128"/>
-              <a:cs typeface="Arial Unicode MS" panose="020B0604020202020204" pitchFamily="34" charset="-128"/>
-            </a:endParaRPr>
           </a:p>
         </p:txBody>
       </p:sp>
